--- a/Manuscript/Figures/04_Results_BSrel_AROC.pptx
+++ b/Manuscript/Figures/04_Results_BSrel_AROC.pptx
@@ -2,12 +2,12 @@
 <file path=ppt/presentation.xml><?xml version="1.0" encoding="utf-8"?>
 <p:presentation xmlns:a="http://schemas.openxmlformats.org/drawingml/2006/main" xmlns:r="http://schemas.openxmlformats.org/officeDocument/2006/relationships" xmlns:p="http://schemas.openxmlformats.org/presentationml/2006/main" saveSubsetFonts="1">
   <p:sldMasterIdLst>
-    <p:sldMasterId id="2147483672" r:id="rId1"/>
+    <p:sldMasterId id="2147483684" r:id="rId1"/>
   </p:sldMasterIdLst>
   <p:sldIdLst>
     <p:sldId id="256" r:id="rId2"/>
   </p:sldIdLst>
-  <p:sldSz cx="6624638" cy="8891588"/>
+  <p:sldSz cx="6624638" cy="8496300"/>
   <p:notesSz cx="6858000" cy="9144000"/>
   <p:defaultTextStyle>
     <a:defPPr>
@@ -104,19 +104,1168 @@
       </a:defRPr>
     </a:lvl9pPr>
   </p:defaultTextStyle>
+  <p:extLst>
+    <p:ext uri="{EFAFB233-063F-42B5-8137-9DF3F51BA10A}">
+      <p15:sldGuideLst xmlns:p15="http://schemas.microsoft.com/office/powerpoint/2012/main"/>
+    </p:ext>
+  </p:extLst>
 </p:presentation>
 </file>
 
 <file path=ppt/revisionInfo.xml><?xml version="1.0" encoding="utf-8"?>
 <p1510:revInfo xmlns:a="http://schemas.openxmlformats.org/drawingml/2006/main" xmlns:r="http://schemas.openxmlformats.org/officeDocument/2006/relationships" xmlns:p1510="http://schemas.microsoft.com/office/powerpoint/2015/10/main">
   <p1510:revLst>
-    <p1510:client id="{79429B92-F843-4CD1-A45F-7106F93BF9AF}" v="18" dt="2023-12-20T11:48:43.350"/>
+    <p1510:client id="{C3FD463E-E8A1-4BF2-9983-011679297F9E}" v="22" dt="2023-12-21T14:33:18.104"/>
   </p1510:revLst>
 </p1510:revInfo>
 </file>
 
 <file path=ppt/changesInfos/changesInfo1.xml><?xml version="1.0" encoding="utf-8"?>
 <pc:chgInfo xmlns:a="http://schemas.openxmlformats.org/drawingml/2006/main" xmlns:r="http://schemas.openxmlformats.org/officeDocument/2006/relationships" xmlns:ac="http://schemas.microsoft.com/office/drawing/2013/main/command" xmlns:pc="http://schemas.microsoft.com/office/powerpoint/2013/main/command">
+  <pc:docChgLst>
+    <pc:chgData name="Fatima Pillosu" userId="a6295d4dc9e22643" providerId="LiveId" clId="{C3FD463E-E8A1-4BF2-9983-011679297F9E}"/>
+    <pc:docChg chg="undo custSel modSld">
+      <pc:chgData name="Fatima Pillosu" userId="a6295d4dc9e22643" providerId="LiveId" clId="{C3FD463E-E8A1-4BF2-9983-011679297F9E}" dt="2023-12-21T14:33:18.104" v="463"/>
+      <pc:docMkLst>
+        <pc:docMk/>
+      </pc:docMkLst>
+      <pc:sldChg chg="addSp delSp modSp mod">
+        <pc:chgData name="Fatima Pillosu" userId="a6295d4dc9e22643" providerId="LiveId" clId="{C3FD463E-E8A1-4BF2-9983-011679297F9E}" dt="2023-12-21T14:33:18.104" v="463"/>
+        <pc:sldMkLst>
+          <pc:docMk/>
+          <pc:sldMk cId="3953640220" sldId="256"/>
+        </pc:sldMkLst>
+        <pc:spChg chg="add del mod">
+          <ac:chgData name="Fatima Pillosu" userId="a6295d4dc9e22643" providerId="LiveId" clId="{C3FD463E-E8A1-4BF2-9983-011679297F9E}" dt="2023-12-21T14:18:07.333" v="33" actId="478"/>
+          <ac:spMkLst>
+            <pc:docMk/>
+            <pc:sldMk cId="3953640220" sldId="256"/>
+            <ac:spMk id="2" creationId="{0E17FD01-6099-DEBC-59D5-7B358B814125}"/>
+          </ac:spMkLst>
+        </pc:spChg>
+        <pc:spChg chg="add del">
+          <ac:chgData name="Fatima Pillosu" userId="a6295d4dc9e22643" providerId="LiveId" clId="{C3FD463E-E8A1-4BF2-9983-011679297F9E}" dt="2023-12-21T14:26:13.050" v="275" actId="478"/>
+          <ac:spMkLst>
+            <pc:docMk/>
+            <pc:sldMk cId="3953640220" sldId="256"/>
+            <ac:spMk id="9" creationId="{6D5213F1-711E-DCBB-C062-389E634C1D0C}"/>
+          </ac:spMkLst>
+        </pc:spChg>
+        <pc:spChg chg="add del mod">
+          <ac:chgData name="Fatima Pillosu" userId="a6295d4dc9e22643" providerId="LiveId" clId="{C3FD463E-E8A1-4BF2-9983-011679297F9E}" dt="2023-12-21T14:26:12.103" v="274" actId="478"/>
+          <ac:spMkLst>
+            <pc:docMk/>
+            <pc:sldMk cId="3953640220" sldId="256"/>
+            <ac:spMk id="10" creationId="{FE0B47CD-06D4-06D0-49C9-8F361E689F3A}"/>
+          </ac:spMkLst>
+        </pc:spChg>
+        <pc:spChg chg="add del mod">
+          <ac:chgData name="Fatima Pillosu" userId="a6295d4dc9e22643" providerId="LiveId" clId="{C3FD463E-E8A1-4BF2-9983-011679297F9E}" dt="2023-12-21T14:33:04.159" v="462" actId="21"/>
+          <ac:spMkLst>
+            <pc:docMk/>
+            <pc:sldMk cId="3953640220" sldId="256"/>
+            <ac:spMk id="11" creationId="{73E2B67B-B901-BEB8-2D1B-11280790B7C0}"/>
+          </ac:spMkLst>
+        </pc:spChg>
+        <pc:spChg chg="add del mod">
+          <ac:chgData name="Fatima Pillosu" userId="a6295d4dc9e22643" providerId="LiveId" clId="{C3FD463E-E8A1-4BF2-9983-011679297F9E}" dt="2023-12-21T14:33:04.159" v="462" actId="21"/>
+          <ac:spMkLst>
+            <pc:docMk/>
+            <pc:sldMk cId="3953640220" sldId="256"/>
+            <ac:spMk id="12" creationId="{0D6E3E79-733E-8540-0A37-ACEEB9B2F24F}"/>
+          </ac:spMkLst>
+        </pc:spChg>
+        <pc:spChg chg="add del mod">
+          <ac:chgData name="Fatima Pillosu" userId="a6295d4dc9e22643" providerId="LiveId" clId="{C3FD463E-E8A1-4BF2-9983-011679297F9E}" dt="2023-12-21T14:33:04.159" v="462" actId="21"/>
+          <ac:spMkLst>
+            <pc:docMk/>
+            <pc:sldMk cId="3953640220" sldId="256"/>
+            <ac:spMk id="13" creationId="{0A785BD5-E49D-CCF4-A307-BA5E6008BC59}"/>
+          </ac:spMkLst>
+        </pc:spChg>
+        <pc:spChg chg="add del mod">
+          <ac:chgData name="Fatima Pillosu" userId="a6295d4dc9e22643" providerId="LiveId" clId="{C3FD463E-E8A1-4BF2-9983-011679297F9E}" dt="2023-12-21T14:33:04.159" v="462" actId="21"/>
+          <ac:spMkLst>
+            <pc:docMk/>
+            <pc:sldMk cId="3953640220" sldId="256"/>
+            <ac:spMk id="14" creationId="{F42A7A5E-D924-30B0-BB49-9672F3A19C92}"/>
+          </ac:spMkLst>
+        </pc:spChg>
+        <pc:spChg chg="add del mod">
+          <ac:chgData name="Fatima Pillosu" userId="a6295d4dc9e22643" providerId="LiveId" clId="{C3FD463E-E8A1-4BF2-9983-011679297F9E}" dt="2023-12-21T14:23:34.649" v="238"/>
+          <ac:spMkLst>
+            <pc:docMk/>
+            <pc:sldMk cId="3953640220" sldId="256"/>
+            <ac:spMk id="15" creationId="{8162C1CF-9BB4-3E3B-FD0B-D8387A452D35}"/>
+          </ac:spMkLst>
+        </pc:spChg>
+        <pc:spChg chg="add del mod">
+          <ac:chgData name="Fatima Pillosu" userId="a6295d4dc9e22643" providerId="LiveId" clId="{C3FD463E-E8A1-4BF2-9983-011679297F9E}" dt="2023-12-21T14:33:04.159" v="462" actId="21"/>
+          <ac:spMkLst>
+            <pc:docMk/>
+            <pc:sldMk cId="3953640220" sldId="256"/>
+            <ac:spMk id="16" creationId="{F2F3BF7C-7059-2AB6-EC30-1355147535E9}"/>
+          </ac:spMkLst>
+        </pc:spChg>
+        <pc:spChg chg="add del mod">
+          <ac:chgData name="Fatima Pillosu" userId="a6295d4dc9e22643" providerId="LiveId" clId="{C3FD463E-E8A1-4BF2-9983-011679297F9E}" dt="2023-12-21T14:33:04.159" v="462" actId="21"/>
+          <ac:spMkLst>
+            <pc:docMk/>
+            <pc:sldMk cId="3953640220" sldId="256"/>
+            <ac:spMk id="17" creationId="{459C354D-8CA9-4C89-6332-621068FAEB5D}"/>
+          </ac:spMkLst>
+        </pc:spChg>
+        <pc:spChg chg="add del mod">
+          <ac:chgData name="Fatima Pillosu" userId="a6295d4dc9e22643" providerId="LiveId" clId="{C3FD463E-E8A1-4BF2-9983-011679297F9E}" dt="2023-12-21T14:33:04.159" v="462" actId="21"/>
+          <ac:spMkLst>
+            <pc:docMk/>
+            <pc:sldMk cId="3953640220" sldId="256"/>
+            <ac:spMk id="18" creationId="{AC80DEE9-AB26-0206-C6C7-BBF9139479B6}"/>
+          </ac:spMkLst>
+        </pc:spChg>
+        <pc:spChg chg="add del mod">
+          <ac:chgData name="Fatima Pillosu" userId="a6295d4dc9e22643" providerId="LiveId" clId="{C3FD463E-E8A1-4BF2-9983-011679297F9E}" dt="2023-12-21T14:33:04.159" v="462" actId="21"/>
+          <ac:spMkLst>
+            <pc:docMk/>
+            <pc:sldMk cId="3953640220" sldId="256"/>
+            <ac:spMk id="19" creationId="{6655E13E-0761-4B0A-5995-B258D9A038A6}"/>
+          </ac:spMkLst>
+        </pc:spChg>
+        <pc:spChg chg="add del mod">
+          <ac:chgData name="Fatima Pillosu" userId="a6295d4dc9e22643" providerId="LiveId" clId="{C3FD463E-E8A1-4BF2-9983-011679297F9E}" dt="2023-12-21T14:27:03.857" v="314" actId="478"/>
+          <ac:spMkLst>
+            <pc:docMk/>
+            <pc:sldMk cId="3953640220" sldId="256"/>
+            <ac:spMk id="23" creationId="{FFA3CFA5-640B-FB70-F519-9A7AB1A56061}"/>
+          </ac:spMkLst>
+        </pc:spChg>
+        <pc:spChg chg="add del mod">
+          <ac:chgData name="Fatima Pillosu" userId="a6295d4dc9e22643" providerId="LiveId" clId="{C3FD463E-E8A1-4BF2-9983-011679297F9E}" dt="2023-12-21T14:27:03.857" v="314" actId="478"/>
+          <ac:spMkLst>
+            <pc:docMk/>
+            <pc:sldMk cId="3953640220" sldId="256"/>
+            <ac:spMk id="24" creationId="{086665C7-4C67-F1CE-D02D-BC4DE1279317}"/>
+          </ac:spMkLst>
+        </pc:spChg>
+        <pc:spChg chg="add del mod">
+          <ac:chgData name="Fatima Pillosu" userId="a6295d4dc9e22643" providerId="LiveId" clId="{C3FD463E-E8A1-4BF2-9983-011679297F9E}" dt="2023-12-21T14:27:03.857" v="314" actId="478"/>
+          <ac:spMkLst>
+            <pc:docMk/>
+            <pc:sldMk cId="3953640220" sldId="256"/>
+            <ac:spMk id="25" creationId="{DD88C93D-72D5-E747-8370-4A7A82ECB9FE}"/>
+          </ac:spMkLst>
+        </pc:spChg>
+        <pc:spChg chg="add del mod">
+          <ac:chgData name="Fatima Pillosu" userId="a6295d4dc9e22643" providerId="LiveId" clId="{C3FD463E-E8A1-4BF2-9983-011679297F9E}" dt="2023-12-21T14:27:03.857" v="314" actId="478"/>
+          <ac:spMkLst>
+            <pc:docMk/>
+            <pc:sldMk cId="3953640220" sldId="256"/>
+            <ac:spMk id="26" creationId="{C6C2A627-7C93-E8B1-2128-AD60497969F0}"/>
+          </ac:spMkLst>
+        </pc:spChg>
+        <pc:spChg chg="add del mod">
+          <ac:chgData name="Fatima Pillosu" userId="a6295d4dc9e22643" providerId="LiveId" clId="{C3FD463E-E8A1-4BF2-9983-011679297F9E}" dt="2023-12-21T14:27:03.857" v="314" actId="478"/>
+          <ac:spMkLst>
+            <pc:docMk/>
+            <pc:sldMk cId="3953640220" sldId="256"/>
+            <ac:spMk id="27" creationId="{16DC5781-FEF4-5994-29D2-5B54AD0441A6}"/>
+          </ac:spMkLst>
+        </pc:spChg>
+        <pc:spChg chg="add del mod">
+          <ac:chgData name="Fatima Pillosu" userId="a6295d4dc9e22643" providerId="LiveId" clId="{C3FD463E-E8A1-4BF2-9983-011679297F9E}" dt="2023-12-21T14:27:03.857" v="314" actId="478"/>
+          <ac:spMkLst>
+            <pc:docMk/>
+            <pc:sldMk cId="3953640220" sldId="256"/>
+            <ac:spMk id="28" creationId="{7A840CA1-75E5-C5AD-4F37-13FE59C98933}"/>
+          </ac:spMkLst>
+        </pc:spChg>
+        <pc:spChg chg="add del mod">
+          <ac:chgData name="Fatima Pillosu" userId="a6295d4dc9e22643" providerId="LiveId" clId="{C3FD463E-E8A1-4BF2-9983-011679297F9E}" dt="2023-12-21T14:27:03.857" v="314" actId="478"/>
+          <ac:spMkLst>
+            <pc:docMk/>
+            <pc:sldMk cId="3953640220" sldId="256"/>
+            <ac:spMk id="29" creationId="{F790EBB0-330F-D284-EADF-608917D24E26}"/>
+          </ac:spMkLst>
+        </pc:spChg>
+        <pc:spChg chg="add del mod">
+          <ac:chgData name="Fatima Pillosu" userId="a6295d4dc9e22643" providerId="LiveId" clId="{C3FD463E-E8A1-4BF2-9983-011679297F9E}" dt="2023-12-21T14:27:03.857" v="314" actId="478"/>
+          <ac:spMkLst>
+            <pc:docMk/>
+            <pc:sldMk cId="3953640220" sldId="256"/>
+            <ac:spMk id="30" creationId="{0518CB7D-7418-2DED-23B6-C64D2CCFA54B}"/>
+          </ac:spMkLst>
+        </pc:spChg>
+        <pc:spChg chg="add del mod">
+          <ac:chgData name="Fatima Pillosu" userId="a6295d4dc9e22643" providerId="LiveId" clId="{C3FD463E-E8A1-4BF2-9983-011679297F9E}" dt="2023-12-21T14:33:04.159" v="462" actId="21"/>
+          <ac:spMkLst>
+            <pc:docMk/>
+            <pc:sldMk cId="3953640220" sldId="256"/>
+            <ac:spMk id="31" creationId="{4F67EC5E-0C27-742A-70CD-9FD1AAA89FE5}"/>
+          </ac:spMkLst>
+        </pc:spChg>
+        <pc:spChg chg="add del mod">
+          <ac:chgData name="Fatima Pillosu" userId="a6295d4dc9e22643" providerId="LiveId" clId="{C3FD463E-E8A1-4BF2-9983-011679297F9E}" dt="2023-12-21T14:33:04.159" v="462" actId="21"/>
+          <ac:spMkLst>
+            <pc:docMk/>
+            <pc:sldMk cId="3953640220" sldId="256"/>
+            <ac:spMk id="32" creationId="{F5EE0CD4-33CD-3E14-5288-A181656102FE}"/>
+          </ac:spMkLst>
+        </pc:spChg>
+        <pc:spChg chg="add del mod">
+          <ac:chgData name="Fatima Pillosu" userId="a6295d4dc9e22643" providerId="LiveId" clId="{C3FD463E-E8A1-4BF2-9983-011679297F9E}" dt="2023-12-21T14:33:04.159" v="462" actId="21"/>
+          <ac:spMkLst>
+            <pc:docMk/>
+            <pc:sldMk cId="3953640220" sldId="256"/>
+            <ac:spMk id="33" creationId="{0E171925-04F7-B51A-5EBE-46376D31EF36}"/>
+          </ac:spMkLst>
+        </pc:spChg>
+        <pc:spChg chg="add del mod">
+          <ac:chgData name="Fatima Pillosu" userId="a6295d4dc9e22643" providerId="LiveId" clId="{C3FD463E-E8A1-4BF2-9983-011679297F9E}" dt="2023-12-21T14:33:04.159" v="462" actId="21"/>
+          <ac:spMkLst>
+            <pc:docMk/>
+            <pc:sldMk cId="3953640220" sldId="256"/>
+            <ac:spMk id="37" creationId="{542CE9E7-8346-E9C2-C904-7D688831EC73}"/>
+          </ac:spMkLst>
+        </pc:spChg>
+        <pc:spChg chg="add del mod">
+          <ac:chgData name="Fatima Pillosu" userId="a6295d4dc9e22643" providerId="LiveId" clId="{C3FD463E-E8A1-4BF2-9983-011679297F9E}" dt="2023-12-21T14:33:04.159" v="462" actId="21"/>
+          <ac:spMkLst>
+            <pc:docMk/>
+            <pc:sldMk cId="3953640220" sldId="256"/>
+            <ac:spMk id="38" creationId="{85EE5A4B-34F4-A8C0-0DF9-0EB462A34AB7}"/>
+          </ac:spMkLst>
+        </pc:spChg>
+        <pc:spChg chg="add del mod">
+          <ac:chgData name="Fatima Pillosu" userId="a6295d4dc9e22643" providerId="LiveId" clId="{C3FD463E-E8A1-4BF2-9983-011679297F9E}" dt="2023-12-21T14:33:04.159" v="462" actId="21"/>
+          <ac:spMkLst>
+            <pc:docMk/>
+            <pc:sldMk cId="3953640220" sldId="256"/>
+            <ac:spMk id="39" creationId="{968D966B-75F6-98FB-6BD2-A56F4B6F3D77}"/>
+          </ac:spMkLst>
+        </pc:spChg>
+        <pc:spChg chg="add del mod">
+          <ac:chgData name="Fatima Pillosu" userId="a6295d4dc9e22643" providerId="LiveId" clId="{C3FD463E-E8A1-4BF2-9983-011679297F9E}" dt="2023-12-21T14:29:05.182" v="342" actId="478"/>
+          <ac:spMkLst>
+            <pc:docMk/>
+            <pc:sldMk cId="3953640220" sldId="256"/>
+            <ac:spMk id="40" creationId="{D2FC8DD8-4D39-E1DC-C9AD-9ABF330DD09B}"/>
+          </ac:spMkLst>
+        </pc:spChg>
+        <pc:spChg chg="add del mod">
+          <ac:chgData name="Fatima Pillosu" userId="a6295d4dc9e22643" providerId="LiveId" clId="{C3FD463E-E8A1-4BF2-9983-011679297F9E}" dt="2023-12-21T14:29:05.697" v="343" actId="478"/>
+          <ac:spMkLst>
+            <pc:docMk/>
+            <pc:sldMk cId="3953640220" sldId="256"/>
+            <ac:spMk id="41" creationId="{2E52CFCF-692A-144B-1C74-C783CCBC27B9}"/>
+          </ac:spMkLst>
+        </pc:spChg>
+        <pc:spChg chg="add del mod">
+          <ac:chgData name="Fatima Pillosu" userId="a6295d4dc9e22643" providerId="LiveId" clId="{C3FD463E-E8A1-4BF2-9983-011679297F9E}" dt="2023-12-21T14:29:06.284" v="344" actId="478"/>
+          <ac:spMkLst>
+            <pc:docMk/>
+            <pc:sldMk cId="3953640220" sldId="256"/>
+            <ac:spMk id="42" creationId="{3C5E0AB4-1FEF-E03B-CCA6-E0D8F1F775EC}"/>
+          </ac:spMkLst>
+        </pc:spChg>
+        <pc:spChg chg="add del mod">
+          <ac:chgData name="Fatima Pillosu" userId="a6295d4dc9e22643" providerId="LiveId" clId="{C3FD463E-E8A1-4BF2-9983-011679297F9E}" dt="2023-12-21T14:33:04.159" v="462" actId="21"/>
+          <ac:spMkLst>
+            <pc:docMk/>
+            <pc:sldMk cId="3953640220" sldId="256"/>
+            <ac:spMk id="43" creationId="{0572BB97-6C31-284F-8030-42DCC420729A}"/>
+          </ac:spMkLst>
+        </pc:spChg>
+        <pc:spChg chg="add del mod">
+          <ac:chgData name="Fatima Pillosu" userId="a6295d4dc9e22643" providerId="LiveId" clId="{C3FD463E-E8A1-4BF2-9983-011679297F9E}" dt="2023-12-21T14:29:13.418" v="347" actId="478"/>
+          <ac:spMkLst>
+            <pc:docMk/>
+            <pc:sldMk cId="3953640220" sldId="256"/>
+            <ac:spMk id="44" creationId="{76E825B4-CAED-8116-210E-10D3E4B7773B}"/>
+          </ac:spMkLst>
+        </pc:spChg>
+        <pc:spChg chg="add del mod">
+          <ac:chgData name="Fatima Pillosu" userId="a6295d4dc9e22643" providerId="LiveId" clId="{C3FD463E-E8A1-4BF2-9983-011679297F9E}" dt="2023-12-21T14:33:04.159" v="462" actId="21"/>
+          <ac:spMkLst>
+            <pc:docMk/>
+            <pc:sldMk cId="3953640220" sldId="256"/>
+            <ac:spMk id="45" creationId="{DE5CCDED-AD96-2062-FFDB-1D8B2FAE7324}"/>
+          </ac:spMkLst>
+        </pc:spChg>
+        <pc:spChg chg="add del mod">
+          <ac:chgData name="Fatima Pillosu" userId="a6295d4dc9e22643" providerId="LiveId" clId="{C3FD463E-E8A1-4BF2-9983-011679297F9E}" dt="2023-12-21T14:33:04.159" v="462" actId="21"/>
+          <ac:spMkLst>
+            <pc:docMk/>
+            <pc:sldMk cId="3953640220" sldId="256"/>
+            <ac:spMk id="46" creationId="{95806AF9-319A-2FE6-8A2D-A7E25D0CE0F5}"/>
+          </ac:spMkLst>
+        </pc:spChg>
+        <pc:spChg chg="add del mod">
+          <ac:chgData name="Fatima Pillosu" userId="a6295d4dc9e22643" providerId="LiveId" clId="{C3FD463E-E8A1-4BF2-9983-011679297F9E}" dt="2023-12-21T14:33:04.159" v="462" actId="21"/>
+          <ac:spMkLst>
+            <pc:docMk/>
+            <pc:sldMk cId="3953640220" sldId="256"/>
+            <ac:spMk id="47" creationId="{EA32A8C3-D685-F7C2-22E4-60D610F50E7B}"/>
+          </ac:spMkLst>
+        </pc:spChg>
+        <pc:spChg chg="add del mod">
+          <ac:chgData name="Fatima Pillosu" userId="a6295d4dc9e22643" providerId="LiveId" clId="{C3FD463E-E8A1-4BF2-9983-011679297F9E}" dt="2023-12-21T14:33:04.159" v="462" actId="21"/>
+          <ac:spMkLst>
+            <pc:docMk/>
+            <pc:sldMk cId="3953640220" sldId="256"/>
+            <ac:spMk id="51" creationId="{5CE95690-F482-F042-DEA9-D51BFCA4BF5A}"/>
+          </ac:spMkLst>
+        </pc:spChg>
+        <pc:spChg chg="add del mod">
+          <ac:chgData name="Fatima Pillosu" userId="a6295d4dc9e22643" providerId="LiveId" clId="{C3FD463E-E8A1-4BF2-9983-011679297F9E}" dt="2023-12-21T14:33:04.159" v="462" actId="21"/>
+          <ac:spMkLst>
+            <pc:docMk/>
+            <pc:sldMk cId="3953640220" sldId="256"/>
+            <ac:spMk id="52" creationId="{9C7CAC6F-4F20-D96F-F062-F1B9F16F496F}"/>
+          </ac:spMkLst>
+        </pc:spChg>
+        <pc:spChg chg="add del mod">
+          <ac:chgData name="Fatima Pillosu" userId="a6295d4dc9e22643" providerId="LiveId" clId="{C3FD463E-E8A1-4BF2-9983-011679297F9E}" dt="2023-12-21T14:33:04.159" v="462" actId="21"/>
+          <ac:spMkLst>
+            <pc:docMk/>
+            <pc:sldMk cId="3953640220" sldId="256"/>
+            <ac:spMk id="53" creationId="{9A4EA768-0950-665F-246C-97FCAAE37444}"/>
+          </ac:spMkLst>
+        </pc:spChg>
+        <pc:spChg chg="add del mod">
+          <ac:chgData name="Fatima Pillosu" userId="a6295d4dc9e22643" providerId="LiveId" clId="{C3FD463E-E8A1-4BF2-9983-011679297F9E}" dt="2023-12-21T14:33:04.159" v="462" actId="21"/>
+          <ac:spMkLst>
+            <pc:docMk/>
+            <pc:sldMk cId="3953640220" sldId="256"/>
+            <ac:spMk id="54" creationId="{EA45EE2D-B3A8-C74A-224B-9A2063AF8A4F}"/>
+          </ac:spMkLst>
+        </pc:spChg>
+        <pc:spChg chg="add del mod">
+          <ac:chgData name="Fatima Pillosu" userId="a6295d4dc9e22643" providerId="LiveId" clId="{C3FD463E-E8A1-4BF2-9983-011679297F9E}" dt="2023-12-21T14:33:04.159" v="462" actId="21"/>
+          <ac:spMkLst>
+            <pc:docMk/>
+            <pc:sldMk cId="3953640220" sldId="256"/>
+            <ac:spMk id="55" creationId="{D718305E-A7AE-C2A1-FBB5-070FB46F7563}"/>
+          </ac:spMkLst>
+        </pc:spChg>
+        <pc:spChg chg="add del mod">
+          <ac:chgData name="Fatima Pillosu" userId="a6295d4dc9e22643" providerId="LiveId" clId="{C3FD463E-E8A1-4BF2-9983-011679297F9E}" dt="2023-12-21T14:33:04.159" v="462" actId="21"/>
+          <ac:spMkLst>
+            <pc:docMk/>
+            <pc:sldMk cId="3953640220" sldId="256"/>
+            <ac:spMk id="56" creationId="{607EF598-F99F-00A4-2D72-C7F241F87E99}"/>
+          </ac:spMkLst>
+        </pc:spChg>
+        <pc:spChg chg="del mod">
+          <ac:chgData name="Fatima Pillosu" userId="a6295d4dc9e22643" providerId="LiveId" clId="{C3FD463E-E8A1-4BF2-9983-011679297F9E}" dt="2023-12-21T14:33:04.159" v="462" actId="21"/>
+          <ac:spMkLst>
+            <pc:docMk/>
+            <pc:sldMk cId="3953640220" sldId="256"/>
+            <ac:spMk id="63" creationId="{9F8DC454-FE8A-EE46-6706-DC8EEC3DA25D}"/>
+          </ac:spMkLst>
+        </pc:spChg>
+        <pc:spChg chg="del mod">
+          <ac:chgData name="Fatima Pillosu" userId="a6295d4dc9e22643" providerId="LiveId" clId="{C3FD463E-E8A1-4BF2-9983-011679297F9E}" dt="2023-12-21T14:33:04.159" v="462" actId="21"/>
+          <ac:spMkLst>
+            <pc:docMk/>
+            <pc:sldMk cId="3953640220" sldId="256"/>
+            <ac:spMk id="65" creationId="{B35E7DC0-EF28-6CD0-B947-194B5D59EB5F}"/>
+          </ac:spMkLst>
+        </pc:spChg>
+        <pc:spChg chg="del mod">
+          <ac:chgData name="Fatima Pillosu" userId="a6295d4dc9e22643" providerId="LiveId" clId="{C3FD463E-E8A1-4BF2-9983-011679297F9E}" dt="2023-12-21T14:33:04.159" v="462" actId="21"/>
+          <ac:spMkLst>
+            <pc:docMk/>
+            <pc:sldMk cId="3953640220" sldId="256"/>
+            <ac:spMk id="66" creationId="{4558FE6D-219A-1D6D-AD6F-7880C519405B}"/>
+          </ac:spMkLst>
+        </pc:spChg>
+        <pc:spChg chg="del mod">
+          <ac:chgData name="Fatima Pillosu" userId="a6295d4dc9e22643" providerId="LiveId" clId="{C3FD463E-E8A1-4BF2-9983-011679297F9E}" dt="2023-12-21T14:33:04.159" v="462" actId="21"/>
+          <ac:spMkLst>
+            <pc:docMk/>
+            <pc:sldMk cId="3953640220" sldId="256"/>
+            <ac:spMk id="67" creationId="{258190F9-DD48-05B7-67A3-8E61107ABF18}"/>
+          </ac:spMkLst>
+        </pc:spChg>
+        <pc:spChg chg="del mod">
+          <ac:chgData name="Fatima Pillosu" userId="a6295d4dc9e22643" providerId="LiveId" clId="{C3FD463E-E8A1-4BF2-9983-011679297F9E}" dt="2023-12-21T14:33:04.159" v="462" actId="21"/>
+          <ac:spMkLst>
+            <pc:docMk/>
+            <pc:sldMk cId="3953640220" sldId="256"/>
+            <ac:spMk id="68" creationId="{3B28EF0D-80AC-009F-E202-B305A9F85B58}"/>
+          </ac:spMkLst>
+        </pc:spChg>
+        <pc:spChg chg="del mod">
+          <ac:chgData name="Fatima Pillosu" userId="a6295d4dc9e22643" providerId="LiveId" clId="{C3FD463E-E8A1-4BF2-9983-011679297F9E}" dt="2023-12-21T14:33:04.159" v="462" actId="21"/>
+          <ac:spMkLst>
+            <pc:docMk/>
+            <pc:sldMk cId="3953640220" sldId="256"/>
+            <ac:spMk id="69" creationId="{85C7295E-7741-28CE-661A-E86B05B3012F}"/>
+          </ac:spMkLst>
+        </pc:spChg>
+        <pc:spChg chg="del mod">
+          <ac:chgData name="Fatima Pillosu" userId="a6295d4dc9e22643" providerId="LiveId" clId="{C3FD463E-E8A1-4BF2-9983-011679297F9E}" dt="2023-12-21T14:33:04.159" v="462" actId="21"/>
+          <ac:spMkLst>
+            <pc:docMk/>
+            <pc:sldMk cId="3953640220" sldId="256"/>
+            <ac:spMk id="71" creationId="{181C1F57-22E2-ED70-9019-6965A1BF999F}"/>
+          </ac:spMkLst>
+        </pc:spChg>
+        <pc:spChg chg="del mod">
+          <ac:chgData name="Fatima Pillosu" userId="a6295d4dc9e22643" providerId="LiveId" clId="{C3FD463E-E8A1-4BF2-9983-011679297F9E}" dt="2023-12-21T14:33:04.159" v="462" actId="21"/>
+          <ac:spMkLst>
+            <pc:docMk/>
+            <pc:sldMk cId="3953640220" sldId="256"/>
+            <ac:spMk id="72" creationId="{D3BC6841-BD73-A275-4BD8-A78663359716}"/>
+          </ac:spMkLst>
+        </pc:spChg>
+        <pc:spChg chg="del mod">
+          <ac:chgData name="Fatima Pillosu" userId="a6295d4dc9e22643" providerId="LiveId" clId="{C3FD463E-E8A1-4BF2-9983-011679297F9E}" dt="2023-12-21T14:33:04.159" v="462" actId="21"/>
+          <ac:spMkLst>
+            <pc:docMk/>
+            <pc:sldMk cId="3953640220" sldId="256"/>
+            <ac:spMk id="73" creationId="{915267B8-54BD-E089-CB50-DDA72FFF2FF1}"/>
+          </ac:spMkLst>
+        </pc:spChg>
+        <pc:spChg chg="del mod">
+          <ac:chgData name="Fatima Pillosu" userId="a6295d4dc9e22643" providerId="LiveId" clId="{C3FD463E-E8A1-4BF2-9983-011679297F9E}" dt="2023-12-21T14:33:04.159" v="462" actId="21"/>
+          <ac:spMkLst>
+            <pc:docMk/>
+            <pc:sldMk cId="3953640220" sldId="256"/>
+            <ac:spMk id="74" creationId="{7C10FA3E-034E-CD95-C25F-6FF403099982}"/>
+          </ac:spMkLst>
+        </pc:spChg>
+        <pc:spChg chg="del mod">
+          <ac:chgData name="Fatima Pillosu" userId="a6295d4dc9e22643" providerId="LiveId" clId="{C3FD463E-E8A1-4BF2-9983-011679297F9E}" dt="2023-12-21T14:33:04.159" v="462" actId="21"/>
+          <ac:spMkLst>
+            <pc:docMk/>
+            <pc:sldMk cId="3953640220" sldId="256"/>
+            <ac:spMk id="75" creationId="{74EF4187-FB57-FB39-4CF9-87C16F1169B9}"/>
+          </ac:spMkLst>
+        </pc:spChg>
+        <pc:spChg chg="del mod">
+          <ac:chgData name="Fatima Pillosu" userId="a6295d4dc9e22643" providerId="LiveId" clId="{C3FD463E-E8A1-4BF2-9983-011679297F9E}" dt="2023-12-21T14:33:04.159" v="462" actId="21"/>
+          <ac:spMkLst>
+            <pc:docMk/>
+            <pc:sldMk cId="3953640220" sldId="256"/>
+            <ac:spMk id="76" creationId="{4B969718-CD88-F677-3AFA-9927B53A85DF}"/>
+          </ac:spMkLst>
+        </pc:spChg>
+        <pc:spChg chg="del mod">
+          <ac:chgData name="Fatima Pillosu" userId="a6295d4dc9e22643" providerId="LiveId" clId="{C3FD463E-E8A1-4BF2-9983-011679297F9E}" dt="2023-12-21T14:33:04.159" v="462" actId="21"/>
+          <ac:spMkLst>
+            <pc:docMk/>
+            <pc:sldMk cId="3953640220" sldId="256"/>
+            <ac:spMk id="77" creationId="{CFB3AE33-4232-B731-DDDF-682633F96A85}"/>
+          </ac:spMkLst>
+        </pc:spChg>
+        <pc:spChg chg="del mod">
+          <ac:chgData name="Fatima Pillosu" userId="a6295d4dc9e22643" providerId="LiveId" clId="{C3FD463E-E8A1-4BF2-9983-011679297F9E}" dt="2023-12-21T14:33:04.159" v="462" actId="21"/>
+          <ac:spMkLst>
+            <pc:docMk/>
+            <pc:sldMk cId="3953640220" sldId="256"/>
+            <ac:spMk id="78" creationId="{77AFC5C3-FC01-159B-4B83-B2B163D02F02}"/>
+          </ac:spMkLst>
+        </pc:spChg>
+        <pc:spChg chg="del mod">
+          <ac:chgData name="Fatima Pillosu" userId="a6295d4dc9e22643" providerId="LiveId" clId="{C3FD463E-E8A1-4BF2-9983-011679297F9E}" dt="2023-12-21T14:33:04.159" v="462" actId="21"/>
+          <ac:spMkLst>
+            <pc:docMk/>
+            <pc:sldMk cId="3953640220" sldId="256"/>
+            <ac:spMk id="79" creationId="{1E8B9889-1E2B-3D1B-0508-1D5EFC3DC89F}"/>
+          </ac:spMkLst>
+        </pc:spChg>
+        <pc:spChg chg="del mod">
+          <ac:chgData name="Fatima Pillosu" userId="a6295d4dc9e22643" providerId="LiveId" clId="{C3FD463E-E8A1-4BF2-9983-011679297F9E}" dt="2023-12-21T14:33:04.159" v="462" actId="21"/>
+          <ac:spMkLst>
+            <pc:docMk/>
+            <pc:sldMk cId="3953640220" sldId="256"/>
+            <ac:spMk id="80" creationId="{DE613366-D013-4D26-E5AB-1EE74190E601}"/>
+          </ac:spMkLst>
+        </pc:spChg>
+        <pc:spChg chg="del mod">
+          <ac:chgData name="Fatima Pillosu" userId="a6295d4dc9e22643" providerId="LiveId" clId="{C3FD463E-E8A1-4BF2-9983-011679297F9E}" dt="2023-12-21T14:33:04.159" v="462" actId="21"/>
+          <ac:spMkLst>
+            <pc:docMk/>
+            <pc:sldMk cId="3953640220" sldId="256"/>
+            <ac:spMk id="81" creationId="{A8DC1860-5558-8620-0B71-A49FB0DFD845}"/>
+          </ac:spMkLst>
+        </pc:spChg>
+        <pc:spChg chg="add del mod">
+          <ac:chgData name="Fatima Pillosu" userId="a6295d4dc9e22643" providerId="LiveId" clId="{C3FD463E-E8A1-4BF2-9983-011679297F9E}" dt="2023-12-21T14:33:04.159" v="462" actId="21"/>
+          <ac:spMkLst>
+            <pc:docMk/>
+            <pc:sldMk cId="3953640220" sldId="256"/>
+            <ac:spMk id="82" creationId="{01EF45D1-D4AB-6058-2283-3FB4F82B8A52}"/>
+          </ac:spMkLst>
+        </pc:spChg>
+        <pc:spChg chg="add del mod">
+          <ac:chgData name="Fatima Pillosu" userId="a6295d4dc9e22643" providerId="LiveId" clId="{C3FD463E-E8A1-4BF2-9983-011679297F9E}" dt="2023-12-21T14:29:25.120" v="350" actId="478"/>
+          <ac:spMkLst>
+            <pc:docMk/>
+            <pc:sldMk cId="3953640220" sldId="256"/>
+            <ac:spMk id="83" creationId="{22A6C44C-5861-C26B-68A0-2FB641B6F363}"/>
+          </ac:spMkLst>
+        </pc:spChg>
+        <pc:spChg chg="add del mod">
+          <ac:chgData name="Fatima Pillosu" userId="a6295d4dc9e22643" providerId="LiveId" clId="{C3FD463E-E8A1-4BF2-9983-011679297F9E}" dt="2023-12-21T14:33:04.159" v="462" actId="21"/>
+          <ac:spMkLst>
+            <pc:docMk/>
+            <pc:sldMk cId="3953640220" sldId="256"/>
+            <ac:spMk id="84" creationId="{9FEE775D-0E6C-B60E-F9A5-C23A0CDAC7B0}"/>
+          </ac:spMkLst>
+        </pc:spChg>
+        <pc:spChg chg="add del">
+          <ac:chgData name="Fatima Pillosu" userId="a6295d4dc9e22643" providerId="LiveId" clId="{C3FD463E-E8A1-4BF2-9983-011679297F9E}" dt="2023-12-21T14:33:02.585" v="461" actId="478"/>
+          <ac:spMkLst>
+            <pc:docMk/>
+            <pc:sldMk cId="3953640220" sldId="256"/>
+            <ac:spMk id="85" creationId="{32084C64-FD91-028D-23DC-3DF99B8BA58F}"/>
+          </ac:spMkLst>
+        </pc:spChg>
+        <pc:spChg chg="add mod">
+          <ac:chgData name="Fatima Pillosu" userId="a6295d4dc9e22643" providerId="LiveId" clId="{C3FD463E-E8A1-4BF2-9983-011679297F9E}" dt="2023-12-21T14:33:18.104" v="463"/>
+          <ac:spMkLst>
+            <pc:docMk/>
+            <pc:sldMk cId="3953640220" sldId="256"/>
+            <ac:spMk id="92" creationId="{4084D1D4-F376-F4D6-D6D0-3B21381A3337}"/>
+          </ac:spMkLst>
+        </pc:spChg>
+        <pc:spChg chg="add mod">
+          <ac:chgData name="Fatima Pillosu" userId="a6295d4dc9e22643" providerId="LiveId" clId="{C3FD463E-E8A1-4BF2-9983-011679297F9E}" dt="2023-12-21T14:33:18.104" v="463"/>
+          <ac:spMkLst>
+            <pc:docMk/>
+            <pc:sldMk cId="3953640220" sldId="256"/>
+            <ac:spMk id="93" creationId="{5588A021-FBC3-EEB0-CDA7-01351CE0425B}"/>
+          </ac:spMkLst>
+        </pc:spChg>
+        <pc:spChg chg="add mod">
+          <ac:chgData name="Fatima Pillosu" userId="a6295d4dc9e22643" providerId="LiveId" clId="{C3FD463E-E8A1-4BF2-9983-011679297F9E}" dt="2023-12-21T14:33:18.104" v="463"/>
+          <ac:spMkLst>
+            <pc:docMk/>
+            <pc:sldMk cId="3953640220" sldId="256"/>
+            <ac:spMk id="94" creationId="{57D6D734-FCF2-7A34-B24D-75C6CA2C789E}"/>
+          </ac:spMkLst>
+        </pc:spChg>
+        <pc:spChg chg="add mod">
+          <ac:chgData name="Fatima Pillosu" userId="a6295d4dc9e22643" providerId="LiveId" clId="{C3FD463E-E8A1-4BF2-9983-011679297F9E}" dt="2023-12-21T14:33:18.104" v="463"/>
+          <ac:spMkLst>
+            <pc:docMk/>
+            <pc:sldMk cId="3953640220" sldId="256"/>
+            <ac:spMk id="95" creationId="{692BCDB1-60EE-E116-BCA4-09CB1CD5F557}"/>
+          </ac:spMkLst>
+        </pc:spChg>
+        <pc:spChg chg="add mod">
+          <ac:chgData name="Fatima Pillosu" userId="a6295d4dc9e22643" providerId="LiveId" clId="{C3FD463E-E8A1-4BF2-9983-011679297F9E}" dt="2023-12-21T14:33:18.104" v="463"/>
+          <ac:spMkLst>
+            <pc:docMk/>
+            <pc:sldMk cId="3953640220" sldId="256"/>
+            <ac:spMk id="96" creationId="{E0B8AD14-F085-C504-08B1-413340688363}"/>
+          </ac:spMkLst>
+        </pc:spChg>
+        <pc:spChg chg="add mod">
+          <ac:chgData name="Fatima Pillosu" userId="a6295d4dc9e22643" providerId="LiveId" clId="{C3FD463E-E8A1-4BF2-9983-011679297F9E}" dt="2023-12-21T14:33:18.104" v="463"/>
+          <ac:spMkLst>
+            <pc:docMk/>
+            <pc:sldMk cId="3953640220" sldId="256"/>
+            <ac:spMk id="97" creationId="{655156F8-5CB3-5B3A-9F74-CB7E390687BC}"/>
+          </ac:spMkLst>
+        </pc:spChg>
+        <pc:spChg chg="add mod">
+          <ac:chgData name="Fatima Pillosu" userId="a6295d4dc9e22643" providerId="LiveId" clId="{C3FD463E-E8A1-4BF2-9983-011679297F9E}" dt="2023-12-21T14:33:18.104" v="463"/>
+          <ac:spMkLst>
+            <pc:docMk/>
+            <pc:sldMk cId="3953640220" sldId="256"/>
+            <ac:spMk id="98" creationId="{0AA891D2-865D-E30A-BEB3-53BC8158060C}"/>
+          </ac:spMkLst>
+        </pc:spChg>
+        <pc:spChg chg="add mod">
+          <ac:chgData name="Fatima Pillosu" userId="a6295d4dc9e22643" providerId="LiveId" clId="{C3FD463E-E8A1-4BF2-9983-011679297F9E}" dt="2023-12-21T14:33:18.104" v="463"/>
+          <ac:spMkLst>
+            <pc:docMk/>
+            <pc:sldMk cId="3953640220" sldId="256"/>
+            <ac:spMk id="99" creationId="{F7AB3E19-5F64-EAA4-EFB0-4DACF078F081}"/>
+          </ac:spMkLst>
+        </pc:spChg>
+        <pc:spChg chg="add mod">
+          <ac:chgData name="Fatima Pillosu" userId="a6295d4dc9e22643" providerId="LiveId" clId="{C3FD463E-E8A1-4BF2-9983-011679297F9E}" dt="2023-12-21T14:33:18.104" v="463"/>
+          <ac:spMkLst>
+            <pc:docMk/>
+            <pc:sldMk cId="3953640220" sldId="256"/>
+            <ac:spMk id="100" creationId="{FA1348B1-C2C0-0E34-E0C5-E14941F06721}"/>
+          </ac:spMkLst>
+        </pc:spChg>
+        <pc:spChg chg="add mod">
+          <ac:chgData name="Fatima Pillosu" userId="a6295d4dc9e22643" providerId="LiveId" clId="{C3FD463E-E8A1-4BF2-9983-011679297F9E}" dt="2023-12-21T14:33:18.104" v="463"/>
+          <ac:spMkLst>
+            <pc:docMk/>
+            <pc:sldMk cId="3953640220" sldId="256"/>
+            <ac:spMk id="101" creationId="{A1F1E018-A0F3-AF3F-F4E0-06CB42DCB202}"/>
+          </ac:spMkLst>
+        </pc:spChg>
+        <pc:spChg chg="add mod">
+          <ac:chgData name="Fatima Pillosu" userId="a6295d4dc9e22643" providerId="LiveId" clId="{C3FD463E-E8A1-4BF2-9983-011679297F9E}" dt="2023-12-21T14:33:18.104" v="463"/>
+          <ac:spMkLst>
+            <pc:docMk/>
+            <pc:sldMk cId="3953640220" sldId="256"/>
+            <ac:spMk id="102" creationId="{D6BF75CD-570F-67D5-FB80-ED85D4FEF953}"/>
+          </ac:spMkLst>
+        </pc:spChg>
+        <pc:spChg chg="add mod">
+          <ac:chgData name="Fatima Pillosu" userId="a6295d4dc9e22643" providerId="LiveId" clId="{C3FD463E-E8A1-4BF2-9983-011679297F9E}" dt="2023-12-21T14:33:18.104" v="463"/>
+          <ac:spMkLst>
+            <pc:docMk/>
+            <pc:sldMk cId="3953640220" sldId="256"/>
+            <ac:spMk id="103" creationId="{137C97B5-9EE2-0DA1-05DD-1DA9665F996C}"/>
+          </ac:spMkLst>
+        </pc:spChg>
+        <pc:spChg chg="add mod">
+          <ac:chgData name="Fatima Pillosu" userId="a6295d4dc9e22643" providerId="LiveId" clId="{C3FD463E-E8A1-4BF2-9983-011679297F9E}" dt="2023-12-21T14:33:18.104" v="463"/>
+          <ac:spMkLst>
+            <pc:docMk/>
+            <pc:sldMk cId="3953640220" sldId="256"/>
+            <ac:spMk id="104" creationId="{61E29648-9F60-58FB-6A44-2FDB52895FA5}"/>
+          </ac:spMkLst>
+        </pc:spChg>
+        <pc:spChg chg="add mod">
+          <ac:chgData name="Fatima Pillosu" userId="a6295d4dc9e22643" providerId="LiveId" clId="{C3FD463E-E8A1-4BF2-9983-011679297F9E}" dt="2023-12-21T14:33:18.104" v="463"/>
+          <ac:spMkLst>
+            <pc:docMk/>
+            <pc:sldMk cId="3953640220" sldId="256"/>
+            <ac:spMk id="105" creationId="{92EE2AAB-C98C-4CC6-B773-9094112E294D}"/>
+          </ac:spMkLst>
+        </pc:spChg>
+        <pc:spChg chg="add mod">
+          <ac:chgData name="Fatima Pillosu" userId="a6295d4dc9e22643" providerId="LiveId" clId="{C3FD463E-E8A1-4BF2-9983-011679297F9E}" dt="2023-12-21T14:33:18.104" v="463"/>
+          <ac:spMkLst>
+            <pc:docMk/>
+            <pc:sldMk cId="3953640220" sldId="256"/>
+            <ac:spMk id="106" creationId="{B6C5505C-CA78-3A24-6410-BDBA1F40E218}"/>
+          </ac:spMkLst>
+        </pc:spChg>
+        <pc:spChg chg="add mod">
+          <ac:chgData name="Fatima Pillosu" userId="a6295d4dc9e22643" providerId="LiveId" clId="{C3FD463E-E8A1-4BF2-9983-011679297F9E}" dt="2023-12-21T14:33:18.104" v="463"/>
+          <ac:spMkLst>
+            <pc:docMk/>
+            <pc:sldMk cId="3953640220" sldId="256"/>
+            <ac:spMk id="107" creationId="{82903592-BC08-AD77-5F46-81B852752CDB}"/>
+          </ac:spMkLst>
+        </pc:spChg>
+        <pc:spChg chg="add mod">
+          <ac:chgData name="Fatima Pillosu" userId="a6295d4dc9e22643" providerId="LiveId" clId="{C3FD463E-E8A1-4BF2-9983-011679297F9E}" dt="2023-12-21T14:33:18.104" v="463"/>
+          <ac:spMkLst>
+            <pc:docMk/>
+            <pc:sldMk cId="3953640220" sldId="256"/>
+            <ac:spMk id="108" creationId="{96A5833D-4D45-E762-EB3C-389EA17B6114}"/>
+          </ac:spMkLst>
+        </pc:spChg>
+        <pc:spChg chg="add mod">
+          <ac:chgData name="Fatima Pillosu" userId="a6295d4dc9e22643" providerId="LiveId" clId="{C3FD463E-E8A1-4BF2-9983-011679297F9E}" dt="2023-12-21T14:33:18.104" v="463"/>
+          <ac:spMkLst>
+            <pc:docMk/>
+            <pc:sldMk cId="3953640220" sldId="256"/>
+            <ac:spMk id="113" creationId="{739D5441-6FF3-0FD7-466E-CD9BF4D58562}"/>
+          </ac:spMkLst>
+        </pc:spChg>
+        <pc:spChg chg="add mod">
+          <ac:chgData name="Fatima Pillosu" userId="a6295d4dc9e22643" providerId="LiveId" clId="{C3FD463E-E8A1-4BF2-9983-011679297F9E}" dt="2023-12-21T14:33:18.104" v="463"/>
+          <ac:spMkLst>
+            <pc:docMk/>
+            <pc:sldMk cId="3953640220" sldId="256"/>
+            <ac:spMk id="114" creationId="{4412EB2F-44D4-3FB6-56D5-6CBB75C0E9FE}"/>
+          </ac:spMkLst>
+        </pc:spChg>
+        <pc:spChg chg="add mod">
+          <ac:chgData name="Fatima Pillosu" userId="a6295d4dc9e22643" providerId="LiveId" clId="{C3FD463E-E8A1-4BF2-9983-011679297F9E}" dt="2023-12-21T14:33:18.104" v="463"/>
+          <ac:spMkLst>
+            <pc:docMk/>
+            <pc:sldMk cId="3953640220" sldId="256"/>
+            <ac:spMk id="115" creationId="{458C6057-9C1D-5669-4423-539A1692E5F7}"/>
+          </ac:spMkLst>
+        </pc:spChg>
+        <pc:spChg chg="add mod">
+          <ac:chgData name="Fatima Pillosu" userId="a6295d4dc9e22643" providerId="LiveId" clId="{C3FD463E-E8A1-4BF2-9983-011679297F9E}" dt="2023-12-21T14:33:18.104" v="463"/>
+          <ac:spMkLst>
+            <pc:docMk/>
+            <pc:sldMk cId="3953640220" sldId="256"/>
+            <ac:spMk id="116" creationId="{B24082CD-6673-B296-DDCC-AD9DAAA9350B}"/>
+          </ac:spMkLst>
+        </pc:spChg>
+        <pc:spChg chg="add mod">
+          <ac:chgData name="Fatima Pillosu" userId="a6295d4dc9e22643" providerId="LiveId" clId="{C3FD463E-E8A1-4BF2-9983-011679297F9E}" dt="2023-12-21T14:33:18.104" v="463"/>
+          <ac:spMkLst>
+            <pc:docMk/>
+            <pc:sldMk cId="3953640220" sldId="256"/>
+            <ac:spMk id="117" creationId="{AFBB2001-20CB-BAC6-7CAD-59D04C37C2D9}"/>
+          </ac:spMkLst>
+        </pc:spChg>
+        <pc:spChg chg="add mod">
+          <ac:chgData name="Fatima Pillosu" userId="a6295d4dc9e22643" providerId="LiveId" clId="{C3FD463E-E8A1-4BF2-9983-011679297F9E}" dt="2023-12-21T14:33:18.104" v="463"/>
+          <ac:spMkLst>
+            <pc:docMk/>
+            <pc:sldMk cId="3953640220" sldId="256"/>
+            <ac:spMk id="118" creationId="{7F6A57D5-E816-EFCE-89B9-1A155092813D}"/>
+          </ac:spMkLst>
+        </pc:spChg>
+        <pc:spChg chg="add mod">
+          <ac:chgData name="Fatima Pillosu" userId="a6295d4dc9e22643" providerId="LiveId" clId="{C3FD463E-E8A1-4BF2-9983-011679297F9E}" dt="2023-12-21T14:33:18.104" v="463"/>
+          <ac:spMkLst>
+            <pc:docMk/>
+            <pc:sldMk cId="3953640220" sldId="256"/>
+            <ac:spMk id="119" creationId="{061F1BE1-0274-6663-1B42-B542D6A9C526}"/>
+          </ac:spMkLst>
+        </pc:spChg>
+        <pc:spChg chg="add mod">
+          <ac:chgData name="Fatima Pillosu" userId="a6295d4dc9e22643" providerId="LiveId" clId="{C3FD463E-E8A1-4BF2-9983-011679297F9E}" dt="2023-12-21T14:33:18.104" v="463"/>
+          <ac:spMkLst>
+            <pc:docMk/>
+            <pc:sldMk cId="3953640220" sldId="256"/>
+            <ac:spMk id="120" creationId="{C5E2D4C9-072F-CB49-30EC-B4B4CE79C9C3}"/>
+          </ac:spMkLst>
+        </pc:spChg>
+        <pc:spChg chg="add mod">
+          <ac:chgData name="Fatima Pillosu" userId="a6295d4dc9e22643" providerId="LiveId" clId="{C3FD463E-E8A1-4BF2-9983-011679297F9E}" dt="2023-12-21T14:33:18.104" v="463"/>
+          <ac:spMkLst>
+            <pc:docMk/>
+            <pc:sldMk cId="3953640220" sldId="256"/>
+            <ac:spMk id="121" creationId="{DEA389F3-A03A-56EA-9549-1596E4EA6CCE}"/>
+          </ac:spMkLst>
+        </pc:spChg>
+        <pc:spChg chg="add mod">
+          <ac:chgData name="Fatima Pillosu" userId="a6295d4dc9e22643" providerId="LiveId" clId="{C3FD463E-E8A1-4BF2-9983-011679297F9E}" dt="2023-12-21T14:33:18.104" v="463"/>
+          <ac:spMkLst>
+            <pc:docMk/>
+            <pc:sldMk cId="3953640220" sldId="256"/>
+            <ac:spMk id="122" creationId="{4078C05C-252D-0CD4-76D1-527A2C7B2E56}"/>
+          </ac:spMkLst>
+        </pc:spChg>
+        <pc:spChg chg="add mod">
+          <ac:chgData name="Fatima Pillosu" userId="a6295d4dc9e22643" providerId="LiveId" clId="{C3FD463E-E8A1-4BF2-9983-011679297F9E}" dt="2023-12-21T14:33:18.104" v="463"/>
+          <ac:spMkLst>
+            <pc:docMk/>
+            <pc:sldMk cId="3953640220" sldId="256"/>
+            <ac:spMk id="123" creationId="{CD75E6C3-2598-5280-69D9-E512907B4D57}"/>
+          </ac:spMkLst>
+        </pc:spChg>
+        <pc:spChg chg="add mod">
+          <ac:chgData name="Fatima Pillosu" userId="a6295d4dc9e22643" providerId="LiveId" clId="{C3FD463E-E8A1-4BF2-9983-011679297F9E}" dt="2023-12-21T14:33:18.104" v="463"/>
+          <ac:spMkLst>
+            <pc:docMk/>
+            <pc:sldMk cId="3953640220" sldId="256"/>
+            <ac:spMk id="127" creationId="{0039658E-6943-9CD4-6B5D-F174F32FCCEE}"/>
+          </ac:spMkLst>
+        </pc:spChg>
+        <pc:spChg chg="add mod">
+          <ac:chgData name="Fatima Pillosu" userId="a6295d4dc9e22643" providerId="LiveId" clId="{C3FD463E-E8A1-4BF2-9983-011679297F9E}" dt="2023-12-21T14:33:18.104" v="463"/>
+          <ac:spMkLst>
+            <pc:docMk/>
+            <pc:sldMk cId="3953640220" sldId="256"/>
+            <ac:spMk id="128" creationId="{5066DA33-5E2C-4B7F-E182-C85F4ABCF628}"/>
+          </ac:spMkLst>
+        </pc:spChg>
+        <pc:spChg chg="add mod">
+          <ac:chgData name="Fatima Pillosu" userId="a6295d4dc9e22643" providerId="LiveId" clId="{C3FD463E-E8A1-4BF2-9983-011679297F9E}" dt="2023-12-21T14:33:18.104" v="463"/>
+          <ac:spMkLst>
+            <pc:docMk/>
+            <pc:sldMk cId="3953640220" sldId="256"/>
+            <ac:spMk id="129" creationId="{723C6A6C-D416-1FFD-6971-61481695F9A0}"/>
+          </ac:spMkLst>
+        </pc:spChg>
+        <pc:spChg chg="add mod">
+          <ac:chgData name="Fatima Pillosu" userId="a6295d4dc9e22643" providerId="LiveId" clId="{C3FD463E-E8A1-4BF2-9983-011679297F9E}" dt="2023-12-21T14:33:18.104" v="463"/>
+          <ac:spMkLst>
+            <pc:docMk/>
+            <pc:sldMk cId="3953640220" sldId="256"/>
+            <ac:spMk id="130" creationId="{DCD162B3-DC7C-A615-EE50-87E591C8BC07}"/>
+          </ac:spMkLst>
+        </pc:spChg>
+        <pc:spChg chg="add mod">
+          <ac:chgData name="Fatima Pillosu" userId="a6295d4dc9e22643" providerId="LiveId" clId="{C3FD463E-E8A1-4BF2-9983-011679297F9E}" dt="2023-12-21T14:33:18.104" v="463"/>
+          <ac:spMkLst>
+            <pc:docMk/>
+            <pc:sldMk cId="3953640220" sldId="256"/>
+            <ac:spMk id="131" creationId="{69BA39E5-0041-8DC1-61DA-E6F8498299AE}"/>
+          </ac:spMkLst>
+        </pc:spChg>
+        <pc:spChg chg="add mod">
+          <ac:chgData name="Fatima Pillosu" userId="a6295d4dc9e22643" providerId="LiveId" clId="{C3FD463E-E8A1-4BF2-9983-011679297F9E}" dt="2023-12-21T14:33:18.104" v="463"/>
+          <ac:spMkLst>
+            <pc:docMk/>
+            <pc:sldMk cId="3953640220" sldId="256"/>
+            <ac:spMk id="132" creationId="{7916CEFF-ACEC-EAD2-B661-E8B69DC47007}"/>
+          </ac:spMkLst>
+        </pc:spChg>
+        <pc:spChg chg="add mod">
+          <ac:chgData name="Fatima Pillosu" userId="a6295d4dc9e22643" providerId="LiveId" clId="{C3FD463E-E8A1-4BF2-9983-011679297F9E}" dt="2023-12-21T14:33:18.104" v="463"/>
+          <ac:spMkLst>
+            <pc:docMk/>
+            <pc:sldMk cId="3953640220" sldId="256"/>
+            <ac:spMk id="133" creationId="{2D08B5C4-2E33-843E-9617-E5CCC960371A}"/>
+          </ac:spMkLst>
+        </pc:spChg>
+        <pc:spChg chg="add mod">
+          <ac:chgData name="Fatima Pillosu" userId="a6295d4dc9e22643" providerId="LiveId" clId="{C3FD463E-E8A1-4BF2-9983-011679297F9E}" dt="2023-12-21T14:33:18.104" v="463"/>
+          <ac:spMkLst>
+            <pc:docMk/>
+            <pc:sldMk cId="3953640220" sldId="256"/>
+            <ac:spMk id="137" creationId="{3D7E5A1B-B583-2E36-A03F-CDEFFD8DA85B}"/>
+          </ac:spMkLst>
+        </pc:spChg>
+        <pc:spChg chg="add mod">
+          <ac:chgData name="Fatima Pillosu" userId="a6295d4dc9e22643" providerId="LiveId" clId="{C3FD463E-E8A1-4BF2-9983-011679297F9E}" dt="2023-12-21T14:33:18.104" v="463"/>
+          <ac:spMkLst>
+            <pc:docMk/>
+            <pc:sldMk cId="3953640220" sldId="256"/>
+            <ac:spMk id="138" creationId="{43977596-82D2-C768-0655-A78DC7751307}"/>
+          </ac:spMkLst>
+        </pc:spChg>
+        <pc:spChg chg="add mod">
+          <ac:chgData name="Fatima Pillosu" userId="a6295d4dc9e22643" providerId="LiveId" clId="{C3FD463E-E8A1-4BF2-9983-011679297F9E}" dt="2023-12-21T14:33:18.104" v="463"/>
+          <ac:spMkLst>
+            <pc:docMk/>
+            <pc:sldMk cId="3953640220" sldId="256"/>
+            <ac:spMk id="139" creationId="{BDE08F5E-999C-86E7-3554-2B30AD3A1DAA}"/>
+          </ac:spMkLst>
+        </pc:spChg>
+        <pc:spChg chg="add mod">
+          <ac:chgData name="Fatima Pillosu" userId="a6295d4dc9e22643" providerId="LiveId" clId="{C3FD463E-E8A1-4BF2-9983-011679297F9E}" dt="2023-12-21T14:33:18.104" v="463"/>
+          <ac:spMkLst>
+            <pc:docMk/>
+            <pc:sldMk cId="3953640220" sldId="256"/>
+            <ac:spMk id="140" creationId="{98FC5024-FAA5-13C3-F808-52CD00569318}"/>
+          </ac:spMkLst>
+        </pc:spChg>
+        <pc:spChg chg="add mod">
+          <ac:chgData name="Fatima Pillosu" userId="a6295d4dc9e22643" providerId="LiveId" clId="{C3FD463E-E8A1-4BF2-9983-011679297F9E}" dt="2023-12-21T14:33:18.104" v="463"/>
+          <ac:spMkLst>
+            <pc:docMk/>
+            <pc:sldMk cId="3953640220" sldId="256"/>
+            <ac:spMk id="141" creationId="{55B8B5CA-97B0-2064-91E5-7DF7DCD3781D}"/>
+          </ac:spMkLst>
+        </pc:spChg>
+        <pc:spChg chg="add mod">
+          <ac:chgData name="Fatima Pillosu" userId="a6295d4dc9e22643" providerId="LiveId" clId="{C3FD463E-E8A1-4BF2-9983-011679297F9E}" dt="2023-12-21T14:33:18.104" v="463"/>
+          <ac:spMkLst>
+            <pc:docMk/>
+            <pc:sldMk cId="3953640220" sldId="256"/>
+            <ac:spMk id="142" creationId="{AA913FD2-BD8A-F483-2879-F665C994B8E1}"/>
+          </ac:spMkLst>
+        </pc:spChg>
+        <pc:spChg chg="add mod">
+          <ac:chgData name="Fatima Pillosu" userId="a6295d4dc9e22643" providerId="LiveId" clId="{C3FD463E-E8A1-4BF2-9983-011679297F9E}" dt="2023-12-21T14:33:18.104" v="463"/>
+          <ac:spMkLst>
+            <pc:docMk/>
+            <pc:sldMk cId="3953640220" sldId="256"/>
+            <ac:spMk id="143" creationId="{F1295A71-7119-A3D6-FA50-129DFD222859}"/>
+          </ac:spMkLst>
+        </pc:spChg>
+        <pc:spChg chg="add mod">
+          <ac:chgData name="Fatima Pillosu" userId="a6295d4dc9e22643" providerId="LiveId" clId="{C3FD463E-E8A1-4BF2-9983-011679297F9E}" dt="2023-12-21T14:33:18.104" v="463"/>
+          <ac:spMkLst>
+            <pc:docMk/>
+            <pc:sldMk cId="3953640220" sldId="256"/>
+            <ac:spMk id="144" creationId="{21AA4A53-822F-1591-78A3-B762FDFD14EB}"/>
+          </ac:spMkLst>
+        </pc:spChg>
+        <pc:picChg chg="add del mod modCrop">
+          <ac:chgData name="Fatima Pillosu" userId="a6295d4dc9e22643" providerId="LiveId" clId="{C3FD463E-E8A1-4BF2-9983-011679297F9E}" dt="2023-12-21T14:33:04.159" v="462" actId="21"/>
+          <ac:picMkLst>
+            <pc:docMk/>
+            <pc:sldMk cId="3953640220" sldId="256"/>
+            <ac:picMk id="3" creationId="{069C50A6-2A79-E965-87DA-2C9A68E548B2}"/>
+          </ac:picMkLst>
+        </pc:picChg>
+        <pc:picChg chg="del mod">
+          <ac:chgData name="Fatima Pillosu" userId="a6295d4dc9e22643" providerId="LiveId" clId="{C3FD463E-E8A1-4BF2-9983-011679297F9E}" dt="2023-12-21T14:33:04.159" v="462" actId="21"/>
+          <ac:picMkLst>
+            <pc:docMk/>
+            <pc:sldMk cId="3953640220" sldId="256"/>
+            <ac:picMk id="57" creationId="{5397F927-1077-97FF-B8C4-B6D469BECEE3}"/>
+          </ac:picMkLst>
+        </pc:picChg>
+        <pc:picChg chg="del mod">
+          <ac:chgData name="Fatima Pillosu" userId="a6295d4dc9e22643" providerId="LiveId" clId="{C3FD463E-E8A1-4BF2-9983-011679297F9E}" dt="2023-12-21T14:33:04.159" v="462" actId="21"/>
+          <ac:picMkLst>
+            <pc:docMk/>
+            <pc:sldMk cId="3953640220" sldId="256"/>
+            <ac:picMk id="58" creationId="{653B4D43-73EE-B6D9-B7B7-EF334C721F5E}"/>
+          </ac:picMkLst>
+        </pc:picChg>
+        <pc:picChg chg="del mod modCrop">
+          <ac:chgData name="Fatima Pillosu" userId="a6295d4dc9e22643" providerId="LiveId" clId="{C3FD463E-E8A1-4BF2-9983-011679297F9E}" dt="2023-12-21T14:33:04.159" v="462" actId="21"/>
+          <ac:picMkLst>
+            <pc:docMk/>
+            <pc:sldMk cId="3953640220" sldId="256"/>
+            <ac:picMk id="59" creationId="{3FB9259D-9DAC-F6D7-A35D-38FABD956AB8}"/>
+          </ac:picMkLst>
+        </pc:picChg>
+        <pc:picChg chg="del mod">
+          <ac:chgData name="Fatima Pillosu" userId="a6295d4dc9e22643" providerId="LiveId" clId="{C3FD463E-E8A1-4BF2-9983-011679297F9E}" dt="2023-12-21T14:33:04.159" v="462" actId="21"/>
+          <ac:picMkLst>
+            <pc:docMk/>
+            <pc:sldMk cId="3953640220" sldId="256"/>
+            <ac:picMk id="60" creationId="{0AC91FB5-38E5-A601-4915-C1AB8B60D302}"/>
+          </ac:picMkLst>
+        </pc:picChg>
+        <pc:picChg chg="del mod">
+          <ac:chgData name="Fatima Pillosu" userId="a6295d4dc9e22643" providerId="LiveId" clId="{C3FD463E-E8A1-4BF2-9983-011679297F9E}" dt="2023-12-21T14:33:04.159" v="462" actId="21"/>
+          <ac:picMkLst>
+            <pc:docMk/>
+            <pc:sldMk cId="3953640220" sldId="256"/>
+            <ac:picMk id="61" creationId="{695407A8-F876-637E-C578-EB9923D21C44}"/>
+          </ac:picMkLst>
+        </pc:picChg>
+        <pc:picChg chg="del mod modCrop">
+          <ac:chgData name="Fatima Pillosu" userId="a6295d4dc9e22643" providerId="LiveId" clId="{C3FD463E-E8A1-4BF2-9983-011679297F9E}" dt="2023-12-21T14:33:04.159" v="462" actId="21"/>
+          <ac:picMkLst>
+            <pc:docMk/>
+            <pc:sldMk cId="3953640220" sldId="256"/>
+            <ac:picMk id="62" creationId="{6A8338AA-E45E-C079-04B2-7CA80FDA7CB8}"/>
+          </ac:picMkLst>
+        </pc:picChg>
+        <pc:picChg chg="del mod">
+          <ac:chgData name="Fatima Pillosu" userId="a6295d4dc9e22643" providerId="LiveId" clId="{C3FD463E-E8A1-4BF2-9983-011679297F9E}" dt="2023-12-21T14:31:08.295" v="383" actId="478"/>
+          <ac:picMkLst>
+            <pc:docMk/>
+            <pc:sldMk cId="3953640220" sldId="256"/>
+            <ac:picMk id="64" creationId="{F0165A5A-2544-9C09-7C2E-225A73B933D9}"/>
+          </ac:picMkLst>
+        </pc:picChg>
+        <pc:picChg chg="del mod">
+          <ac:chgData name="Fatima Pillosu" userId="a6295d4dc9e22643" providerId="LiveId" clId="{C3FD463E-E8A1-4BF2-9983-011679297F9E}" dt="2023-12-21T14:31:07.393" v="382" actId="478"/>
+          <ac:picMkLst>
+            <pc:docMk/>
+            <pc:sldMk cId="3953640220" sldId="256"/>
+            <ac:picMk id="70" creationId="{ED076FD8-B0F8-DF9C-681B-16DA482D0376}"/>
+          </ac:picMkLst>
+        </pc:picChg>
+        <pc:picChg chg="add mod">
+          <ac:chgData name="Fatima Pillosu" userId="a6295d4dc9e22643" providerId="LiveId" clId="{C3FD463E-E8A1-4BF2-9983-011679297F9E}" dt="2023-12-21T14:33:18.104" v="463"/>
+          <ac:picMkLst>
+            <pc:docMk/>
+            <pc:sldMk cId="3953640220" sldId="256"/>
+            <ac:picMk id="86" creationId="{D28444E0-E1B1-E2AC-B8DC-AEDF7214D34A}"/>
+          </ac:picMkLst>
+        </pc:picChg>
+        <pc:picChg chg="add mod">
+          <ac:chgData name="Fatima Pillosu" userId="a6295d4dc9e22643" providerId="LiveId" clId="{C3FD463E-E8A1-4BF2-9983-011679297F9E}" dt="2023-12-21T14:33:18.104" v="463"/>
+          <ac:picMkLst>
+            <pc:docMk/>
+            <pc:sldMk cId="3953640220" sldId="256"/>
+            <ac:picMk id="87" creationId="{D427A26E-C4A6-D838-F011-D34CF751693F}"/>
+          </ac:picMkLst>
+        </pc:picChg>
+        <pc:picChg chg="add mod">
+          <ac:chgData name="Fatima Pillosu" userId="a6295d4dc9e22643" providerId="LiveId" clId="{C3FD463E-E8A1-4BF2-9983-011679297F9E}" dt="2023-12-21T14:33:18.104" v="463"/>
+          <ac:picMkLst>
+            <pc:docMk/>
+            <pc:sldMk cId="3953640220" sldId="256"/>
+            <ac:picMk id="88" creationId="{9796B452-6C50-2D81-C8C4-0222BF449DFF}"/>
+          </ac:picMkLst>
+        </pc:picChg>
+        <pc:picChg chg="add mod">
+          <ac:chgData name="Fatima Pillosu" userId="a6295d4dc9e22643" providerId="LiveId" clId="{C3FD463E-E8A1-4BF2-9983-011679297F9E}" dt="2023-12-21T14:33:18.104" v="463"/>
+          <ac:picMkLst>
+            <pc:docMk/>
+            <pc:sldMk cId="3953640220" sldId="256"/>
+            <ac:picMk id="89" creationId="{8134CF30-2186-05AF-710D-88F198B4BA44}"/>
+          </ac:picMkLst>
+        </pc:picChg>
+        <pc:picChg chg="add mod">
+          <ac:chgData name="Fatima Pillosu" userId="a6295d4dc9e22643" providerId="LiveId" clId="{C3FD463E-E8A1-4BF2-9983-011679297F9E}" dt="2023-12-21T14:33:18.104" v="463"/>
+          <ac:picMkLst>
+            <pc:docMk/>
+            <pc:sldMk cId="3953640220" sldId="256"/>
+            <ac:picMk id="90" creationId="{2A46CFD0-FE04-3C0B-E669-E65740CC73D8}"/>
+          </ac:picMkLst>
+        </pc:picChg>
+        <pc:picChg chg="add mod">
+          <ac:chgData name="Fatima Pillosu" userId="a6295d4dc9e22643" providerId="LiveId" clId="{C3FD463E-E8A1-4BF2-9983-011679297F9E}" dt="2023-12-21T14:33:18.104" v="463"/>
+          <ac:picMkLst>
+            <pc:docMk/>
+            <pc:sldMk cId="3953640220" sldId="256"/>
+            <ac:picMk id="91" creationId="{CB209281-E0F2-9A06-B033-69A44A3B332A}"/>
+          </ac:picMkLst>
+        </pc:picChg>
+        <pc:picChg chg="add mod">
+          <ac:chgData name="Fatima Pillosu" userId="a6295d4dc9e22643" providerId="LiveId" clId="{C3FD463E-E8A1-4BF2-9983-011679297F9E}" dt="2023-12-21T14:33:18.104" v="463"/>
+          <ac:picMkLst>
+            <pc:docMk/>
+            <pc:sldMk cId="3953640220" sldId="256"/>
+            <ac:picMk id="109" creationId="{1055C349-FD7C-6B53-4BF3-4F00AA8A2FDE}"/>
+          </ac:picMkLst>
+        </pc:picChg>
+        <pc:cxnChg chg="add del mod">
+          <ac:chgData name="Fatima Pillosu" userId="a6295d4dc9e22643" providerId="LiveId" clId="{C3FD463E-E8A1-4BF2-9983-011679297F9E}" dt="2023-12-21T14:33:04.159" v="462" actId="21"/>
+          <ac:cxnSpMkLst>
+            <pc:docMk/>
+            <pc:sldMk cId="3953640220" sldId="256"/>
+            <ac:cxnSpMk id="5" creationId="{1515842D-DF4A-0666-286A-E8E08BABD2E7}"/>
+          </ac:cxnSpMkLst>
+        </pc:cxnChg>
+        <pc:cxnChg chg="add del mod">
+          <ac:chgData name="Fatima Pillosu" userId="a6295d4dc9e22643" providerId="LiveId" clId="{C3FD463E-E8A1-4BF2-9983-011679297F9E}" dt="2023-12-21T14:33:04.159" v="462" actId="21"/>
+          <ac:cxnSpMkLst>
+            <pc:docMk/>
+            <pc:sldMk cId="3953640220" sldId="256"/>
+            <ac:cxnSpMk id="7" creationId="{3B36C0B8-6835-5F0E-9D41-4D6C1153C628}"/>
+          </ac:cxnSpMkLst>
+        </pc:cxnChg>
+        <pc:cxnChg chg="add del mod">
+          <ac:chgData name="Fatima Pillosu" userId="a6295d4dc9e22643" providerId="LiveId" clId="{C3FD463E-E8A1-4BF2-9983-011679297F9E}" dt="2023-12-21T14:33:04.159" v="462" actId="21"/>
+          <ac:cxnSpMkLst>
+            <pc:docMk/>
+            <pc:sldMk cId="3953640220" sldId="256"/>
+            <ac:cxnSpMk id="8" creationId="{7B0CA6D0-739A-CB75-9EA2-6DD907068A12}"/>
+          </ac:cxnSpMkLst>
+        </pc:cxnChg>
+        <pc:cxnChg chg="add del mod">
+          <ac:chgData name="Fatima Pillosu" userId="a6295d4dc9e22643" providerId="LiveId" clId="{C3FD463E-E8A1-4BF2-9983-011679297F9E}" dt="2023-12-21T14:27:03.857" v="314" actId="478"/>
+          <ac:cxnSpMkLst>
+            <pc:docMk/>
+            <pc:sldMk cId="3953640220" sldId="256"/>
+            <ac:cxnSpMk id="20" creationId="{9B0900A8-C1B0-02F6-31E4-8536E6B789C6}"/>
+          </ac:cxnSpMkLst>
+        </pc:cxnChg>
+        <pc:cxnChg chg="add del mod">
+          <ac:chgData name="Fatima Pillosu" userId="a6295d4dc9e22643" providerId="LiveId" clId="{C3FD463E-E8A1-4BF2-9983-011679297F9E}" dt="2023-12-21T14:27:03.857" v="314" actId="478"/>
+          <ac:cxnSpMkLst>
+            <pc:docMk/>
+            <pc:sldMk cId="3953640220" sldId="256"/>
+            <ac:cxnSpMk id="21" creationId="{F0172EFA-FBE8-8A37-CF46-FA997D05F04B}"/>
+          </ac:cxnSpMkLst>
+        </pc:cxnChg>
+        <pc:cxnChg chg="add del mod">
+          <ac:chgData name="Fatima Pillosu" userId="a6295d4dc9e22643" providerId="LiveId" clId="{C3FD463E-E8A1-4BF2-9983-011679297F9E}" dt="2023-12-21T14:27:03.857" v="314" actId="478"/>
+          <ac:cxnSpMkLst>
+            <pc:docMk/>
+            <pc:sldMk cId="3953640220" sldId="256"/>
+            <ac:cxnSpMk id="22" creationId="{213838C5-E0DF-E3CE-4E10-9886EF7A1FE6}"/>
+          </ac:cxnSpMkLst>
+        </pc:cxnChg>
+        <pc:cxnChg chg="add del mod">
+          <ac:chgData name="Fatima Pillosu" userId="a6295d4dc9e22643" providerId="LiveId" clId="{C3FD463E-E8A1-4BF2-9983-011679297F9E}" dt="2023-12-21T14:33:04.159" v="462" actId="21"/>
+          <ac:cxnSpMkLst>
+            <pc:docMk/>
+            <pc:sldMk cId="3953640220" sldId="256"/>
+            <ac:cxnSpMk id="34" creationId="{7299D50D-6BF3-DB36-635A-443724E8B014}"/>
+          </ac:cxnSpMkLst>
+        </pc:cxnChg>
+        <pc:cxnChg chg="add del mod">
+          <ac:chgData name="Fatima Pillosu" userId="a6295d4dc9e22643" providerId="LiveId" clId="{C3FD463E-E8A1-4BF2-9983-011679297F9E}" dt="2023-12-21T14:33:04.159" v="462" actId="21"/>
+          <ac:cxnSpMkLst>
+            <pc:docMk/>
+            <pc:sldMk cId="3953640220" sldId="256"/>
+            <ac:cxnSpMk id="35" creationId="{A62702EF-ABDB-9CC5-42B7-C12FDF6BDA05}"/>
+          </ac:cxnSpMkLst>
+        </pc:cxnChg>
+        <pc:cxnChg chg="add del mod">
+          <ac:chgData name="Fatima Pillosu" userId="a6295d4dc9e22643" providerId="LiveId" clId="{C3FD463E-E8A1-4BF2-9983-011679297F9E}" dt="2023-12-21T14:33:04.159" v="462" actId="21"/>
+          <ac:cxnSpMkLst>
+            <pc:docMk/>
+            <pc:sldMk cId="3953640220" sldId="256"/>
+            <ac:cxnSpMk id="36" creationId="{14401423-C1A3-6FFF-BAE2-2BA0FB65CB38}"/>
+          </ac:cxnSpMkLst>
+        </pc:cxnChg>
+        <pc:cxnChg chg="add del mod">
+          <ac:chgData name="Fatima Pillosu" userId="a6295d4dc9e22643" providerId="LiveId" clId="{C3FD463E-E8A1-4BF2-9983-011679297F9E}" dt="2023-12-21T14:33:04.159" v="462" actId="21"/>
+          <ac:cxnSpMkLst>
+            <pc:docMk/>
+            <pc:sldMk cId="3953640220" sldId="256"/>
+            <ac:cxnSpMk id="48" creationId="{1E0B4A6A-4DEC-9DEE-4F96-DBA12BD97861}"/>
+          </ac:cxnSpMkLst>
+        </pc:cxnChg>
+        <pc:cxnChg chg="add del mod">
+          <ac:chgData name="Fatima Pillosu" userId="a6295d4dc9e22643" providerId="LiveId" clId="{C3FD463E-E8A1-4BF2-9983-011679297F9E}" dt="2023-12-21T14:33:04.159" v="462" actId="21"/>
+          <ac:cxnSpMkLst>
+            <pc:docMk/>
+            <pc:sldMk cId="3953640220" sldId="256"/>
+            <ac:cxnSpMk id="49" creationId="{178EEACC-712B-08DB-334A-24AD2DF465FA}"/>
+          </ac:cxnSpMkLst>
+        </pc:cxnChg>
+        <pc:cxnChg chg="add del mod">
+          <ac:chgData name="Fatima Pillosu" userId="a6295d4dc9e22643" providerId="LiveId" clId="{C3FD463E-E8A1-4BF2-9983-011679297F9E}" dt="2023-12-21T14:33:04.159" v="462" actId="21"/>
+          <ac:cxnSpMkLst>
+            <pc:docMk/>
+            <pc:sldMk cId="3953640220" sldId="256"/>
+            <ac:cxnSpMk id="50" creationId="{A751FC4C-3F0A-6AD3-AA39-2D9FDEBC2ED0}"/>
+          </ac:cxnSpMkLst>
+        </pc:cxnChg>
+        <pc:cxnChg chg="add mod">
+          <ac:chgData name="Fatima Pillosu" userId="a6295d4dc9e22643" providerId="LiveId" clId="{C3FD463E-E8A1-4BF2-9983-011679297F9E}" dt="2023-12-21T14:33:18.104" v="463"/>
+          <ac:cxnSpMkLst>
+            <pc:docMk/>
+            <pc:sldMk cId="3953640220" sldId="256"/>
+            <ac:cxnSpMk id="110" creationId="{AE600532-A239-DDA3-6B0A-E9EC8A3F94B2}"/>
+          </ac:cxnSpMkLst>
+        </pc:cxnChg>
+        <pc:cxnChg chg="add mod">
+          <ac:chgData name="Fatima Pillosu" userId="a6295d4dc9e22643" providerId="LiveId" clId="{C3FD463E-E8A1-4BF2-9983-011679297F9E}" dt="2023-12-21T14:33:18.104" v="463"/>
+          <ac:cxnSpMkLst>
+            <pc:docMk/>
+            <pc:sldMk cId="3953640220" sldId="256"/>
+            <ac:cxnSpMk id="111" creationId="{9A88DE66-6815-D048-2E4B-6F69DC6A209F}"/>
+          </ac:cxnSpMkLst>
+        </pc:cxnChg>
+        <pc:cxnChg chg="add mod">
+          <ac:chgData name="Fatima Pillosu" userId="a6295d4dc9e22643" providerId="LiveId" clId="{C3FD463E-E8A1-4BF2-9983-011679297F9E}" dt="2023-12-21T14:33:18.104" v="463"/>
+          <ac:cxnSpMkLst>
+            <pc:docMk/>
+            <pc:sldMk cId="3953640220" sldId="256"/>
+            <ac:cxnSpMk id="112" creationId="{1586A7B4-B222-AF74-5C07-0601035389F1}"/>
+          </ac:cxnSpMkLst>
+        </pc:cxnChg>
+        <pc:cxnChg chg="add mod">
+          <ac:chgData name="Fatima Pillosu" userId="a6295d4dc9e22643" providerId="LiveId" clId="{C3FD463E-E8A1-4BF2-9983-011679297F9E}" dt="2023-12-21T14:33:18.104" v="463"/>
+          <ac:cxnSpMkLst>
+            <pc:docMk/>
+            <pc:sldMk cId="3953640220" sldId="256"/>
+            <ac:cxnSpMk id="124" creationId="{D620FB7F-C1AF-61F2-7A08-87602B7C187F}"/>
+          </ac:cxnSpMkLst>
+        </pc:cxnChg>
+        <pc:cxnChg chg="add mod">
+          <ac:chgData name="Fatima Pillosu" userId="a6295d4dc9e22643" providerId="LiveId" clId="{C3FD463E-E8A1-4BF2-9983-011679297F9E}" dt="2023-12-21T14:33:18.104" v="463"/>
+          <ac:cxnSpMkLst>
+            <pc:docMk/>
+            <pc:sldMk cId="3953640220" sldId="256"/>
+            <ac:cxnSpMk id="125" creationId="{CD097379-C0CF-AE93-E05E-13028A66A728}"/>
+          </ac:cxnSpMkLst>
+        </pc:cxnChg>
+        <pc:cxnChg chg="add mod">
+          <ac:chgData name="Fatima Pillosu" userId="a6295d4dc9e22643" providerId="LiveId" clId="{C3FD463E-E8A1-4BF2-9983-011679297F9E}" dt="2023-12-21T14:33:18.104" v="463"/>
+          <ac:cxnSpMkLst>
+            <pc:docMk/>
+            <pc:sldMk cId="3953640220" sldId="256"/>
+            <ac:cxnSpMk id="126" creationId="{74066D80-9684-6D12-CF34-3BEE71407C74}"/>
+          </ac:cxnSpMkLst>
+        </pc:cxnChg>
+        <pc:cxnChg chg="add mod">
+          <ac:chgData name="Fatima Pillosu" userId="a6295d4dc9e22643" providerId="LiveId" clId="{C3FD463E-E8A1-4BF2-9983-011679297F9E}" dt="2023-12-21T14:33:18.104" v="463"/>
+          <ac:cxnSpMkLst>
+            <pc:docMk/>
+            <pc:sldMk cId="3953640220" sldId="256"/>
+            <ac:cxnSpMk id="134" creationId="{F1466FC3-1648-F093-2A66-F623CAC31513}"/>
+          </ac:cxnSpMkLst>
+        </pc:cxnChg>
+        <pc:cxnChg chg="add mod">
+          <ac:chgData name="Fatima Pillosu" userId="a6295d4dc9e22643" providerId="LiveId" clId="{C3FD463E-E8A1-4BF2-9983-011679297F9E}" dt="2023-12-21T14:33:18.104" v="463"/>
+          <ac:cxnSpMkLst>
+            <pc:docMk/>
+            <pc:sldMk cId="3953640220" sldId="256"/>
+            <ac:cxnSpMk id="135" creationId="{1C4D16C3-5E0C-2F52-2BD9-5D3A7D87A5D1}"/>
+          </ac:cxnSpMkLst>
+        </pc:cxnChg>
+        <pc:cxnChg chg="add mod">
+          <ac:chgData name="Fatima Pillosu" userId="a6295d4dc9e22643" providerId="LiveId" clId="{C3FD463E-E8A1-4BF2-9983-011679297F9E}" dt="2023-12-21T14:33:18.104" v="463"/>
+          <ac:cxnSpMkLst>
+            <pc:docMk/>
+            <pc:sldMk cId="3953640220" sldId="256"/>
+            <ac:cxnSpMk id="136" creationId="{723583CE-46CA-C882-A292-7041545B4C25}"/>
+          </ac:cxnSpMkLst>
+        </pc:cxnChg>
+      </pc:sldChg>
+    </pc:docChg>
+  </pc:docChgLst>
   <pc:docChgLst>
     <pc:chgData name="Fatima Pillosu" userId="a6295d4dc9e22643" providerId="LiveId" clId="{79429B92-F843-4CD1-A45F-7106F93BF9AF}"/>
     <pc:docChg chg="undo custSel modSld">
@@ -610,7 +1759,7 @@
 
 <file path=ppt/slideLayouts/slideLayout1.xml><?xml version="1.0" encoding="utf-8"?>
 <p:sldLayout xmlns:a="http://schemas.openxmlformats.org/drawingml/2006/main" xmlns:r="http://schemas.openxmlformats.org/officeDocument/2006/relationships" xmlns:p="http://schemas.openxmlformats.org/presentationml/2006/main" type="title" preserve="1">
-  <p:cSld name="Diapositiva titolo">
+  <p:cSld name="Title Slide">
     <p:spTree>
       <p:nvGrpSpPr>
         <p:cNvPr id="1" name=""/>
@@ -637,8 +1786,8 @@
         </p:nvSpPr>
         <p:spPr>
           <a:xfrm>
-            <a:off x="496848" y="1455175"/>
-            <a:ext cx="5630942" cy="3095590"/>
+            <a:off x="496848" y="1390483"/>
+            <a:ext cx="5630942" cy="2957971"/>
           </a:xfrm>
         </p:spPr>
         <p:txBody>
@@ -650,8 +1799,8 @@
           </a:lstStyle>
           <a:p>
             <a:r>
-              <a:rPr lang="it-IT"/>
-              <a:t>Fare clic per modificare lo stile del titolo dello schema</a:t>
+              <a:rPr lang="en-US"/>
+              <a:t>Click to edit Master title style</a:t>
             </a:r>
             <a:endParaRPr lang="en-US" dirty="0"/>
           </a:p>
@@ -669,8 +1818,8 @@
         </p:nvSpPr>
         <p:spPr>
           <a:xfrm>
-            <a:off x="828080" y="4670142"/>
-            <a:ext cx="4968479" cy="2146742"/>
+            <a:off x="828080" y="4462525"/>
+            <a:ext cx="4968479" cy="2051305"/>
           </a:xfrm>
         </p:spPr>
         <p:txBody>
@@ -715,8 +1864,8 @@
           </a:lstStyle>
           <a:p>
             <a:r>
-              <a:rPr lang="it-IT"/>
-              <a:t>Fare clic per modificare lo stile del sottotitolo dello schema</a:t>
+              <a:rPr lang="en-US"/>
+              <a:t>Click to edit Master subtitle style</a:t>
             </a:r>
             <a:endParaRPr lang="en-US" dirty="0"/>
           </a:p>
@@ -739,7 +1888,7 @@
           <a:p>
             <a:fld id="{5FE35E60-0A81-43DB-92FE-330499CB0B1C}" type="datetimeFigureOut">
               <a:rPr lang="en-GB" smtClean="0"/>
-              <a:t>20/12/2023</a:t>
+              <a:t>21/12/2023</a:t>
             </a:fld>
             <a:endParaRPr lang="en-GB"/>
           </a:p>
@@ -781,7 +1930,7 @@
           <a:p>
             <a:fld id="{8906C85D-D5C6-4975-B793-044B6A89D672}" type="slidenum">
               <a:rPr lang="en-GB" smtClean="0"/>
-              <a:t>‹N›</a:t>
+              <a:t>‹#›</a:t>
             </a:fld>
             <a:endParaRPr lang="en-GB"/>
           </a:p>
@@ -790,7 +1939,7 @@
     </p:spTree>
     <p:extLst>
       <p:ext uri="{BB962C8B-B14F-4D97-AF65-F5344CB8AC3E}">
-        <p14:creationId xmlns:p14="http://schemas.microsoft.com/office/powerpoint/2010/main" val="1404170628"/>
+        <p14:creationId xmlns:p14="http://schemas.microsoft.com/office/powerpoint/2010/main" val="702746575"/>
       </p:ext>
     </p:extLst>
   </p:cSld>
@@ -802,7 +1951,7 @@
 
 <file path=ppt/slideLayouts/slideLayout10.xml><?xml version="1.0" encoding="utf-8"?>
 <p:sldLayout xmlns:a="http://schemas.openxmlformats.org/drawingml/2006/main" xmlns:r="http://schemas.openxmlformats.org/officeDocument/2006/relationships" xmlns:p="http://schemas.openxmlformats.org/presentationml/2006/main" type="vertTx" preserve="1">
-  <p:cSld name="Titolo e testo verticale">
+  <p:cSld name="Title and Vertical Text">
     <p:spTree>
       <p:nvGrpSpPr>
         <p:cNvPr id="1" name=""/>
@@ -833,8 +1982,8 @@
           <a:lstStyle/>
           <a:p>
             <a:r>
-              <a:rPr lang="it-IT"/>
-              <a:t>Fare clic per modificare lo stile del titolo dello schema</a:t>
+              <a:rPr lang="en-US"/>
+              <a:t>Click to edit Master title style</a:t>
             </a:r>
             <a:endParaRPr lang="en-US" dirty="0"/>
           </a:p>
@@ -857,36 +2006,36 @@
           <a:p>
             <a:pPr lvl="0"/>
             <a:r>
-              <a:rPr lang="it-IT"/>
-              <a:t>Fare clic per modificare gli stili del testo dello schema</a:t>
+              <a:rPr lang="en-US"/>
+              <a:t>Click to edit Master text styles</a:t>
             </a:r>
           </a:p>
           <a:p>
             <a:pPr lvl="1"/>
             <a:r>
-              <a:rPr lang="it-IT"/>
-              <a:t>Secondo livello</a:t>
+              <a:rPr lang="en-US"/>
+              <a:t>Second level</a:t>
             </a:r>
           </a:p>
           <a:p>
             <a:pPr lvl="2"/>
             <a:r>
-              <a:rPr lang="it-IT"/>
-              <a:t>Terzo livello</a:t>
+              <a:rPr lang="en-US"/>
+              <a:t>Third level</a:t>
             </a:r>
           </a:p>
           <a:p>
             <a:pPr lvl="3"/>
             <a:r>
-              <a:rPr lang="it-IT"/>
-              <a:t>Quarto livello</a:t>
+              <a:rPr lang="en-US"/>
+              <a:t>Fourth level</a:t>
             </a:r>
           </a:p>
           <a:p>
             <a:pPr lvl="4"/>
             <a:r>
-              <a:rPr lang="it-IT"/>
-              <a:t>Quinto livello</a:t>
+              <a:rPr lang="en-US"/>
+              <a:t>Fifth level</a:t>
             </a:r>
             <a:endParaRPr lang="en-US" dirty="0"/>
           </a:p>
@@ -909,7 +2058,7 @@
           <a:p>
             <a:fld id="{5FE35E60-0A81-43DB-92FE-330499CB0B1C}" type="datetimeFigureOut">
               <a:rPr lang="en-GB" smtClean="0"/>
-              <a:t>20/12/2023</a:t>
+              <a:t>21/12/2023</a:t>
             </a:fld>
             <a:endParaRPr lang="en-GB"/>
           </a:p>
@@ -951,7 +2100,7 @@
           <a:p>
             <a:fld id="{8906C85D-D5C6-4975-B793-044B6A89D672}" type="slidenum">
               <a:rPr lang="en-GB" smtClean="0"/>
-              <a:t>‹N›</a:t>
+              <a:t>‹#›</a:t>
             </a:fld>
             <a:endParaRPr lang="en-GB"/>
           </a:p>
@@ -960,7 +2109,7 @@
     </p:spTree>
     <p:extLst>
       <p:ext uri="{BB962C8B-B14F-4D97-AF65-F5344CB8AC3E}">
-        <p14:creationId xmlns:p14="http://schemas.microsoft.com/office/powerpoint/2010/main" val="570416330"/>
+        <p14:creationId xmlns:p14="http://schemas.microsoft.com/office/powerpoint/2010/main" val="2450627981"/>
       </p:ext>
     </p:extLst>
   </p:cSld>
@@ -972,7 +2121,7 @@
 
 <file path=ppt/slideLayouts/slideLayout11.xml><?xml version="1.0" encoding="utf-8"?>
 <p:sldLayout xmlns:a="http://schemas.openxmlformats.org/drawingml/2006/main" xmlns:r="http://schemas.openxmlformats.org/officeDocument/2006/relationships" xmlns:p="http://schemas.openxmlformats.org/presentationml/2006/main" type="vertTitleAndTx" preserve="1">
-  <p:cSld name="1_Titolo e testo verticale">
+  <p:cSld name="Vertical Title and Text">
     <p:spTree>
       <p:nvGrpSpPr>
         <p:cNvPr id="1" name=""/>
@@ -999,8 +2148,8 @@
         </p:nvSpPr>
         <p:spPr>
           <a:xfrm>
-            <a:off x="4740757" y="473395"/>
-            <a:ext cx="1428438" cy="7535210"/>
+            <a:off x="4740757" y="452349"/>
+            <a:ext cx="1428438" cy="7200222"/>
           </a:xfrm>
         </p:spPr>
         <p:txBody>
@@ -1008,8 +2157,8 @@
           <a:lstStyle/>
           <a:p>
             <a:r>
-              <a:rPr lang="it-IT"/>
-              <a:t>Fare clic per modificare lo stile del titolo dello schema</a:t>
+              <a:rPr lang="en-US"/>
+              <a:t>Click to edit Master title style</a:t>
             </a:r>
             <a:endParaRPr lang="en-US" dirty="0"/>
           </a:p>
@@ -1027,8 +2176,8 @@
         </p:nvSpPr>
         <p:spPr>
           <a:xfrm>
-            <a:off x="455444" y="473395"/>
-            <a:ext cx="4202505" cy="7535210"/>
+            <a:off x="455444" y="452349"/>
+            <a:ext cx="4202505" cy="7200222"/>
           </a:xfrm>
         </p:spPr>
         <p:txBody>
@@ -1037,36 +2186,36 @@
           <a:p>
             <a:pPr lvl="0"/>
             <a:r>
-              <a:rPr lang="it-IT"/>
-              <a:t>Fare clic per modificare gli stili del testo dello schema</a:t>
+              <a:rPr lang="en-US"/>
+              <a:t>Click to edit Master text styles</a:t>
             </a:r>
           </a:p>
           <a:p>
             <a:pPr lvl="1"/>
             <a:r>
-              <a:rPr lang="it-IT"/>
-              <a:t>Secondo livello</a:t>
+              <a:rPr lang="en-US"/>
+              <a:t>Second level</a:t>
             </a:r>
           </a:p>
           <a:p>
             <a:pPr lvl="2"/>
             <a:r>
-              <a:rPr lang="it-IT"/>
-              <a:t>Terzo livello</a:t>
+              <a:rPr lang="en-US"/>
+              <a:t>Third level</a:t>
             </a:r>
           </a:p>
           <a:p>
             <a:pPr lvl="3"/>
             <a:r>
-              <a:rPr lang="it-IT"/>
-              <a:t>Quarto livello</a:t>
+              <a:rPr lang="en-US"/>
+              <a:t>Fourth level</a:t>
             </a:r>
           </a:p>
           <a:p>
             <a:pPr lvl="4"/>
             <a:r>
-              <a:rPr lang="it-IT"/>
-              <a:t>Quinto livello</a:t>
+              <a:rPr lang="en-US"/>
+              <a:t>Fifth level</a:t>
             </a:r>
             <a:endParaRPr lang="en-US" dirty="0"/>
           </a:p>
@@ -1089,7 +2238,7 @@
           <a:p>
             <a:fld id="{5FE35E60-0A81-43DB-92FE-330499CB0B1C}" type="datetimeFigureOut">
               <a:rPr lang="en-GB" smtClean="0"/>
-              <a:t>20/12/2023</a:t>
+              <a:t>21/12/2023</a:t>
             </a:fld>
             <a:endParaRPr lang="en-GB"/>
           </a:p>
@@ -1131,7 +2280,7 @@
           <a:p>
             <a:fld id="{8906C85D-D5C6-4975-B793-044B6A89D672}" type="slidenum">
               <a:rPr lang="en-GB" smtClean="0"/>
-              <a:t>‹N›</a:t>
+              <a:t>‹#›</a:t>
             </a:fld>
             <a:endParaRPr lang="en-GB"/>
           </a:p>
@@ -1140,7 +2289,7 @@
     </p:spTree>
     <p:extLst>
       <p:ext uri="{BB962C8B-B14F-4D97-AF65-F5344CB8AC3E}">
-        <p14:creationId xmlns:p14="http://schemas.microsoft.com/office/powerpoint/2010/main" val="2547481439"/>
+        <p14:creationId xmlns:p14="http://schemas.microsoft.com/office/powerpoint/2010/main" val="3067498958"/>
       </p:ext>
     </p:extLst>
   </p:cSld>
@@ -1152,7 +2301,7 @@
 
 <file path=ppt/slideLayouts/slideLayout2.xml><?xml version="1.0" encoding="utf-8"?>
 <p:sldLayout xmlns:a="http://schemas.openxmlformats.org/drawingml/2006/main" xmlns:r="http://schemas.openxmlformats.org/officeDocument/2006/relationships" xmlns:p="http://schemas.openxmlformats.org/presentationml/2006/main" type="obj" preserve="1">
-  <p:cSld name="Titolo e contenuto">
+  <p:cSld name="Title and Content">
     <p:spTree>
       <p:nvGrpSpPr>
         <p:cNvPr id="1" name=""/>
@@ -1183,8 +2332,8 @@
           <a:lstStyle/>
           <a:p>
             <a:r>
-              <a:rPr lang="it-IT"/>
-              <a:t>Fare clic per modificare lo stile del titolo dello schema</a:t>
+              <a:rPr lang="en-US"/>
+              <a:t>Click to edit Master title style</a:t>
             </a:r>
             <a:endParaRPr lang="en-US" dirty="0"/>
           </a:p>
@@ -1207,36 +2356,36 @@
           <a:p>
             <a:pPr lvl="0"/>
             <a:r>
-              <a:rPr lang="it-IT"/>
-              <a:t>Fare clic per modificare gli stili del testo dello schema</a:t>
+              <a:rPr lang="en-US"/>
+              <a:t>Click to edit Master text styles</a:t>
             </a:r>
           </a:p>
           <a:p>
             <a:pPr lvl="1"/>
             <a:r>
-              <a:rPr lang="it-IT"/>
-              <a:t>Secondo livello</a:t>
+              <a:rPr lang="en-US"/>
+              <a:t>Second level</a:t>
             </a:r>
           </a:p>
           <a:p>
             <a:pPr lvl="2"/>
             <a:r>
-              <a:rPr lang="it-IT"/>
-              <a:t>Terzo livello</a:t>
+              <a:rPr lang="en-US"/>
+              <a:t>Third level</a:t>
             </a:r>
           </a:p>
           <a:p>
             <a:pPr lvl="3"/>
             <a:r>
-              <a:rPr lang="it-IT"/>
-              <a:t>Quarto livello</a:t>
+              <a:rPr lang="en-US"/>
+              <a:t>Fourth level</a:t>
             </a:r>
           </a:p>
           <a:p>
             <a:pPr lvl="4"/>
             <a:r>
-              <a:rPr lang="it-IT"/>
-              <a:t>Quinto livello</a:t>
+              <a:rPr lang="en-US"/>
+              <a:t>Fifth level</a:t>
             </a:r>
             <a:endParaRPr lang="en-US" dirty="0"/>
           </a:p>
@@ -1259,7 +2408,7 @@
           <a:p>
             <a:fld id="{5FE35E60-0A81-43DB-92FE-330499CB0B1C}" type="datetimeFigureOut">
               <a:rPr lang="en-GB" smtClean="0"/>
-              <a:t>20/12/2023</a:t>
+              <a:t>21/12/2023</a:t>
             </a:fld>
             <a:endParaRPr lang="en-GB"/>
           </a:p>
@@ -1301,7 +2450,7 @@
           <a:p>
             <a:fld id="{8906C85D-D5C6-4975-B793-044B6A89D672}" type="slidenum">
               <a:rPr lang="en-GB" smtClean="0"/>
-              <a:t>‹N›</a:t>
+              <a:t>‹#›</a:t>
             </a:fld>
             <a:endParaRPr lang="en-GB"/>
           </a:p>
@@ -1310,7 +2459,7 @@
     </p:spTree>
     <p:extLst>
       <p:ext uri="{BB962C8B-B14F-4D97-AF65-F5344CB8AC3E}">
-        <p14:creationId xmlns:p14="http://schemas.microsoft.com/office/powerpoint/2010/main" val="3762159265"/>
+        <p14:creationId xmlns:p14="http://schemas.microsoft.com/office/powerpoint/2010/main" val="3661009380"/>
       </p:ext>
     </p:extLst>
   </p:cSld>
@@ -1322,7 +2471,7 @@
 
 <file path=ppt/slideLayouts/slideLayout3.xml><?xml version="1.0" encoding="utf-8"?>
 <p:sldLayout xmlns:a="http://schemas.openxmlformats.org/drawingml/2006/main" xmlns:r="http://schemas.openxmlformats.org/officeDocument/2006/relationships" xmlns:p="http://schemas.openxmlformats.org/presentationml/2006/main" type="secHead" preserve="1">
-  <p:cSld name="Intestazione sezione">
+  <p:cSld name="Section Header">
     <p:spTree>
       <p:nvGrpSpPr>
         <p:cNvPr id="1" name=""/>
@@ -1349,8 +2498,8 @@
         </p:nvSpPr>
         <p:spPr>
           <a:xfrm>
-            <a:off x="451994" y="2216725"/>
-            <a:ext cx="5713750" cy="3698653"/>
+            <a:off x="451994" y="2118177"/>
+            <a:ext cx="5713750" cy="3534224"/>
           </a:xfrm>
         </p:spPr>
         <p:txBody>
@@ -1362,8 +2511,8 @@
           </a:lstStyle>
           <a:p>
             <a:r>
-              <a:rPr lang="it-IT"/>
-              <a:t>Fare clic per modificare lo stile del titolo dello schema</a:t>
+              <a:rPr lang="en-US"/>
+              <a:t>Click to edit Master title style</a:t>
             </a:r>
             <a:endParaRPr lang="en-US" dirty="0"/>
           </a:p>
@@ -1381,8 +2530,8 @@
         </p:nvSpPr>
         <p:spPr>
           <a:xfrm>
-            <a:off x="451994" y="5950369"/>
-            <a:ext cx="5713750" cy="1945034"/>
+            <a:off x="451994" y="5685837"/>
+            <a:ext cx="5713750" cy="1858565"/>
           </a:xfrm>
         </p:spPr>
         <p:txBody>
@@ -1480,8 +2629,8 @@
           <a:p>
             <a:pPr lvl="0"/>
             <a:r>
-              <a:rPr lang="it-IT"/>
-              <a:t>Fare clic per modificare gli stili del testo dello schema</a:t>
+              <a:rPr lang="en-US"/>
+              <a:t>Click to edit Master text styles</a:t>
             </a:r>
           </a:p>
         </p:txBody>
@@ -1503,7 +2652,7 @@
           <a:p>
             <a:fld id="{5FE35E60-0A81-43DB-92FE-330499CB0B1C}" type="datetimeFigureOut">
               <a:rPr lang="en-GB" smtClean="0"/>
-              <a:t>20/12/2023</a:t>
+              <a:t>21/12/2023</a:t>
             </a:fld>
             <a:endParaRPr lang="en-GB"/>
           </a:p>
@@ -1545,7 +2694,7 @@
           <a:p>
             <a:fld id="{8906C85D-D5C6-4975-B793-044B6A89D672}" type="slidenum">
               <a:rPr lang="en-GB" smtClean="0"/>
-              <a:t>‹N›</a:t>
+              <a:t>‹#›</a:t>
             </a:fld>
             <a:endParaRPr lang="en-GB"/>
           </a:p>
@@ -1554,7 +2703,7 @@
     </p:spTree>
     <p:extLst>
       <p:ext uri="{BB962C8B-B14F-4D97-AF65-F5344CB8AC3E}">
-        <p14:creationId xmlns:p14="http://schemas.microsoft.com/office/powerpoint/2010/main" val="499424136"/>
+        <p14:creationId xmlns:p14="http://schemas.microsoft.com/office/powerpoint/2010/main" val="3836697785"/>
       </p:ext>
     </p:extLst>
   </p:cSld>
@@ -1566,7 +2715,7 @@
 
 <file path=ppt/slideLayouts/slideLayout4.xml><?xml version="1.0" encoding="utf-8"?>
 <p:sldLayout xmlns:a="http://schemas.openxmlformats.org/drawingml/2006/main" xmlns:r="http://schemas.openxmlformats.org/officeDocument/2006/relationships" xmlns:p="http://schemas.openxmlformats.org/presentationml/2006/main" type="twoObj" preserve="1">
-  <p:cSld name="Due contenuti">
+  <p:cSld name="Two Content">
     <p:spTree>
       <p:nvGrpSpPr>
         <p:cNvPr id="1" name=""/>
@@ -1597,8 +2746,8 @@
           <a:lstStyle/>
           <a:p>
             <a:r>
-              <a:rPr lang="it-IT"/>
-              <a:t>Fare clic per modificare lo stile del titolo dello schema</a:t>
+              <a:rPr lang="en-US"/>
+              <a:t>Click to edit Master title style</a:t>
             </a:r>
             <a:endParaRPr lang="en-US" dirty="0"/>
           </a:p>
@@ -1616,8 +2765,8 @@
         </p:nvSpPr>
         <p:spPr>
           <a:xfrm>
-            <a:off x="455444" y="2366974"/>
-            <a:ext cx="2815471" cy="5641631"/>
+            <a:off x="455444" y="2261747"/>
+            <a:ext cx="2815471" cy="5390824"/>
           </a:xfrm>
         </p:spPr>
         <p:txBody>
@@ -1626,36 +2775,36 @@
           <a:p>
             <a:pPr lvl="0"/>
             <a:r>
-              <a:rPr lang="it-IT"/>
-              <a:t>Fare clic per modificare gli stili del testo dello schema</a:t>
+              <a:rPr lang="en-US"/>
+              <a:t>Click to edit Master text styles</a:t>
             </a:r>
           </a:p>
           <a:p>
             <a:pPr lvl="1"/>
             <a:r>
-              <a:rPr lang="it-IT"/>
-              <a:t>Secondo livello</a:t>
+              <a:rPr lang="en-US"/>
+              <a:t>Second level</a:t>
             </a:r>
           </a:p>
           <a:p>
             <a:pPr lvl="2"/>
             <a:r>
-              <a:rPr lang="it-IT"/>
-              <a:t>Terzo livello</a:t>
+              <a:rPr lang="en-US"/>
+              <a:t>Third level</a:t>
             </a:r>
           </a:p>
           <a:p>
             <a:pPr lvl="3"/>
             <a:r>
-              <a:rPr lang="it-IT"/>
-              <a:t>Quarto livello</a:t>
+              <a:rPr lang="en-US"/>
+              <a:t>Fourth level</a:t>
             </a:r>
           </a:p>
           <a:p>
             <a:pPr lvl="4"/>
             <a:r>
-              <a:rPr lang="it-IT"/>
-              <a:t>Quinto livello</a:t>
+              <a:rPr lang="en-US"/>
+              <a:t>Fifth level</a:t>
             </a:r>
             <a:endParaRPr lang="en-US" dirty="0"/>
           </a:p>
@@ -1673,8 +2822,8 @@
         </p:nvSpPr>
         <p:spPr>
           <a:xfrm>
-            <a:off x="3353723" y="2366974"/>
-            <a:ext cx="2815471" cy="5641631"/>
+            <a:off x="3353723" y="2261747"/>
+            <a:ext cx="2815471" cy="5390824"/>
           </a:xfrm>
         </p:spPr>
         <p:txBody>
@@ -1683,36 +2832,36 @@
           <a:p>
             <a:pPr lvl="0"/>
             <a:r>
-              <a:rPr lang="it-IT"/>
-              <a:t>Fare clic per modificare gli stili del testo dello schema</a:t>
+              <a:rPr lang="en-US"/>
+              <a:t>Click to edit Master text styles</a:t>
             </a:r>
           </a:p>
           <a:p>
             <a:pPr lvl="1"/>
             <a:r>
-              <a:rPr lang="it-IT"/>
-              <a:t>Secondo livello</a:t>
+              <a:rPr lang="en-US"/>
+              <a:t>Second level</a:t>
             </a:r>
           </a:p>
           <a:p>
             <a:pPr lvl="2"/>
             <a:r>
-              <a:rPr lang="it-IT"/>
-              <a:t>Terzo livello</a:t>
+              <a:rPr lang="en-US"/>
+              <a:t>Third level</a:t>
             </a:r>
           </a:p>
           <a:p>
             <a:pPr lvl="3"/>
             <a:r>
-              <a:rPr lang="it-IT"/>
-              <a:t>Quarto livello</a:t>
+              <a:rPr lang="en-US"/>
+              <a:t>Fourth level</a:t>
             </a:r>
           </a:p>
           <a:p>
             <a:pPr lvl="4"/>
             <a:r>
-              <a:rPr lang="it-IT"/>
-              <a:t>Quinto livello</a:t>
+              <a:rPr lang="en-US"/>
+              <a:t>Fifth level</a:t>
             </a:r>
             <a:endParaRPr lang="en-US" dirty="0"/>
           </a:p>
@@ -1735,7 +2884,7 @@
           <a:p>
             <a:fld id="{5FE35E60-0A81-43DB-92FE-330499CB0B1C}" type="datetimeFigureOut">
               <a:rPr lang="en-GB" smtClean="0"/>
-              <a:t>20/12/2023</a:t>
+              <a:t>21/12/2023</a:t>
             </a:fld>
             <a:endParaRPr lang="en-GB"/>
           </a:p>
@@ -1777,7 +2926,7 @@
           <a:p>
             <a:fld id="{8906C85D-D5C6-4975-B793-044B6A89D672}" type="slidenum">
               <a:rPr lang="en-GB" smtClean="0"/>
-              <a:t>‹N›</a:t>
+              <a:t>‹#›</a:t>
             </a:fld>
             <a:endParaRPr lang="en-GB"/>
           </a:p>
@@ -1786,7 +2935,7 @@
     </p:spTree>
     <p:extLst>
       <p:ext uri="{BB962C8B-B14F-4D97-AF65-F5344CB8AC3E}">
-        <p14:creationId xmlns:p14="http://schemas.microsoft.com/office/powerpoint/2010/main" val="1009207439"/>
+        <p14:creationId xmlns:p14="http://schemas.microsoft.com/office/powerpoint/2010/main" val="243927017"/>
       </p:ext>
     </p:extLst>
   </p:cSld>
@@ -1798,7 +2947,7 @@
 
 <file path=ppt/slideLayouts/slideLayout5.xml><?xml version="1.0" encoding="utf-8"?>
 <p:sldLayout xmlns:a="http://schemas.openxmlformats.org/drawingml/2006/main" xmlns:r="http://schemas.openxmlformats.org/officeDocument/2006/relationships" xmlns:p="http://schemas.openxmlformats.org/presentationml/2006/main" type="twoTxTwoObj" preserve="1">
-  <p:cSld name="Confronto">
+  <p:cSld name="Comparison">
     <p:spTree>
       <p:nvGrpSpPr>
         <p:cNvPr id="1" name=""/>
@@ -1825,8 +2974,8 @@
         </p:nvSpPr>
         <p:spPr>
           <a:xfrm>
-            <a:off x="456307" y="473397"/>
-            <a:ext cx="5713750" cy="1718629"/>
+            <a:off x="456307" y="452351"/>
+            <a:ext cx="5713750" cy="1642225"/>
           </a:xfrm>
         </p:spPr>
         <p:txBody>
@@ -1834,8 +2983,8 @@
           <a:lstStyle/>
           <a:p>
             <a:r>
-              <a:rPr lang="it-IT"/>
-              <a:t>Fare clic per modificare lo stile del titolo dello schema</a:t>
+              <a:rPr lang="en-US"/>
+              <a:t>Click to edit Master title style</a:t>
             </a:r>
             <a:endParaRPr lang="en-US" dirty="0"/>
           </a:p>
@@ -1853,8 +3002,8 @@
         </p:nvSpPr>
         <p:spPr>
           <a:xfrm>
-            <a:off x="456307" y="2179675"/>
-            <a:ext cx="2802532" cy="1068225"/>
+            <a:off x="456307" y="2082774"/>
+            <a:ext cx="2802532" cy="1020735"/>
           </a:xfrm>
         </p:spPr>
         <p:txBody>
@@ -1900,8 +3049,8 @@
           <a:p>
             <a:pPr lvl="0"/>
             <a:r>
-              <a:rPr lang="it-IT"/>
-              <a:t>Fare clic per modificare gli stili del testo dello schema</a:t>
+              <a:rPr lang="en-US"/>
+              <a:t>Click to edit Master text styles</a:t>
             </a:r>
           </a:p>
         </p:txBody>
@@ -1918,8 +3067,8 @@
         </p:nvSpPr>
         <p:spPr>
           <a:xfrm>
-            <a:off x="456307" y="3247899"/>
-            <a:ext cx="2802532" cy="4777171"/>
+            <a:off x="456307" y="3103510"/>
+            <a:ext cx="2802532" cy="4564795"/>
           </a:xfrm>
         </p:spPr>
         <p:txBody>
@@ -1928,36 +3077,36 @@
           <a:p>
             <a:pPr lvl="0"/>
             <a:r>
-              <a:rPr lang="it-IT"/>
-              <a:t>Fare clic per modificare gli stili del testo dello schema</a:t>
+              <a:rPr lang="en-US"/>
+              <a:t>Click to edit Master text styles</a:t>
             </a:r>
           </a:p>
           <a:p>
             <a:pPr lvl="1"/>
             <a:r>
-              <a:rPr lang="it-IT"/>
-              <a:t>Secondo livello</a:t>
+              <a:rPr lang="en-US"/>
+              <a:t>Second level</a:t>
             </a:r>
           </a:p>
           <a:p>
             <a:pPr lvl="2"/>
             <a:r>
-              <a:rPr lang="it-IT"/>
-              <a:t>Terzo livello</a:t>
+              <a:rPr lang="en-US"/>
+              <a:t>Third level</a:t>
             </a:r>
           </a:p>
           <a:p>
             <a:pPr lvl="3"/>
             <a:r>
-              <a:rPr lang="it-IT"/>
-              <a:t>Quarto livello</a:t>
+              <a:rPr lang="en-US"/>
+              <a:t>Fourth level</a:t>
             </a:r>
           </a:p>
           <a:p>
             <a:pPr lvl="4"/>
             <a:r>
-              <a:rPr lang="it-IT"/>
-              <a:t>Quinto livello</a:t>
+              <a:rPr lang="en-US"/>
+              <a:t>Fifth level</a:t>
             </a:r>
             <a:endParaRPr lang="en-US" dirty="0"/>
           </a:p>
@@ -1975,8 +3124,8 @@
         </p:nvSpPr>
         <p:spPr>
           <a:xfrm>
-            <a:off x="3353723" y="2179675"/>
-            <a:ext cx="2816334" cy="1068225"/>
+            <a:off x="3353723" y="2082774"/>
+            <a:ext cx="2816334" cy="1020735"/>
           </a:xfrm>
         </p:spPr>
         <p:txBody>
@@ -2022,8 +3171,8 @@
           <a:p>
             <a:pPr lvl="0"/>
             <a:r>
-              <a:rPr lang="it-IT"/>
-              <a:t>Fare clic per modificare gli stili del testo dello schema</a:t>
+              <a:rPr lang="en-US"/>
+              <a:t>Click to edit Master text styles</a:t>
             </a:r>
           </a:p>
         </p:txBody>
@@ -2040,8 +3189,8 @@
         </p:nvSpPr>
         <p:spPr>
           <a:xfrm>
-            <a:off x="3353723" y="3247899"/>
-            <a:ext cx="2816334" cy="4777171"/>
+            <a:off x="3353723" y="3103510"/>
+            <a:ext cx="2816334" cy="4564795"/>
           </a:xfrm>
         </p:spPr>
         <p:txBody>
@@ -2050,36 +3199,36 @@
           <a:p>
             <a:pPr lvl="0"/>
             <a:r>
-              <a:rPr lang="it-IT"/>
-              <a:t>Fare clic per modificare gli stili del testo dello schema</a:t>
+              <a:rPr lang="en-US"/>
+              <a:t>Click to edit Master text styles</a:t>
             </a:r>
           </a:p>
           <a:p>
             <a:pPr lvl="1"/>
             <a:r>
-              <a:rPr lang="it-IT"/>
-              <a:t>Secondo livello</a:t>
+              <a:rPr lang="en-US"/>
+              <a:t>Second level</a:t>
             </a:r>
           </a:p>
           <a:p>
             <a:pPr lvl="2"/>
             <a:r>
-              <a:rPr lang="it-IT"/>
-              <a:t>Terzo livello</a:t>
+              <a:rPr lang="en-US"/>
+              <a:t>Third level</a:t>
             </a:r>
           </a:p>
           <a:p>
             <a:pPr lvl="3"/>
             <a:r>
-              <a:rPr lang="it-IT"/>
-              <a:t>Quarto livello</a:t>
+              <a:rPr lang="en-US"/>
+              <a:t>Fourth level</a:t>
             </a:r>
           </a:p>
           <a:p>
             <a:pPr lvl="4"/>
             <a:r>
-              <a:rPr lang="it-IT"/>
-              <a:t>Quinto livello</a:t>
+              <a:rPr lang="en-US"/>
+              <a:t>Fifth level</a:t>
             </a:r>
             <a:endParaRPr lang="en-US" dirty="0"/>
           </a:p>
@@ -2102,7 +3251,7 @@
           <a:p>
             <a:fld id="{5FE35E60-0A81-43DB-92FE-330499CB0B1C}" type="datetimeFigureOut">
               <a:rPr lang="en-GB" smtClean="0"/>
-              <a:t>20/12/2023</a:t>
+              <a:t>21/12/2023</a:t>
             </a:fld>
             <a:endParaRPr lang="en-GB"/>
           </a:p>
@@ -2144,7 +3293,7 @@
           <a:p>
             <a:fld id="{8906C85D-D5C6-4975-B793-044B6A89D672}" type="slidenum">
               <a:rPr lang="en-GB" smtClean="0"/>
-              <a:t>‹N›</a:t>
+              <a:t>‹#›</a:t>
             </a:fld>
             <a:endParaRPr lang="en-GB"/>
           </a:p>
@@ -2153,7 +3302,7 @@
     </p:spTree>
     <p:extLst>
       <p:ext uri="{BB962C8B-B14F-4D97-AF65-F5344CB8AC3E}">
-        <p14:creationId xmlns:p14="http://schemas.microsoft.com/office/powerpoint/2010/main" val="2148229395"/>
+        <p14:creationId xmlns:p14="http://schemas.microsoft.com/office/powerpoint/2010/main" val="1148910704"/>
       </p:ext>
     </p:extLst>
   </p:cSld>
@@ -2165,7 +3314,7 @@
 
 <file path=ppt/slideLayouts/slideLayout6.xml><?xml version="1.0" encoding="utf-8"?>
 <p:sldLayout xmlns:a="http://schemas.openxmlformats.org/drawingml/2006/main" xmlns:r="http://schemas.openxmlformats.org/officeDocument/2006/relationships" xmlns:p="http://schemas.openxmlformats.org/presentationml/2006/main" type="titleOnly" preserve="1">
-  <p:cSld name="Solo titolo">
+  <p:cSld name="Title Only">
     <p:spTree>
       <p:nvGrpSpPr>
         <p:cNvPr id="1" name=""/>
@@ -2196,8 +3345,8 @@
           <a:lstStyle/>
           <a:p>
             <a:r>
-              <a:rPr lang="it-IT"/>
-              <a:t>Fare clic per modificare lo stile del titolo dello schema</a:t>
+              <a:rPr lang="en-US"/>
+              <a:t>Click to edit Master title style</a:t>
             </a:r>
             <a:endParaRPr lang="en-US" dirty="0"/>
           </a:p>
@@ -2220,7 +3369,7 @@
           <a:p>
             <a:fld id="{5FE35E60-0A81-43DB-92FE-330499CB0B1C}" type="datetimeFigureOut">
               <a:rPr lang="en-GB" smtClean="0"/>
-              <a:t>20/12/2023</a:t>
+              <a:t>21/12/2023</a:t>
             </a:fld>
             <a:endParaRPr lang="en-GB"/>
           </a:p>
@@ -2262,7 +3411,7 @@
           <a:p>
             <a:fld id="{8906C85D-D5C6-4975-B793-044B6A89D672}" type="slidenum">
               <a:rPr lang="en-GB" smtClean="0"/>
-              <a:t>‹N›</a:t>
+              <a:t>‹#›</a:t>
             </a:fld>
             <a:endParaRPr lang="en-GB"/>
           </a:p>
@@ -2271,7 +3420,7 @@
     </p:spTree>
     <p:extLst>
       <p:ext uri="{BB962C8B-B14F-4D97-AF65-F5344CB8AC3E}">
-        <p14:creationId xmlns:p14="http://schemas.microsoft.com/office/powerpoint/2010/main" val="307302337"/>
+        <p14:creationId xmlns:p14="http://schemas.microsoft.com/office/powerpoint/2010/main" val="3876883820"/>
       </p:ext>
     </p:extLst>
   </p:cSld>
@@ -2283,7 +3432,7 @@
 
 <file path=ppt/slideLayouts/slideLayout7.xml><?xml version="1.0" encoding="utf-8"?>
 <p:sldLayout xmlns:a="http://schemas.openxmlformats.org/drawingml/2006/main" xmlns:r="http://schemas.openxmlformats.org/officeDocument/2006/relationships" xmlns:p="http://schemas.openxmlformats.org/presentationml/2006/main" type="blank" preserve="1">
-  <p:cSld name="Vuota">
+  <p:cSld name="Blank">
     <p:spTree>
       <p:nvGrpSpPr>
         <p:cNvPr id="1" name=""/>
@@ -2315,7 +3464,7 @@
           <a:p>
             <a:fld id="{5FE35E60-0A81-43DB-92FE-330499CB0B1C}" type="datetimeFigureOut">
               <a:rPr lang="en-GB" smtClean="0"/>
-              <a:t>20/12/2023</a:t>
+              <a:t>21/12/2023</a:t>
             </a:fld>
             <a:endParaRPr lang="en-GB"/>
           </a:p>
@@ -2357,7 +3506,7 @@
           <a:p>
             <a:fld id="{8906C85D-D5C6-4975-B793-044B6A89D672}" type="slidenum">
               <a:rPr lang="en-GB" smtClean="0"/>
-              <a:t>‹N›</a:t>
+              <a:t>‹#›</a:t>
             </a:fld>
             <a:endParaRPr lang="en-GB"/>
           </a:p>
@@ -2366,7 +3515,7 @@
     </p:spTree>
     <p:extLst>
       <p:ext uri="{BB962C8B-B14F-4D97-AF65-F5344CB8AC3E}">
-        <p14:creationId xmlns:p14="http://schemas.microsoft.com/office/powerpoint/2010/main" val="3398558931"/>
+        <p14:creationId xmlns:p14="http://schemas.microsoft.com/office/powerpoint/2010/main" val="2380268110"/>
       </p:ext>
     </p:extLst>
   </p:cSld>
@@ -2378,7 +3527,7 @@
 
 <file path=ppt/slideLayouts/slideLayout8.xml><?xml version="1.0" encoding="utf-8"?>
 <p:sldLayout xmlns:a="http://schemas.openxmlformats.org/drawingml/2006/main" xmlns:r="http://schemas.openxmlformats.org/officeDocument/2006/relationships" xmlns:p="http://schemas.openxmlformats.org/presentationml/2006/main" type="objTx" preserve="1">
-  <p:cSld name="Contenuto con didascalia">
+  <p:cSld name="Content with Caption">
     <p:spTree>
       <p:nvGrpSpPr>
         <p:cNvPr id="1" name=""/>
@@ -2405,8 +3554,8 @@
         </p:nvSpPr>
         <p:spPr>
           <a:xfrm>
-            <a:off x="456307" y="592772"/>
-            <a:ext cx="2136618" cy="2074704"/>
+            <a:off x="456307" y="566420"/>
+            <a:ext cx="2136618" cy="1982470"/>
           </a:xfrm>
         </p:spPr>
         <p:txBody>
@@ -2418,8 +3567,8 @@
           </a:lstStyle>
           <a:p>
             <a:r>
-              <a:rPr lang="it-IT"/>
-              <a:t>Fare clic per modificare lo stile del titolo dello schema</a:t>
+              <a:rPr lang="en-US"/>
+              <a:t>Click to edit Master title style</a:t>
             </a:r>
             <a:endParaRPr lang="en-US" dirty="0"/>
           </a:p>
@@ -2437,8 +3586,8 @@
         </p:nvSpPr>
         <p:spPr>
           <a:xfrm>
-            <a:off x="2816334" y="1280226"/>
-            <a:ext cx="3353723" cy="6318791"/>
+            <a:off x="2816334" y="1223312"/>
+            <a:ext cx="3353723" cy="6037880"/>
           </a:xfrm>
         </p:spPr>
         <p:txBody>
@@ -2475,36 +3624,36 @@
           <a:p>
             <a:pPr lvl="0"/>
             <a:r>
-              <a:rPr lang="it-IT"/>
-              <a:t>Fare clic per modificare gli stili del testo dello schema</a:t>
+              <a:rPr lang="en-US"/>
+              <a:t>Click to edit Master text styles</a:t>
             </a:r>
           </a:p>
           <a:p>
             <a:pPr lvl="1"/>
             <a:r>
-              <a:rPr lang="it-IT"/>
-              <a:t>Secondo livello</a:t>
+              <a:rPr lang="en-US"/>
+              <a:t>Second level</a:t>
             </a:r>
           </a:p>
           <a:p>
             <a:pPr lvl="2"/>
             <a:r>
-              <a:rPr lang="it-IT"/>
-              <a:t>Terzo livello</a:t>
+              <a:rPr lang="en-US"/>
+              <a:t>Third level</a:t>
             </a:r>
           </a:p>
           <a:p>
             <a:pPr lvl="3"/>
             <a:r>
-              <a:rPr lang="it-IT"/>
-              <a:t>Quarto livello</a:t>
+              <a:rPr lang="en-US"/>
+              <a:t>Fourth level</a:t>
             </a:r>
           </a:p>
           <a:p>
             <a:pPr lvl="4"/>
             <a:r>
-              <a:rPr lang="it-IT"/>
-              <a:t>Quinto livello</a:t>
+              <a:rPr lang="en-US"/>
+              <a:t>Fifth level</a:t>
             </a:r>
             <a:endParaRPr lang="en-US" dirty="0"/>
           </a:p>
@@ -2522,8 +3671,8 @@
         </p:nvSpPr>
         <p:spPr>
           <a:xfrm>
-            <a:off x="456307" y="2667476"/>
-            <a:ext cx="2136618" cy="4941830"/>
+            <a:off x="456307" y="2548890"/>
+            <a:ext cx="2136618" cy="4722134"/>
           </a:xfrm>
         </p:spPr>
         <p:txBody>
@@ -2569,8 +3718,8 @@
           <a:p>
             <a:pPr lvl="0"/>
             <a:r>
-              <a:rPr lang="it-IT"/>
-              <a:t>Fare clic per modificare gli stili del testo dello schema</a:t>
+              <a:rPr lang="en-US"/>
+              <a:t>Click to edit Master text styles</a:t>
             </a:r>
           </a:p>
         </p:txBody>
@@ -2592,7 +3741,7 @@
           <a:p>
             <a:fld id="{5FE35E60-0A81-43DB-92FE-330499CB0B1C}" type="datetimeFigureOut">
               <a:rPr lang="en-GB" smtClean="0"/>
-              <a:t>20/12/2023</a:t>
+              <a:t>21/12/2023</a:t>
             </a:fld>
             <a:endParaRPr lang="en-GB"/>
           </a:p>
@@ -2634,7 +3783,7 @@
           <a:p>
             <a:fld id="{8906C85D-D5C6-4975-B793-044B6A89D672}" type="slidenum">
               <a:rPr lang="en-GB" smtClean="0"/>
-              <a:t>‹N›</a:t>
+              <a:t>‹#›</a:t>
             </a:fld>
             <a:endParaRPr lang="en-GB"/>
           </a:p>
@@ -2643,7 +3792,7 @@
     </p:spTree>
     <p:extLst>
       <p:ext uri="{BB962C8B-B14F-4D97-AF65-F5344CB8AC3E}">
-        <p14:creationId xmlns:p14="http://schemas.microsoft.com/office/powerpoint/2010/main" val="3548939172"/>
+        <p14:creationId xmlns:p14="http://schemas.microsoft.com/office/powerpoint/2010/main" val="2445297344"/>
       </p:ext>
     </p:extLst>
   </p:cSld>
@@ -2655,7 +3804,7 @@
 
 <file path=ppt/slideLayouts/slideLayout9.xml><?xml version="1.0" encoding="utf-8"?>
 <p:sldLayout xmlns:a="http://schemas.openxmlformats.org/drawingml/2006/main" xmlns:r="http://schemas.openxmlformats.org/officeDocument/2006/relationships" xmlns:p="http://schemas.openxmlformats.org/presentationml/2006/main" type="picTx" preserve="1">
-  <p:cSld name="Immagine con didascalia">
+  <p:cSld name="Picture with Caption">
     <p:spTree>
       <p:nvGrpSpPr>
         <p:cNvPr id="1" name=""/>
@@ -2682,8 +3831,8 @@
         </p:nvSpPr>
         <p:spPr>
           <a:xfrm>
-            <a:off x="456307" y="592772"/>
-            <a:ext cx="2136618" cy="2074704"/>
+            <a:off x="456307" y="566420"/>
+            <a:ext cx="2136618" cy="1982470"/>
           </a:xfrm>
         </p:spPr>
         <p:txBody>
@@ -2695,8 +3844,8 @@
           </a:lstStyle>
           <a:p>
             <a:r>
-              <a:rPr lang="it-IT"/>
-              <a:t>Fare clic per modificare lo stile del titolo dello schema</a:t>
+              <a:rPr lang="en-US"/>
+              <a:t>Click to edit Master title style</a:t>
             </a:r>
             <a:endParaRPr lang="en-US" dirty="0"/>
           </a:p>
@@ -2714,8 +3863,8 @@
         </p:nvSpPr>
         <p:spPr>
           <a:xfrm>
-            <a:off x="2816334" y="1280226"/>
-            <a:ext cx="3353723" cy="6318791"/>
+            <a:off x="2816334" y="1223312"/>
+            <a:ext cx="3353723" cy="6037880"/>
           </a:xfrm>
         </p:spPr>
         <p:txBody>
@@ -2760,8 +3909,8 @@
           </a:lstStyle>
           <a:p>
             <a:r>
-              <a:rPr lang="it-IT"/>
-              <a:t>Fare clic sull'icona per inserire un'immagine</a:t>
+              <a:rPr lang="en-US"/>
+              <a:t>Click icon to add picture</a:t>
             </a:r>
             <a:endParaRPr lang="en-US" dirty="0"/>
           </a:p>
@@ -2779,8 +3928,8 @@
         </p:nvSpPr>
         <p:spPr>
           <a:xfrm>
-            <a:off x="456307" y="2667476"/>
-            <a:ext cx="2136618" cy="4941830"/>
+            <a:off x="456307" y="2548890"/>
+            <a:ext cx="2136618" cy="4722134"/>
           </a:xfrm>
         </p:spPr>
         <p:txBody>
@@ -2826,8 +3975,8 @@
           <a:p>
             <a:pPr lvl="0"/>
             <a:r>
-              <a:rPr lang="it-IT"/>
-              <a:t>Fare clic per modificare gli stili del testo dello schema</a:t>
+              <a:rPr lang="en-US"/>
+              <a:t>Click to edit Master text styles</a:t>
             </a:r>
           </a:p>
         </p:txBody>
@@ -2849,7 +3998,7 @@
           <a:p>
             <a:fld id="{5FE35E60-0A81-43DB-92FE-330499CB0B1C}" type="datetimeFigureOut">
               <a:rPr lang="en-GB" smtClean="0"/>
-              <a:t>20/12/2023</a:t>
+              <a:t>21/12/2023</a:t>
             </a:fld>
             <a:endParaRPr lang="en-GB"/>
           </a:p>
@@ -2891,7 +4040,7 @@
           <a:p>
             <a:fld id="{8906C85D-D5C6-4975-B793-044B6A89D672}" type="slidenum">
               <a:rPr lang="en-GB" smtClean="0"/>
-              <a:t>‹N›</a:t>
+              <a:t>‹#›</a:t>
             </a:fld>
             <a:endParaRPr lang="en-GB"/>
           </a:p>
@@ -2900,7 +4049,7 @@
     </p:spTree>
     <p:extLst>
       <p:ext uri="{BB962C8B-B14F-4D97-AF65-F5344CB8AC3E}">
-        <p14:creationId xmlns:p14="http://schemas.microsoft.com/office/powerpoint/2010/main" val="568631822"/>
+        <p14:creationId xmlns:p14="http://schemas.microsoft.com/office/powerpoint/2010/main" val="1847029979"/>
       </p:ext>
     </p:extLst>
   </p:cSld>
@@ -2944,8 +4093,8 @@
         </p:nvSpPr>
         <p:spPr>
           <a:xfrm>
-            <a:off x="455444" y="473397"/>
-            <a:ext cx="5713750" cy="1718629"/>
+            <a:off x="455444" y="452351"/>
+            <a:ext cx="5713750" cy="1642225"/>
           </a:xfrm>
           <a:prstGeom prst="rect">
             <a:avLst/>
@@ -2958,8 +4107,8 @@
           <a:lstStyle/>
           <a:p>
             <a:r>
-              <a:rPr lang="it-IT"/>
-              <a:t>Fare clic per modificare lo stile del titolo dello schema</a:t>
+              <a:rPr lang="en-US"/>
+              <a:t>Click to edit Master title style</a:t>
             </a:r>
             <a:endParaRPr lang="en-US" dirty="0"/>
           </a:p>
@@ -2977,8 +4126,8 @@
         </p:nvSpPr>
         <p:spPr>
           <a:xfrm>
-            <a:off x="455444" y="2366974"/>
-            <a:ext cx="5713750" cy="5641631"/>
+            <a:off x="455444" y="2261747"/>
+            <a:ext cx="5713750" cy="5390824"/>
           </a:xfrm>
           <a:prstGeom prst="rect">
             <a:avLst/>
@@ -2992,36 +4141,36 @@
           <a:p>
             <a:pPr lvl="0"/>
             <a:r>
-              <a:rPr lang="it-IT"/>
-              <a:t>Fare clic per modificare gli stili del testo dello schema</a:t>
+              <a:rPr lang="en-US"/>
+              <a:t>Click to edit Master text styles</a:t>
             </a:r>
           </a:p>
           <a:p>
             <a:pPr lvl="1"/>
             <a:r>
-              <a:rPr lang="it-IT"/>
-              <a:t>Secondo livello</a:t>
+              <a:rPr lang="en-US"/>
+              <a:t>Second level</a:t>
             </a:r>
           </a:p>
           <a:p>
             <a:pPr lvl="2"/>
             <a:r>
-              <a:rPr lang="it-IT"/>
-              <a:t>Terzo livello</a:t>
+              <a:rPr lang="en-US"/>
+              <a:t>Third level</a:t>
             </a:r>
           </a:p>
           <a:p>
             <a:pPr lvl="3"/>
             <a:r>
-              <a:rPr lang="it-IT"/>
-              <a:t>Quarto livello</a:t>
+              <a:rPr lang="en-US"/>
+              <a:t>Fourth level</a:t>
             </a:r>
           </a:p>
           <a:p>
             <a:pPr lvl="4"/>
             <a:r>
-              <a:rPr lang="it-IT"/>
-              <a:t>Quinto livello</a:t>
+              <a:rPr lang="en-US"/>
+              <a:t>Fifth level</a:t>
             </a:r>
             <a:endParaRPr lang="en-US" dirty="0"/>
           </a:p>
@@ -3039,8 +4188,8 @@
         </p:nvSpPr>
         <p:spPr>
           <a:xfrm>
-            <a:off x="455444" y="8241187"/>
-            <a:ext cx="1490544" cy="473395"/>
+            <a:off x="455444" y="7874813"/>
+            <a:ext cx="1490544" cy="452349"/>
           </a:xfrm>
           <a:prstGeom prst="rect">
             <a:avLst/>
@@ -3062,7 +4211,7 @@
           <a:p>
             <a:fld id="{5FE35E60-0A81-43DB-92FE-330499CB0B1C}" type="datetimeFigureOut">
               <a:rPr lang="en-GB" smtClean="0"/>
-              <a:t>20/12/2023</a:t>
+              <a:t>21/12/2023</a:t>
             </a:fld>
             <a:endParaRPr lang="en-GB"/>
           </a:p>
@@ -3080,8 +4229,8 @@
         </p:nvSpPr>
         <p:spPr>
           <a:xfrm>
-            <a:off x="2194412" y="8241187"/>
-            <a:ext cx="2235815" cy="473395"/>
+            <a:off x="2194412" y="7874813"/>
+            <a:ext cx="2235815" cy="452349"/>
           </a:xfrm>
           <a:prstGeom prst="rect">
             <a:avLst/>
@@ -3117,8 +4266,8 @@
         </p:nvSpPr>
         <p:spPr>
           <a:xfrm>
-            <a:off x="4678650" y="8241187"/>
-            <a:ext cx="1490544" cy="473395"/>
+            <a:off x="4678650" y="7874813"/>
+            <a:ext cx="1490544" cy="452349"/>
           </a:xfrm>
           <a:prstGeom prst="rect">
             <a:avLst/>
@@ -3140,7 +4289,7 @@
           <a:p>
             <a:fld id="{8906C85D-D5C6-4975-B793-044B6A89D672}" type="slidenum">
               <a:rPr lang="en-GB" smtClean="0"/>
-              <a:t>‹N›</a:t>
+              <a:t>‹#›</a:t>
             </a:fld>
             <a:endParaRPr lang="en-GB"/>
           </a:p>
@@ -3149,23 +4298,23 @@
     </p:spTree>
     <p:extLst>
       <p:ext uri="{BB962C8B-B14F-4D97-AF65-F5344CB8AC3E}">
-        <p14:creationId xmlns:p14="http://schemas.microsoft.com/office/powerpoint/2010/main" val="4057550932"/>
+        <p14:creationId xmlns:p14="http://schemas.microsoft.com/office/powerpoint/2010/main" val="3248829212"/>
       </p:ext>
     </p:extLst>
   </p:cSld>
   <p:clrMap bg1="lt1" tx1="dk1" bg2="lt2" tx2="dk2" accent1="accent1" accent2="accent2" accent3="accent3" accent4="accent4" accent5="accent5" accent6="accent6" hlink="hlink" folHlink="folHlink"/>
   <p:sldLayoutIdLst>
-    <p:sldLayoutId id="2147483673" r:id="rId1"/>
-    <p:sldLayoutId id="2147483674" r:id="rId2"/>
-    <p:sldLayoutId id="2147483675" r:id="rId3"/>
-    <p:sldLayoutId id="2147483676" r:id="rId4"/>
-    <p:sldLayoutId id="2147483677" r:id="rId5"/>
-    <p:sldLayoutId id="2147483678" r:id="rId6"/>
-    <p:sldLayoutId id="2147483679" r:id="rId7"/>
-    <p:sldLayoutId id="2147483680" r:id="rId8"/>
-    <p:sldLayoutId id="2147483681" r:id="rId9"/>
-    <p:sldLayoutId id="2147483682" r:id="rId10"/>
-    <p:sldLayoutId id="2147483683" r:id="rId11"/>
+    <p:sldLayoutId id="2147483685" r:id="rId1"/>
+    <p:sldLayoutId id="2147483686" r:id="rId2"/>
+    <p:sldLayoutId id="2147483687" r:id="rId3"/>
+    <p:sldLayoutId id="2147483688" r:id="rId4"/>
+    <p:sldLayoutId id="2147483689" r:id="rId5"/>
+    <p:sldLayoutId id="2147483690" r:id="rId6"/>
+    <p:sldLayoutId id="2147483691" r:id="rId7"/>
+    <p:sldLayoutId id="2147483692" r:id="rId8"/>
+    <p:sldLayoutId id="2147483693" r:id="rId9"/>
+    <p:sldLayoutId id="2147483694" r:id="rId10"/>
+    <p:sldLayoutId id="2147483695" r:id="rId11"/>
   </p:sldLayoutIdLst>
   <p:txStyles>
     <p:titleStyle>
@@ -3469,10 +4618,10 @@
       </p:grpSpPr>
       <p:pic>
         <p:nvPicPr>
-          <p:cNvPr id="57" name="Immagine 56" descr="Immagine che contiene testo, Diagramma, linea, Carattere&#10;&#10;Descrizione generata automaticamente">
+          <p:cNvPr id="86" name="Immagine 56" descr="Immagine che contiene testo, Diagramma, linea, Carattere&#10;&#10;Descrizione generata automaticamente">
             <a:extLst>
               <a:ext uri="{FF2B5EF4-FFF2-40B4-BE49-F238E27FC236}">
-                <a16:creationId xmlns:a16="http://schemas.microsoft.com/office/drawing/2014/main" id="{5397F927-1077-97FF-B8C4-B6D469BECEE3}"/>
+                <a16:creationId xmlns:a16="http://schemas.microsoft.com/office/drawing/2014/main" id="{D28444E0-E1B1-E2AC-B8DC-AEDF7214D34A}"/>
               </a:ext>
             </a:extLst>
           </p:cNvPr>
@@ -3494,7 +4643,7 @@
         </p:blipFill>
         <p:spPr>
           <a:xfrm>
-            <a:off x="243282" y="772707"/>
+            <a:off x="243282" y="881444"/>
             <a:ext cx="3219693" cy="2413434"/>
           </a:xfrm>
           <a:prstGeom prst="rect">
@@ -3504,10 +4653,10 @@
       </p:pic>
       <p:pic>
         <p:nvPicPr>
-          <p:cNvPr id="58" name="Immagine 57" descr="Immagine che contiene testo, schermata, Diagramma, diagramma&#10;&#10;Descrizione generata automaticamente">
+          <p:cNvPr id="87" name="Immagine 57" descr="Immagine che contiene testo, schermata, Diagramma, diagramma&#10;&#10;Descrizione generata automaticamente">
             <a:extLst>
               <a:ext uri="{FF2B5EF4-FFF2-40B4-BE49-F238E27FC236}">
-                <a16:creationId xmlns:a16="http://schemas.microsoft.com/office/drawing/2014/main" id="{653B4D43-73EE-B6D9-B7B7-EF334C721F5E}"/>
+                <a16:creationId xmlns:a16="http://schemas.microsoft.com/office/drawing/2014/main" id="{D427A26E-C4A6-D838-F011-D34CF751693F}"/>
               </a:ext>
             </a:extLst>
           </p:cNvPr>
@@ -3529,7 +4678,7 @@
         </p:blipFill>
         <p:spPr>
           <a:xfrm>
-            <a:off x="241300" y="3507768"/>
+            <a:off x="241300" y="3390538"/>
             <a:ext cx="3219693" cy="2413434"/>
           </a:xfrm>
           <a:prstGeom prst="rect">
@@ -3539,10 +4688,10 @@
       </p:pic>
       <p:pic>
         <p:nvPicPr>
-          <p:cNvPr id="59" name="Immagine 58" descr="Immagine che contiene testo, schermata, Diagramma, diagramma&#10;&#10;Descrizione generata automaticamente">
+          <p:cNvPr id="88" name="Immagine 58" descr="Immagine che contiene testo, schermata, Diagramma, diagramma&#10;&#10;Descrizione generata automaticamente">
             <a:extLst>
               <a:ext uri="{FF2B5EF4-FFF2-40B4-BE49-F238E27FC236}">
-                <a16:creationId xmlns:a16="http://schemas.microsoft.com/office/drawing/2014/main" id="{3FB9259D-9DAC-F6D7-A35D-38FABD956AB8}"/>
+                <a16:creationId xmlns:a16="http://schemas.microsoft.com/office/drawing/2014/main" id="{9796B452-6C50-2D81-C8C4-0222BF449DFF}"/>
               </a:ext>
             </a:extLst>
           </p:cNvPr>
@@ -3559,13 +4708,13 @@
               </a:ext>
             </a:extLst>
           </a:blip>
-          <a:srcRect l="5686" t="11735" r="8824"/>
+          <a:srcRect l="5686" t="11735" r="8824" b="4465"/>
           <a:stretch/>
         </p:blipFill>
         <p:spPr>
           <a:xfrm>
-            <a:off x="241299" y="6222551"/>
-            <a:ext cx="3219693" cy="2542031"/>
+            <a:off x="241299" y="5906030"/>
+            <a:ext cx="3219693" cy="2413435"/>
           </a:xfrm>
           <a:prstGeom prst="rect">
             <a:avLst/>
@@ -3574,10 +4723,10 @@
       </p:pic>
       <p:pic>
         <p:nvPicPr>
-          <p:cNvPr id="60" name="Immagine 59" descr="Immagine che contiene testo, Diagramma, schermata, diagramma&#10;&#10;Descrizione generata automaticamente">
+          <p:cNvPr id="89" name="Immagine 59" descr="Immagine che contiene testo, Diagramma, schermata, diagramma&#10;&#10;Descrizione generata automaticamente">
             <a:extLst>
               <a:ext uri="{FF2B5EF4-FFF2-40B4-BE49-F238E27FC236}">
-                <a16:creationId xmlns:a16="http://schemas.microsoft.com/office/drawing/2014/main" id="{0AC91FB5-38E5-A601-4915-C1AB8B60D302}"/>
+                <a16:creationId xmlns:a16="http://schemas.microsoft.com/office/drawing/2014/main" id="{8134CF30-2186-05AF-710D-88F198B4BA44}"/>
               </a:ext>
             </a:extLst>
           </p:cNvPr>
@@ -3599,8 +4748,8 @@
         </p:blipFill>
         <p:spPr>
           <a:xfrm>
-            <a:off x="3514558" y="638580"/>
-            <a:ext cx="3054684" cy="2681688"/>
+            <a:off x="3514558" y="843175"/>
+            <a:ext cx="3054684" cy="2451703"/>
           </a:xfrm>
           <a:prstGeom prst="rect">
             <a:avLst/>
@@ -3609,10 +4758,10 @@
       </p:pic>
       <p:pic>
         <p:nvPicPr>
-          <p:cNvPr id="61" name="Immagine 60" descr="Immagine che contiene testo, Diagramma, diagramma, schermata&#10;&#10;Descrizione generata automaticamente">
+          <p:cNvPr id="90" name="Immagine 60" descr="Immagine che contiene testo, Diagramma, diagramma, schermata&#10;&#10;Descrizione generata automaticamente">
             <a:extLst>
               <a:ext uri="{FF2B5EF4-FFF2-40B4-BE49-F238E27FC236}">
-                <a16:creationId xmlns:a16="http://schemas.microsoft.com/office/drawing/2014/main" id="{695407A8-F876-637E-C578-EB9923D21C44}"/>
+                <a16:creationId xmlns:a16="http://schemas.microsoft.com/office/drawing/2014/main" id="{2A46CFD0-FE04-3C0B-E669-E65740CC73D8}"/>
               </a:ext>
             </a:extLst>
           </p:cNvPr>
@@ -3634,8 +4783,8 @@
         </p:blipFill>
         <p:spPr>
           <a:xfrm>
-            <a:off x="3514558" y="3373641"/>
-            <a:ext cx="3054684" cy="2681688"/>
+            <a:off x="3514558" y="3356877"/>
+            <a:ext cx="3054684" cy="2447095"/>
           </a:xfrm>
           <a:prstGeom prst="rect">
             <a:avLst/>
@@ -3644,10 +4793,10 @@
       </p:pic>
       <p:pic>
         <p:nvPicPr>
-          <p:cNvPr id="62" name="Immagine 61" descr="Immagine che contiene testo, Diagramma, schermata, linea&#10;&#10;Descrizione generata automaticamente">
+          <p:cNvPr id="91" name="Immagine 61" descr="Immagine che contiene testo, Diagramma, schermata, linea&#10;&#10;Descrizione generata automaticamente">
             <a:extLst>
               <a:ext uri="{FF2B5EF4-FFF2-40B4-BE49-F238E27FC236}">
-                <a16:creationId xmlns:a16="http://schemas.microsoft.com/office/drawing/2014/main" id="{6A8338AA-E45E-C079-04B2-7CA80FDA7CB8}"/>
+                <a16:creationId xmlns:a16="http://schemas.microsoft.com/office/drawing/2014/main" id="{CB209281-E0F2-9A06-B033-69A44A3B332A}"/>
               </a:ext>
             </a:extLst>
           </p:cNvPr>
@@ -3664,13 +4813,13 @@
               </a:ext>
             </a:extLst>
           </a:blip>
-          <a:srcRect l="5741" t="10335" r="8889" b="1937"/>
+          <a:srcRect l="5741" t="10335" r="8889" b="4303"/>
           <a:stretch/>
         </p:blipFill>
         <p:spPr>
           <a:xfrm>
-            <a:off x="3514558" y="6108702"/>
-            <a:ext cx="3054684" cy="2769730"/>
+            <a:off x="3514558" y="5862496"/>
+            <a:ext cx="3054684" cy="2456969"/>
           </a:xfrm>
           <a:prstGeom prst="rect">
             <a:avLst/>
@@ -3679,10 +4828,10 @@
       </p:pic>
       <p:sp>
         <p:nvSpPr>
-          <p:cNvPr id="63" name="CasellaDiTesto 62">
+          <p:cNvPr id="92" name="CasellaDiTesto 62">
             <a:extLst>
               <a:ext uri="{FF2B5EF4-FFF2-40B4-BE49-F238E27FC236}">
-                <a16:creationId xmlns:a16="http://schemas.microsoft.com/office/drawing/2014/main" id="{9F8DC454-FE8A-EE46-6706-DC8EEC3DA25D}"/>
+                <a16:creationId xmlns:a16="http://schemas.microsoft.com/office/drawing/2014/main" id="{4084D1D4-F376-F4D6-D6D0-3B21381A3337}"/>
               </a:ext>
             </a:extLst>
           </p:cNvPr>
@@ -3691,8 +4840,8 @@
         </p:nvSpPr>
         <p:spPr>
           <a:xfrm>
-            <a:off x="514838" y="286396"/>
-            <a:ext cx="2891693" cy="246221"/>
+            <a:off x="514838" y="-37259"/>
+            <a:ext cx="2891693" cy="338554"/>
           </a:xfrm>
           <a:prstGeom prst="rect">
             <a:avLst/>
@@ -3707,7 +4856,7 @@
           <a:p>
             <a:pPr algn="ctr"/>
             <a:r>
-              <a:rPr lang="it-IT" sz="1000" b="1" dirty="0">
+              <a:rPr lang="it-IT" sz="800" b="1" dirty="0">
                 <a:solidFill>
                   <a:schemeClr val="tx1">
                     <a:lumMod val="65000"/>
@@ -3715,9 +4864,23 @@
                   </a:schemeClr>
                 </a:solidFill>
               </a:rPr>
-              <a:t>Brier Score – Reliability Component, CL = 99%</a:t>
-            </a:r>
-            <a:endParaRPr lang="en-GB" sz="1000" b="1" dirty="0">
+              <a:t>Brier Score – Reliability Component</a:t>
+            </a:r>
+          </a:p>
+          <a:p>
+            <a:pPr algn="ctr"/>
+            <a:r>
+              <a:rPr lang="it-IT" sz="800" b="1" dirty="0">
+                <a:solidFill>
+                  <a:schemeClr val="tx1">
+                    <a:lumMod val="65000"/>
+                    <a:lumOff val="35000"/>
+                  </a:schemeClr>
+                </a:solidFill>
+              </a:rPr>
+              <a:t>(BSrel)</a:t>
+            </a:r>
+            <a:endParaRPr lang="en-GB" sz="800" b="1" dirty="0">
               <a:solidFill>
                 <a:schemeClr val="tx1">
                   <a:lumMod val="65000"/>
@@ -3728,55 +4891,12 @@
           </a:p>
         </p:txBody>
       </p:sp>
-      <p:pic>
-        <p:nvPicPr>
-          <p:cNvPr id="64" name="Immagine 63" descr="Immagine che contiene testo, Diagramma, linea, Carattere&#10;&#10;Descrizione generata automaticamente">
+      <p:sp>
+        <p:nvSpPr>
+          <p:cNvPr id="93" name="CasellaDiTesto 64">
             <a:extLst>
               <a:ext uri="{FF2B5EF4-FFF2-40B4-BE49-F238E27FC236}">
-                <a16:creationId xmlns:a16="http://schemas.microsoft.com/office/drawing/2014/main" id="{F0165A5A-2544-9C09-7C2E-225A73B933D9}"/>
-              </a:ext>
-            </a:extLst>
-          </p:cNvPr>
-          <p:cNvPicPr>
-            <a:picLocks noChangeAspect="1"/>
-          </p:cNvPicPr>
-          <p:nvPr/>
-        </p:nvPicPr>
-        <p:blipFill rotWithShape="1">
-          <a:blip r:embed="rId2">
-            <a:extLst>
-              <a:ext uri="{28A0092B-C50C-407E-A947-70E740481C1C}">
-                <a14:useLocalDpi xmlns:a14="http://schemas.microsoft.com/office/drawing/2010/main" val="0"/>
-              </a:ext>
-            </a:extLst>
-          </a:blip>
-          <a:srcRect l="19487" t="8032" r="18370" b="88189"/>
-          <a:stretch/>
-        </p:blipFill>
-        <p:spPr>
-          <a:xfrm>
-            <a:off x="796758" y="570220"/>
-            <a:ext cx="2340429" cy="108857"/>
-          </a:xfrm>
-          <a:prstGeom prst="rect">
-            <a:avLst/>
-          </a:prstGeom>
-          <a:ln>
-            <a:solidFill>
-              <a:schemeClr val="tx1">
-                <a:lumMod val="75000"/>
-                <a:lumOff val="25000"/>
-              </a:schemeClr>
-            </a:solidFill>
-          </a:ln>
-        </p:spPr>
-      </p:pic>
-      <p:sp>
-        <p:nvSpPr>
-          <p:cNvPr id="65" name="CasellaDiTesto 64">
-            <a:extLst>
-              <a:ext uri="{FF2B5EF4-FFF2-40B4-BE49-F238E27FC236}">
-                <a16:creationId xmlns:a16="http://schemas.microsoft.com/office/drawing/2014/main" id="{B35E7DC0-EF28-6CD0-B947-194B5D59EB5F}"/>
+                <a16:creationId xmlns:a16="http://schemas.microsoft.com/office/drawing/2014/main" id="{5588A021-FBC3-EEB0-CDA7-01351CE0425B}"/>
               </a:ext>
             </a:extLst>
           </p:cNvPr>
@@ -3785,7 +4905,7 @@
         </p:nvSpPr>
         <p:spPr>
           <a:xfrm>
-            <a:off x="3152427" y="833966"/>
+            <a:off x="3152427" y="942703"/>
             <a:ext cx="216000" cy="215444"/>
           </a:xfrm>
           <a:prstGeom prst="rect">
@@ -3826,10 +4946,10 @@
       </p:sp>
       <p:sp>
         <p:nvSpPr>
-          <p:cNvPr id="66" name="CasellaDiTesto 65">
+          <p:cNvPr id="94" name="CasellaDiTesto 65">
             <a:extLst>
               <a:ext uri="{FF2B5EF4-FFF2-40B4-BE49-F238E27FC236}">
-                <a16:creationId xmlns:a16="http://schemas.microsoft.com/office/drawing/2014/main" id="{4558FE6D-219A-1D6D-AD6F-7880C519405B}"/>
+                <a16:creationId xmlns:a16="http://schemas.microsoft.com/office/drawing/2014/main" id="{57D6D734-FCF2-7A34-B24D-75C6CA2C789E}"/>
               </a:ext>
             </a:extLst>
           </p:cNvPr>
@@ -3839,7 +4959,7 @@
         <p:spPr>
           <a:xfrm>
             <a:off x="3784262" y="-37259"/>
-            <a:ext cx="2784980" cy="400110"/>
+            <a:ext cx="2784980" cy="338554"/>
           </a:xfrm>
           <a:prstGeom prst="rect">
             <a:avLst/>
@@ -3854,7 +4974,7 @@
           <a:p>
             <a:pPr algn="ctr"/>
             <a:r>
-              <a:rPr lang="it-IT" sz="1000" b="1" dirty="0">
+              <a:rPr lang="it-IT" sz="800" b="1" dirty="0">
                 <a:solidFill>
                   <a:schemeClr val="tx1">
                     <a:lumMod val="65000"/>
@@ -3865,7 +4985,7 @@
               <a:t>Area Under the ROC curve - Trapezoidal (AROC</a:t>
             </a:r>
             <a:r>
-              <a:rPr lang="it-IT" sz="1000" b="1" baseline="-25000" dirty="0">
+              <a:rPr lang="it-IT" sz="800" b="1" baseline="-25000" dirty="0">
                 <a:solidFill>
                   <a:schemeClr val="tx1">
                     <a:lumMod val="65000"/>
@@ -3876,7 +4996,7 @@
               <a:t>t</a:t>
             </a:r>
             <a:r>
-              <a:rPr lang="it-IT" sz="1000" b="1" dirty="0">
+              <a:rPr lang="it-IT" sz="800" b="1" dirty="0">
                 <a:solidFill>
                   <a:schemeClr val="tx1">
                     <a:lumMod val="65000"/>
@@ -3887,7 +5007,7 @@
               <a:t>) and Binormal (AROC</a:t>
             </a:r>
             <a:r>
-              <a:rPr lang="it-IT" sz="1000" b="1" baseline="-25000" dirty="0">
+              <a:rPr lang="it-IT" sz="800" b="1" baseline="-25000" dirty="0">
                 <a:solidFill>
                   <a:schemeClr val="tx1">
                     <a:lumMod val="65000"/>
@@ -3898,7 +5018,7 @@
               <a:t>z</a:t>
             </a:r>
             <a:r>
-              <a:rPr lang="it-IT" sz="1000" b="1" dirty="0">
+              <a:rPr lang="it-IT" sz="800" b="1" dirty="0">
                 <a:solidFill>
                   <a:schemeClr val="tx1">
                     <a:lumMod val="65000"/>
@@ -3906,9 +5026,9 @@
                   </a:schemeClr>
                 </a:solidFill>
               </a:rPr>
-              <a:t>), CL = 99%</a:t>
-            </a:r>
-            <a:endParaRPr lang="en-GB" sz="1000" b="1" dirty="0">
+              <a:t>)</a:t>
+            </a:r>
+            <a:endParaRPr lang="en-GB" sz="800" b="1" dirty="0">
               <a:solidFill>
                 <a:schemeClr val="tx1">
                   <a:lumMod val="65000"/>
@@ -3921,10 +5041,10 @@
       </p:sp>
       <p:sp>
         <p:nvSpPr>
-          <p:cNvPr id="67" name="Rettangolo 66">
+          <p:cNvPr id="95" name="Rettangolo 66">
             <a:extLst>
               <a:ext uri="{FF2B5EF4-FFF2-40B4-BE49-F238E27FC236}">
-                <a16:creationId xmlns:a16="http://schemas.microsoft.com/office/drawing/2014/main" id="{258190F9-DD48-05B7-67A3-8E61107ABF18}"/>
+                <a16:creationId xmlns:a16="http://schemas.microsoft.com/office/drawing/2014/main" id="{692BCDB1-60EE-E116-BCA4-09CB1CD5F557}"/>
               </a:ext>
             </a:extLst>
           </p:cNvPr>
@@ -3933,7 +5053,7 @@
         </p:nvSpPr>
         <p:spPr>
           <a:xfrm>
-            <a:off x="3802492" y="573454"/>
+            <a:off x="3802492" y="769652"/>
             <a:ext cx="2708700" cy="107611"/>
           </a:xfrm>
           <a:prstGeom prst="rect">
@@ -3973,10 +5093,10 @@
       </p:sp>
       <p:sp>
         <p:nvSpPr>
-          <p:cNvPr id="68" name="Rettangolo 67">
+          <p:cNvPr id="96" name="Rettangolo 67">
             <a:extLst>
               <a:ext uri="{FF2B5EF4-FFF2-40B4-BE49-F238E27FC236}">
-                <a16:creationId xmlns:a16="http://schemas.microsoft.com/office/drawing/2014/main" id="{3B28EF0D-80AC-009F-E202-B305A9F85B58}"/>
+                <a16:creationId xmlns:a16="http://schemas.microsoft.com/office/drawing/2014/main" id="{E0B8AD14-F085-C504-08B1-413340688363}"/>
               </a:ext>
             </a:extLst>
           </p:cNvPr>
@@ -3985,7 +5105,7 @@
         </p:nvSpPr>
         <p:spPr>
           <a:xfrm>
-            <a:off x="3784262" y="3309208"/>
+            <a:off x="3784262" y="3299113"/>
             <a:ext cx="2708700" cy="107611"/>
           </a:xfrm>
           <a:prstGeom prst="rect">
@@ -4025,10 +5145,10 @@
       </p:sp>
       <p:sp>
         <p:nvSpPr>
-          <p:cNvPr id="69" name="Rettangolo 68">
+          <p:cNvPr id="97" name="Rettangolo 68">
             <a:extLst>
               <a:ext uri="{FF2B5EF4-FFF2-40B4-BE49-F238E27FC236}">
-                <a16:creationId xmlns:a16="http://schemas.microsoft.com/office/drawing/2014/main" id="{85C7295E-7741-28CE-661A-E86B05B3012F}"/>
+                <a16:creationId xmlns:a16="http://schemas.microsoft.com/office/drawing/2014/main" id="{655156F8-5CB3-5B3A-9F74-CB7E390687BC}"/>
               </a:ext>
             </a:extLst>
           </p:cNvPr>
@@ -4037,7 +5157,7 @@
         </p:nvSpPr>
         <p:spPr>
           <a:xfrm>
-            <a:off x="3788634" y="6050500"/>
+            <a:off x="3788634" y="5797587"/>
             <a:ext cx="2708700" cy="107611"/>
           </a:xfrm>
           <a:prstGeom prst="rect">
@@ -4075,55 +5195,12 @@
           </a:p>
         </p:txBody>
       </p:sp>
-      <p:pic>
-        <p:nvPicPr>
-          <p:cNvPr id="70" name="Immagine 69" descr="Immagine che contiene testo, Diagramma, schermata, diagramma&#10;&#10;Descrizione generata automaticamente">
+      <p:sp>
+        <p:nvSpPr>
+          <p:cNvPr id="98" name="CasellaDiTesto 70">
             <a:extLst>
               <a:ext uri="{FF2B5EF4-FFF2-40B4-BE49-F238E27FC236}">
-                <a16:creationId xmlns:a16="http://schemas.microsoft.com/office/drawing/2014/main" id="{ED076FD8-B0F8-DF9C-681B-16DA482D0376}"/>
-              </a:ext>
-            </a:extLst>
-          </p:cNvPr>
-          <p:cNvPicPr>
-            <a:picLocks noChangeAspect="1"/>
-          </p:cNvPicPr>
-          <p:nvPr/>
-        </p:nvPicPr>
-        <p:blipFill rotWithShape="1">
-          <a:blip r:embed="rId5">
-            <a:extLst>
-              <a:ext uri="{28A0092B-C50C-407E-A947-70E740481C1C}">
-                <a14:useLocalDpi xmlns:a14="http://schemas.microsoft.com/office/drawing/2010/main" val="0"/>
-              </a:ext>
-            </a:extLst>
-          </a:blip>
-          <a:srcRect l="13853" t="6072" r="11447" b="88120"/>
-          <a:stretch/>
-        </p:blipFill>
-        <p:spPr>
-          <a:xfrm>
-            <a:off x="3802492" y="405925"/>
-            <a:ext cx="2672862" cy="183384"/>
-          </a:xfrm>
-          <a:prstGeom prst="rect">
-            <a:avLst/>
-          </a:prstGeom>
-          <a:ln>
-            <a:solidFill>
-              <a:schemeClr val="tx1">
-                <a:lumMod val="75000"/>
-                <a:lumOff val="25000"/>
-              </a:schemeClr>
-            </a:solidFill>
-          </a:ln>
-        </p:spPr>
-      </p:pic>
-      <p:sp>
-        <p:nvSpPr>
-          <p:cNvPr id="71" name="CasellaDiTesto 70">
-            <a:extLst>
-              <a:ext uri="{FF2B5EF4-FFF2-40B4-BE49-F238E27FC236}">
-                <a16:creationId xmlns:a16="http://schemas.microsoft.com/office/drawing/2014/main" id="{181C1F57-22E2-ED70-9019-6965A1BF999F}"/>
+                <a16:creationId xmlns:a16="http://schemas.microsoft.com/office/drawing/2014/main" id="{0AA891D2-865D-E30A-BEB3-53BC8158060C}"/>
               </a:ext>
             </a:extLst>
           </p:cNvPr>
@@ -4132,7 +5209,7 @@
         </p:nvSpPr>
         <p:spPr>
           <a:xfrm>
-            <a:off x="241300" y="598186"/>
+            <a:off x="241300" y="737608"/>
             <a:ext cx="504659" cy="200055"/>
           </a:xfrm>
           <a:prstGeom prst="rect">
@@ -4166,10 +5243,10 @@
       </p:sp>
       <p:sp>
         <p:nvSpPr>
-          <p:cNvPr id="72" name="CasellaDiTesto 71">
+          <p:cNvPr id="99" name="CasellaDiTesto 71">
             <a:extLst>
               <a:ext uri="{FF2B5EF4-FFF2-40B4-BE49-F238E27FC236}">
-                <a16:creationId xmlns:a16="http://schemas.microsoft.com/office/drawing/2014/main" id="{D3BC6841-BD73-A275-4BD8-A78663359716}"/>
+                <a16:creationId xmlns:a16="http://schemas.microsoft.com/office/drawing/2014/main" id="{F7AB3E19-5F64-EAA4-EFB0-4DACF078F081}"/>
               </a:ext>
             </a:extLst>
           </p:cNvPr>
@@ -4178,7 +5255,7 @@
         </p:nvSpPr>
         <p:spPr>
           <a:xfrm>
-            <a:off x="241299" y="3336055"/>
+            <a:off x="241299" y="3232201"/>
             <a:ext cx="504659" cy="200055"/>
           </a:xfrm>
           <a:prstGeom prst="rect">
@@ -4212,10 +5289,10 @@
       </p:sp>
       <p:sp>
         <p:nvSpPr>
-          <p:cNvPr id="73" name="CasellaDiTesto 72">
+          <p:cNvPr id="100" name="CasellaDiTesto 72">
             <a:extLst>
               <a:ext uri="{FF2B5EF4-FFF2-40B4-BE49-F238E27FC236}">
-                <a16:creationId xmlns:a16="http://schemas.microsoft.com/office/drawing/2014/main" id="{915267B8-54BD-E089-CB50-DDA72FFF2FF1}"/>
+                <a16:creationId xmlns:a16="http://schemas.microsoft.com/office/drawing/2014/main" id="{FA1348B1-C2C0-0E34-E0C5-E14941F06721}"/>
               </a:ext>
             </a:extLst>
           </p:cNvPr>
@@ -4224,7 +5301,7 @@
         </p:nvSpPr>
         <p:spPr>
           <a:xfrm>
-            <a:off x="241298" y="6042774"/>
+            <a:off x="241298" y="5763075"/>
             <a:ext cx="504659" cy="200055"/>
           </a:xfrm>
           <a:prstGeom prst="rect">
@@ -4258,10 +5335,10 @@
       </p:sp>
       <p:sp>
         <p:nvSpPr>
-          <p:cNvPr id="74" name="CasellaDiTesto 73">
+          <p:cNvPr id="101" name="CasellaDiTesto 73">
             <a:extLst>
               <a:ext uri="{FF2B5EF4-FFF2-40B4-BE49-F238E27FC236}">
-                <a16:creationId xmlns:a16="http://schemas.microsoft.com/office/drawing/2014/main" id="{7C10FA3E-034E-CD95-C25F-6FF403099982}"/>
+                <a16:creationId xmlns:a16="http://schemas.microsoft.com/office/drawing/2014/main" id="{A1F1E018-A0F3-AF3F-F4E0-06CB42DCB202}"/>
               </a:ext>
             </a:extLst>
           </p:cNvPr>
@@ -4270,7 +5347,7 @@
         </p:nvSpPr>
         <p:spPr>
           <a:xfrm>
-            <a:off x="-77011" y="772706"/>
+            <a:off x="-77011" y="881443"/>
             <a:ext cx="338554" cy="2258417"/>
           </a:xfrm>
           <a:prstGeom prst="rect">
@@ -4309,10 +5386,10 @@
       </p:sp>
       <p:sp>
         <p:nvSpPr>
-          <p:cNvPr id="75" name="CasellaDiTesto 74">
+          <p:cNvPr id="102" name="CasellaDiTesto 74">
             <a:extLst>
               <a:ext uri="{FF2B5EF4-FFF2-40B4-BE49-F238E27FC236}">
-                <a16:creationId xmlns:a16="http://schemas.microsoft.com/office/drawing/2014/main" id="{74EF4187-FB57-FB39-4CF9-87C16F1169B9}"/>
+                <a16:creationId xmlns:a16="http://schemas.microsoft.com/office/drawing/2014/main" id="{D6BF75CD-570F-67D5-FB80-ED85D4FEF953}"/>
               </a:ext>
             </a:extLst>
           </p:cNvPr>
@@ -4321,7 +5398,7 @@
         </p:nvSpPr>
         <p:spPr>
           <a:xfrm>
-            <a:off x="-77011" y="3504604"/>
+            <a:off x="-77011" y="3387374"/>
             <a:ext cx="338554" cy="2258417"/>
           </a:xfrm>
           <a:prstGeom prst="rect">
@@ -4360,10 +5437,10 @@
       </p:sp>
       <p:sp>
         <p:nvSpPr>
-          <p:cNvPr id="76" name="CasellaDiTesto 75">
+          <p:cNvPr id="103" name="CasellaDiTesto 75">
             <a:extLst>
               <a:ext uri="{FF2B5EF4-FFF2-40B4-BE49-F238E27FC236}">
-                <a16:creationId xmlns:a16="http://schemas.microsoft.com/office/drawing/2014/main" id="{4B969718-CD88-F677-3AFA-9927B53A85DF}"/>
+                <a16:creationId xmlns:a16="http://schemas.microsoft.com/office/drawing/2014/main" id="{137C97B5-9EE2-0DA1-05DD-1DA9665F996C}"/>
               </a:ext>
             </a:extLst>
           </p:cNvPr>
@@ -4372,7 +5449,7 @@
         </p:nvSpPr>
         <p:spPr>
           <a:xfrm>
-            <a:off x="-77011" y="6222551"/>
+            <a:off x="-77011" y="5906030"/>
             <a:ext cx="338554" cy="2258417"/>
           </a:xfrm>
           <a:prstGeom prst="rect">
@@ -4411,10 +5488,10 @@
       </p:sp>
       <p:sp>
         <p:nvSpPr>
-          <p:cNvPr id="77" name="CasellaDiTesto 76">
+          <p:cNvPr id="104" name="CasellaDiTesto 76">
             <a:extLst>
               <a:ext uri="{FF2B5EF4-FFF2-40B4-BE49-F238E27FC236}">
-                <a16:creationId xmlns:a16="http://schemas.microsoft.com/office/drawing/2014/main" id="{CFB3AE33-4232-B731-DDDF-682633F96A85}"/>
+                <a16:creationId xmlns:a16="http://schemas.microsoft.com/office/drawing/2014/main" id="{61E29648-9F60-58FB-6A44-2FDB52895FA5}"/>
               </a:ext>
             </a:extLst>
           </p:cNvPr>
@@ -4423,7 +5500,7 @@
         </p:nvSpPr>
         <p:spPr>
           <a:xfrm>
-            <a:off x="3152427" y="3558970"/>
+            <a:off x="3152427" y="3441740"/>
             <a:ext cx="216000" cy="215444"/>
           </a:xfrm>
           <a:prstGeom prst="rect">
@@ -4464,10 +5541,10 @@
       </p:sp>
       <p:sp>
         <p:nvSpPr>
-          <p:cNvPr id="78" name="CasellaDiTesto 77">
+          <p:cNvPr id="105" name="CasellaDiTesto 77">
             <a:extLst>
               <a:ext uri="{FF2B5EF4-FFF2-40B4-BE49-F238E27FC236}">
-                <a16:creationId xmlns:a16="http://schemas.microsoft.com/office/drawing/2014/main" id="{77AFC5C3-FC01-159B-4B83-B2B163D02F02}"/>
+                <a16:creationId xmlns:a16="http://schemas.microsoft.com/office/drawing/2014/main" id="{92EE2AAB-C98C-4CC6-B773-9094112E294D}"/>
               </a:ext>
             </a:extLst>
           </p:cNvPr>
@@ -4476,7 +5553,7 @@
         </p:nvSpPr>
         <p:spPr>
           <a:xfrm>
-            <a:off x="3152427" y="6286930"/>
+            <a:off x="3152427" y="5970409"/>
             <a:ext cx="216000" cy="215444"/>
           </a:xfrm>
           <a:prstGeom prst="rect">
@@ -4517,10 +5594,10 @@
       </p:sp>
       <p:sp>
         <p:nvSpPr>
-          <p:cNvPr id="79" name="CasellaDiTesto 78">
+          <p:cNvPr id="106" name="CasellaDiTesto 78">
             <a:extLst>
               <a:ext uri="{FF2B5EF4-FFF2-40B4-BE49-F238E27FC236}">
-                <a16:creationId xmlns:a16="http://schemas.microsoft.com/office/drawing/2014/main" id="{1E8B9889-1E2B-3D1B-0508-1D5EFC3DC89F}"/>
+                <a16:creationId xmlns:a16="http://schemas.microsoft.com/office/drawing/2014/main" id="{B6C5505C-CA78-3A24-6410-BDBA1F40E218}"/>
               </a:ext>
             </a:extLst>
           </p:cNvPr>
@@ -4529,7 +5606,7 @@
         </p:nvSpPr>
         <p:spPr>
           <a:xfrm>
-            <a:off x="6254517" y="741484"/>
+            <a:off x="6254517" y="942703"/>
             <a:ext cx="216000" cy="215444"/>
           </a:xfrm>
           <a:prstGeom prst="rect">
@@ -4570,10 +5647,10 @@
       </p:sp>
       <p:sp>
         <p:nvSpPr>
-          <p:cNvPr id="80" name="CasellaDiTesto 79">
+          <p:cNvPr id="107" name="CasellaDiTesto 79">
             <a:extLst>
               <a:ext uri="{FF2B5EF4-FFF2-40B4-BE49-F238E27FC236}">
-                <a16:creationId xmlns:a16="http://schemas.microsoft.com/office/drawing/2014/main" id="{DE613366-D013-4D26-E5AB-1EE74190E601}"/>
+                <a16:creationId xmlns:a16="http://schemas.microsoft.com/office/drawing/2014/main" id="{82903592-BC08-AD77-5F46-81B852752CDB}"/>
               </a:ext>
             </a:extLst>
           </p:cNvPr>
@@ -4582,7 +5659,7 @@
         </p:nvSpPr>
         <p:spPr>
           <a:xfrm>
-            <a:off x="6254517" y="3474108"/>
+            <a:off x="6254517" y="3441740"/>
             <a:ext cx="216000" cy="215444"/>
           </a:xfrm>
           <a:prstGeom prst="rect">
@@ -4623,10 +5700,10 @@
       </p:sp>
       <p:sp>
         <p:nvSpPr>
-          <p:cNvPr id="81" name="CasellaDiTesto 80">
+          <p:cNvPr id="108" name="CasellaDiTesto 80">
             <a:extLst>
               <a:ext uri="{FF2B5EF4-FFF2-40B4-BE49-F238E27FC236}">
-                <a16:creationId xmlns:a16="http://schemas.microsoft.com/office/drawing/2014/main" id="{A8DC1860-5558-8620-0B71-A49FB0DFD845}"/>
+                <a16:creationId xmlns:a16="http://schemas.microsoft.com/office/drawing/2014/main" id="{96A5833D-4D45-E762-EB3C-389EA17B6114}"/>
               </a:ext>
             </a:extLst>
           </p:cNvPr>
@@ -4635,7 +5712,7 @@
         </p:nvSpPr>
         <p:spPr>
           <a:xfrm>
-            <a:off x="6254517" y="6217308"/>
+            <a:off x="6254517" y="5970409"/>
             <a:ext cx="216000" cy="215444"/>
           </a:xfrm>
           <a:prstGeom prst="rect">
@@ -4674,6 +5751,1807 @@
           </a:p>
         </p:txBody>
       </p:sp>
+      <p:pic>
+        <p:nvPicPr>
+          <p:cNvPr id="109" name="Immagine 58" descr="Immagine che contiene testo, schermata, Diagramma, diagramma&#10;&#10;Descrizione generata automaticamente">
+            <a:extLst>
+              <a:ext uri="{FF2B5EF4-FFF2-40B4-BE49-F238E27FC236}">
+                <a16:creationId xmlns:a16="http://schemas.microsoft.com/office/drawing/2014/main" id="{1055C349-FD7C-6B53-4BF3-4F00AA8A2FDE}"/>
+              </a:ext>
+            </a:extLst>
+          </p:cNvPr>
+          <p:cNvPicPr>
+            <a:picLocks noChangeAspect="1"/>
+          </p:cNvPicPr>
+          <p:nvPr/>
+        </p:nvPicPr>
+        <p:blipFill rotWithShape="1">
+          <a:blip r:embed="rId4">
+            <a:extLst>
+              <a:ext uri="{28A0092B-C50C-407E-A947-70E740481C1C}">
+                <a14:useLocalDpi xmlns:a14="http://schemas.microsoft.com/office/drawing/2010/main" val="0"/>
+              </a:ext>
+            </a:extLst>
+          </a:blip>
+          <a:srcRect l="5686" t="96260" r="8824" b="-1"/>
+          <a:stretch/>
+        </p:blipFill>
+        <p:spPr>
+          <a:xfrm>
+            <a:off x="1734277" y="8391520"/>
+            <a:ext cx="3219693" cy="107722"/>
+          </a:xfrm>
+          <a:prstGeom prst="rect">
+            <a:avLst/>
+          </a:prstGeom>
+        </p:spPr>
+      </p:pic>
+      <p:cxnSp>
+        <p:nvCxnSpPr>
+          <p:cNvPr id="110" name="Straight Connector 109">
+            <a:extLst>
+              <a:ext uri="{FF2B5EF4-FFF2-40B4-BE49-F238E27FC236}">
+                <a16:creationId xmlns:a16="http://schemas.microsoft.com/office/drawing/2014/main" id="{AE600532-A239-DDA3-6B0A-E9EC8A3F94B2}"/>
+              </a:ext>
+            </a:extLst>
+          </p:cNvPr>
+          <p:cNvCxnSpPr>
+            <a:cxnSpLocks/>
+          </p:cNvCxnSpPr>
+          <p:nvPr/>
+        </p:nvCxnSpPr>
+        <p:spPr>
+          <a:xfrm>
+            <a:off x="1046318" y="641510"/>
+            <a:ext cx="360000" cy="0"/>
+          </a:xfrm>
+          <a:prstGeom prst="line">
+            <a:avLst/>
+          </a:prstGeom>
+          <a:ln w="12700">
+            <a:solidFill>
+              <a:srgbClr val="FF4005"/>
+            </a:solidFill>
+          </a:ln>
+        </p:spPr>
+        <p:style>
+          <a:lnRef idx="1">
+            <a:schemeClr val="accent1"/>
+          </a:lnRef>
+          <a:fillRef idx="0">
+            <a:schemeClr val="accent1"/>
+          </a:fillRef>
+          <a:effectRef idx="0">
+            <a:schemeClr val="accent1"/>
+          </a:effectRef>
+          <a:fontRef idx="minor">
+            <a:schemeClr val="tx1"/>
+          </a:fontRef>
+        </p:style>
+      </p:cxnSp>
+      <p:cxnSp>
+        <p:nvCxnSpPr>
+          <p:cNvPr id="111" name="Straight Connector 110">
+            <a:extLst>
+              <a:ext uri="{FF2B5EF4-FFF2-40B4-BE49-F238E27FC236}">
+                <a16:creationId xmlns:a16="http://schemas.microsoft.com/office/drawing/2014/main" id="{9A88DE66-6815-D048-2E4B-6F69DC6A209F}"/>
+              </a:ext>
+            </a:extLst>
+          </p:cNvPr>
+          <p:cNvCxnSpPr>
+            <a:cxnSpLocks/>
+          </p:cNvCxnSpPr>
+          <p:nvPr/>
+        </p:nvCxnSpPr>
+        <p:spPr>
+          <a:xfrm>
+            <a:off x="1587080" y="641711"/>
+            <a:ext cx="360000" cy="0"/>
+          </a:xfrm>
+          <a:prstGeom prst="line">
+            <a:avLst/>
+          </a:prstGeom>
+          <a:ln w="12700">
+            <a:solidFill>
+              <a:srgbClr val="028D89"/>
+            </a:solidFill>
+          </a:ln>
+        </p:spPr>
+        <p:style>
+          <a:lnRef idx="1">
+            <a:schemeClr val="accent1"/>
+          </a:lnRef>
+          <a:fillRef idx="0">
+            <a:schemeClr val="accent1"/>
+          </a:fillRef>
+          <a:effectRef idx="0">
+            <a:schemeClr val="accent1"/>
+          </a:effectRef>
+          <a:fontRef idx="minor">
+            <a:schemeClr val="tx1"/>
+          </a:fontRef>
+        </p:style>
+      </p:cxnSp>
+      <p:cxnSp>
+        <p:nvCxnSpPr>
+          <p:cNvPr id="112" name="Straight Connector 111">
+            <a:extLst>
+              <a:ext uri="{FF2B5EF4-FFF2-40B4-BE49-F238E27FC236}">
+                <a16:creationId xmlns:a16="http://schemas.microsoft.com/office/drawing/2014/main" id="{1586A7B4-B222-AF74-5C07-0601035389F1}"/>
+              </a:ext>
+            </a:extLst>
+          </p:cNvPr>
+          <p:cNvCxnSpPr>
+            <a:cxnSpLocks/>
+          </p:cNvCxnSpPr>
+          <p:nvPr/>
+        </p:nvCxnSpPr>
+        <p:spPr>
+          <a:xfrm>
+            <a:off x="2127842" y="641711"/>
+            <a:ext cx="360000" cy="0"/>
+          </a:xfrm>
+          <a:prstGeom prst="line">
+            <a:avLst/>
+          </a:prstGeom>
+          <a:ln w="12700">
+            <a:solidFill>
+              <a:srgbClr val="686868"/>
+            </a:solidFill>
+          </a:ln>
+        </p:spPr>
+        <p:style>
+          <a:lnRef idx="1">
+            <a:schemeClr val="accent1"/>
+          </a:lnRef>
+          <a:fillRef idx="0">
+            <a:schemeClr val="accent1"/>
+          </a:fillRef>
+          <a:effectRef idx="0">
+            <a:schemeClr val="accent1"/>
+          </a:effectRef>
+          <a:fontRef idx="minor">
+            <a:schemeClr val="tx1"/>
+          </a:fontRef>
+        </p:style>
+      </p:cxnSp>
+      <p:sp>
+        <p:nvSpPr>
+          <p:cNvPr id="113" name="CasellaDiTesto 70">
+            <a:extLst>
+              <a:ext uri="{FF2B5EF4-FFF2-40B4-BE49-F238E27FC236}">
+                <a16:creationId xmlns:a16="http://schemas.microsoft.com/office/drawing/2014/main" id="{739D5441-6FF3-0FD7-466E-CD9BF4D58562}"/>
+              </a:ext>
+            </a:extLst>
+          </p:cNvPr>
+          <p:cNvSpPr txBox="1"/>
+          <p:nvPr/>
+        </p:nvSpPr>
+        <p:spPr>
+          <a:xfrm>
+            <a:off x="973988" y="405042"/>
+            <a:ext cx="504659" cy="200055"/>
+          </a:xfrm>
+          <a:prstGeom prst="rect">
+            <a:avLst/>
+          </a:prstGeom>
+          <a:noFill/>
+          <a:ln>
+            <a:noFill/>
+          </a:ln>
+        </p:spPr>
+        <p:txBody>
+          <a:bodyPr wrap="square" rtlCol="0">
+            <a:spAutoFit/>
+          </a:bodyPr>
+          <a:lstStyle/>
+          <a:p>
+            <a:pPr algn="ctr"/>
+            <a:r>
+              <a:rPr lang="it-IT" sz="700" dirty="0">
+                <a:solidFill>
+                  <a:schemeClr val="tx1">
+                    <a:lumMod val="75000"/>
+                    <a:lumOff val="25000"/>
+                  </a:schemeClr>
+                </a:solidFill>
+              </a:rPr>
+              <a:t>ENS</a:t>
+            </a:r>
+          </a:p>
+        </p:txBody>
+      </p:sp>
+      <p:sp>
+        <p:nvSpPr>
+          <p:cNvPr id="114" name="CasellaDiTesto 70">
+            <a:extLst>
+              <a:ext uri="{FF2B5EF4-FFF2-40B4-BE49-F238E27FC236}">
+                <a16:creationId xmlns:a16="http://schemas.microsoft.com/office/drawing/2014/main" id="{4412EB2F-44D4-3FB6-56D5-6CBB75C0E9FE}"/>
+              </a:ext>
+            </a:extLst>
+          </p:cNvPr>
+          <p:cNvSpPr txBox="1"/>
+          <p:nvPr/>
+        </p:nvSpPr>
+        <p:spPr>
+          <a:xfrm>
+            <a:off x="1442895" y="351181"/>
+            <a:ext cx="641883" cy="307777"/>
+          </a:xfrm>
+          <a:prstGeom prst="rect">
+            <a:avLst/>
+          </a:prstGeom>
+          <a:noFill/>
+          <a:ln>
+            <a:noFill/>
+          </a:ln>
+        </p:spPr>
+        <p:txBody>
+          <a:bodyPr wrap="square" rtlCol="0">
+            <a:spAutoFit/>
+          </a:bodyPr>
+          <a:lstStyle/>
+          <a:p>
+            <a:pPr algn="ctr"/>
+            <a:r>
+              <a:rPr lang="it-IT" sz="700" dirty="0">
+                <a:solidFill>
+                  <a:schemeClr val="tx1">
+                    <a:lumMod val="75000"/>
+                    <a:lumOff val="25000"/>
+                  </a:schemeClr>
+                </a:solidFill>
+              </a:rPr>
+              <a:t>Multiple-WT</a:t>
+            </a:r>
+          </a:p>
+          <a:p>
+            <a:pPr algn="ctr"/>
+            <a:r>
+              <a:rPr lang="it-IT" sz="700" dirty="0">
+                <a:solidFill>
+                  <a:schemeClr val="tx1">
+                    <a:lumMod val="75000"/>
+                    <a:lumOff val="25000"/>
+                  </a:schemeClr>
+                </a:solidFill>
+              </a:rPr>
+              <a:t>ecPoint</a:t>
+            </a:r>
+          </a:p>
+        </p:txBody>
+      </p:sp>
+      <p:sp>
+        <p:nvSpPr>
+          <p:cNvPr id="115" name="CasellaDiTesto 70">
+            <a:extLst>
+              <a:ext uri="{FF2B5EF4-FFF2-40B4-BE49-F238E27FC236}">
+                <a16:creationId xmlns:a16="http://schemas.microsoft.com/office/drawing/2014/main" id="{458C6057-9C1D-5669-4423-539A1692E5F7}"/>
+              </a:ext>
+            </a:extLst>
+          </p:cNvPr>
+          <p:cNvSpPr txBox="1"/>
+          <p:nvPr/>
+        </p:nvSpPr>
+        <p:spPr>
+          <a:xfrm>
+            <a:off x="1986899" y="351181"/>
+            <a:ext cx="641883" cy="307777"/>
+          </a:xfrm>
+          <a:prstGeom prst="rect">
+            <a:avLst/>
+          </a:prstGeom>
+          <a:noFill/>
+          <a:ln>
+            <a:noFill/>
+          </a:ln>
+        </p:spPr>
+        <p:txBody>
+          <a:bodyPr wrap="square" rtlCol="0">
+            <a:spAutoFit/>
+          </a:bodyPr>
+          <a:lstStyle/>
+          <a:p>
+            <a:pPr algn="ctr"/>
+            <a:r>
+              <a:rPr lang="it-IT" sz="700" dirty="0">
+                <a:solidFill>
+                  <a:schemeClr val="tx1">
+                    <a:lumMod val="75000"/>
+                    <a:lumOff val="25000"/>
+                  </a:schemeClr>
+                </a:solidFill>
+              </a:rPr>
+              <a:t>Single-WT</a:t>
+            </a:r>
+          </a:p>
+          <a:p>
+            <a:pPr algn="ctr"/>
+            <a:r>
+              <a:rPr lang="it-IT" sz="700" dirty="0">
+                <a:solidFill>
+                  <a:schemeClr val="tx1">
+                    <a:lumMod val="75000"/>
+                    <a:lumOff val="25000"/>
+                  </a:schemeClr>
+                </a:solidFill>
+              </a:rPr>
+              <a:t>ecPoint</a:t>
+            </a:r>
+          </a:p>
+        </p:txBody>
+      </p:sp>
+      <p:sp>
+        <p:nvSpPr>
+          <p:cNvPr id="116" name="Rectangle 115">
+            <a:extLst>
+              <a:ext uri="{FF2B5EF4-FFF2-40B4-BE49-F238E27FC236}">
+                <a16:creationId xmlns:a16="http://schemas.microsoft.com/office/drawing/2014/main" id="{B24082CD-6673-B296-DDCC-AD9DAAA9350B}"/>
+              </a:ext>
+            </a:extLst>
+          </p:cNvPr>
+          <p:cNvSpPr/>
+          <p:nvPr/>
+        </p:nvSpPr>
+        <p:spPr>
+          <a:xfrm>
+            <a:off x="1046318" y="690646"/>
+            <a:ext cx="360000" cy="90000"/>
+          </a:xfrm>
+          <a:prstGeom prst="rect">
+            <a:avLst/>
+          </a:prstGeom>
+          <a:solidFill>
+            <a:srgbClr val="FF4005">
+              <a:alpha val="20000"/>
+            </a:srgbClr>
+          </a:solidFill>
+          <a:ln>
+            <a:noFill/>
+          </a:ln>
+        </p:spPr>
+        <p:style>
+          <a:lnRef idx="2">
+            <a:schemeClr val="accent1">
+              <a:shade val="50000"/>
+            </a:schemeClr>
+          </a:lnRef>
+          <a:fillRef idx="1">
+            <a:schemeClr val="accent1"/>
+          </a:fillRef>
+          <a:effectRef idx="0">
+            <a:schemeClr val="accent1"/>
+          </a:effectRef>
+          <a:fontRef idx="minor">
+            <a:schemeClr val="lt1"/>
+          </a:fontRef>
+        </p:style>
+        <p:txBody>
+          <a:bodyPr rtlCol="0" anchor="ctr"/>
+          <a:lstStyle/>
+          <a:p>
+            <a:pPr algn="ctr"/>
+            <a:endParaRPr lang="en-GB"/>
+          </a:p>
+        </p:txBody>
+      </p:sp>
+      <p:sp>
+        <p:nvSpPr>
+          <p:cNvPr id="117" name="Rectangle 116">
+            <a:extLst>
+              <a:ext uri="{FF2B5EF4-FFF2-40B4-BE49-F238E27FC236}">
+                <a16:creationId xmlns:a16="http://schemas.microsoft.com/office/drawing/2014/main" id="{AFBB2001-20CB-BAC6-7CAD-59D04C37C2D9}"/>
+              </a:ext>
+            </a:extLst>
+          </p:cNvPr>
+          <p:cNvSpPr/>
+          <p:nvPr/>
+        </p:nvSpPr>
+        <p:spPr>
+          <a:xfrm>
+            <a:off x="1587080" y="690646"/>
+            <a:ext cx="360000" cy="90000"/>
+          </a:xfrm>
+          <a:prstGeom prst="rect">
+            <a:avLst/>
+          </a:prstGeom>
+          <a:solidFill>
+            <a:srgbClr val="028D89">
+              <a:alpha val="20000"/>
+            </a:srgbClr>
+          </a:solidFill>
+          <a:ln>
+            <a:noFill/>
+          </a:ln>
+        </p:spPr>
+        <p:style>
+          <a:lnRef idx="2">
+            <a:schemeClr val="accent1">
+              <a:shade val="50000"/>
+            </a:schemeClr>
+          </a:lnRef>
+          <a:fillRef idx="1">
+            <a:schemeClr val="accent1"/>
+          </a:fillRef>
+          <a:effectRef idx="0">
+            <a:schemeClr val="accent1"/>
+          </a:effectRef>
+          <a:fontRef idx="minor">
+            <a:schemeClr val="lt1"/>
+          </a:fontRef>
+        </p:style>
+        <p:txBody>
+          <a:bodyPr rtlCol="0" anchor="ctr"/>
+          <a:lstStyle/>
+          <a:p>
+            <a:pPr algn="ctr"/>
+            <a:endParaRPr lang="en-GB"/>
+          </a:p>
+        </p:txBody>
+      </p:sp>
+      <p:sp>
+        <p:nvSpPr>
+          <p:cNvPr id="118" name="Rectangle 117">
+            <a:extLst>
+              <a:ext uri="{FF2B5EF4-FFF2-40B4-BE49-F238E27FC236}">
+                <a16:creationId xmlns:a16="http://schemas.microsoft.com/office/drawing/2014/main" id="{7F6A57D5-E816-EFCE-89B9-1A155092813D}"/>
+              </a:ext>
+            </a:extLst>
+          </p:cNvPr>
+          <p:cNvSpPr/>
+          <p:nvPr/>
+        </p:nvSpPr>
+        <p:spPr>
+          <a:xfrm>
+            <a:off x="2127841" y="690646"/>
+            <a:ext cx="360000" cy="90000"/>
+          </a:xfrm>
+          <a:prstGeom prst="rect">
+            <a:avLst/>
+          </a:prstGeom>
+          <a:solidFill>
+            <a:srgbClr val="686868">
+              <a:alpha val="20000"/>
+            </a:srgbClr>
+          </a:solidFill>
+          <a:ln>
+            <a:noFill/>
+          </a:ln>
+        </p:spPr>
+        <p:style>
+          <a:lnRef idx="2">
+            <a:schemeClr val="accent1">
+              <a:shade val="50000"/>
+            </a:schemeClr>
+          </a:lnRef>
+          <a:fillRef idx="1">
+            <a:schemeClr val="accent1"/>
+          </a:fillRef>
+          <a:effectRef idx="0">
+            <a:schemeClr val="accent1"/>
+          </a:effectRef>
+          <a:fontRef idx="minor">
+            <a:schemeClr val="lt1"/>
+          </a:fontRef>
+        </p:style>
+        <p:txBody>
+          <a:bodyPr rtlCol="0" anchor="ctr"/>
+          <a:lstStyle/>
+          <a:p>
+            <a:pPr algn="ctr"/>
+            <a:endParaRPr lang="en-GB"/>
+          </a:p>
+        </p:txBody>
+      </p:sp>
+      <p:sp>
+        <p:nvSpPr>
+          <p:cNvPr id="119" name="CasellaDiTesto 70">
+            <a:extLst>
+              <a:ext uri="{FF2B5EF4-FFF2-40B4-BE49-F238E27FC236}">
+                <a16:creationId xmlns:a16="http://schemas.microsoft.com/office/drawing/2014/main" id="{061F1BE1-0274-6663-1B42-B542D6A9C526}"/>
+              </a:ext>
+            </a:extLst>
+          </p:cNvPr>
+          <p:cNvSpPr txBox="1"/>
+          <p:nvPr/>
+        </p:nvSpPr>
+        <p:spPr>
+          <a:xfrm>
+            <a:off x="2488129" y="530291"/>
+            <a:ext cx="504659" cy="200055"/>
+          </a:xfrm>
+          <a:prstGeom prst="rect">
+            <a:avLst/>
+          </a:prstGeom>
+          <a:noFill/>
+          <a:ln>
+            <a:noFill/>
+          </a:ln>
+        </p:spPr>
+        <p:txBody>
+          <a:bodyPr wrap="square" rtlCol="0">
+            <a:spAutoFit/>
+          </a:bodyPr>
+          <a:lstStyle/>
+          <a:p>
+            <a:pPr algn="ctr"/>
+            <a:r>
+              <a:rPr lang="it-IT" sz="700" dirty="0">
+                <a:solidFill>
+                  <a:schemeClr val="tx1">
+                    <a:lumMod val="75000"/>
+                    <a:lumOff val="25000"/>
+                  </a:schemeClr>
+                </a:solidFill>
+              </a:rPr>
+              <a:t>BSrel</a:t>
+            </a:r>
+          </a:p>
+        </p:txBody>
+      </p:sp>
+      <p:sp>
+        <p:nvSpPr>
+          <p:cNvPr id="120" name="CasellaDiTesto 70">
+            <a:extLst>
+              <a:ext uri="{FF2B5EF4-FFF2-40B4-BE49-F238E27FC236}">
+                <a16:creationId xmlns:a16="http://schemas.microsoft.com/office/drawing/2014/main" id="{C5E2D4C9-072F-CB49-30EC-B4B4CE79C9C3}"/>
+              </a:ext>
+            </a:extLst>
+          </p:cNvPr>
+          <p:cNvSpPr txBox="1"/>
+          <p:nvPr/>
+        </p:nvSpPr>
+        <p:spPr>
+          <a:xfrm>
+            <a:off x="2501576" y="635964"/>
+            <a:ext cx="504659" cy="200055"/>
+          </a:xfrm>
+          <a:prstGeom prst="rect">
+            <a:avLst/>
+          </a:prstGeom>
+          <a:noFill/>
+          <a:ln>
+            <a:noFill/>
+          </a:ln>
+        </p:spPr>
+        <p:txBody>
+          <a:bodyPr wrap="square" rtlCol="0">
+            <a:spAutoFit/>
+          </a:bodyPr>
+          <a:lstStyle/>
+          <a:p>
+            <a:pPr algn="ctr"/>
+            <a:r>
+              <a:rPr lang="it-IT" sz="700" dirty="0">
+                <a:solidFill>
+                  <a:schemeClr val="tx1">
+                    <a:lumMod val="75000"/>
+                    <a:lumOff val="25000"/>
+                  </a:schemeClr>
+                </a:solidFill>
+              </a:rPr>
+              <a:t>99% CI</a:t>
+            </a:r>
+          </a:p>
+        </p:txBody>
+      </p:sp>
+      <p:sp>
+        <p:nvSpPr>
+          <p:cNvPr id="121" name="Oval 120">
+            <a:extLst>
+              <a:ext uri="{FF2B5EF4-FFF2-40B4-BE49-F238E27FC236}">
+                <a16:creationId xmlns:a16="http://schemas.microsoft.com/office/drawing/2014/main" id="{DEA389F3-A03A-56EA-9549-1596E4EA6CCE}"/>
+              </a:ext>
+            </a:extLst>
+          </p:cNvPr>
+          <p:cNvSpPr/>
+          <p:nvPr/>
+        </p:nvSpPr>
+        <p:spPr>
+          <a:xfrm>
+            <a:off x="1205074" y="627068"/>
+            <a:ext cx="36000" cy="36000"/>
+          </a:xfrm>
+          <a:prstGeom prst="ellipse">
+            <a:avLst/>
+          </a:prstGeom>
+          <a:solidFill>
+            <a:srgbClr val="FF4005"/>
+          </a:solidFill>
+          <a:ln>
+            <a:noFill/>
+          </a:ln>
+        </p:spPr>
+        <p:style>
+          <a:lnRef idx="2">
+            <a:schemeClr val="accent1">
+              <a:shade val="50000"/>
+            </a:schemeClr>
+          </a:lnRef>
+          <a:fillRef idx="1">
+            <a:schemeClr val="accent1"/>
+          </a:fillRef>
+          <a:effectRef idx="0">
+            <a:schemeClr val="accent1"/>
+          </a:effectRef>
+          <a:fontRef idx="minor">
+            <a:schemeClr val="lt1"/>
+          </a:fontRef>
+        </p:style>
+        <p:txBody>
+          <a:bodyPr rtlCol="0" anchor="ctr"/>
+          <a:lstStyle/>
+          <a:p>
+            <a:pPr algn="ctr"/>
+            <a:endParaRPr lang="en-GB"/>
+          </a:p>
+        </p:txBody>
+      </p:sp>
+      <p:sp>
+        <p:nvSpPr>
+          <p:cNvPr id="122" name="Oval 121">
+            <a:extLst>
+              <a:ext uri="{FF2B5EF4-FFF2-40B4-BE49-F238E27FC236}">
+                <a16:creationId xmlns:a16="http://schemas.microsoft.com/office/drawing/2014/main" id="{4078C05C-252D-0CD4-76D1-527A2C7B2E56}"/>
+              </a:ext>
+            </a:extLst>
+          </p:cNvPr>
+          <p:cNvSpPr/>
+          <p:nvPr/>
+        </p:nvSpPr>
+        <p:spPr>
+          <a:xfrm>
+            <a:off x="1749326" y="627068"/>
+            <a:ext cx="36000" cy="36000"/>
+          </a:xfrm>
+          <a:prstGeom prst="ellipse">
+            <a:avLst/>
+          </a:prstGeom>
+          <a:solidFill>
+            <a:srgbClr val="028D89"/>
+          </a:solidFill>
+          <a:ln>
+            <a:noFill/>
+          </a:ln>
+        </p:spPr>
+        <p:style>
+          <a:lnRef idx="2">
+            <a:schemeClr val="accent1">
+              <a:shade val="50000"/>
+            </a:schemeClr>
+          </a:lnRef>
+          <a:fillRef idx="1">
+            <a:schemeClr val="accent1"/>
+          </a:fillRef>
+          <a:effectRef idx="0">
+            <a:schemeClr val="accent1"/>
+          </a:effectRef>
+          <a:fontRef idx="minor">
+            <a:schemeClr val="lt1"/>
+          </a:fontRef>
+        </p:style>
+        <p:txBody>
+          <a:bodyPr rtlCol="0" anchor="ctr"/>
+          <a:lstStyle/>
+          <a:p>
+            <a:pPr algn="ctr"/>
+            <a:endParaRPr lang="en-GB"/>
+          </a:p>
+        </p:txBody>
+      </p:sp>
+      <p:sp>
+        <p:nvSpPr>
+          <p:cNvPr id="123" name="Oval 122">
+            <a:extLst>
+              <a:ext uri="{FF2B5EF4-FFF2-40B4-BE49-F238E27FC236}">
+                <a16:creationId xmlns:a16="http://schemas.microsoft.com/office/drawing/2014/main" id="{CD75E6C3-2598-5280-69D9-E512907B4D57}"/>
+              </a:ext>
+            </a:extLst>
+          </p:cNvPr>
+          <p:cNvSpPr/>
+          <p:nvPr/>
+        </p:nvSpPr>
+        <p:spPr>
+          <a:xfrm>
+            <a:off x="2293578" y="627068"/>
+            <a:ext cx="36000" cy="36000"/>
+          </a:xfrm>
+          <a:prstGeom prst="ellipse">
+            <a:avLst/>
+          </a:prstGeom>
+          <a:solidFill>
+            <a:srgbClr val="686868"/>
+          </a:solidFill>
+          <a:ln>
+            <a:noFill/>
+          </a:ln>
+        </p:spPr>
+        <p:style>
+          <a:lnRef idx="2">
+            <a:schemeClr val="accent1">
+              <a:shade val="50000"/>
+            </a:schemeClr>
+          </a:lnRef>
+          <a:fillRef idx="1">
+            <a:schemeClr val="accent1"/>
+          </a:fillRef>
+          <a:effectRef idx="0">
+            <a:schemeClr val="accent1"/>
+          </a:effectRef>
+          <a:fontRef idx="minor">
+            <a:schemeClr val="lt1"/>
+          </a:fontRef>
+        </p:style>
+        <p:txBody>
+          <a:bodyPr rtlCol="0" anchor="ctr"/>
+          <a:lstStyle/>
+          <a:p>
+            <a:pPr algn="ctr"/>
+            <a:endParaRPr lang="en-GB"/>
+          </a:p>
+        </p:txBody>
+      </p:sp>
+      <p:cxnSp>
+        <p:nvCxnSpPr>
+          <p:cNvPr id="124" name="Straight Connector 123">
+            <a:extLst>
+              <a:ext uri="{FF2B5EF4-FFF2-40B4-BE49-F238E27FC236}">
+                <a16:creationId xmlns:a16="http://schemas.microsoft.com/office/drawing/2014/main" id="{D620FB7F-C1AF-61F2-7A08-87602B7C187F}"/>
+              </a:ext>
+            </a:extLst>
+          </p:cNvPr>
+          <p:cNvCxnSpPr>
+            <a:cxnSpLocks/>
+          </p:cNvCxnSpPr>
+          <p:nvPr/>
+        </p:nvCxnSpPr>
+        <p:spPr>
+          <a:xfrm>
+            <a:off x="4256888" y="560711"/>
+            <a:ext cx="360000" cy="0"/>
+          </a:xfrm>
+          <a:prstGeom prst="line">
+            <a:avLst/>
+          </a:prstGeom>
+          <a:ln w="12700">
+            <a:solidFill>
+              <a:srgbClr val="FF4005"/>
+            </a:solidFill>
+          </a:ln>
+        </p:spPr>
+        <p:style>
+          <a:lnRef idx="1">
+            <a:schemeClr val="accent1"/>
+          </a:lnRef>
+          <a:fillRef idx="0">
+            <a:schemeClr val="accent1"/>
+          </a:fillRef>
+          <a:effectRef idx="0">
+            <a:schemeClr val="accent1"/>
+          </a:effectRef>
+          <a:fontRef idx="minor">
+            <a:schemeClr val="tx1"/>
+          </a:fontRef>
+        </p:style>
+      </p:cxnSp>
+      <p:cxnSp>
+        <p:nvCxnSpPr>
+          <p:cNvPr id="125" name="Straight Connector 124">
+            <a:extLst>
+              <a:ext uri="{FF2B5EF4-FFF2-40B4-BE49-F238E27FC236}">
+                <a16:creationId xmlns:a16="http://schemas.microsoft.com/office/drawing/2014/main" id="{CD097379-C0CF-AE93-E05E-13028A66A728}"/>
+              </a:ext>
+            </a:extLst>
+          </p:cNvPr>
+          <p:cNvCxnSpPr>
+            <a:cxnSpLocks/>
+          </p:cNvCxnSpPr>
+          <p:nvPr/>
+        </p:nvCxnSpPr>
+        <p:spPr>
+          <a:xfrm>
+            <a:off x="4797650" y="560912"/>
+            <a:ext cx="360000" cy="0"/>
+          </a:xfrm>
+          <a:prstGeom prst="line">
+            <a:avLst/>
+          </a:prstGeom>
+          <a:ln w="12700">
+            <a:solidFill>
+              <a:srgbClr val="028D89"/>
+            </a:solidFill>
+          </a:ln>
+        </p:spPr>
+        <p:style>
+          <a:lnRef idx="1">
+            <a:schemeClr val="accent1"/>
+          </a:lnRef>
+          <a:fillRef idx="0">
+            <a:schemeClr val="accent1"/>
+          </a:fillRef>
+          <a:effectRef idx="0">
+            <a:schemeClr val="accent1"/>
+          </a:effectRef>
+          <a:fontRef idx="minor">
+            <a:schemeClr val="tx1"/>
+          </a:fontRef>
+        </p:style>
+      </p:cxnSp>
+      <p:cxnSp>
+        <p:nvCxnSpPr>
+          <p:cNvPr id="126" name="Straight Connector 125">
+            <a:extLst>
+              <a:ext uri="{FF2B5EF4-FFF2-40B4-BE49-F238E27FC236}">
+                <a16:creationId xmlns:a16="http://schemas.microsoft.com/office/drawing/2014/main" id="{74066D80-9684-6D12-CF34-3BEE71407C74}"/>
+              </a:ext>
+            </a:extLst>
+          </p:cNvPr>
+          <p:cNvCxnSpPr>
+            <a:cxnSpLocks/>
+          </p:cNvCxnSpPr>
+          <p:nvPr/>
+        </p:nvCxnSpPr>
+        <p:spPr>
+          <a:xfrm>
+            <a:off x="5338412" y="560912"/>
+            <a:ext cx="360000" cy="0"/>
+          </a:xfrm>
+          <a:prstGeom prst="line">
+            <a:avLst/>
+          </a:prstGeom>
+          <a:ln w="12700">
+            <a:solidFill>
+              <a:srgbClr val="686868"/>
+            </a:solidFill>
+          </a:ln>
+        </p:spPr>
+        <p:style>
+          <a:lnRef idx="1">
+            <a:schemeClr val="accent1"/>
+          </a:lnRef>
+          <a:fillRef idx="0">
+            <a:schemeClr val="accent1"/>
+          </a:fillRef>
+          <a:effectRef idx="0">
+            <a:schemeClr val="accent1"/>
+          </a:effectRef>
+          <a:fontRef idx="minor">
+            <a:schemeClr val="tx1"/>
+          </a:fontRef>
+        </p:style>
+      </p:cxnSp>
+      <p:sp>
+        <p:nvSpPr>
+          <p:cNvPr id="127" name="CasellaDiTesto 70">
+            <a:extLst>
+              <a:ext uri="{FF2B5EF4-FFF2-40B4-BE49-F238E27FC236}">
+                <a16:creationId xmlns:a16="http://schemas.microsoft.com/office/drawing/2014/main" id="{0039658E-6943-9CD4-6B5D-F174F32FCCEE}"/>
+              </a:ext>
+            </a:extLst>
+          </p:cNvPr>
+          <p:cNvSpPr txBox="1"/>
+          <p:nvPr/>
+        </p:nvSpPr>
+        <p:spPr>
+          <a:xfrm>
+            <a:off x="4184558" y="324243"/>
+            <a:ext cx="504659" cy="200055"/>
+          </a:xfrm>
+          <a:prstGeom prst="rect">
+            <a:avLst/>
+          </a:prstGeom>
+          <a:noFill/>
+          <a:ln>
+            <a:noFill/>
+          </a:ln>
+        </p:spPr>
+        <p:txBody>
+          <a:bodyPr wrap="square" rtlCol="0">
+            <a:spAutoFit/>
+          </a:bodyPr>
+          <a:lstStyle/>
+          <a:p>
+            <a:pPr algn="ctr"/>
+            <a:r>
+              <a:rPr lang="it-IT" sz="700" dirty="0">
+                <a:solidFill>
+                  <a:schemeClr val="tx1">
+                    <a:lumMod val="75000"/>
+                    <a:lumOff val="25000"/>
+                  </a:schemeClr>
+                </a:solidFill>
+              </a:rPr>
+              <a:t>ENS</a:t>
+            </a:r>
+          </a:p>
+        </p:txBody>
+      </p:sp>
+      <p:sp>
+        <p:nvSpPr>
+          <p:cNvPr id="128" name="CasellaDiTesto 70">
+            <a:extLst>
+              <a:ext uri="{FF2B5EF4-FFF2-40B4-BE49-F238E27FC236}">
+                <a16:creationId xmlns:a16="http://schemas.microsoft.com/office/drawing/2014/main" id="{5066DA33-5E2C-4B7F-E182-C85F4ABCF628}"/>
+              </a:ext>
+            </a:extLst>
+          </p:cNvPr>
+          <p:cNvSpPr txBox="1"/>
+          <p:nvPr/>
+        </p:nvSpPr>
+        <p:spPr>
+          <a:xfrm>
+            <a:off x="4653465" y="270382"/>
+            <a:ext cx="641883" cy="307777"/>
+          </a:xfrm>
+          <a:prstGeom prst="rect">
+            <a:avLst/>
+          </a:prstGeom>
+          <a:noFill/>
+          <a:ln>
+            <a:noFill/>
+          </a:ln>
+        </p:spPr>
+        <p:txBody>
+          <a:bodyPr wrap="square" rtlCol="0">
+            <a:spAutoFit/>
+          </a:bodyPr>
+          <a:lstStyle/>
+          <a:p>
+            <a:pPr algn="ctr"/>
+            <a:r>
+              <a:rPr lang="it-IT" sz="700" dirty="0">
+                <a:solidFill>
+                  <a:schemeClr val="tx1">
+                    <a:lumMod val="75000"/>
+                    <a:lumOff val="25000"/>
+                  </a:schemeClr>
+                </a:solidFill>
+              </a:rPr>
+              <a:t>Multiple-WT</a:t>
+            </a:r>
+          </a:p>
+          <a:p>
+            <a:pPr algn="ctr"/>
+            <a:r>
+              <a:rPr lang="it-IT" sz="700" dirty="0">
+                <a:solidFill>
+                  <a:schemeClr val="tx1">
+                    <a:lumMod val="75000"/>
+                    <a:lumOff val="25000"/>
+                  </a:schemeClr>
+                </a:solidFill>
+              </a:rPr>
+              <a:t>ecPoint</a:t>
+            </a:r>
+          </a:p>
+        </p:txBody>
+      </p:sp>
+      <p:sp>
+        <p:nvSpPr>
+          <p:cNvPr id="129" name="CasellaDiTesto 70">
+            <a:extLst>
+              <a:ext uri="{FF2B5EF4-FFF2-40B4-BE49-F238E27FC236}">
+                <a16:creationId xmlns:a16="http://schemas.microsoft.com/office/drawing/2014/main" id="{723C6A6C-D416-1FFD-6971-61481695F9A0}"/>
+              </a:ext>
+            </a:extLst>
+          </p:cNvPr>
+          <p:cNvSpPr txBox="1"/>
+          <p:nvPr/>
+        </p:nvSpPr>
+        <p:spPr>
+          <a:xfrm>
+            <a:off x="5197469" y="270382"/>
+            <a:ext cx="641883" cy="307777"/>
+          </a:xfrm>
+          <a:prstGeom prst="rect">
+            <a:avLst/>
+          </a:prstGeom>
+          <a:noFill/>
+          <a:ln>
+            <a:noFill/>
+          </a:ln>
+        </p:spPr>
+        <p:txBody>
+          <a:bodyPr wrap="square" rtlCol="0">
+            <a:spAutoFit/>
+          </a:bodyPr>
+          <a:lstStyle/>
+          <a:p>
+            <a:pPr algn="ctr"/>
+            <a:r>
+              <a:rPr lang="it-IT" sz="700" dirty="0">
+                <a:solidFill>
+                  <a:schemeClr val="tx1">
+                    <a:lumMod val="75000"/>
+                    <a:lumOff val="25000"/>
+                  </a:schemeClr>
+                </a:solidFill>
+              </a:rPr>
+              <a:t>Single-WT</a:t>
+            </a:r>
+          </a:p>
+          <a:p>
+            <a:pPr algn="ctr"/>
+            <a:r>
+              <a:rPr lang="it-IT" sz="700" dirty="0">
+                <a:solidFill>
+                  <a:schemeClr val="tx1">
+                    <a:lumMod val="75000"/>
+                    <a:lumOff val="25000"/>
+                  </a:schemeClr>
+                </a:solidFill>
+              </a:rPr>
+              <a:t>ecPoint</a:t>
+            </a:r>
+          </a:p>
+        </p:txBody>
+      </p:sp>
+      <p:sp>
+        <p:nvSpPr>
+          <p:cNvPr id="130" name="CasellaDiTesto 70">
+            <a:extLst>
+              <a:ext uri="{FF2B5EF4-FFF2-40B4-BE49-F238E27FC236}">
+                <a16:creationId xmlns:a16="http://schemas.microsoft.com/office/drawing/2014/main" id="{DCD162B3-DC7C-A615-EE50-87E591C8BC07}"/>
+              </a:ext>
+            </a:extLst>
+          </p:cNvPr>
+          <p:cNvSpPr txBox="1"/>
+          <p:nvPr/>
+        </p:nvSpPr>
+        <p:spPr>
+          <a:xfrm>
+            <a:off x="5708428" y="449492"/>
+            <a:ext cx="504659" cy="200055"/>
+          </a:xfrm>
+          <a:prstGeom prst="rect">
+            <a:avLst/>
+          </a:prstGeom>
+          <a:noFill/>
+          <a:ln>
+            <a:noFill/>
+          </a:ln>
+        </p:spPr>
+        <p:txBody>
+          <a:bodyPr wrap="square" rtlCol="0">
+            <a:spAutoFit/>
+          </a:bodyPr>
+          <a:lstStyle/>
+          <a:p>
+            <a:pPr algn="ctr"/>
+            <a:r>
+              <a:rPr lang="it-IT" sz="700" dirty="0">
+                <a:solidFill>
+                  <a:schemeClr val="tx1">
+                    <a:lumMod val="75000"/>
+                    <a:lumOff val="25000"/>
+                  </a:schemeClr>
+                </a:solidFill>
+              </a:rPr>
+              <a:t>AROC</a:t>
+            </a:r>
+            <a:r>
+              <a:rPr lang="it-IT" sz="700" baseline="-25000" dirty="0">
+                <a:solidFill>
+                  <a:schemeClr val="tx1">
+                    <a:lumMod val="75000"/>
+                    <a:lumOff val="25000"/>
+                  </a:schemeClr>
+                </a:solidFill>
+              </a:rPr>
+              <a:t>t</a:t>
+            </a:r>
+          </a:p>
+        </p:txBody>
+      </p:sp>
+      <p:sp>
+        <p:nvSpPr>
+          <p:cNvPr id="131" name="Oval 130">
+            <a:extLst>
+              <a:ext uri="{FF2B5EF4-FFF2-40B4-BE49-F238E27FC236}">
+                <a16:creationId xmlns:a16="http://schemas.microsoft.com/office/drawing/2014/main" id="{69BA39E5-0041-8DC1-61DA-E6F8498299AE}"/>
+              </a:ext>
+            </a:extLst>
+          </p:cNvPr>
+          <p:cNvSpPr/>
+          <p:nvPr/>
+        </p:nvSpPr>
+        <p:spPr>
+          <a:xfrm>
+            <a:off x="4415644" y="546269"/>
+            <a:ext cx="36000" cy="36000"/>
+          </a:xfrm>
+          <a:prstGeom prst="ellipse">
+            <a:avLst/>
+          </a:prstGeom>
+          <a:solidFill>
+            <a:srgbClr val="FF4005"/>
+          </a:solidFill>
+          <a:ln>
+            <a:noFill/>
+          </a:ln>
+        </p:spPr>
+        <p:style>
+          <a:lnRef idx="2">
+            <a:schemeClr val="accent1">
+              <a:shade val="50000"/>
+            </a:schemeClr>
+          </a:lnRef>
+          <a:fillRef idx="1">
+            <a:schemeClr val="accent1"/>
+          </a:fillRef>
+          <a:effectRef idx="0">
+            <a:schemeClr val="accent1"/>
+          </a:effectRef>
+          <a:fontRef idx="minor">
+            <a:schemeClr val="lt1"/>
+          </a:fontRef>
+        </p:style>
+        <p:txBody>
+          <a:bodyPr rtlCol="0" anchor="ctr"/>
+          <a:lstStyle/>
+          <a:p>
+            <a:pPr algn="ctr"/>
+            <a:endParaRPr lang="en-GB"/>
+          </a:p>
+        </p:txBody>
+      </p:sp>
+      <p:sp>
+        <p:nvSpPr>
+          <p:cNvPr id="132" name="Oval 131">
+            <a:extLst>
+              <a:ext uri="{FF2B5EF4-FFF2-40B4-BE49-F238E27FC236}">
+                <a16:creationId xmlns:a16="http://schemas.microsoft.com/office/drawing/2014/main" id="{7916CEFF-ACEC-EAD2-B661-E8B69DC47007}"/>
+              </a:ext>
+            </a:extLst>
+          </p:cNvPr>
+          <p:cNvSpPr/>
+          <p:nvPr/>
+        </p:nvSpPr>
+        <p:spPr>
+          <a:xfrm>
+            <a:off x="4959896" y="546269"/>
+            <a:ext cx="36000" cy="36000"/>
+          </a:xfrm>
+          <a:prstGeom prst="ellipse">
+            <a:avLst/>
+          </a:prstGeom>
+          <a:solidFill>
+            <a:srgbClr val="028D89"/>
+          </a:solidFill>
+          <a:ln>
+            <a:noFill/>
+          </a:ln>
+        </p:spPr>
+        <p:style>
+          <a:lnRef idx="2">
+            <a:schemeClr val="accent1">
+              <a:shade val="50000"/>
+            </a:schemeClr>
+          </a:lnRef>
+          <a:fillRef idx="1">
+            <a:schemeClr val="accent1"/>
+          </a:fillRef>
+          <a:effectRef idx="0">
+            <a:schemeClr val="accent1"/>
+          </a:effectRef>
+          <a:fontRef idx="minor">
+            <a:schemeClr val="lt1"/>
+          </a:fontRef>
+        </p:style>
+        <p:txBody>
+          <a:bodyPr rtlCol="0" anchor="ctr"/>
+          <a:lstStyle/>
+          <a:p>
+            <a:pPr algn="ctr"/>
+            <a:endParaRPr lang="en-GB"/>
+          </a:p>
+        </p:txBody>
+      </p:sp>
+      <p:sp>
+        <p:nvSpPr>
+          <p:cNvPr id="133" name="Oval 132">
+            <a:extLst>
+              <a:ext uri="{FF2B5EF4-FFF2-40B4-BE49-F238E27FC236}">
+                <a16:creationId xmlns:a16="http://schemas.microsoft.com/office/drawing/2014/main" id="{2D08B5C4-2E33-843E-9617-E5CCC960371A}"/>
+              </a:ext>
+            </a:extLst>
+          </p:cNvPr>
+          <p:cNvSpPr/>
+          <p:nvPr/>
+        </p:nvSpPr>
+        <p:spPr>
+          <a:xfrm>
+            <a:off x="5504148" y="546269"/>
+            <a:ext cx="36000" cy="36000"/>
+          </a:xfrm>
+          <a:prstGeom prst="ellipse">
+            <a:avLst/>
+          </a:prstGeom>
+          <a:solidFill>
+            <a:srgbClr val="686868"/>
+          </a:solidFill>
+          <a:ln>
+            <a:noFill/>
+          </a:ln>
+        </p:spPr>
+        <p:style>
+          <a:lnRef idx="2">
+            <a:schemeClr val="accent1">
+              <a:shade val="50000"/>
+            </a:schemeClr>
+          </a:lnRef>
+          <a:fillRef idx="1">
+            <a:schemeClr val="accent1"/>
+          </a:fillRef>
+          <a:effectRef idx="0">
+            <a:schemeClr val="accent1"/>
+          </a:effectRef>
+          <a:fontRef idx="minor">
+            <a:schemeClr val="lt1"/>
+          </a:fontRef>
+        </p:style>
+        <p:txBody>
+          <a:bodyPr rtlCol="0" anchor="ctr"/>
+          <a:lstStyle/>
+          <a:p>
+            <a:pPr algn="ctr"/>
+            <a:endParaRPr lang="en-GB"/>
+          </a:p>
+        </p:txBody>
+      </p:sp>
+      <p:cxnSp>
+        <p:nvCxnSpPr>
+          <p:cNvPr id="134" name="Straight Connector 133">
+            <a:extLst>
+              <a:ext uri="{FF2B5EF4-FFF2-40B4-BE49-F238E27FC236}">
+                <a16:creationId xmlns:a16="http://schemas.microsoft.com/office/drawing/2014/main" id="{F1466FC3-1648-F093-2A66-F623CAC31513}"/>
+              </a:ext>
+            </a:extLst>
+          </p:cNvPr>
+          <p:cNvCxnSpPr>
+            <a:cxnSpLocks/>
+          </p:cNvCxnSpPr>
+          <p:nvPr/>
+        </p:nvCxnSpPr>
+        <p:spPr>
+          <a:xfrm>
+            <a:off x="4256888" y="660664"/>
+            <a:ext cx="360000" cy="0"/>
+          </a:xfrm>
+          <a:prstGeom prst="line">
+            <a:avLst/>
+          </a:prstGeom>
+          <a:ln w="12700">
+            <a:solidFill>
+              <a:srgbClr val="FF4005"/>
+            </a:solidFill>
+            <a:prstDash val="sysDash"/>
+          </a:ln>
+        </p:spPr>
+        <p:style>
+          <a:lnRef idx="1">
+            <a:schemeClr val="accent1"/>
+          </a:lnRef>
+          <a:fillRef idx="0">
+            <a:schemeClr val="accent1"/>
+          </a:fillRef>
+          <a:effectRef idx="0">
+            <a:schemeClr val="accent1"/>
+          </a:effectRef>
+          <a:fontRef idx="minor">
+            <a:schemeClr val="tx1"/>
+          </a:fontRef>
+        </p:style>
+      </p:cxnSp>
+      <p:cxnSp>
+        <p:nvCxnSpPr>
+          <p:cNvPr id="135" name="Straight Connector 134">
+            <a:extLst>
+              <a:ext uri="{FF2B5EF4-FFF2-40B4-BE49-F238E27FC236}">
+                <a16:creationId xmlns:a16="http://schemas.microsoft.com/office/drawing/2014/main" id="{1C4D16C3-5E0C-2F52-2BD9-5D3A7D87A5D1}"/>
+              </a:ext>
+            </a:extLst>
+          </p:cNvPr>
+          <p:cNvCxnSpPr>
+            <a:cxnSpLocks/>
+          </p:cNvCxnSpPr>
+          <p:nvPr/>
+        </p:nvCxnSpPr>
+        <p:spPr>
+          <a:xfrm>
+            <a:off x="4797650" y="660865"/>
+            <a:ext cx="360000" cy="0"/>
+          </a:xfrm>
+          <a:prstGeom prst="line">
+            <a:avLst/>
+          </a:prstGeom>
+          <a:ln w="12700">
+            <a:solidFill>
+              <a:srgbClr val="028D89"/>
+            </a:solidFill>
+            <a:prstDash val="sysDash"/>
+          </a:ln>
+        </p:spPr>
+        <p:style>
+          <a:lnRef idx="1">
+            <a:schemeClr val="accent1"/>
+          </a:lnRef>
+          <a:fillRef idx="0">
+            <a:schemeClr val="accent1"/>
+          </a:fillRef>
+          <a:effectRef idx="0">
+            <a:schemeClr val="accent1"/>
+          </a:effectRef>
+          <a:fontRef idx="minor">
+            <a:schemeClr val="tx1"/>
+          </a:fontRef>
+        </p:style>
+      </p:cxnSp>
+      <p:cxnSp>
+        <p:nvCxnSpPr>
+          <p:cNvPr id="136" name="Straight Connector 135">
+            <a:extLst>
+              <a:ext uri="{FF2B5EF4-FFF2-40B4-BE49-F238E27FC236}">
+                <a16:creationId xmlns:a16="http://schemas.microsoft.com/office/drawing/2014/main" id="{723583CE-46CA-C882-A292-7041545B4C25}"/>
+              </a:ext>
+            </a:extLst>
+          </p:cNvPr>
+          <p:cNvCxnSpPr>
+            <a:cxnSpLocks/>
+          </p:cNvCxnSpPr>
+          <p:nvPr/>
+        </p:nvCxnSpPr>
+        <p:spPr>
+          <a:xfrm>
+            <a:off x="5338412" y="660865"/>
+            <a:ext cx="360000" cy="0"/>
+          </a:xfrm>
+          <a:prstGeom prst="line">
+            <a:avLst/>
+          </a:prstGeom>
+          <a:ln w="12700">
+            <a:solidFill>
+              <a:srgbClr val="686868"/>
+            </a:solidFill>
+            <a:prstDash val="sysDash"/>
+          </a:ln>
+        </p:spPr>
+        <p:style>
+          <a:lnRef idx="1">
+            <a:schemeClr val="accent1"/>
+          </a:lnRef>
+          <a:fillRef idx="0">
+            <a:schemeClr val="accent1"/>
+          </a:fillRef>
+          <a:effectRef idx="0">
+            <a:schemeClr val="accent1"/>
+          </a:effectRef>
+          <a:fontRef idx="minor">
+            <a:schemeClr val="tx1"/>
+          </a:fontRef>
+        </p:style>
+      </p:cxnSp>
+      <p:sp>
+        <p:nvSpPr>
+          <p:cNvPr id="137" name="Rectangle 136">
+            <a:extLst>
+              <a:ext uri="{FF2B5EF4-FFF2-40B4-BE49-F238E27FC236}">
+                <a16:creationId xmlns:a16="http://schemas.microsoft.com/office/drawing/2014/main" id="{3D7E5A1B-B583-2E36-A03F-CDEFFD8DA85B}"/>
+              </a:ext>
+            </a:extLst>
+          </p:cNvPr>
+          <p:cNvSpPr/>
+          <p:nvPr/>
+        </p:nvSpPr>
+        <p:spPr>
+          <a:xfrm>
+            <a:off x="4256888" y="734706"/>
+            <a:ext cx="360000" cy="90000"/>
+          </a:xfrm>
+          <a:prstGeom prst="rect">
+            <a:avLst/>
+          </a:prstGeom>
+          <a:solidFill>
+            <a:srgbClr val="FF4005">
+              <a:alpha val="20000"/>
+            </a:srgbClr>
+          </a:solidFill>
+          <a:ln>
+            <a:noFill/>
+          </a:ln>
+        </p:spPr>
+        <p:style>
+          <a:lnRef idx="2">
+            <a:schemeClr val="accent1">
+              <a:shade val="50000"/>
+            </a:schemeClr>
+          </a:lnRef>
+          <a:fillRef idx="1">
+            <a:schemeClr val="accent1"/>
+          </a:fillRef>
+          <a:effectRef idx="0">
+            <a:schemeClr val="accent1"/>
+          </a:effectRef>
+          <a:fontRef idx="minor">
+            <a:schemeClr val="lt1"/>
+          </a:fontRef>
+        </p:style>
+        <p:txBody>
+          <a:bodyPr rtlCol="0" anchor="ctr"/>
+          <a:lstStyle/>
+          <a:p>
+            <a:pPr algn="ctr"/>
+            <a:endParaRPr lang="en-GB"/>
+          </a:p>
+        </p:txBody>
+      </p:sp>
+      <p:sp>
+        <p:nvSpPr>
+          <p:cNvPr id="138" name="Rectangle 137">
+            <a:extLst>
+              <a:ext uri="{FF2B5EF4-FFF2-40B4-BE49-F238E27FC236}">
+                <a16:creationId xmlns:a16="http://schemas.microsoft.com/office/drawing/2014/main" id="{43977596-82D2-C768-0655-A78DC7751307}"/>
+              </a:ext>
+            </a:extLst>
+          </p:cNvPr>
+          <p:cNvSpPr/>
+          <p:nvPr/>
+        </p:nvSpPr>
+        <p:spPr>
+          <a:xfrm>
+            <a:off x="4797650" y="734706"/>
+            <a:ext cx="360000" cy="90000"/>
+          </a:xfrm>
+          <a:prstGeom prst="rect">
+            <a:avLst/>
+          </a:prstGeom>
+          <a:solidFill>
+            <a:srgbClr val="028D89">
+              <a:alpha val="20000"/>
+            </a:srgbClr>
+          </a:solidFill>
+          <a:ln>
+            <a:noFill/>
+          </a:ln>
+        </p:spPr>
+        <p:style>
+          <a:lnRef idx="2">
+            <a:schemeClr val="accent1">
+              <a:shade val="50000"/>
+            </a:schemeClr>
+          </a:lnRef>
+          <a:fillRef idx="1">
+            <a:schemeClr val="accent1"/>
+          </a:fillRef>
+          <a:effectRef idx="0">
+            <a:schemeClr val="accent1"/>
+          </a:effectRef>
+          <a:fontRef idx="minor">
+            <a:schemeClr val="lt1"/>
+          </a:fontRef>
+        </p:style>
+        <p:txBody>
+          <a:bodyPr rtlCol="0" anchor="ctr"/>
+          <a:lstStyle/>
+          <a:p>
+            <a:pPr algn="ctr"/>
+            <a:endParaRPr lang="en-GB"/>
+          </a:p>
+        </p:txBody>
+      </p:sp>
+      <p:sp>
+        <p:nvSpPr>
+          <p:cNvPr id="139" name="Rectangle 138">
+            <a:extLst>
+              <a:ext uri="{FF2B5EF4-FFF2-40B4-BE49-F238E27FC236}">
+                <a16:creationId xmlns:a16="http://schemas.microsoft.com/office/drawing/2014/main" id="{BDE08F5E-999C-86E7-3554-2B30AD3A1DAA}"/>
+              </a:ext>
+            </a:extLst>
+          </p:cNvPr>
+          <p:cNvSpPr/>
+          <p:nvPr/>
+        </p:nvSpPr>
+        <p:spPr>
+          <a:xfrm>
+            <a:off x="5338411" y="734706"/>
+            <a:ext cx="360000" cy="90000"/>
+          </a:xfrm>
+          <a:prstGeom prst="rect">
+            <a:avLst/>
+          </a:prstGeom>
+          <a:solidFill>
+            <a:srgbClr val="686868">
+              <a:alpha val="20000"/>
+            </a:srgbClr>
+          </a:solidFill>
+          <a:ln>
+            <a:noFill/>
+          </a:ln>
+        </p:spPr>
+        <p:style>
+          <a:lnRef idx="2">
+            <a:schemeClr val="accent1">
+              <a:shade val="50000"/>
+            </a:schemeClr>
+          </a:lnRef>
+          <a:fillRef idx="1">
+            <a:schemeClr val="accent1"/>
+          </a:fillRef>
+          <a:effectRef idx="0">
+            <a:schemeClr val="accent1"/>
+          </a:effectRef>
+          <a:fontRef idx="minor">
+            <a:schemeClr val="lt1"/>
+          </a:fontRef>
+        </p:style>
+        <p:txBody>
+          <a:bodyPr rtlCol="0" anchor="ctr"/>
+          <a:lstStyle/>
+          <a:p>
+            <a:pPr algn="ctr"/>
+            <a:endParaRPr lang="en-GB"/>
+          </a:p>
+        </p:txBody>
+      </p:sp>
+      <p:sp>
+        <p:nvSpPr>
+          <p:cNvPr id="140" name="CasellaDiTesto 70">
+            <a:extLst>
+              <a:ext uri="{FF2B5EF4-FFF2-40B4-BE49-F238E27FC236}">
+                <a16:creationId xmlns:a16="http://schemas.microsoft.com/office/drawing/2014/main" id="{98FC5024-FAA5-13C3-F808-52CD00569318}"/>
+              </a:ext>
+            </a:extLst>
+          </p:cNvPr>
+          <p:cNvSpPr txBox="1"/>
+          <p:nvPr/>
+        </p:nvSpPr>
+        <p:spPr>
+          <a:xfrm>
+            <a:off x="5708428" y="677208"/>
+            <a:ext cx="504659" cy="200055"/>
+          </a:xfrm>
+          <a:prstGeom prst="rect">
+            <a:avLst/>
+          </a:prstGeom>
+          <a:noFill/>
+          <a:ln>
+            <a:noFill/>
+          </a:ln>
+        </p:spPr>
+        <p:txBody>
+          <a:bodyPr wrap="square" rtlCol="0">
+            <a:spAutoFit/>
+          </a:bodyPr>
+          <a:lstStyle/>
+          <a:p>
+            <a:pPr algn="ctr"/>
+            <a:r>
+              <a:rPr lang="it-IT" sz="700" dirty="0">
+                <a:solidFill>
+                  <a:schemeClr val="tx1">
+                    <a:lumMod val="75000"/>
+                    <a:lumOff val="25000"/>
+                  </a:schemeClr>
+                </a:solidFill>
+              </a:rPr>
+              <a:t>99% CI</a:t>
+            </a:r>
+          </a:p>
+        </p:txBody>
+      </p:sp>
+      <p:sp>
+        <p:nvSpPr>
+          <p:cNvPr id="141" name="Oval 140">
+            <a:extLst>
+              <a:ext uri="{FF2B5EF4-FFF2-40B4-BE49-F238E27FC236}">
+                <a16:creationId xmlns:a16="http://schemas.microsoft.com/office/drawing/2014/main" id="{55B8B5CA-97B0-2064-91E5-7DF7DCD3781D}"/>
+              </a:ext>
+            </a:extLst>
+          </p:cNvPr>
+          <p:cNvSpPr/>
+          <p:nvPr/>
+        </p:nvSpPr>
+        <p:spPr>
+          <a:xfrm>
+            <a:off x="4415644" y="646222"/>
+            <a:ext cx="36000" cy="36000"/>
+          </a:xfrm>
+          <a:prstGeom prst="ellipse">
+            <a:avLst/>
+          </a:prstGeom>
+          <a:solidFill>
+            <a:srgbClr val="FF4005"/>
+          </a:solidFill>
+          <a:ln>
+            <a:noFill/>
+          </a:ln>
+        </p:spPr>
+        <p:style>
+          <a:lnRef idx="2">
+            <a:schemeClr val="accent1">
+              <a:shade val="50000"/>
+            </a:schemeClr>
+          </a:lnRef>
+          <a:fillRef idx="1">
+            <a:schemeClr val="accent1"/>
+          </a:fillRef>
+          <a:effectRef idx="0">
+            <a:schemeClr val="accent1"/>
+          </a:effectRef>
+          <a:fontRef idx="minor">
+            <a:schemeClr val="lt1"/>
+          </a:fontRef>
+        </p:style>
+        <p:txBody>
+          <a:bodyPr rtlCol="0" anchor="ctr"/>
+          <a:lstStyle/>
+          <a:p>
+            <a:pPr algn="ctr"/>
+            <a:endParaRPr lang="en-GB"/>
+          </a:p>
+        </p:txBody>
+      </p:sp>
+      <p:sp>
+        <p:nvSpPr>
+          <p:cNvPr id="142" name="Oval 141">
+            <a:extLst>
+              <a:ext uri="{FF2B5EF4-FFF2-40B4-BE49-F238E27FC236}">
+                <a16:creationId xmlns:a16="http://schemas.microsoft.com/office/drawing/2014/main" id="{AA913FD2-BD8A-F483-2879-F665C994B8E1}"/>
+              </a:ext>
+            </a:extLst>
+          </p:cNvPr>
+          <p:cNvSpPr/>
+          <p:nvPr/>
+        </p:nvSpPr>
+        <p:spPr>
+          <a:xfrm>
+            <a:off x="4959896" y="646222"/>
+            <a:ext cx="36000" cy="36000"/>
+          </a:xfrm>
+          <a:prstGeom prst="ellipse">
+            <a:avLst/>
+          </a:prstGeom>
+          <a:solidFill>
+            <a:srgbClr val="028D89"/>
+          </a:solidFill>
+          <a:ln>
+            <a:noFill/>
+          </a:ln>
+        </p:spPr>
+        <p:style>
+          <a:lnRef idx="2">
+            <a:schemeClr val="accent1">
+              <a:shade val="50000"/>
+            </a:schemeClr>
+          </a:lnRef>
+          <a:fillRef idx="1">
+            <a:schemeClr val="accent1"/>
+          </a:fillRef>
+          <a:effectRef idx="0">
+            <a:schemeClr val="accent1"/>
+          </a:effectRef>
+          <a:fontRef idx="minor">
+            <a:schemeClr val="lt1"/>
+          </a:fontRef>
+        </p:style>
+        <p:txBody>
+          <a:bodyPr rtlCol="0" anchor="ctr"/>
+          <a:lstStyle/>
+          <a:p>
+            <a:pPr algn="ctr"/>
+            <a:endParaRPr lang="en-GB"/>
+          </a:p>
+        </p:txBody>
+      </p:sp>
+      <p:sp>
+        <p:nvSpPr>
+          <p:cNvPr id="143" name="Oval 142">
+            <a:extLst>
+              <a:ext uri="{FF2B5EF4-FFF2-40B4-BE49-F238E27FC236}">
+                <a16:creationId xmlns:a16="http://schemas.microsoft.com/office/drawing/2014/main" id="{F1295A71-7119-A3D6-FA50-129DFD222859}"/>
+              </a:ext>
+            </a:extLst>
+          </p:cNvPr>
+          <p:cNvSpPr/>
+          <p:nvPr/>
+        </p:nvSpPr>
+        <p:spPr>
+          <a:xfrm>
+            <a:off x="5504148" y="646222"/>
+            <a:ext cx="36000" cy="36000"/>
+          </a:xfrm>
+          <a:prstGeom prst="ellipse">
+            <a:avLst/>
+          </a:prstGeom>
+          <a:solidFill>
+            <a:srgbClr val="686868"/>
+          </a:solidFill>
+          <a:ln>
+            <a:noFill/>
+          </a:ln>
+        </p:spPr>
+        <p:style>
+          <a:lnRef idx="2">
+            <a:schemeClr val="accent1">
+              <a:shade val="50000"/>
+            </a:schemeClr>
+          </a:lnRef>
+          <a:fillRef idx="1">
+            <a:schemeClr val="accent1"/>
+          </a:fillRef>
+          <a:effectRef idx="0">
+            <a:schemeClr val="accent1"/>
+          </a:effectRef>
+          <a:fontRef idx="minor">
+            <a:schemeClr val="lt1"/>
+          </a:fontRef>
+        </p:style>
+        <p:txBody>
+          <a:bodyPr rtlCol="0" anchor="ctr"/>
+          <a:lstStyle/>
+          <a:p>
+            <a:pPr algn="ctr"/>
+            <a:endParaRPr lang="en-GB"/>
+          </a:p>
+        </p:txBody>
+      </p:sp>
+      <p:sp>
+        <p:nvSpPr>
+          <p:cNvPr id="144" name="CasellaDiTesto 70">
+            <a:extLst>
+              <a:ext uri="{FF2B5EF4-FFF2-40B4-BE49-F238E27FC236}">
+                <a16:creationId xmlns:a16="http://schemas.microsoft.com/office/drawing/2014/main" id="{21AA4A53-822F-1591-78A3-B762FDFD14EB}"/>
+              </a:ext>
+            </a:extLst>
+          </p:cNvPr>
+          <p:cNvSpPr txBox="1"/>
+          <p:nvPr/>
+        </p:nvSpPr>
+        <p:spPr>
+          <a:xfrm>
+            <a:off x="5708428" y="567894"/>
+            <a:ext cx="504659" cy="200055"/>
+          </a:xfrm>
+          <a:prstGeom prst="rect">
+            <a:avLst/>
+          </a:prstGeom>
+          <a:noFill/>
+          <a:ln>
+            <a:noFill/>
+          </a:ln>
+        </p:spPr>
+        <p:txBody>
+          <a:bodyPr wrap="square" rtlCol="0">
+            <a:spAutoFit/>
+          </a:bodyPr>
+          <a:lstStyle/>
+          <a:p>
+            <a:pPr algn="ctr"/>
+            <a:r>
+              <a:rPr lang="it-IT" sz="700" dirty="0">
+                <a:solidFill>
+                  <a:schemeClr val="tx1">
+                    <a:lumMod val="75000"/>
+                    <a:lumOff val="25000"/>
+                  </a:schemeClr>
+                </a:solidFill>
+              </a:rPr>
+              <a:t>AROC</a:t>
+            </a:r>
+            <a:r>
+              <a:rPr lang="it-IT" sz="700" baseline="-25000" dirty="0">
+                <a:solidFill>
+                  <a:schemeClr val="tx1">
+                    <a:lumMod val="75000"/>
+                    <a:lumOff val="25000"/>
+                  </a:schemeClr>
+                </a:solidFill>
+              </a:rPr>
+              <a:t>z</a:t>
+            </a:r>
+          </a:p>
+        </p:txBody>
+      </p:sp>
     </p:spTree>
     <p:extLst>
       <p:ext uri="{BB962C8B-B14F-4D97-AF65-F5344CB8AC3E}">
@@ -4688,9 +7566,9 @@
 </file>
 
 <file path=ppt/theme/theme1.xml><?xml version="1.0" encoding="utf-8"?>
-<a:theme xmlns:a="http://schemas.openxmlformats.org/drawingml/2006/main" name="Tema di Office">
+<a:theme xmlns:a="http://schemas.openxmlformats.org/drawingml/2006/main" name="Office Theme">
   <a:themeElements>
-    <a:clrScheme name="Tema di Office">
+    <a:clrScheme name="Office Theme">
       <a:dk1>
         <a:sysClr val="windowText" lastClr="000000"/>
       </a:dk1>
@@ -4728,7 +7606,7 @@
         <a:srgbClr val="954F72"/>
       </a:folHlink>
     </a:clrScheme>
-    <a:fontScheme name="Tema di Office">
+    <a:fontScheme name="Office Theme">
       <a:majorFont>
         <a:latin typeface="Calibri Light" panose="020F0302020204030204"/>
         <a:ea typeface=""/>
@@ -4800,7 +7678,7 @@
         <a:font script="Geor" typeface="Sylfaen"/>
       </a:minorFont>
     </a:fontScheme>
-    <a:fmtScheme name="Tema di Office">
+    <a:fmtScheme name="Office Theme">
       <a:fillStyleLst>
         <a:solidFill>
           <a:schemeClr val="phClr"/>
@@ -4942,7 +7820,7 @@
   <a:extraClrSchemeLst/>
   <a:extLst>
     <a:ext uri="{05A4C25C-085E-4340-85A3-A5531E510DB2}">
-      <thm15:themeFamily xmlns:thm15="http://schemas.microsoft.com/office/thememl/2012/main" name="Office 2013 - 2022 Theme" id="{62F939B6-93AF-4DB8-9C6B-D6C7DFDC589F}" vid="{4A3C46E8-61CC-4603-A589-7422A47A8E4A}"/>
+      <thm15:themeFamily xmlns:thm15="http://schemas.microsoft.com/office/thememl/2012/main" name="Office Theme 2013 - 2022" id="{62F939B6-93AF-4DB8-9C6B-D6C7DFDC589F}" vid="{4A3C46E8-61CC-4603-A589-7422A47A8E4A}"/>
     </a:ext>
   </a:extLst>
 </a:theme>

--- a/Manuscript/Figures/04_Results_BSrel_AROC.pptx
+++ b/Manuscript/Figures/04_Results_BSrel_AROC.pptx
@@ -2,12 +2,12 @@
 <file path=ppt/presentation.xml><?xml version="1.0" encoding="utf-8"?>
 <p:presentation xmlns:a="http://schemas.openxmlformats.org/drawingml/2006/main" xmlns:r="http://schemas.openxmlformats.org/officeDocument/2006/relationships" xmlns:p="http://schemas.openxmlformats.org/presentationml/2006/main" saveSubsetFonts="1">
   <p:sldMasterIdLst>
-    <p:sldMasterId id="2147483684" r:id="rId1"/>
+    <p:sldMasterId id="2147483708" r:id="rId1"/>
   </p:sldMasterIdLst>
   <p:sldIdLst>
     <p:sldId id="256" r:id="rId2"/>
   </p:sldIdLst>
-  <p:sldSz cx="6624638" cy="8496300"/>
+  <p:sldSz cx="6858000" cy="8640763"/>
   <p:notesSz cx="6858000" cy="9144000"/>
   <p:defaultTextStyle>
     <a:defPPr>
@@ -115,7 +115,7 @@
 <file path=ppt/revisionInfo.xml><?xml version="1.0" encoding="utf-8"?>
 <p1510:revInfo xmlns:a="http://schemas.openxmlformats.org/drawingml/2006/main" xmlns:r="http://schemas.openxmlformats.org/officeDocument/2006/relationships" xmlns:p1510="http://schemas.microsoft.com/office/powerpoint/2015/10/main">
   <p1510:revLst>
-    <p1510:client id="{C3FD463E-E8A1-4BF2-9983-011679297F9E}" v="22" dt="2023-12-21T14:33:18.104"/>
+    <p1510:client id="{847D4158-B166-4E03-B53F-E82454BBD399}" v="4" dt="2024-01-05T11:57:11.316"/>
   </p1510:revLst>
 </p1510:revInfo>
 </file>
@@ -1261,6 +1261,1446 @@
             <pc:docMk/>
             <pc:sldMk cId="3953640220" sldId="256"/>
             <ac:cxnSpMk id="136" creationId="{723583CE-46CA-C882-A292-7041545B4C25}"/>
+          </ac:cxnSpMkLst>
+        </pc:cxnChg>
+      </pc:sldChg>
+    </pc:docChg>
+  </pc:docChgLst>
+  <pc:docChgLst>
+    <pc:chgData name="Fatima Pillosu" userId="a6295d4dc9e22643" providerId="LiveId" clId="{847D4158-B166-4E03-B53F-E82454BBD399}"/>
+    <pc:docChg chg="undo custSel modSld">
+      <pc:chgData name="Fatima Pillosu" userId="a6295d4dc9e22643" providerId="LiveId" clId="{847D4158-B166-4E03-B53F-E82454BBD399}" dt="2024-01-05T11:59:22.226" v="85" actId="20577"/>
+      <pc:docMkLst>
+        <pc:docMk/>
+      </pc:docMkLst>
+      <pc:sldChg chg="addSp delSp modSp mod">
+        <pc:chgData name="Fatima Pillosu" userId="a6295d4dc9e22643" providerId="LiveId" clId="{847D4158-B166-4E03-B53F-E82454BBD399}" dt="2024-01-05T11:59:22.226" v="85" actId="20577"/>
+        <pc:sldMkLst>
+          <pc:docMk/>
+          <pc:sldMk cId="3953640220" sldId="256"/>
+        </pc:sldMkLst>
+        <pc:spChg chg="add del mod">
+          <ac:chgData name="Fatima Pillosu" userId="a6295d4dc9e22643" providerId="LiveId" clId="{847D4158-B166-4E03-B53F-E82454BBD399}" dt="2024-01-05T11:56:11.097" v="72" actId="21"/>
+          <ac:spMkLst>
+            <pc:docMk/>
+            <pc:sldMk cId="3953640220" sldId="256"/>
+            <ac:spMk id="8" creationId="{484BB438-1003-4FFB-19B2-BFD4721D2EF3}"/>
+          </ac:spMkLst>
+        </pc:spChg>
+        <pc:spChg chg="add del mod">
+          <ac:chgData name="Fatima Pillosu" userId="a6295d4dc9e22643" providerId="LiveId" clId="{847D4158-B166-4E03-B53F-E82454BBD399}" dt="2024-01-05T11:56:11.097" v="72" actId="21"/>
+          <ac:spMkLst>
+            <pc:docMk/>
+            <pc:sldMk cId="3953640220" sldId="256"/>
+            <ac:spMk id="9" creationId="{5F4B0EA4-3480-D232-4DD4-0F1125A78B62}"/>
+          </ac:spMkLst>
+        </pc:spChg>
+        <pc:spChg chg="add del mod">
+          <ac:chgData name="Fatima Pillosu" userId="a6295d4dc9e22643" providerId="LiveId" clId="{847D4158-B166-4E03-B53F-E82454BBD399}" dt="2024-01-05T11:56:11.097" v="72" actId="21"/>
+          <ac:spMkLst>
+            <pc:docMk/>
+            <pc:sldMk cId="3953640220" sldId="256"/>
+            <ac:spMk id="10" creationId="{A23D6347-DBD7-91BA-1A36-330C1AABF392}"/>
+          </ac:spMkLst>
+        </pc:spChg>
+        <pc:spChg chg="add del mod">
+          <ac:chgData name="Fatima Pillosu" userId="a6295d4dc9e22643" providerId="LiveId" clId="{847D4158-B166-4E03-B53F-E82454BBD399}" dt="2024-01-05T11:56:11.097" v="72" actId="21"/>
+          <ac:spMkLst>
+            <pc:docMk/>
+            <pc:sldMk cId="3953640220" sldId="256"/>
+            <ac:spMk id="11" creationId="{D99AF2E5-F793-B10C-2770-D439F630FAC4}"/>
+          </ac:spMkLst>
+        </pc:spChg>
+        <pc:spChg chg="add del mod">
+          <ac:chgData name="Fatima Pillosu" userId="a6295d4dc9e22643" providerId="LiveId" clId="{847D4158-B166-4E03-B53F-E82454BBD399}" dt="2024-01-05T11:56:11.097" v="72" actId="21"/>
+          <ac:spMkLst>
+            <pc:docMk/>
+            <pc:sldMk cId="3953640220" sldId="256"/>
+            <ac:spMk id="12" creationId="{AAB28F1C-6926-C593-ABB3-0B53137DA1F2}"/>
+          </ac:spMkLst>
+        </pc:spChg>
+        <pc:spChg chg="add del mod">
+          <ac:chgData name="Fatima Pillosu" userId="a6295d4dc9e22643" providerId="LiveId" clId="{847D4158-B166-4E03-B53F-E82454BBD399}" dt="2024-01-05T11:56:11.097" v="72" actId="21"/>
+          <ac:spMkLst>
+            <pc:docMk/>
+            <pc:sldMk cId="3953640220" sldId="256"/>
+            <ac:spMk id="13" creationId="{740FF48D-25EB-4024-DB51-86D440D52674}"/>
+          </ac:spMkLst>
+        </pc:spChg>
+        <pc:spChg chg="add del mod">
+          <ac:chgData name="Fatima Pillosu" userId="a6295d4dc9e22643" providerId="LiveId" clId="{847D4158-B166-4E03-B53F-E82454BBD399}" dt="2024-01-05T11:56:11.097" v="72" actId="21"/>
+          <ac:spMkLst>
+            <pc:docMk/>
+            <pc:sldMk cId="3953640220" sldId="256"/>
+            <ac:spMk id="14" creationId="{B11C54C3-F03F-E4DE-310A-1EAAEACB648B}"/>
+          </ac:spMkLst>
+        </pc:spChg>
+        <pc:spChg chg="add del mod">
+          <ac:chgData name="Fatima Pillosu" userId="a6295d4dc9e22643" providerId="LiveId" clId="{847D4158-B166-4E03-B53F-E82454BBD399}" dt="2024-01-05T11:56:11.097" v="72" actId="21"/>
+          <ac:spMkLst>
+            <pc:docMk/>
+            <pc:sldMk cId="3953640220" sldId="256"/>
+            <ac:spMk id="15" creationId="{E7577074-0420-E132-6CE1-C58C94D9F812}"/>
+          </ac:spMkLst>
+        </pc:spChg>
+        <pc:spChg chg="add del mod">
+          <ac:chgData name="Fatima Pillosu" userId="a6295d4dc9e22643" providerId="LiveId" clId="{847D4158-B166-4E03-B53F-E82454BBD399}" dt="2024-01-05T11:56:11.097" v="72" actId="21"/>
+          <ac:spMkLst>
+            <pc:docMk/>
+            <pc:sldMk cId="3953640220" sldId="256"/>
+            <ac:spMk id="16" creationId="{DA6C386F-3599-85DF-BB8F-A855FC7EB606}"/>
+          </ac:spMkLst>
+        </pc:spChg>
+        <pc:spChg chg="add del mod">
+          <ac:chgData name="Fatima Pillosu" userId="a6295d4dc9e22643" providerId="LiveId" clId="{847D4158-B166-4E03-B53F-E82454BBD399}" dt="2024-01-05T11:56:11.097" v="72" actId="21"/>
+          <ac:spMkLst>
+            <pc:docMk/>
+            <pc:sldMk cId="3953640220" sldId="256"/>
+            <ac:spMk id="17" creationId="{EB246A2E-74E7-2AD4-458A-B5F46EA43182}"/>
+          </ac:spMkLst>
+        </pc:spChg>
+        <pc:spChg chg="add del mod">
+          <ac:chgData name="Fatima Pillosu" userId="a6295d4dc9e22643" providerId="LiveId" clId="{847D4158-B166-4E03-B53F-E82454BBD399}" dt="2024-01-05T11:56:11.097" v="72" actId="21"/>
+          <ac:spMkLst>
+            <pc:docMk/>
+            <pc:sldMk cId="3953640220" sldId="256"/>
+            <ac:spMk id="18" creationId="{D241FEB5-1B83-C340-E00C-93E1DA2A52D1}"/>
+          </ac:spMkLst>
+        </pc:spChg>
+        <pc:spChg chg="add del mod">
+          <ac:chgData name="Fatima Pillosu" userId="a6295d4dc9e22643" providerId="LiveId" clId="{847D4158-B166-4E03-B53F-E82454BBD399}" dt="2024-01-05T11:56:11.097" v="72" actId="21"/>
+          <ac:spMkLst>
+            <pc:docMk/>
+            <pc:sldMk cId="3953640220" sldId="256"/>
+            <ac:spMk id="19" creationId="{EB4D99A4-A24E-B525-C6E3-494164C4CBC8}"/>
+          </ac:spMkLst>
+        </pc:spChg>
+        <pc:spChg chg="add del mod">
+          <ac:chgData name="Fatima Pillosu" userId="a6295d4dc9e22643" providerId="LiveId" clId="{847D4158-B166-4E03-B53F-E82454BBD399}" dt="2024-01-05T11:56:11.097" v="72" actId="21"/>
+          <ac:spMkLst>
+            <pc:docMk/>
+            <pc:sldMk cId="3953640220" sldId="256"/>
+            <ac:spMk id="20" creationId="{3A40BC9A-691E-902F-8F8D-E24A25E47D01}"/>
+          </ac:spMkLst>
+        </pc:spChg>
+        <pc:spChg chg="add del mod">
+          <ac:chgData name="Fatima Pillosu" userId="a6295d4dc9e22643" providerId="LiveId" clId="{847D4158-B166-4E03-B53F-E82454BBD399}" dt="2024-01-05T11:56:11.097" v="72" actId="21"/>
+          <ac:spMkLst>
+            <pc:docMk/>
+            <pc:sldMk cId="3953640220" sldId="256"/>
+            <ac:spMk id="21" creationId="{F3862DD0-72BD-DF6B-B0A5-1912A9A8C562}"/>
+          </ac:spMkLst>
+        </pc:spChg>
+        <pc:spChg chg="add del mod">
+          <ac:chgData name="Fatima Pillosu" userId="a6295d4dc9e22643" providerId="LiveId" clId="{847D4158-B166-4E03-B53F-E82454BBD399}" dt="2024-01-05T11:56:11.097" v="72" actId="21"/>
+          <ac:spMkLst>
+            <pc:docMk/>
+            <pc:sldMk cId="3953640220" sldId="256"/>
+            <ac:spMk id="22" creationId="{F5BF250E-9043-19BB-6824-EEF1D0A49B24}"/>
+          </ac:spMkLst>
+        </pc:spChg>
+        <pc:spChg chg="add del mod">
+          <ac:chgData name="Fatima Pillosu" userId="a6295d4dc9e22643" providerId="LiveId" clId="{847D4158-B166-4E03-B53F-E82454BBD399}" dt="2024-01-05T11:56:11.097" v="72" actId="21"/>
+          <ac:spMkLst>
+            <pc:docMk/>
+            <pc:sldMk cId="3953640220" sldId="256"/>
+            <ac:spMk id="23" creationId="{DF0AA917-F7F8-2EC6-427F-1EA391F0DDD3}"/>
+          </ac:spMkLst>
+        </pc:spChg>
+        <pc:spChg chg="add del mod">
+          <ac:chgData name="Fatima Pillosu" userId="a6295d4dc9e22643" providerId="LiveId" clId="{847D4158-B166-4E03-B53F-E82454BBD399}" dt="2024-01-05T11:56:11.097" v="72" actId="21"/>
+          <ac:spMkLst>
+            <pc:docMk/>
+            <pc:sldMk cId="3953640220" sldId="256"/>
+            <ac:spMk id="24" creationId="{C4C7B0DE-781B-EAA7-C8B5-8E895AB425AD}"/>
+          </ac:spMkLst>
+        </pc:spChg>
+        <pc:spChg chg="add del mod">
+          <ac:chgData name="Fatima Pillosu" userId="a6295d4dc9e22643" providerId="LiveId" clId="{847D4158-B166-4E03-B53F-E82454BBD399}" dt="2024-01-05T11:56:11.097" v="72" actId="21"/>
+          <ac:spMkLst>
+            <pc:docMk/>
+            <pc:sldMk cId="3953640220" sldId="256"/>
+            <ac:spMk id="29" creationId="{880DD93C-9C74-EB5A-0730-4534CFC7BC55}"/>
+          </ac:spMkLst>
+        </pc:spChg>
+        <pc:spChg chg="add del mod">
+          <ac:chgData name="Fatima Pillosu" userId="a6295d4dc9e22643" providerId="LiveId" clId="{847D4158-B166-4E03-B53F-E82454BBD399}" dt="2024-01-05T11:56:11.097" v="72" actId="21"/>
+          <ac:spMkLst>
+            <pc:docMk/>
+            <pc:sldMk cId="3953640220" sldId="256"/>
+            <ac:spMk id="30" creationId="{6DBAA720-5B63-7340-BA1C-D0510AF03D42}"/>
+          </ac:spMkLst>
+        </pc:spChg>
+        <pc:spChg chg="add del mod">
+          <ac:chgData name="Fatima Pillosu" userId="a6295d4dc9e22643" providerId="LiveId" clId="{847D4158-B166-4E03-B53F-E82454BBD399}" dt="2024-01-05T11:56:11.097" v="72" actId="21"/>
+          <ac:spMkLst>
+            <pc:docMk/>
+            <pc:sldMk cId="3953640220" sldId="256"/>
+            <ac:spMk id="31" creationId="{6670195D-A9EE-1918-A684-9B455E6F0EB8}"/>
+          </ac:spMkLst>
+        </pc:spChg>
+        <pc:spChg chg="add del mod">
+          <ac:chgData name="Fatima Pillosu" userId="a6295d4dc9e22643" providerId="LiveId" clId="{847D4158-B166-4E03-B53F-E82454BBD399}" dt="2024-01-05T11:56:11.097" v="72" actId="21"/>
+          <ac:spMkLst>
+            <pc:docMk/>
+            <pc:sldMk cId="3953640220" sldId="256"/>
+            <ac:spMk id="32" creationId="{A7BDE12C-BC5E-855B-2C67-5592F182598A}"/>
+          </ac:spMkLst>
+        </pc:spChg>
+        <pc:spChg chg="add del mod">
+          <ac:chgData name="Fatima Pillosu" userId="a6295d4dc9e22643" providerId="LiveId" clId="{847D4158-B166-4E03-B53F-E82454BBD399}" dt="2024-01-05T11:56:11.097" v="72" actId="21"/>
+          <ac:spMkLst>
+            <pc:docMk/>
+            <pc:sldMk cId="3953640220" sldId="256"/>
+            <ac:spMk id="33" creationId="{6004C11C-E556-A4E5-3E03-57FEC4C39615}"/>
+          </ac:spMkLst>
+        </pc:spChg>
+        <pc:spChg chg="add del mod">
+          <ac:chgData name="Fatima Pillosu" userId="a6295d4dc9e22643" providerId="LiveId" clId="{847D4158-B166-4E03-B53F-E82454BBD399}" dt="2024-01-05T11:56:11.097" v="72" actId="21"/>
+          <ac:spMkLst>
+            <pc:docMk/>
+            <pc:sldMk cId="3953640220" sldId="256"/>
+            <ac:spMk id="34" creationId="{773043D6-FC02-06A6-A03C-AF7E868F3CBF}"/>
+          </ac:spMkLst>
+        </pc:spChg>
+        <pc:spChg chg="add del mod">
+          <ac:chgData name="Fatima Pillosu" userId="a6295d4dc9e22643" providerId="LiveId" clId="{847D4158-B166-4E03-B53F-E82454BBD399}" dt="2024-01-05T11:56:11.097" v="72" actId="21"/>
+          <ac:spMkLst>
+            <pc:docMk/>
+            <pc:sldMk cId="3953640220" sldId="256"/>
+            <ac:spMk id="35" creationId="{C66EC3AF-F7F4-BD62-F3F1-88A4C339E330}"/>
+          </ac:spMkLst>
+        </pc:spChg>
+        <pc:spChg chg="add del mod">
+          <ac:chgData name="Fatima Pillosu" userId="a6295d4dc9e22643" providerId="LiveId" clId="{847D4158-B166-4E03-B53F-E82454BBD399}" dt="2024-01-05T11:56:11.097" v="72" actId="21"/>
+          <ac:spMkLst>
+            <pc:docMk/>
+            <pc:sldMk cId="3953640220" sldId="256"/>
+            <ac:spMk id="36" creationId="{D67091FF-E37A-4C0B-0E3C-3457BB03C562}"/>
+          </ac:spMkLst>
+        </pc:spChg>
+        <pc:spChg chg="add del mod">
+          <ac:chgData name="Fatima Pillosu" userId="a6295d4dc9e22643" providerId="LiveId" clId="{847D4158-B166-4E03-B53F-E82454BBD399}" dt="2024-01-05T11:56:11.097" v="72" actId="21"/>
+          <ac:spMkLst>
+            <pc:docMk/>
+            <pc:sldMk cId="3953640220" sldId="256"/>
+            <ac:spMk id="37" creationId="{32CD9D39-F733-200A-A732-E846BD8852E0}"/>
+          </ac:spMkLst>
+        </pc:spChg>
+        <pc:spChg chg="add del mod">
+          <ac:chgData name="Fatima Pillosu" userId="a6295d4dc9e22643" providerId="LiveId" clId="{847D4158-B166-4E03-B53F-E82454BBD399}" dt="2024-01-05T11:56:11.097" v="72" actId="21"/>
+          <ac:spMkLst>
+            <pc:docMk/>
+            <pc:sldMk cId="3953640220" sldId="256"/>
+            <ac:spMk id="38" creationId="{BFEBEA96-9982-1550-E7F4-6914297C298F}"/>
+          </ac:spMkLst>
+        </pc:spChg>
+        <pc:spChg chg="add del mod">
+          <ac:chgData name="Fatima Pillosu" userId="a6295d4dc9e22643" providerId="LiveId" clId="{847D4158-B166-4E03-B53F-E82454BBD399}" dt="2024-01-05T11:56:11.097" v="72" actId="21"/>
+          <ac:spMkLst>
+            <pc:docMk/>
+            <pc:sldMk cId="3953640220" sldId="256"/>
+            <ac:spMk id="39" creationId="{9A4A6E08-9563-1932-25E9-51CD72154A78}"/>
+          </ac:spMkLst>
+        </pc:spChg>
+        <pc:spChg chg="add del mod">
+          <ac:chgData name="Fatima Pillosu" userId="a6295d4dc9e22643" providerId="LiveId" clId="{847D4158-B166-4E03-B53F-E82454BBD399}" dt="2024-01-05T11:56:11.097" v="72" actId="21"/>
+          <ac:spMkLst>
+            <pc:docMk/>
+            <pc:sldMk cId="3953640220" sldId="256"/>
+            <ac:spMk id="43" creationId="{327F6946-9B89-335C-AD71-708C36406209}"/>
+          </ac:spMkLst>
+        </pc:spChg>
+        <pc:spChg chg="add del mod">
+          <ac:chgData name="Fatima Pillosu" userId="a6295d4dc9e22643" providerId="LiveId" clId="{847D4158-B166-4E03-B53F-E82454BBD399}" dt="2024-01-05T11:56:11.097" v="72" actId="21"/>
+          <ac:spMkLst>
+            <pc:docMk/>
+            <pc:sldMk cId="3953640220" sldId="256"/>
+            <ac:spMk id="44" creationId="{D1BD3BF8-A862-0F7C-DD84-42EE03C4C28E}"/>
+          </ac:spMkLst>
+        </pc:spChg>
+        <pc:spChg chg="add del mod">
+          <ac:chgData name="Fatima Pillosu" userId="a6295d4dc9e22643" providerId="LiveId" clId="{847D4158-B166-4E03-B53F-E82454BBD399}" dt="2024-01-05T11:56:11.097" v="72" actId="21"/>
+          <ac:spMkLst>
+            <pc:docMk/>
+            <pc:sldMk cId="3953640220" sldId="256"/>
+            <ac:spMk id="45" creationId="{15394B15-4EFB-EDA5-5E74-DEBB6B082FBA}"/>
+          </ac:spMkLst>
+        </pc:spChg>
+        <pc:spChg chg="add del mod">
+          <ac:chgData name="Fatima Pillosu" userId="a6295d4dc9e22643" providerId="LiveId" clId="{847D4158-B166-4E03-B53F-E82454BBD399}" dt="2024-01-05T11:56:11.097" v="72" actId="21"/>
+          <ac:spMkLst>
+            <pc:docMk/>
+            <pc:sldMk cId="3953640220" sldId="256"/>
+            <ac:spMk id="46" creationId="{D1655054-7538-2A04-B4C0-6C3F953C0ADA}"/>
+          </ac:spMkLst>
+        </pc:spChg>
+        <pc:spChg chg="add del mod">
+          <ac:chgData name="Fatima Pillosu" userId="a6295d4dc9e22643" providerId="LiveId" clId="{847D4158-B166-4E03-B53F-E82454BBD399}" dt="2024-01-05T11:56:11.097" v="72" actId="21"/>
+          <ac:spMkLst>
+            <pc:docMk/>
+            <pc:sldMk cId="3953640220" sldId="256"/>
+            <ac:spMk id="47" creationId="{E4A9BC8E-8F66-4463-A66F-A4D7B61D2DAF}"/>
+          </ac:spMkLst>
+        </pc:spChg>
+        <pc:spChg chg="add del mod">
+          <ac:chgData name="Fatima Pillosu" userId="a6295d4dc9e22643" providerId="LiveId" clId="{847D4158-B166-4E03-B53F-E82454BBD399}" dt="2024-01-05T11:56:11.097" v="72" actId="21"/>
+          <ac:spMkLst>
+            <pc:docMk/>
+            <pc:sldMk cId="3953640220" sldId="256"/>
+            <ac:spMk id="48" creationId="{094038B9-71B0-E1CE-C4B6-3D662FE9235A}"/>
+          </ac:spMkLst>
+        </pc:spChg>
+        <pc:spChg chg="add del mod">
+          <ac:chgData name="Fatima Pillosu" userId="a6295d4dc9e22643" providerId="LiveId" clId="{847D4158-B166-4E03-B53F-E82454BBD399}" dt="2024-01-05T11:56:11.097" v="72" actId="21"/>
+          <ac:spMkLst>
+            <pc:docMk/>
+            <pc:sldMk cId="3953640220" sldId="256"/>
+            <ac:spMk id="49" creationId="{C7B87E84-7CC0-2E6B-C9B6-8FF04042861F}"/>
+          </ac:spMkLst>
+        </pc:spChg>
+        <pc:spChg chg="add del mod">
+          <ac:chgData name="Fatima Pillosu" userId="a6295d4dc9e22643" providerId="LiveId" clId="{847D4158-B166-4E03-B53F-E82454BBD399}" dt="2024-01-05T11:56:11.097" v="72" actId="21"/>
+          <ac:spMkLst>
+            <pc:docMk/>
+            <pc:sldMk cId="3953640220" sldId="256"/>
+            <ac:spMk id="53" creationId="{B26361FD-8EE1-B268-7C33-29E3C2A2736F}"/>
+          </ac:spMkLst>
+        </pc:spChg>
+        <pc:spChg chg="add del mod">
+          <ac:chgData name="Fatima Pillosu" userId="a6295d4dc9e22643" providerId="LiveId" clId="{847D4158-B166-4E03-B53F-E82454BBD399}" dt="2024-01-05T11:56:11.097" v="72" actId="21"/>
+          <ac:spMkLst>
+            <pc:docMk/>
+            <pc:sldMk cId="3953640220" sldId="256"/>
+            <ac:spMk id="54" creationId="{069314ED-0A5D-31EF-54D5-3430322DB27A}"/>
+          </ac:spMkLst>
+        </pc:spChg>
+        <pc:spChg chg="add del mod">
+          <ac:chgData name="Fatima Pillosu" userId="a6295d4dc9e22643" providerId="LiveId" clId="{847D4158-B166-4E03-B53F-E82454BBD399}" dt="2024-01-05T11:56:11.097" v="72" actId="21"/>
+          <ac:spMkLst>
+            <pc:docMk/>
+            <pc:sldMk cId="3953640220" sldId="256"/>
+            <ac:spMk id="55" creationId="{E5FDCCC4-B6FF-29B3-03AC-F3FE7E18559F}"/>
+          </ac:spMkLst>
+        </pc:spChg>
+        <pc:spChg chg="add del mod">
+          <ac:chgData name="Fatima Pillosu" userId="a6295d4dc9e22643" providerId="LiveId" clId="{847D4158-B166-4E03-B53F-E82454BBD399}" dt="2024-01-05T11:56:11.097" v="72" actId="21"/>
+          <ac:spMkLst>
+            <pc:docMk/>
+            <pc:sldMk cId="3953640220" sldId="256"/>
+            <ac:spMk id="56" creationId="{77593971-AC9C-8FC5-2E2F-818B5AB469BD}"/>
+          </ac:spMkLst>
+        </pc:spChg>
+        <pc:spChg chg="add del mod">
+          <ac:chgData name="Fatima Pillosu" userId="a6295d4dc9e22643" providerId="LiveId" clId="{847D4158-B166-4E03-B53F-E82454BBD399}" dt="2024-01-05T11:56:11.097" v="72" actId="21"/>
+          <ac:spMkLst>
+            <pc:docMk/>
+            <pc:sldMk cId="3953640220" sldId="256"/>
+            <ac:spMk id="57" creationId="{8773C1F2-32F6-D0B7-2B5A-3BD3B1AEE94E}"/>
+          </ac:spMkLst>
+        </pc:spChg>
+        <pc:spChg chg="add del mod">
+          <ac:chgData name="Fatima Pillosu" userId="a6295d4dc9e22643" providerId="LiveId" clId="{847D4158-B166-4E03-B53F-E82454BBD399}" dt="2024-01-05T11:56:11.097" v="72" actId="21"/>
+          <ac:spMkLst>
+            <pc:docMk/>
+            <pc:sldMk cId="3953640220" sldId="256"/>
+            <ac:spMk id="58" creationId="{82634AB2-9454-0CF1-5427-85796A64C744}"/>
+          </ac:spMkLst>
+        </pc:spChg>
+        <pc:spChg chg="add del mod">
+          <ac:chgData name="Fatima Pillosu" userId="a6295d4dc9e22643" providerId="LiveId" clId="{847D4158-B166-4E03-B53F-E82454BBD399}" dt="2024-01-05T11:56:11.097" v="72" actId="21"/>
+          <ac:spMkLst>
+            <pc:docMk/>
+            <pc:sldMk cId="3953640220" sldId="256"/>
+            <ac:spMk id="59" creationId="{4D983509-935D-5F21-54FE-46F9551CFC05}"/>
+          </ac:spMkLst>
+        </pc:spChg>
+        <pc:spChg chg="add del mod">
+          <ac:chgData name="Fatima Pillosu" userId="a6295d4dc9e22643" providerId="LiveId" clId="{847D4158-B166-4E03-B53F-E82454BBD399}" dt="2024-01-05T11:56:11.097" v="72" actId="21"/>
+          <ac:spMkLst>
+            <pc:docMk/>
+            <pc:sldMk cId="3953640220" sldId="256"/>
+            <ac:spMk id="60" creationId="{567DA47A-9F0B-02D0-3CA6-CDB0DC6B9F1D}"/>
+          </ac:spMkLst>
+        </pc:spChg>
+        <pc:spChg chg="add del">
+          <ac:chgData name="Fatima Pillosu" userId="a6295d4dc9e22643" providerId="LiveId" clId="{847D4158-B166-4E03-B53F-E82454BBD399}" dt="2024-01-05T11:56:09.016" v="71" actId="478"/>
+          <ac:spMkLst>
+            <pc:docMk/>
+            <pc:sldMk cId="3953640220" sldId="256"/>
+            <ac:spMk id="61" creationId="{460179B8-AFA4-0A81-47F0-61735E5AC178}"/>
+          </ac:spMkLst>
+        </pc:spChg>
+        <pc:spChg chg="add mod">
+          <ac:chgData name="Fatima Pillosu" userId="a6295d4dc9e22643" providerId="LiveId" clId="{847D4158-B166-4E03-B53F-E82454BBD399}" dt="2024-01-05T11:59:19.826" v="84" actId="20577"/>
+          <ac:spMkLst>
+            <pc:docMk/>
+            <pc:sldMk cId="3953640220" sldId="256"/>
+            <ac:spMk id="68" creationId="{BA0326E3-AA5D-6AC2-FA7C-701EE19BA54C}"/>
+          </ac:spMkLst>
+        </pc:spChg>
+        <pc:spChg chg="add mod">
+          <ac:chgData name="Fatima Pillosu" userId="a6295d4dc9e22643" providerId="LiveId" clId="{847D4158-B166-4E03-B53F-E82454BBD399}" dt="2024-01-05T11:57:11.315" v="73"/>
+          <ac:spMkLst>
+            <pc:docMk/>
+            <pc:sldMk cId="3953640220" sldId="256"/>
+            <ac:spMk id="69" creationId="{758CB339-A825-86A3-CFF1-965BA06E2619}"/>
+          </ac:spMkLst>
+        </pc:spChg>
+        <pc:spChg chg="add mod">
+          <ac:chgData name="Fatima Pillosu" userId="a6295d4dc9e22643" providerId="LiveId" clId="{847D4158-B166-4E03-B53F-E82454BBD399}" dt="2024-01-05T11:59:22.226" v="85" actId="20577"/>
+          <ac:spMkLst>
+            <pc:docMk/>
+            <pc:sldMk cId="3953640220" sldId="256"/>
+            <ac:spMk id="70" creationId="{B43C2D32-24C9-616D-2A49-631314155580}"/>
+          </ac:spMkLst>
+        </pc:spChg>
+        <pc:spChg chg="add mod">
+          <ac:chgData name="Fatima Pillosu" userId="a6295d4dc9e22643" providerId="LiveId" clId="{847D4158-B166-4E03-B53F-E82454BBD399}" dt="2024-01-05T11:57:11.315" v="73"/>
+          <ac:spMkLst>
+            <pc:docMk/>
+            <pc:sldMk cId="3953640220" sldId="256"/>
+            <ac:spMk id="71" creationId="{2E639CFB-1E54-385A-D157-CE0F1F19E96C}"/>
+          </ac:spMkLst>
+        </pc:spChg>
+        <pc:spChg chg="add mod">
+          <ac:chgData name="Fatima Pillosu" userId="a6295d4dc9e22643" providerId="LiveId" clId="{847D4158-B166-4E03-B53F-E82454BBD399}" dt="2024-01-05T11:57:11.315" v="73"/>
+          <ac:spMkLst>
+            <pc:docMk/>
+            <pc:sldMk cId="3953640220" sldId="256"/>
+            <ac:spMk id="72" creationId="{7EBA4B2D-A8F1-EB94-111D-7B5E3927A9CE}"/>
+          </ac:spMkLst>
+        </pc:spChg>
+        <pc:spChg chg="add mod">
+          <ac:chgData name="Fatima Pillosu" userId="a6295d4dc9e22643" providerId="LiveId" clId="{847D4158-B166-4E03-B53F-E82454BBD399}" dt="2024-01-05T11:57:11.315" v="73"/>
+          <ac:spMkLst>
+            <pc:docMk/>
+            <pc:sldMk cId="3953640220" sldId="256"/>
+            <ac:spMk id="73" creationId="{41499677-3EFD-250C-6691-7AF6CE2DE172}"/>
+          </ac:spMkLst>
+        </pc:spChg>
+        <pc:spChg chg="add mod">
+          <ac:chgData name="Fatima Pillosu" userId="a6295d4dc9e22643" providerId="LiveId" clId="{847D4158-B166-4E03-B53F-E82454BBD399}" dt="2024-01-05T11:57:11.315" v="73"/>
+          <ac:spMkLst>
+            <pc:docMk/>
+            <pc:sldMk cId="3953640220" sldId="256"/>
+            <ac:spMk id="74" creationId="{E3A84D6C-CE0B-A10F-1FF5-CEA2CE94CBD5}"/>
+          </ac:spMkLst>
+        </pc:spChg>
+        <pc:spChg chg="add mod">
+          <ac:chgData name="Fatima Pillosu" userId="a6295d4dc9e22643" providerId="LiveId" clId="{847D4158-B166-4E03-B53F-E82454BBD399}" dt="2024-01-05T11:57:11.315" v="73"/>
+          <ac:spMkLst>
+            <pc:docMk/>
+            <pc:sldMk cId="3953640220" sldId="256"/>
+            <ac:spMk id="75" creationId="{5BCE1B93-5611-0828-8476-420D2BD45C99}"/>
+          </ac:spMkLst>
+        </pc:spChg>
+        <pc:spChg chg="add mod">
+          <ac:chgData name="Fatima Pillosu" userId="a6295d4dc9e22643" providerId="LiveId" clId="{847D4158-B166-4E03-B53F-E82454BBD399}" dt="2024-01-05T11:57:11.315" v="73"/>
+          <ac:spMkLst>
+            <pc:docMk/>
+            <pc:sldMk cId="3953640220" sldId="256"/>
+            <ac:spMk id="76" creationId="{263490DF-0083-FC58-AE7C-53B92CEF61C5}"/>
+          </ac:spMkLst>
+        </pc:spChg>
+        <pc:spChg chg="add mod">
+          <ac:chgData name="Fatima Pillosu" userId="a6295d4dc9e22643" providerId="LiveId" clId="{847D4158-B166-4E03-B53F-E82454BBD399}" dt="2024-01-05T11:57:11.315" v="73"/>
+          <ac:spMkLst>
+            <pc:docMk/>
+            <pc:sldMk cId="3953640220" sldId="256"/>
+            <ac:spMk id="77" creationId="{B0A47CEE-87F7-FEBC-F085-3AEFA051686E}"/>
+          </ac:spMkLst>
+        </pc:spChg>
+        <pc:spChg chg="add mod">
+          <ac:chgData name="Fatima Pillosu" userId="a6295d4dc9e22643" providerId="LiveId" clId="{847D4158-B166-4E03-B53F-E82454BBD399}" dt="2024-01-05T11:57:11.315" v="73"/>
+          <ac:spMkLst>
+            <pc:docMk/>
+            <pc:sldMk cId="3953640220" sldId="256"/>
+            <ac:spMk id="78" creationId="{E7CBFDA0-0B36-A6B5-DC11-256CB2626E84}"/>
+          </ac:spMkLst>
+        </pc:spChg>
+        <pc:spChg chg="add mod">
+          <ac:chgData name="Fatima Pillosu" userId="a6295d4dc9e22643" providerId="LiveId" clId="{847D4158-B166-4E03-B53F-E82454BBD399}" dt="2024-01-05T11:57:11.315" v="73"/>
+          <ac:spMkLst>
+            <pc:docMk/>
+            <pc:sldMk cId="3953640220" sldId="256"/>
+            <ac:spMk id="79" creationId="{78CC7ABD-3FF1-D43B-9CE1-9F395251B26C}"/>
+          </ac:spMkLst>
+        </pc:spChg>
+        <pc:spChg chg="add mod">
+          <ac:chgData name="Fatima Pillosu" userId="a6295d4dc9e22643" providerId="LiveId" clId="{847D4158-B166-4E03-B53F-E82454BBD399}" dt="2024-01-05T11:57:11.315" v="73"/>
+          <ac:spMkLst>
+            <pc:docMk/>
+            <pc:sldMk cId="3953640220" sldId="256"/>
+            <ac:spMk id="80" creationId="{541F1DDE-36AF-DA0E-E419-8DDC596F623D}"/>
+          </ac:spMkLst>
+        </pc:spChg>
+        <pc:spChg chg="add mod">
+          <ac:chgData name="Fatima Pillosu" userId="a6295d4dc9e22643" providerId="LiveId" clId="{847D4158-B166-4E03-B53F-E82454BBD399}" dt="2024-01-05T11:57:11.315" v="73"/>
+          <ac:spMkLst>
+            <pc:docMk/>
+            <pc:sldMk cId="3953640220" sldId="256"/>
+            <ac:spMk id="81" creationId="{55C81B5E-4DB9-8D22-3C6A-092AE16CE069}"/>
+          </ac:spMkLst>
+        </pc:spChg>
+        <pc:spChg chg="add mod">
+          <ac:chgData name="Fatima Pillosu" userId="a6295d4dc9e22643" providerId="LiveId" clId="{847D4158-B166-4E03-B53F-E82454BBD399}" dt="2024-01-05T11:57:11.315" v="73"/>
+          <ac:spMkLst>
+            <pc:docMk/>
+            <pc:sldMk cId="3953640220" sldId="256"/>
+            <ac:spMk id="82" creationId="{878B79EA-5490-BE6C-3521-ABCB2966F043}"/>
+          </ac:spMkLst>
+        </pc:spChg>
+        <pc:spChg chg="add mod">
+          <ac:chgData name="Fatima Pillosu" userId="a6295d4dc9e22643" providerId="LiveId" clId="{847D4158-B166-4E03-B53F-E82454BBD399}" dt="2024-01-05T11:57:11.315" v="73"/>
+          <ac:spMkLst>
+            <pc:docMk/>
+            <pc:sldMk cId="3953640220" sldId="256"/>
+            <ac:spMk id="83" creationId="{7965BBD7-0A89-EC01-43A7-342F7208B5CA}"/>
+          </ac:spMkLst>
+        </pc:spChg>
+        <pc:spChg chg="add mod">
+          <ac:chgData name="Fatima Pillosu" userId="a6295d4dc9e22643" providerId="LiveId" clId="{847D4158-B166-4E03-B53F-E82454BBD399}" dt="2024-01-05T11:57:11.315" v="73"/>
+          <ac:spMkLst>
+            <pc:docMk/>
+            <pc:sldMk cId="3953640220" sldId="256"/>
+            <ac:spMk id="84" creationId="{4C60D601-2C0E-C51D-3D5A-16601FDABA44}"/>
+          </ac:spMkLst>
+        </pc:spChg>
+        <pc:spChg chg="del mod">
+          <ac:chgData name="Fatima Pillosu" userId="a6295d4dc9e22643" providerId="LiveId" clId="{847D4158-B166-4E03-B53F-E82454BBD399}" dt="2024-01-05T11:51:10.486" v="9" actId="21"/>
+          <ac:spMkLst>
+            <pc:docMk/>
+            <pc:sldMk cId="3953640220" sldId="256"/>
+            <ac:spMk id="92" creationId="{4084D1D4-F376-F4D6-D6D0-3B21381A3337}"/>
+          </ac:spMkLst>
+        </pc:spChg>
+        <pc:spChg chg="del">
+          <ac:chgData name="Fatima Pillosu" userId="a6295d4dc9e22643" providerId="LiveId" clId="{847D4158-B166-4E03-B53F-E82454BBD399}" dt="2024-01-05T11:51:10.486" v="9" actId="21"/>
+          <ac:spMkLst>
+            <pc:docMk/>
+            <pc:sldMk cId="3953640220" sldId="256"/>
+            <ac:spMk id="93" creationId="{5588A021-FBC3-EEB0-CDA7-01351CE0425B}"/>
+          </ac:spMkLst>
+        </pc:spChg>
+        <pc:spChg chg="del mod">
+          <ac:chgData name="Fatima Pillosu" userId="a6295d4dc9e22643" providerId="LiveId" clId="{847D4158-B166-4E03-B53F-E82454BBD399}" dt="2024-01-05T11:51:10.486" v="9" actId="21"/>
+          <ac:spMkLst>
+            <pc:docMk/>
+            <pc:sldMk cId="3953640220" sldId="256"/>
+            <ac:spMk id="94" creationId="{57D6D734-FCF2-7A34-B24D-75C6CA2C789E}"/>
+          </ac:spMkLst>
+        </pc:spChg>
+        <pc:spChg chg="del">
+          <ac:chgData name="Fatima Pillosu" userId="a6295d4dc9e22643" providerId="LiveId" clId="{847D4158-B166-4E03-B53F-E82454BBD399}" dt="2024-01-05T11:51:10.486" v="9" actId="21"/>
+          <ac:spMkLst>
+            <pc:docMk/>
+            <pc:sldMk cId="3953640220" sldId="256"/>
+            <ac:spMk id="95" creationId="{692BCDB1-60EE-E116-BCA4-09CB1CD5F557}"/>
+          </ac:spMkLst>
+        </pc:spChg>
+        <pc:spChg chg="del">
+          <ac:chgData name="Fatima Pillosu" userId="a6295d4dc9e22643" providerId="LiveId" clId="{847D4158-B166-4E03-B53F-E82454BBD399}" dt="2024-01-05T11:51:10.486" v="9" actId="21"/>
+          <ac:spMkLst>
+            <pc:docMk/>
+            <pc:sldMk cId="3953640220" sldId="256"/>
+            <ac:spMk id="96" creationId="{E0B8AD14-F085-C504-08B1-413340688363}"/>
+          </ac:spMkLst>
+        </pc:spChg>
+        <pc:spChg chg="del">
+          <ac:chgData name="Fatima Pillosu" userId="a6295d4dc9e22643" providerId="LiveId" clId="{847D4158-B166-4E03-B53F-E82454BBD399}" dt="2024-01-05T11:51:10.486" v="9" actId="21"/>
+          <ac:spMkLst>
+            <pc:docMk/>
+            <pc:sldMk cId="3953640220" sldId="256"/>
+            <ac:spMk id="97" creationId="{655156F8-5CB3-5B3A-9F74-CB7E390687BC}"/>
+          </ac:spMkLst>
+        </pc:spChg>
+        <pc:spChg chg="del">
+          <ac:chgData name="Fatima Pillosu" userId="a6295d4dc9e22643" providerId="LiveId" clId="{847D4158-B166-4E03-B53F-E82454BBD399}" dt="2024-01-05T11:51:10.486" v="9" actId="21"/>
+          <ac:spMkLst>
+            <pc:docMk/>
+            <pc:sldMk cId="3953640220" sldId="256"/>
+            <ac:spMk id="98" creationId="{0AA891D2-865D-E30A-BEB3-53BC8158060C}"/>
+          </ac:spMkLst>
+        </pc:spChg>
+        <pc:spChg chg="del">
+          <ac:chgData name="Fatima Pillosu" userId="a6295d4dc9e22643" providerId="LiveId" clId="{847D4158-B166-4E03-B53F-E82454BBD399}" dt="2024-01-05T11:51:10.486" v="9" actId="21"/>
+          <ac:spMkLst>
+            <pc:docMk/>
+            <pc:sldMk cId="3953640220" sldId="256"/>
+            <ac:spMk id="99" creationId="{F7AB3E19-5F64-EAA4-EFB0-4DACF078F081}"/>
+          </ac:spMkLst>
+        </pc:spChg>
+        <pc:spChg chg="del">
+          <ac:chgData name="Fatima Pillosu" userId="a6295d4dc9e22643" providerId="LiveId" clId="{847D4158-B166-4E03-B53F-E82454BBD399}" dt="2024-01-05T11:51:10.486" v="9" actId="21"/>
+          <ac:spMkLst>
+            <pc:docMk/>
+            <pc:sldMk cId="3953640220" sldId="256"/>
+            <ac:spMk id="100" creationId="{FA1348B1-C2C0-0E34-E0C5-E14941F06721}"/>
+          </ac:spMkLst>
+        </pc:spChg>
+        <pc:spChg chg="del mod">
+          <ac:chgData name="Fatima Pillosu" userId="a6295d4dc9e22643" providerId="LiveId" clId="{847D4158-B166-4E03-B53F-E82454BBD399}" dt="2024-01-05T11:51:10.486" v="9" actId="21"/>
+          <ac:spMkLst>
+            <pc:docMk/>
+            <pc:sldMk cId="3953640220" sldId="256"/>
+            <ac:spMk id="101" creationId="{A1F1E018-A0F3-AF3F-F4E0-06CB42DCB202}"/>
+          </ac:spMkLst>
+        </pc:spChg>
+        <pc:spChg chg="del mod">
+          <ac:chgData name="Fatima Pillosu" userId="a6295d4dc9e22643" providerId="LiveId" clId="{847D4158-B166-4E03-B53F-E82454BBD399}" dt="2024-01-05T11:51:10.486" v="9" actId="21"/>
+          <ac:spMkLst>
+            <pc:docMk/>
+            <pc:sldMk cId="3953640220" sldId="256"/>
+            <ac:spMk id="102" creationId="{D6BF75CD-570F-67D5-FB80-ED85D4FEF953}"/>
+          </ac:spMkLst>
+        </pc:spChg>
+        <pc:spChg chg="del mod">
+          <ac:chgData name="Fatima Pillosu" userId="a6295d4dc9e22643" providerId="LiveId" clId="{847D4158-B166-4E03-B53F-E82454BBD399}" dt="2024-01-05T11:51:10.486" v="9" actId="21"/>
+          <ac:spMkLst>
+            <pc:docMk/>
+            <pc:sldMk cId="3953640220" sldId="256"/>
+            <ac:spMk id="103" creationId="{137C97B5-9EE2-0DA1-05DD-1DA9665F996C}"/>
+          </ac:spMkLst>
+        </pc:spChg>
+        <pc:spChg chg="del">
+          <ac:chgData name="Fatima Pillosu" userId="a6295d4dc9e22643" providerId="LiveId" clId="{847D4158-B166-4E03-B53F-E82454BBD399}" dt="2024-01-05T11:51:10.486" v="9" actId="21"/>
+          <ac:spMkLst>
+            <pc:docMk/>
+            <pc:sldMk cId="3953640220" sldId="256"/>
+            <ac:spMk id="104" creationId="{61E29648-9F60-58FB-6A44-2FDB52895FA5}"/>
+          </ac:spMkLst>
+        </pc:spChg>
+        <pc:spChg chg="del">
+          <ac:chgData name="Fatima Pillosu" userId="a6295d4dc9e22643" providerId="LiveId" clId="{847D4158-B166-4E03-B53F-E82454BBD399}" dt="2024-01-05T11:51:10.486" v="9" actId="21"/>
+          <ac:spMkLst>
+            <pc:docMk/>
+            <pc:sldMk cId="3953640220" sldId="256"/>
+            <ac:spMk id="105" creationId="{92EE2AAB-C98C-4CC6-B773-9094112E294D}"/>
+          </ac:spMkLst>
+        </pc:spChg>
+        <pc:spChg chg="del">
+          <ac:chgData name="Fatima Pillosu" userId="a6295d4dc9e22643" providerId="LiveId" clId="{847D4158-B166-4E03-B53F-E82454BBD399}" dt="2024-01-05T11:51:10.486" v="9" actId="21"/>
+          <ac:spMkLst>
+            <pc:docMk/>
+            <pc:sldMk cId="3953640220" sldId="256"/>
+            <ac:spMk id="106" creationId="{B6C5505C-CA78-3A24-6410-BDBA1F40E218}"/>
+          </ac:spMkLst>
+        </pc:spChg>
+        <pc:spChg chg="del">
+          <ac:chgData name="Fatima Pillosu" userId="a6295d4dc9e22643" providerId="LiveId" clId="{847D4158-B166-4E03-B53F-E82454BBD399}" dt="2024-01-05T11:51:10.486" v="9" actId="21"/>
+          <ac:spMkLst>
+            <pc:docMk/>
+            <pc:sldMk cId="3953640220" sldId="256"/>
+            <ac:spMk id="107" creationId="{82903592-BC08-AD77-5F46-81B852752CDB}"/>
+          </ac:spMkLst>
+        </pc:spChg>
+        <pc:spChg chg="del">
+          <ac:chgData name="Fatima Pillosu" userId="a6295d4dc9e22643" providerId="LiveId" clId="{847D4158-B166-4E03-B53F-E82454BBD399}" dt="2024-01-05T11:51:10.486" v="9" actId="21"/>
+          <ac:spMkLst>
+            <pc:docMk/>
+            <pc:sldMk cId="3953640220" sldId="256"/>
+            <ac:spMk id="108" creationId="{96A5833D-4D45-E762-EB3C-389EA17B6114}"/>
+          </ac:spMkLst>
+        </pc:spChg>
+        <pc:spChg chg="del">
+          <ac:chgData name="Fatima Pillosu" userId="a6295d4dc9e22643" providerId="LiveId" clId="{847D4158-B166-4E03-B53F-E82454BBD399}" dt="2024-01-05T11:51:10.486" v="9" actId="21"/>
+          <ac:spMkLst>
+            <pc:docMk/>
+            <pc:sldMk cId="3953640220" sldId="256"/>
+            <ac:spMk id="113" creationId="{739D5441-6FF3-0FD7-466E-CD9BF4D58562}"/>
+          </ac:spMkLst>
+        </pc:spChg>
+        <pc:spChg chg="del">
+          <ac:chgData name="Fatima Pillosu" userId="a6295d4dc9e22643" providerId="LiveId" clId="{847D4158-B166-4E03-B53F-E82454BBD399}" dt="2024-01-05T11:51:10.486" v="9" actId="21"/>
+          <ac:spMkLst>
+            <pc:docMk/>
+            <pc:sldMk cId="3953640220" sldId="256"/>
+            <ac:spMk id="114" creationId="{4412EB2F-44D4-3FB6-56D5-6CBB75C0E9FE}"/>
+          </ac:spMkLst>
+        </pc:spChg>
+        <pc:spChg chg="del">
+          <ac:chgData name="Fatima Pillosu" userId="a6295d4dc9e22643" providerId="LiveId" clId="{847D4158-B166-4E03-B53F-E82454BBD399}" dt="2024-01-05T11:51:10.486" v="9" actId="21"/>
+          <ac:spMkLst>
+            <pc:docMk/>
+            <pc:sldMk cId="3953640220" sldId="256"/>
+            <ac:spMk id="115" creationId="{458C6057-9C1D-5669-4423-539A1692E5F7}"/>
+          </ac:spMkLst>
+        </pc:spChg>
+        <pc:spChg chg="del mod">
+          <ac:chgData name="Fatima Pillosu" userId="a6295d4dc9e22643" providerId="LiveId" clId="{847D4158-B166-4E03-B53F-E82454BBD399}" dt="2024-01-05T11:51:10.486" v="9" actId="21"/>
+          <ac:spMkLst>
+            <pc:docMk/>
+            <pc:sldMk cId="3953640220" sldId="256"/>
+            <ac:spMk id="116" creationId="{B24082CD-6673-B296-DDCC-AD9DAAA9350B}"/>
+          </ac:spMkLst>
+        </pc:spChg>
+        <pc:spChg chg="del">
+          <ac:chgData name="Fatima Pillosu" userId="a6295d4dc9e22643" providerId="LiveId" clId="{847D4158-B166-4E03-B53F-E82454BBD399}" dt="2024-01-05T11:51:10.486" v="9" actId="21"/>
+          <ac:spMkLst>
+            <pc:docMk/>
+            <pc:sldMk cId="3953640220" sldId="256"/>
+            <ac:spMk id="117" creationId="{AFBB2001-20CB-BAC6-7CAD-59D04C37C2D9}"/>
+          </ac:spMkLst>
+        </pc:spChg>
+        <pc:spChg chg="del">
+          <ac:chgData name="Fatima Pillosu" userId="a6295d4dc9e22643" providerId="LiveId" clId="{847D4158-B166-4E03-B53F-E82454BBD399}" dt="2024-01-05T11:51:10.486" v="9" actId="21"/>
+          <ac:spMkLst>
+            <pc:docMk/>
+            <pc:sldMk cId="3953640220" sldId="256"/>
+            <ac:spMk id="118" creationId="{7F6A57D5-E816-EFCE-89B9-1A155092813D}"/>
+          </ac:spMkLst>
+        </pc:spChg>
+        <pc:spChg chg="del">
+          <ac:chgData name="Fatima Pillosu" userId="a6295d4dc9e22643" providerId="LiveId" clId="{847D4158-B166-4E03-B53F-E82454BBD399}" dt="2024-01-05T11:51:10.486" v="9" actId="21"/>
+          <ac:spMkLst>
+            <pc:docMk/>
+            <pc:sldMk cId="3953640220" sldId="256"/>
+            <ac:spMk id="119" creationId="{061F1BE1-0274-6663-1B42-B542D6A9C526}"/>
+          </ac:spMkLst>
+        </pc:spChg>
+        <pc:spChg chg="del">
+          <ac:chgData name="Fatima Pillosu" userId="a6295d4dc9e22643" providerId="LiveId" clId="{847D4158-B166-4E03-B53F-E82454BBD399}" dt="2024-01-05T11:51:10.486" v="9" actId="21"/>
+          <ac:spMkLst>
+            <pc:docMk/>
+            <pc:sldMk cId="3953640220" sldId="256"/>
+            <ac:spMk id="120" creationId="{C5E2D4C9-072F-CB49-30EC-B4B4CE79C9C3}"/>
+          </ac:spMkLst>
+        </pc:spChg>
+        <pc:spChg chg="del">
+          <ac:chgData name="Fatima Pillosu" userId="a6295d4dc9e22643" providerId="LiveId" clId="{847D4158-B166-4E03-B53F-E82454BBD399}" dt="2024-01-05T11:51:10.486" v="9" actId="21"/>
+          <ac:spMkLst>
+            <pc:docMk/>
+            <pc:sldMk cId="3953640220" sldId="256"/>
+            <ac:spMk id="121" creationId="{DEA389F3-A03A-56EA-9549-1596E4EA6CCE}"/>
+          </ac:spMkLst>
+        </pc:spChg>
+        <pc:spChg chg="del">
+          <ac:chgData name="Fatima Pillosu" userId="a6295d4dc9e22643" providerId="LiveId" clId="{847D4158-B166-4E03-B53F-E82454BBD399}" dt="2024-01-05T11:51:10.486" v="9" actId="21"/>
+          <ac:spMkLst>
+            <pc:docMk/>
+            <pc:sldMk cId="3953640220" sldId="256"/>
+            <ac:spMk id="122" creationId="{4078C05C-252D-0CD4-76D1-527A2C7B2E56}"/>
+          </ac:spMkLst>
+        </pc:spChg>
+        <pc:spChg chg="del">
+          <ac:chgData name="Fatima Pillosu" userId="a6295d4dc9e22643" providerId="LiveId" clId="{847D4158-B166-4E03-B53F-E82454BBD399}" dt="2024-01-05T11:51:10.486" v="9" actId="21"/>
+          <ac:spMkLst>
+            <pc:docMk/>
+            <pc:sldMk cId="3953640220" sldId="256"/>
+            <ac:spMk id="123" creationId="{CD75E6C3-2598-5280-69D9-E512907B4D57}"/>
+          </ac:spMkLst>
+        </pc:spChg>
+        <pc:spChg chg="del">
+          <ac:chgData name="Fatima Pillosu" userId="a6295d4dc9e22643" providerId="LiveId" clId="{847D4158-B166-4E03-B53F-E82454BBD399}" dt="2024-01-05T11:51:10.486" v="9" actId="21"/>
+          <ac:spMkLst>
+            <pc:docMk/>
+            <pc:sldMk cId="3953640220" sldId="256"/>
+            <ac:spMk id="127" creationId="{0039658E-6943-9CD4-6B5D-F174F32FCCEE}"/>
+          </ac:spMkLst>
+        </pc:spChg>
+        <pc:spChg chg="del">
+          <ac:chgData name="Fatima Pillosu" userId="a6295d4dc9e22643" providerId="LiveId" clId="{847D4158-B166-4E03-B53F-E82454BBD399}" dt="2024-01-05T11:51:10.486" v="9" actId="21"/>
+          <ac:spMkLst>
+            <pc:docMk/>
+            <pc:sldMk cId="3953640220" sldId="256"/>
+            <ac:spMk id="128" creationId="{5066DA33-5E2C-4B7F-E182-C85F4ABCF628}"/>
+          </ac:spMkLst>
+        </pc:spChg>
+        <pc:spChg chg="del">
+          <ac:chgData name="Fatima Pillosu" userId="a6295d4dc9e22643" providerId="LiveId" clId="{847D4158-B166-4E03-B53F-E82454BBD399}" dt="2024-01-05T11:51:10.486" v="9" actId="21"/>
+          <ac:spMkLst>
+            <pc:docMk/>
+            <pc:sldMk cId="3953640220" sldId="256"/>
+            <ac:spMk id="129" creationId="{723C6A6C-D416-1FFD-6971-61481695F9A0}"/>
+          </ac:spMkLst>
+        </pc:spChg>
+        <pc:spChg chg="del">
+          <ac:chgData name="Fatima Pillosu" userId="a6295d4dc9e22643" providerId="LiveId" clId="{847D4158-B166-4E03-B53F-E82454BBD399}" dt="2024-01-05T11:51:10.486" v="9" actId="21"/>
+          <ac:spMkLst>
+            <pc:docMk/>
+            <pc:sldMk cId="3953640220" sldId="256"/>
+            <ac:spMk id="130" creationId="{DCD162B3-DC7C-A615-EE50-87E591C8BC07}"/>
+          </ac:spMkLst>
+        </pc:spChg>
+        <pc:spChg chg="del">
+          <ac:chgData name="Fatima Pillosu" userId="a6295d4dc9e22643" providerId="LiveId" clId="{847D4158-B166-4E03-B53F-E82454BBD399}" dt="2024-01-05T11:51:10.486" v="9" actId="21"/>
+          <ac:spMkLst>
+            <pc:docMk/>
+            <pc:sldMk cId="3953640220" sldId="256"/>
+            <ac:spMk id="131" creationId="{69BA39E5-0041-8DC1-61DA-E6F8498299AE}"/>
+          </ac:spMkLst>
+        </pc:spChg>
+        <pc:spChg chg="del">
+          <ac:chgData name="Fatima Pillosu" userId="a6295d4dc9e22643" providerId="LiveId" clId="{847D4158-B166-4E03-B53F-E82454BBD399}" dt="2024-01-05T11:51:10.486" v="9" actId="21"/>
+          <ac:spMkLst>
+            <pc:docMk/>
+            <pc:sldMk cId="3953640220" sldId="256"/>
+            <ac:spMk id="132" creationId="{7916CEFF-ACEC-EAD2-B661-E8B69DC47007}"/>
+          </ac:spMkLst>
+        </pc:spChg>
+        <pc:spChg chg="del">
+          <ac:chgData name="Fatima Pillosu" userId="a6295d4dc9e22643" providerId="LiveId" clId="{847D4158-B166-4E03-B53F-E82454BBD399}" dt="2024-01-05T11:51:10.486" v="9" actId="21"/>
+          <ac:spMkLst>
+            <pc:docMk/>
+            <pc:sldMk cId="3953640220" sldId="256"/>
+            <ac:spMk id="133" creationId="{2D08B5C4-2E33-843E-9617-E5CCC960371A}"/>
+          </ac:spMkLst>
+        </pc:spChg>
+        <pc:spChg chg="del mod">
+          <ac:chgData name="Fatima Pillosu" userId="a6295d4dc9e22643" providerId="LiveId" clId="{847D4158-B166-4E03-B53F-E82454BBD399}" dt="2024-01-05T11:51:10.486" v="9" actId="21"/>
+          <ac:spMkLst>
+            <pc:docMk/>
+            <pc:sldMk cId="3953640220" sldId="256"/>
+            <ac:spMk id="137" creationId="{3D7E5A1B-B583-2E36-A03F-CDEFFD8DA85B}"/>
+          </ac:spMkLst>
+        </pc:spChg>
+        <pc:spChg chg="del mod">
+          <ac:chgData name="Fatima Pillosu" userId="a6295d4dc9e22643" providerId="LiveId" clId="{847D4158-B166-4E03-B53F-E82454BBD399}" dt="2024-01-05T11:51:10.486" v="9" actId="21"/>
+          <ac:spMkLst>
+            <pc:docMk/>
+            <pc:sldMk cId="3953640220" sldId="256"/>
+            <ac:spMk id="138" creationId="{43977596-82D2-C768-0655-A78DC7751307}"/>
+          </ac:spMkLst>
+        </pc:spChg>
+        <pc:spChg chg="del mod">
+          <ac:chgData name="Fatima Pillosu" userId="a6295d4dc9e22643" providerId="LiveId" clId="{847D4158-B166-4E03-B53F-E82454BBD399}" dt="2024-01-05T11:51:10.486" v="9" actId="21"/>
+          <ac:spMkLst>
+            <pc:docMk/>
+            <pc:sldMk cId="3953640220" sldId="256"/>
+            <ac:spMk id="139" creationId="{BDE08F5E-999C-86E7-3554-2B30AD3A1DAA}"/>
+          </ac:spMkLst>
+        </pc:spChg>
+        <pc:spChg chg="del">
+          <ac:chgData name="Fatima Pillosu" userId="a6295d4dc9e22643" providerId="LiveId" clId="{847D4158-B166-4E03-B53F-E82454BBD399}" dt="2024-01-05T11:51:10.486" v="9" actId="21"/>
+          <ac:spMkLst>
+            <pc:docMk/>
+            <pc:sldMk cId="3953640220" sldId="256"/>
+            <ac:spMk id="140" creationId="{98FC5024-FAA5-13C3-F808-52CD00569318}"/>
+          </ac:spMkLst>
+        </pc:spChg>
+        <pc:spChg chg="del">
+          <ac:chgData name="Fatima Pillosu" userId="a6295d4dc9e22643" providerId="LiveId" clId="{847D4158-B166-4E03-B53F-E82454BBD399}" dt="2024-01-05T11:51:10.486" v="9" actId="21"/>
+          <ac:spMkLst>
+            <pc:docMk/>
+            <pc:sldMk cId="3953640220" sldId="256"/>
+            <ac:spMk id="141" creationId="{55B8B5CA-97B0-2064-91E5-7DF7DCD3781D}"/>
+          </ac:spMkLst>
+        </pc:spChg>
+        <pc:spChg chg="del">
+          <ac:chgData name="Fatima Pillosu" userId="a6295d4dc9e22643" providerId="LiveId" clId="{847D4158-B166-4E03-B53F-E82454BBD399}" dt="2024-01-05T11:51:10.486" v="9" actId="21"/>
+          <ac:spMkLst>
+            <pc:docMk/>
+            <pc:sldMk cId="3953640220" sldId="256"/>
+            <ac:spMk id="142" creationId="{AA913FD2-BD8A-F483-2879-F665C994B8E1}"/>
+          </ac:spMkLst>
+        </pc:spChg>
+        <pc:spChg chg="del">
+          <ac:chgData name="Fatima Pillosu" userId="a6295d4dc9e22643" providerId="LiveId" clId="{847D4158-B166-4E03-B53F-E82454BBD399}" dt="2024-01-05T11:51:10.486" v="9" actId="21"/>
+          <ac:spMkLst>
+            <pc:docMk/>
+            <pc:sldMk cId="3953640220" sldId="256"/>
+            <ac:spMk id="143" creationId="{F1295A71-7119-A3D6-FA50-129DFD222859}"/>
+          </ac:spMkLst>
+        </pc:spChg>
+        <pc:spChg chg="del">
+          <ac:chgData name="Fatima Pillosu" userId="a6295d4dc9e22643" providerId="LiveId" clId="{847D4158-B166-4E03-B53F-E82454BBD399}" dt="2024-01-05T11:51:10.486" v="9" actId="21"/>
+          <ac:spMkLst>
+            <pc:docMk/>
+            <pc:sldMk cId="3953640220" sldId="256"/>
+            <ac:spMk id="144" creationId="{21AA4A53-822F-1591-78A3-B762FDFD14EB}"/>
+          </ac:spMkLst>
+        </pc:spChg>
+        <pc:spChg chg="add mod">
+          <ac:chgData name="Fatima Pillosu" userId="a6295d4dc9e22643" providerId="LiveId" clId="{847D4158-B166-4E03-B53F-E82454BBD399}" dt="2024-01-05T11:57:11.315" v="73"/>
+          <ac:spMkLst>
+            <pc:docMk/>
+            <pc:sldMk cId="3953640220" sldId="256"/>
+            <ac:spMk id="148" creationId="{7B04B848-6594-DBA6-3067-472B0F9A4E4C}"/>
+          </ac:spMkLst>
+        </pc:spChg>
+        <pc:spChg chg="add mod">
+          <ac:chgData name="Fatima Pillosu" userId="a6295d4dc9e22643" providerId="LiveId" clId="{847D4158-B166-4E03-B53F-E82454BBD399}" dt="2024-01-05T11:57:11.315" v="73"/>
+          <ac:spMkLst>
+            <pc:docMk/>
+            <pc:sldMk cId="3953640220" sldId="256"/>
+            <ac:spMk id="149" creationId="{8EF4E64A-7B5C-9AEB-D3CA-BAD231CC9D1B}"/>
+          </ac:spMkLst>
+        </pc:spChg>
+        <pc:spChg chg="add mod">
+          <ac:chgData name="Fatima Pillosu" userId="a6295d4dc9e22643" providerId="LiveId" clId="{847D4158-B166-4E03-B53F-E82454BBD399}" dt="2024-01-05T11:57:11.315" v="73"/>
+          <ac:spMkLst>
+            <pc:docMk/>
+            <pc:sldMk cId="3953640220" sldId="256"/>
+            <ac:spMk id="150" creationId="{66EBF06A-CA92-F248-0700-62683B545A76}"/>
+          </ac:spMkLst>
+        </pc:spChg>
+        <pc:spChg chg="add mod">
+          <ac:chgData name="Fatima Pillosu" userId="a6295d4dc9e22643" providerId="LiveId" clId="{847D4158-B166-4E03-B53F-E82454BBD399}" dt="2024-01-05T11:57:11.315" v="73"/>
+          <ac:spMkLst>
+            <pc:docMk/>
+            <pc:sldMk cId="3953640220" sldId="256"/>
+            <ac:spMk id="151" creationId="{EE82B0B0-B60A-EFE2-A094-24B7DA87A071}"/>
+          </ac:spMkLst>
+        </pc:spChg>
+        <pc:spChg chg="add mod">
+          <ac:chgData name="Fatima Pillosu" userId="a6295d4dc9e22643" providerId="LiveId" clId="{847D4158-B166-4E03-B53F-E82454BBD399}" dt="2024-01-05T11:57:11.315" v="73"/>
+          <ac:spMkLst>
+            <pc:docMk/>
+            <pc:sldMk cId="3953640220" sldId="256"/>
+            <ac:spMk id="152" creationId="{B39EF48E-213D-6D90-30A4-1075D1860499}"/>
+          </ac:spMkLst>
+        </pc:spChg>
+        <pc:spChg chg="add mod">
+          <ac:chgData name="Fatima Pillosu" userId="a6295d4dc9e22643" providerId="LiveId" clId="{847D4158-B166-4E03-B53F-E82454BBD399}" dt="2024-01-05T11:57:11.315" v="73"/>
+          <ac:spMkLst>
+            <pc:docMk/>
+            <pc:sldMk cId="3953640220" sldId="256"/>
+            <ac:spMk id="153" creationId="{AE164B38-3E62-B3CA-2B86-F4CDA7FEEADB}"/>
+          </ac:spMkLst>
+        </pc:spChg>
+        <pc:spChg chg="add mod">
+          <ac:chgData name="Fatima Pillosu" userId="a6295d4dc9e22643" providerId="LiveId" clId="{847D4158-B166-4E03-B53F-E82454BBD399}" dt="2024-01-05T11:57:11.315" v="73"/>
+          <ac:spMkLst>
+            <pc:docMk/>
+            <pc:sldMk cId="3953640220" sldId="256"/>
+            <ac:spMk id="154" creationId="{13B64DD0-6E19-697D-1ADC-C1C0BD74C2D0}"/>
+          </ac:spMkLst>
+        </pc:spChg>
+        <pc:spChg chg="add mod">
+          <ac:chgData name="Fatima Pillosu" userId="a6295d4dc9e22643" providerId="LiveId" clId="{847D4158-B166-4E03-B53F-E82454BBD399}" dt="2024-01-05T11:57:11.315" v="73"/>
+          <ac:spMkLst>
+            <pc:docMk/>
+            <pc:sldMk cId="3953640220" sldId="256"/>
+            <ac:spMk id="155" creationId="{32F5EFE2-E5B7-8171-A23B-27ACC323095E}"/>
+          </ac:spMkLst>
+        </pc:spChg>
+        <pc:spChg chg="add mod">
+          <ac:chgData name="Fatima Pillosu" userId="a6295d4dc9e22643" providerId="LiveId" clId="{847D4158-B166-4E03-B53F-E82454BBD399}" dt="2024-01-05T11:57:11.315" v="73"/>
+          <ac:spMkLst>
+            <pc:docMk/>
+            <pc:sldMk cId="3953640220" sldId="256"/>
+            <ac:spMk id="156" creationId="{A028BBE7-E8CC-0A2E-FC9D-D2899B5EFE35}"/>
+          </ac:spMkLst>
+        </pc:spChg>
+        <pc:spChg chg="add mod">
+          <ac:chgData name="Fatima Pillosu" userId="a6295d4dc9e22643" providerId="LiveId" clId="{847D4158-B166-4E03-B53F-E82454BBD399}" dt="2024-01-05T11:57:11.315" v="73"/>
+          <ac:spMkLst>
+            <pc:docMk/>
+            <pc:sldMk cId="3953640220" sldId="256"/>
+            <ac:spMk id="157" creationId="{907A1B53-1747-D7E5-74BD-C50FF6DCA4F8}"/>
+          </ac:spMkLst>
+        </pc:spChg>
+        <pc:spChg chg="add mod">
+          <ac:chgData name="Fatima Pillosu" userId="a6295d4dc9e22643" providerId="LiveId" clId="{847D4158-B166-4E03-B53F-E82454BBD399}" dt="2024-01-05T11:57:11.315" v="73"/>
+          <ac:spMkLst>
+            <pc:docMk/>
+            <pc:sldMk cId="3953640220" sldId="256"/>
+            <ac:spMk id="158" creationId="{CA1EB181-8ACA-6A76-2AF1-24E3204B3D01}"/>
+          </ac:spMkLst>
+        </pc:spChg>
+        <pc:spChg chg="add mod">
+          <ac:chgData name="Fatima Pillosu" userId="a6295d4dc9e22643" providerId="LiveId" clId="{847D4158-B166-4E03-B53F-E82454BBD399}" dt="2024-01-05T11:57:11.315" v="73"/>
+          <ac:spMkLst>
+            <pc:docMk/>
+            <pc:sldMk cId="3953640220" sldId="256"/>
+            <ac:spMk id="162" creationId="{2D8A34A8-91C6-D3D0-98F0-FBDE4CCCD8C9}"/>
+          </ac:spMkLst>
+        </pc:spChg>
+        <pc:spChg chg="add mod">
+          <ac:chgData name="Fatima Pillosu" userId="a6295d4dc9e22643" providerId="LiveId" clId="{847D4158-B166-4E03-B53F-E82454BBD399}" dt="2024-01-05T11:57:11.315" v="73"/>
+          <ac:spMkLst>
+            <pc:docMk/>
+            <pc:sldMk cId="3953640220" sldId="256"/>
+            <ac:spMk id="163" creationId="{DF11D764-D8C6-6AB3-3556-B8EE14638B60}"/>
+          </ac:spMkLst>
+        </pc:spChg>
+        <pc:spChg chg="add mod">
+          <ac:chgData name="Fatima Pillosu" userId="a6295d4dc9e22643" providerId="LiveId" clId="{847D4158-B166-4E03-B53F-E82454BBD399}" dt="2024-01-05T11:57:11.315" v="73"/>
+          <ac:spMkLst>
+            <pc:docMk/>
+            <pc:sldMk cId="3953640220" sldId="256"/>
+            <ac:spMk id="164" creationId="{631ED02D-7856-7765-515C-67811A6BD676}"/>
+          </ac:spMkLst>
+        </pc:spChg>
+        <pc:spChg chg="add mod">
+          <ac:chgData name="Fatima Pillosu" userId="a6295d4dc9e22643" providerId="LiveId" clId="{847D4158-B166-4E03-B53F-E82454BBD399}" dt="2024-01-05T11:57:11.315" v="73"/>
+          <ac:spMkLst>
+            <pc:docMk/>
+            <pc:sldMk cId="3953640220" sldId="256"/>
+            <ac:spMk id="165" creationId="{341573CD-360A-E395-26E0-9DB18326D99E}"/>
+          </ac:spMkLst>
+        </pc:spChg>
+        <pc:spChg chg="add mod">
+          <ac:chgData name="Fatima Pillosu" userId="a6295d4dc9e22643" providerId="LiveId" clId="{847D4158-B166-4E03-B53F-E82454BBD399}" dt="2024-01-05T11:57:11.315" v="73"/>
+          <ac:spMkLst>
+            <pc:docMk/>
+            <pc:sldMk cId="3953640220" sldId="256"/>
+            <ac:spMk id="166" creationId="{936DB0E1-2124-33B7-41CD-85B65F9C1584}"/>
+          </ac:spMkLst>
+        </pc:spChg>
+        <pc:spChg chg="add mod">
+          <ac:chgData name="Fatima Pillosu" userId="a6295d4dc9e22643" providerId="LiveId" clId="{847D4158-B166-4E03-B53F-E82454BBD399}" dt="2024-01-05T11:57:11.315" v="73"/>
+          <ac:spMkLst>
+            <pc:docMk/>
+            <pc:sldMk cId="3953640220" sldId="256"/>
+            <ac:spMk id="167" creationId="{E515A56B-779E-67F0-93FC-37BD7FCA8E9F}"/>
+          </ac:spMkLst>
+        </pc:spChg>
+        <pc:spChg chg="add mod">
+          <ac:chgData name="Fatima Pillosu" userId="a6295d4dc9e22643" providerId="LiveId" clId="{847D4158-B166-4E03-B53F-E82454BBD399}" dt="2024-01-05T11:57:11.315" v="73"/>
+          <ac:spMkLst>
+            <pc:docMk/>
+            <pc:sldMk cId="3953640220" sldId="256"/>
+            <ac:spMk id="168" creationId="{F825167D-4123-0C8F-F08A-CD490804A8E0}"/>
+          </ac:spMkLst>
+        </pc:spChg>
+        <pc:spChg chg="add mod">
+          <ac:chgData name="Fatima Pillosu" userId="a6295d4dc9e22643" providerId="LiveId" clId="{847D4158-B166-4E03-B53F-E82454BBD399}" dt="2024-01-05T11:57:11.315" v="73"/>
+          <ac:spMkLst>
+            <pc:docMk/>
+            <pc:sldMk cId="3953640220" sldId="256"/>
+            <ac:spMk id="172" creationId="{917CB604-7AB2-6283-569D-987B7E2510EB}"/>
+          </ac:spMkLst>
+        </pc:spChg>
+        <pc:spChg chg="add mod">
+          <ac:chgData name="Fatima Pillosu" userId="a6295d4dc9e22643" providerId="LiveId" clId="{847D4158-B166-4E03-B53F-E82454BBD399}" dt="2024-01-05T11:57:11.315" v="73"/>
+          <ac:spMkLst>
+            <pc:docMk/>
+            <pc:sldMk cId="3953640220" sldId="256"/>
+            <ac:spMk id="173" creationId="{74E98767-0F38-21AE-AE30-C082A5A58AD1}"/>
+          </ac:spMkLst>
+        </pc:spChg>
+        <pc:spChg chg="add mod">
+          <ac:chgData name="Fatima Pillosu" userId="a6295d4dc9e22643" providerId="LiveId" clId="{847D4158-B166-4E03-B53F-E82454BBD399}" dt="2024-01-05T11:57:11.315" v="73"/>
+          <ac:spMkLst>
+            <pc:docMk/>
+            <pc:sldMk cId="3953640220" sldId="256"/>
+            <ac:spMk id="174" creationId="{F81D388C-82BC-9DB7-402C-AD038B324200}"/>
+          </ac:spMkLst>
+        </pc:spChg>
+        <pc:spChg chg="add mod">
+          <ac:chgData name="Fatima Pillosu" userId="a6295d4dc9e22643" providerId="LiveId" clId="{847D4158-B166-4E03-B53F-E82454BBD399}" dt="2024-01-05T11:57:11.315" v="73"/>
+          <ac:spMkLst>
+            <pc:docMk/>
+            <pc:sldMk cId="3953640220" sldId="256"/>
+            <ac:spMk id="175" creationId="{452867B3-CEA2-379E-F7B9-4E41FFB81A3A}"/>
+          </ac:spMkLst>
+        </pc:spChg>
+        <pc:spChg chg="add mod">
+          <ac:chgData name="Fatima Pillosu" userId="a6295d4dc9e22643" providerId="LiveId" clId="{847D4158-B166-4E03-B53F-E82454BBD399}" dt="2024-01-05T11:57:11.315" v="73"/>
+          <ac:spMkLst>
+            <pc:docMk/>
+            <pc:sldMk cId="3953640220" sldId="256"/>
+            <ac:spMk id="176" creationId="{000ADBDA-35F7-D6A6-B54A-DA4C2E635821}"/>
+          </ac:spMkLst>
+        </pc:spChg>
+        <pc:spChg chg="add mod">
+          <ac:chgData name="Fatima Pillosu" userId="a6295d4dc9e22643" providerId="LiveId" clId="{847D4158-B166-4E03-B53F-E82454BBD399}" dt="2024-01-05T11:57:11.315" v="73"/>
+          <ac:spMkLst>
+            <pc:docMk/>
+            <pc:sldMk cId="3953640220" sldId="256"/>
+            <ac:spMk id="177" creationId="{190001C4-5242-8854-5038-39D326129331}"/>
+          </ac:spMkLst>
+        </pc:spChg>
+        <pc:spChg chg="add mod">
+          <ac:chgData name="Fatima Pillosu" userId="a6295d4dc9e22643" providerId="LiveId" clId="{847D4158-B166-4E03-B53F-E82454BBD399}" dt="2024-01-05T11:57:11.315" v="73"/>
+          <ac:spMkLst>
+            <pc:docMk/>
+            <pc:sldMk cId="3953640220" sldId="256"/>
+            <ac:spMk id="178" creationId="{9F577F40-D33F-8FD7-D2F0-515E612B7D5F}"/>
+          </ac:spMkLst>
+        </pc:spChg>
+        <pc:spChg chg="add mod">
+          <ac:chgData name="Fatima Pillosu" userId="a6295d4dc9e22643" providerId="LiveId" clId="{847D4158-B166-4E03-B53F-E82454BBD399}" dt="2024-01-05T11:57:11.315" v="73"/>
+          <ac:spMkLst>
+            <pc:docMk/>
+            <pc:sldMk cId="3953640220" sldId="256"/>
+            <ac:spMk id="179" creationId="{DBB2981E-6D7A-2DB8-6F80-93ED76D95AFE}"/>
+          </ac:spMkLst>
+        </pc:spChg>
+        <pc:picChg chg="add del mod">
+          <ac:chgData name="Fatima Pillosu" userId="a6295d4dc9e22643" providerId="LiveId" clId="{847D4158-B166-4E03-B53F-E82454BBD399}" dt="2024-01-05T11:56:11.097" v="72" actId="21"/>
+          <ac:picMkLst>
+            <pc:docMk/>
+            <pc:sldMk cId="3953640220" sldId="256"/>
+            <ac:picMk id="2" creationId="{06827095-9460-1937-1D5E-ACD296A8D30C}"/>
+          </ac:picMkLst>
+        </pc:picChg>
+        <pc:picChg chg="add del mod">
+          <ac:chgData name="Fatima Pillosu" userId="a6295d4dc9e22643" providerId="LiveId" clId="{847D4158-B166-4E03-B53F-E82454BBD399}" dt="2024-01-05T11:56:11.097" v="72" actId="21"/>
+          <ac:picMkLst>
+            <pc:docMk/>
+            <pc:sldMk cId="3953640220" sldId="256"/>
+            <ac:picMk id="3" creationId="{DC31C5B6-D9A3-CC91-97C1-E9FDA240A208}"/>
+          </ac:picMkLst>
+        </pc:picChg>
+        <pc:picChg chg="add del mod">
+          <ac:chgData name="Fatima Pillosu" userId="a6295d4dc9e22643" providerId="LiveId" clId="{847D4158-B166-4E03-B53F-E82454BBD399}" dt="2024-01-05T11:56:11.097" v="72" actId="21"/>
+          <ac:picMkLst>
+            <pc:docMk/>
+            <pc:sldMk cId="3953640220" sldId="256"/>
+            <ac:picMk id="4" creationId="{ABF3EB74-F6E0-BBD0-CF74-26010678B7D4}"/>
+          </ac:picMkLst>
+        </pc:picChg>
+        <pc:picChg chg="add del mod">
+          <ac:chgData name="Fatima Pillosu" userId="a6295d4dc9e22643" providerId="LiveId" clId="{847D4158-B166-4E03-B53F-E82454BBD399}" dt="2024-01-05T11:56:11.097" v="72" actId="21"/>
+          <ac:picMkLst>
+            <pc:docMk/>
+            <pc:sldMk cId="3953640220" sldId="256"/>
+            <ac:picMk id="5" creationId="{09C8FF14-5CBE-8A28-B9B7-4912F07CAAAF}"/>
+          </ac:picMkLst>
+        </pc:picChg>
+        <pc:picChg chg="add del mod">
+          <ac:chgData name="Fatima Pillosu" userId="a6295d4dc9e22643" providerId="LiveId" clId="{847D4158-B166-4E03-B53F-E82454BBD399}" dt="2024-01-05T11:56:11.097" v="72" actId="21"/>
+          <ac:picMkLst>
+            <pc:docMk/>
+            <pc:sldMk cId="3953640220" sldId="256"/>
+            <ac:picMk id="6" creationId="{21BB0DD2-C2EE-2FBB-6617-C122BAEC00F4}"/>
+          </ac:picMkLst>
+        </pc:picChg>
+        <pc:picChg chg="add del mod">
+          <ac:chgData name="Fatima Pillosu" userId="a6295d4dc9e22643" providerId="LiveId" clId="{847D4158-B166-4E03-B53F-E82454BBD399}" dt="2024-01-05T11:56:11.097" v="72" actId="21"/>
+          <ac:picMkLst>
+            <pc:docMk/>
+            <pc:sldMk cId="3953640220" sldId="256"/>
+            <ac:picMk id="7" creationId="{5C2A3F9D-D5E6-10AA-633B-095FEABC5032}"/>
+          </ac:picMkLst>
+        </pc:picChg>
+        <pc:picChg chg="add del mod">
+          <ac:chgData name="Fatima Pillosu" userId="a6295d4dc9e22643" providerId="LiveId" clId="{847D4158-B166-4E03-B53F-E82454BBD399}" dt="2024-01-05T11:56:11.097" v="72" actId="21"/>
+          <ac:picMkLst>
+            <pc:docMk/>
+            <pc:sldMk cId="3953640220" sldId="256"/>
+            <ac:picMk id="25" creationId="{7462A946-56CF-F88E-FB87-C50FA6AE4C39}"/>
+          </ac:picMkLst>
+        </pc:picChg>
+        <pc:picChg chg="add mod">
+          <ac:chgData name="Fatima Pillosu" userId="a6295d4dc9e22643" providerId="LiveId" clId="{847D4158-B166-4E03-B53F-E82454BBD399}" dt="2024-01-05T11:57:11.315" v="73"/>
+          <ac:picMkLst>
+            <pc:docMk/>
+            <pc:sldMk cId="3953640220" sldId="256"/>
+            <ac:picMk id="62" creationId="{671CFB7D-37D4-A879-6FEC-27ACEC12C55E}"/>
+          </ac:picMkLst>
+        </pc:picChg>
+        <pc:picChg chg="add mod">
+          <ac:chgData name="Fatima Pillosu" userId="a6295d4dc9e22643" providerId="LiveId" clId="{847D4158-B166-4E03-B53F-E82454BBD399}" dt="2024-01-05T11:57:11.315" v="73"/>
+          <ac:picMkLst>
+            <pc:docMk/>
+            <pc:sldMk cId="3953640220" sldId="256"/>
+            <ac:picMk id="63" creationId="{BA440470-A820-47D6-7BA0-692371C05AD4}"/>
+          </ac:picMkLst>
+        </pc:picChg>
+        <pc:picChg chg="add mod">
+          <ac:chgData name="Fatima Pillosu" userId="a6295d4dc9e22643" providerId="LiveId" clId="{847D4158-B166-4E03-B53F-E82454BBD399}" dt="2024-01-05T11:57:11.315" v="73"/>
+          <ac:picMkLst>
+            <pc:docMk/>
+            <pc:sldMk cId="3953640220" sldId="256"/>
+            <ac:picMk id="64" creationId="{CEE78A39-9662-1569-4AC9-4E55CE158FC5}"/>
+          </ac:picMkLst>
+        </pc:picChg>
+        <pc:picChg chg="add mod">
+          <ac:chgData name="Fatima Pillosu" userId="a6295d4dc9e22643" providerId="LiveId" clId="{847D4158-B166-4E03-B53F-E82454BBD399}" dt="2024-01-05T11:57:11.315" v="73"/>
+          <ac:picMkLst>
+            <pc:docMk/>
+            <pc:sldMk cId="3953640220" sldId="256"/>
+            <ac:picMk id="65" creationId="{6E87DBCA-9303-3110-3470-FB6EB5341174}"/>
+          </ac:picMkLst>
+        </pc:picChg>
+        <pc:picChg chg="add mod">
+          <ac:chgData name="Fatima Pillosu" userId="a6295d4dc9e22643" providerId="LiveId" clId="{847D4158-B166-4E03-B53F-E82454BBD399}" dt="2024-01-05T11:57:11.315" v="73"/>
+          <ac:picMkLst>
+            <pc:docMk/>
+            <pc:sldMk cId="3953640220" sldId="256"/>
+            <ac:picMk id="66" creationId="{CD45B633-5B34-9DBD-038E-03229179611C}"/>
+          </ac:picMkLst>
+        </pc:picChg>
+        <pc:picChg chg="add mod">
+          <ac:chgData name="Fatima Pillosu" userId="a6295d4dc9e22643" providerId="LiveId" clId="{847D4158-B166-4E03-B53F-E82454BBD399}" dt="2024-01-05T11:57:11.315" v="73"/>
+          <ac:picMkLst>
+            <pc:docMk/>
+            <pc:sldMk cId="3953640220" sldId="256"/>
+            <ac:picMk id="67" creationId="{5841BF11-A974-963B-E723-55E23E1B8922}"/>
+          </ac:picMkLst>
+        </pc:picChg>
+        <pc:picChg chg="add mod">
+          <ac:chgData name="Fatima Pillosu" userId="a6295d4dc9e22643" providerId="LiveId" clId="{847D4158-B166-4E03-B53F-E82454BBD399}" dt="2024-01-05T11:57:11.315" v="73"/>
+          <ac:picMkLst>
+            <pc:docMk/>
+            <pc:sldMk cId="3953640220" sldId="256"/>
+            <ac:picMk id="85" creationId="{4965CBCC-F924-A247-EDE2-1B53E462AD4E}"/>
+          </ac:picMkLst>
+        </pc:picChg>
+        <pc:picChg chg="del">
+          <ac:chgData name="Fatima Pillosu" userId="a6295d4dc9e22643" providerId="LiveId" clId="{847D4158-B166-4E03-B53F-E82454BBD399}" dt="2024-01-05T11:51:10.486" v="9" actId="21"/>
+          <ac:picMkLst>
+            <pc:docMk/>
+            <pc:sldMk cId="3953640220" sldId="256"/>
+            <ac:picMk id="86" creationId="{D28444E0-E1B1-E2AC-B8DC-AEDF7214D34A}"/>
+          </ac:picMkLst>
+        </pc:picChg>
+        <pc:picChg chg="del">
+          <ac:chgData name="Fatima Pillosu" userId="a6295d4dc9e22643" providerId="LiveId" clId="{847D4158-B166-4E03-B53F-E82454BBD399}" dt="2024-01-05T11:51:10.486" v="9" actId="21"/>
+          <ac:picMkLst>
+            <pc:docMk/>
+            <pc:sldMk cId="3953640220" sldId="256"/>
+            <ac:picMk id="87" creationId="{D427A26E-C4A6-D838-F011-D34CF751693F}"/>
+          </ac:picMkLst>
+        </pc:picChg>
+        <pc:picChg chg="del">
+          <ac:chgData name="Fatima Pillosu" userId="a6295d4dc9e22643" providerId="LiveId" clId="{847D4158-B166-4E03-B53F-E82454BBD399}" dt="2024-01-05T11:51:10.486" v="9" actId="21"/>
+          <ac:picMkLst>
+            <pc:docMk/>
+            <pc:sldMk cId="3953640220" sldId="256"/>
+            <ac:picMk id="88" creationId="{9796B452-6C50-2D81-C8C4-0222BF449DFF}"/>
+          </ac:picMkLst>
+        </pc:picChg>
+        <pc:picChg chg="del">
+          <ac:chgData name="Fatima Pillosu" userId="a6295d4dc9e22643" providerId="LiveId" clId="{847D4158-B166-4E03-B53F-E82454BBD399}" dt="2024-01-05T11:51:10.486" v="9" actId="21"/>
+          <ac:picMkLst>
+            <pc:docMk/>
+            <pc:sldMk cId="3953640220" sldId="256"/>
+            <ac:picMk id="89" creationId="{8134CF30-2186-05AF-710D-88F198B4BA44}"/>
+          </ac:picMkLst>
+        </pc:picChg>
+        <pc:picChg chg="del">
+          <ac:chgData name="Fatima Pillosu" userId="a6295d4dc9e22643" providerId="LiveId" clId="{847D4158-B166-4E03-B53F-E82454BBD399}" dt="2024-01-05T11:51:10.486" v="9" actId="21"/>
+          <ac:picMkLst>
+            <pc:docMk/>
+            <pc:sldMk cId="3953640220" sldId="256"/>
+            <ac:picMk id="90" creationId="{2A46CFD0-FE04-3C0B-E669-E65740CC73D8}"/>
+          </ac:picMkLst>
+        </pc:picChg>
+        <pc:picChg chg="del">
+          <ac:chgData name="Fatima Pillosu" userId="a6295d4dc9e22643" providerId="LiveId" clId="{847D4158-B166-4E03-B53F-E82454BBD399}" dt="2024-01-05T11:51:10.486" v="9" actId="21"/>
+          <ac:picMkLst>
+            <pc:docMk/>
+            <pc:sldMk cId="3953640220" sldId="256"/>
+            <ac:picMk id="91" creationId="{CB209281-E0F2-9A06-B033-69A44A3B332A}"/>
+          </ac:picMkLst>
+        </pc:picChg>
+        <pc:picChg chg="del">
+          <ac:chgData name="Fatima Pillosu" userId="a6295d4dc9e22643" providerId="LiveId" clId="{847D4158-B166-4E03-B53F-E82454BBD399}" dt="2024-01-05T11:51:10.486" v="9" actId="21"/>
+          <ac:picMkLst>
+            <pc:docMk/>
+            <pc:sldMk cId="3953640220" sldId="256"/>
+            <ac:picMk id="109" creationId="{1055C349-FD7C-6B53-4BF3-4F00AA8A2FDE}"/>
+          </ac:picMkLst>
+        </pc:picChg>
+        <pc:cxnChg chg="add del mod">
+          <ac:chgData name="Fatima Pillosu" userId="a6295d4dc9e22643" providerId="LiveId" clId="{847D4158-B166-4E03-B53F-E82454BBD399}" dt="2024-01-05T11:56:11.097" v="72" actId="21"/>
+          <ac:cxnSpMkLst>
+            <pc:docMk/>
+            <pc:sldMk cId="3953640220" sldId="256"/>
+            <ac:cxnSpMk id="26" creationId="{7BBDC667-8A0F-BA20-B440-950373C80CA2}"/>
+          </ac:cxnSpMkLst>
+        </pc:cxnChg>
+        <pc:cxnChg chg="add del mod">
+          <ac:chgData name="Fatima Pillosu" userId="a6295d4dc9e22643" providerId="LiveId" clId="{847D4158-B166-4E03-B53F-E82454BBD399}" dt="2024-01-05T11:56:11.097" v="72" actId="21"/>
+          <ac:cxnSpMkLst>
+            <pc:docMk/>
+            <pc:sldMk cId="3953640220" sldId="256"/>
+            <ac:cxnSpMk id="27" creationId="{68BA19FB-B436-261A-08D5-514439187EB4}"/>
+          </ac:cxnSpMkLst>
+        </pc:cxnChg>
+        <pc:cxnChg chg="add del mod">
+          <ac:chgData name="Fatima Pillosu" userId="a6295d4dc9e22643" providerId="LiveId" clId="{847D4158-B166-4E03-B53F-E82454BBD399}" dt="2024-01-05T11:56:11.097" v="72" actId="21"/>
+          <ac:cxnSpMkLst>
+            <pc:docMk/>
+            <pc:sldMk cId="3953640220" sldId="256"/>
+            <ac:cxnSpMk id="28" creationId="{9584F7BD-7140-5556-E379-81C3325FD354}"/>
+          </ac:cxnSpMkLst>
+        </pc:cxnChg>
+        <pc:cxnChg chg="add del mod">
+          <ac:chgData name="Fatima Pillosu" userId="a6295d4dc9e22643" providerId="LiveId" clId="{847D4158-B166-4E03-B53F-E82454BBD399}" dt="2024-01-05T11:56:11.097" v="72" actId="21"/>
+          <ac:cxnSpMkLst>
+            <pc:docMk/>
+            <pc:sldMk cId="3953640220" sldId="256"/>
+            <ac:cxnSpMk id="40" creationId="{BAA55D46-1C3D-39B0-E12C-76BBB03490B3}"/>
+          </ac:cxnSpMkLst>
+        </pc:cxnChg>
+        <pc:cxnChg chg="add del mod">
+          <ac:chgData name="Fatima Pillosu" userId="a6295d4dc9e22643" providerId="LiveId" clId="{847D4158-B166-4E03-B53F-E82454BBD399}" dt="2024-01-05T11:56:11.097" v="72" actId="21"/>
+          <ac:cxnSpMkLst>
+            <pc:docMk/>
+            <pc:sldMk cId="3953640220" sldId="256"/>
+            <ac:cxnSpMk id="41" creationId="{3FC4AF23-FD74-272B-40C8-666942F45447}"/>
+          </ac:cxnSpMkLst>
+        </pc:cxnChg>
+        <pc:cxnChg chg="add del mod">
+          <ac:chgData name="Fatima Pillosu" userId="a6295d4dc9e22643" providerId="LiveId" clId="{847D4158-B166-4E03-B53F-E82454BBD399}" dt="2024-01-05T11:56:11.097" v="72" actId="21"/>
+          <ac:cxnSpMkLst>
+            <pc:docMk/>
+            <pc:sldMk cId="3953640220" sldId="256"/>
+            <ac:cxnSpMk id="42" creationId="{9555EB9F-94BB-0A6F-3970-841929D12754}"/>
+          </ac:cxnSpMkLst>
+        </pc:cxnChg>
+        <pc:cxnChg chg="add del mod">
+          <ac:chgData name="Fatima Pillosu" userId="a6295d4dc9e22643" providerId="LiveId" clId="{847D4158-B166-4E03-B53F-E82454BBD399}" dt="2024-01-05T11:56:11.097" v="72" actId="21"/>
+          <ac:cxnSpMkLst>
+            <pc:docMk/>
+            <pc:sldMk cId="3953640220" sldId="256"/>
+            <ac:cxnSpMk id="50" creationId="{8395015F-CE9A-BEAE-3CF2-D97E818CC0D5}"/>
+          </ac:cxnSpMkLst>
+        </pc:cxnChg>
+        <pc:cxnChg chg="add del mod">
+          <ac:chgData name="Fatima Pillosu" userId="a6295d4dc9e22643" providerId="LiveId" clId="{847D4158-B166-4E03-B53F-E82454BBD399}" dt="2024-01-05T11:56:11.097" v="72" actId="21"/>
+          <ac:cxnSpMkLst>
+            <pc:docMk/>
+            <pc:sldMk cId="3953640220" sldId="256"/>
+            <ac:cxnSpMk id="51" creationId="{CFC39F81-785D-80E3-A6D7-BC151D53FAA0}"/>
+          </ac:cxnSpMkLst>
+        </pc:cxnChg>
+        <pc:cxnChg chg="add del mod">
+          <ac:chgData name="Fatima Pillosu" userId="a6295d4dc9e22643" providerId="LiveId" clId="{847D4158-B166-4E03-B53F-E82454BBD399}" dt="2024-01-05T11:56:11.097" v="72" actId="21"/>
+          <ac:cxnSpMkLst>
+            <pc:docMk/>
+            <pc:sldMk cId="3953640220" sldId="256"/>
+            <ac:cxnSpMk id="52" creationId="{07B4FD2F-D461-018F-481F-A8A87DCEF9AA}"/>
+          </ac:cxnSpMkLst>
+        </pc:cxnChg>
+        <pc:cxnChg chg="del">
+          <ac:chgData name="Fatima Pillosu" userId="a6295d4dc9e22643" providerId="LiveId" clId="{847D4158-B166-4E03-B53F-E82454BBD399}" dt="2024-01-05T11:51:10.486" v="9" actId="21"/>
+          <ac:cxnSpMkLst>
+            <pc:docMk/>
+            <pc:sldMk cId="3953640220" sldId="256"/>
+            <ac:cxnSpMk id="110" creationId="{AE600532-A239-DDA3-6B0A-E9EC8A3F94B2}"/>
+          </ac:cxnSpMkLst>
+        </pc:cxnChg>
+        <pc:cxnChg chg="del">
+          <ac:chgData name="Fatima Pillosu" userId="a6295d4dc9e22643" providerId="LiveId" clId="{847D4158-B166-4E03-B53F-E82454BBD399}" dt="2024-01-05T11:51:10.486" v="9" actId="21"/>
+          <ac:cxnSpMkLst>
+            <pc:docMk/>
+            <pc:sldMk cId="3953640220" sldId="256"/>
+            <ac:cxnSpMk id="111" creationId="{9A88DE66-6815-D048-2E4B-6F69DC6A209F}"/>
+          </ac:cxnSpMkLst>
+        </pc:cxnChg>
+        <pc:cxnChg chg="del">
+          <ac:chgData name="Fatima Pillosu" userId="a6295d4dc9e22643" providerId="LiveId" clId="{847D4158-B166-4E03-B53F-E82454BBD399}" dt="2024-01-05T11:51:10.486" v="9" actId="21"/>
+          <ac:cxnSpMkLst>
+            <pc:docMk/>
+            <pc:sldMk cId="3953640220" sldId="256"/>
+            <ac:cxnSpMk id="112" creationId="{1586A7B4-B222-AF74-5C07-0601035389F1}"/>
+          </ac:cxnSpMkLst>
+        </pc:cxnChg>
+        <pc:cxnChg chg="del">
+          <ac:chgData name="Fatima Pillosu" userId="a6295d4dc9e22643" providerId="LiveId" clId="{847D4158-B166-4E03-B53F-E82454BBD399}" dt="2024-01-05T11:51:10.486" v="9" actId="21"/>
+          <ac:cxnSpMkLst>
+            <pc:docMk/>
+            <pc:sldMk cId="3953640220" sldId="256"/>
+            <ac:cxnSpMk id="124" creationId="{D620FB7F-C1AF-61F2-7A08-87602B7C187F}"/>
+          </ac:cxnSpMkLst>
+        </pc:cxnChg>
+        <pc:cxnChg chg="del">
+          <ac:chgData name="Fatima Pillosu" userId="a6295d4dc9e22643" providerId="LiveId" clId="{847D4158-B166-4E03-B53F-E82454BBD399}" dt="2024-01-05T11:51:10.486" v="9" actId="21"/>
+          <ac:cxnSpMkLst>
+            <pc:docMk/>
+            <pc:sldMk cId="3953640220" sldId="256"/>
+            <ac:cxnSpMk id="125" creationId="{CD097379-C0CF-AE93-E05E-13028A66A728}"/>
+          </ac:cxnSpMkLst>
+        </pc:cxnChg>
+        <pc:cxnChg chg="del">
+          <ac:chgData name="Fatima Pillosu" userId="a6295d4dc9e22643" providerId="LiveId" clId="{847D4158-B166-4E03-B53F-E82454BBD399}" dt="2024-01-05T11:51:10.486" v="9" actId="21"/>
+          <ac:cxnSpMkLst>
+            <pc:docMk/>
+            <pc:sldMk cId="3953640220" sldId="256"/>
+            <ac:cxnSpMk id="126" creationId="{74066D80-9684-6D12-CF34-3BEE71407C74}"/>
+          </ac:cxnSpMkLst>
+        </pc:cxnChg>
+        <pc:cxnChg chg="del">
+          <ac:chgData name="Fatima Pillosu" userId="a6295d4dc9e22643" providerId="LiveId" clId="{847D4158-B166-4E03-B53F-E82454BBD399}" dt="2024-01-05T11:51:10.486" v="9" actId="21"/>
+          <ac:cxnSpMkLst>
+            <pc:docMk/>
+            <pc:sldMk cId="3953640220" sldId="256"/>
+            <ac:cxnSpMk id="134" creationId="{F1466FC3-1648-F093-2A66-F623CAC31513}"/>
+          </ac:cxnSpMkLst>
+        </pc:cxnChg>
+        <pc:cxnChg chg="del">
+          <ac:chgData name="Fatima Pillosu" userId="a6295d4dc9e22643" providerId="LiveId" clId="{847D4158-B166-4E03-B53F-E82454BBD399}" dt="2024-01-05T11:51:10.486" v="9" actId="21"/>
+          <ac:cxnSpMkLst>
+            <pc:docMk/>
+            <pc:sldMk cId="3953640220" sldId="256"/>
+            <ac:cxnSpMk id="135" creationId="{1C4D16C3-5E0C-2F52-2BD9-5D3A7D87A5D1}"/>
+          </ac:cxnSpMkLst>
+        </pc:cxnChg>
+        <pc:cxnChg chg="del">
+          <ac:chgData name="Fatima Pillosu" userId="a6295d4dc9e22643" providerId="LiveId" clId="{847D4158-B166-4E03-B53F-E82454BBD399}" dt="2024-01-05T11:51:10.486" v="9" actId="21"/>
+          <ac:cxnSpMkLst>
+            <pc:docMk/>
+            <pc:sldMk cId="3953640220" sldId="256"/>
+            <ac:cxnSpMk id="136" creationId="{723583CE-46CA-C882-A292-7041545B4C25}"/>
+          </ac:cxnSpMkLst>
+        </pc:cxnChg>
+        <pc:cxnChg chg="add mod">
+          <ac:chgData name="Fatima Pillosu" userId="a6295d4dc9e22643" providerId="LiveId" clId="{847D4158-B166-4E03-B53F-E82454BBD399}" dt="2024-01-05T11:57:11.315" v="73"/>
+          <ac:cxnSpMkLst>
+            <pc:docMk/>
+            <pc:sldMk cId="3953640220" sldId="256"/>
+            <ac:cxnSpMk id="145" creationId="{E25D16EC-1D54-3C09-DDD7-9822A637BC3E}"/>
+          </ac:cxnSpMkLst>
+        </pc:cxnChg>
+        <pc:cxnChg chg="add mod">
+          <ac:chgData name="Fatima Pillosu" userId="a6295d4dc9e22643" providerId="LiveId" clId="{847D4158-B166-4E03-B53F-E82454BBD399}" dt="2024-01-05T11:57:11.315" v="73"/>
+          <ac:cxnSpMkLst>
+            <pc:docMk/>
+            <pc:sldMk cId="3953640220" sldId="256"/>
+            <ac:cxnSpMk id="146" creationId="{237EE274-F24C-97DC-D9BB-B0613641B8CC}"/>
+          </ac:cxnSpMkLst>
+        </pc:cxnChg>
+        <pc:cxnChg chg="add mod">
+          <ac:chgData name="Fatima Pillosu" userId="a6295d4dc9e22643" providerId="LiveId" clId="{847D4158-B166-4E03-B53F-E82454BBD399}" dt="2024-01-05T11:57:11.315" v="73"/>
+          <ac:cxnSpMkLst>
+            <pc:docMk/>
+            <pc:sldMk cId="3953640220" sldId="256"/>
+            <ac:cxnSpMk id="147" creationId="{DE6CC491-DB79-05FC-AACD-14821F66C034}"/>
+          </ac:cxnSpMkLst>
+        </pc:cxnChg>
+        <pc:cxnChg chg="add mod">
+          <ac:chgData name="Fatima Pillosu" userId="a6295d4dc9e22643" providerId="LiveId" clId="{847D4158-B166-4E03-B53F-E82454BBD399}" dt="2024-01-05T11:57:11.315" v="73"/>
+          <ac:cxnSpMkLst>
+            <pc:docMk/>
+            <pc:sldMk cId="3953640220" sldId="256"/>
+            <ac:cxnSpMk id="159" creationId="{B49AE7AB-C560-AFA8-8CD0-24DD0EFBAFD1}"/>
+          </ac:cxnSpMkLst>
+        </pc:cxnChg>
+        <pc:cxnChg chg="add mod">
+          <ac:chgData name="Fatima Pillosu" userId="a6295d4dc9e22643" providerId="LiveId" clId="{847D4158-B166-4E03-B53F-E82454BBD399}" dt="2024-01-05T11:57:11.315" v="73"/>
+          <ac:cxnSpMkLst>
+            <pc:docMk/>
+            <pc:sldMk cId="3953640220" sldId="256"/>
+            <ac:cxnSpMk id="160" creationId="{0CF1927D-8551-FD1C-CACD-FD0E8281B694}"/>
+          </ac:cxnSpMkLst>
+        </pc:cxnChg>
+        <pc:cxnChg chg="add mod">
+          <ac:chgData name="Fatima Pillosu" userId="a6295d4dc9e22643" providerId="LiveId" clId="{847D4158-B166-4E03-B53F-E82454BBD399}" dt="2024-01-05T11:57:11.315" v="73"/>
+          <ac:cxnSpMkLst>
+            <pc:docMk/>
+            <pc:sldMk cId="3953640220" sldId="256"/>
+            <ac:cxnSpMk id="161" creationId="{0E9563E0-080B-2FE9-5900-EE68E44D7FA8}"/>
+          </ac:cxnSpMkLst>
+        </pc:cxnChg>
+        <pc:cxnChg chg="add mod">
+          <ac:chgData name="Fatima Pillosu" userId="a6295d4dc9e22643" providerId="LiveId" clId="{847D4158-B166-4E03-B53F-E82454BBD399}" dt="2024-01-05T11:57:11.315" v="73"/>
+          <ac:cxnSpMkLst>
+            <pc:docMk/>
+            <pc:sldMk cId="3953640220" sldId="256"/>
+            <ac:cxnSpMk id="169" creationId="{B4975CEA-6CFB-FE8B-19C8-EA81872B0919}"/>
+          </ac:cxnSpMkLst>
+        </pc:cxnChg>
+        <pc:cxnChg chg="add mod">
+          <ac:chgData name="Fatima Pillosu" userId="a6295d4dc9e22643" providerId="LiveId" clId="{847D4158-B166-4E03-B53F-E82454BBD399}" dt="2024-01-05T11:57:11.315" v="73"/>
+          <ac:cxnSpMkLst>
+            <pc:docMk/>
+            <pc:sldMk cId="3953640220" sldId="256"/>
+            <ac:cxnSpMk id="170" creationId="{E3330AC2-88CF-7EFC-5F9F-D17FAC17B176}"/>
+          </ac:cxnSpMkLst>
+        </pc:cxnChg>
+        <pc:cxnChg chg="add mod">
+          <ac:chgData name="Fatima Pillosu" userId="a6295d4dc9e22643" providerId="LiveId" clId="{847D4158-B166-4E03-B53F-E82454BBD399}" dt="2024-01-05T11:57:11.315" v="73"/>
+          <ac:cxnSpMkLst>
+            <pc:docMk/>
+            <pc:sldMk cId="3953640220" sldId="256"/>
+            <ac:cxnSpMk id="171" creationId="{83AA52D8-7B37-0E46-7F02-48DB9BED5B21}"/>
           </ac:cxnSpMkLst>
         </pc:cxnChg>
       </pc:sldChg>
@@ -1786,15 +3226,15 @@
         </p:nvSpPr>
         <p:spPr>
           <a:xfrm>
-            <a:off x="496848" y="1390483"/>
-            <a:ext cx="5630942" cy="2957971"/>
+            <a:off x="514350" y="1414125"/>
+            <a:ext cx="5829300" cy="3008266"/>
           </a:xfrm>
         </p:spPr>
         <p:txBody>
           <a:bodyPr anchor="b"/>
           <a:lstStyle>
             <a:lvl1pPr algn="ctr">
-              <a:defRPr sz="4347"/>
+              <a:defRPr sz="4500"/>
             </a:lvl1pPr>
           </a:lstStyle>
           <a:p>
@@ -1818,8 +3258,8 @@
         </p:nvSpPr>
         <p:spPr>
           <a:xfrm>
-            <a:off x="828080" y="4462525"/>
-            <a:ext cx="4968479" cy="2051305"/>
+            <a:off x="857250" y="4538401"/>
+            <a:ext cx="5143500" cy="2086184"/>
           </a:xfrm>
         </p:spPr>
         <p:txBody>
@@ -1827,39 +3267,39 @@
           <a:lstStyle>
             <a:lvl1pPr marL="0" indent="0" algn="ctr">
               <a:buNone/>
-              <a:defRPr sz="1739"/>
+              <a:defRPr sz="1800"/>
             </a:lvl1pPr>
-            <a:lvl2pPr marL="331241" indent="0" algn="ctr">
+            <a:lvl2pPr marL="342900" indent="0" algn="ctr">
               <a:buNone/>
-              <a:defRPr sz="1449"/>
+              <a:defRPr sz="1500"/>
             </a:lvl2pPr>
-            <a:lvl3pPr marL="662483" indent="0" algn="ctr">
+            <a:lvl3pPr marL="685800" indent="0" algn="ctr">
               <a:buNone/>
-              <a:defRPr sz="1304"/>
+              <a:defRPr sz="1350"/>
             </a:lvl3pPr>
-            <a:lvl4pPr marL="993724" indent="0" algn="ctr">
+            <a:lvl4pPr marL="1028700" indent="0" algn="ctr">
               <a:buNone/>
-              <a:defRPr sz="1159"/>
+              <a:defRPr sz="1200"/>
             </a:lvl4pPr>
-            <a:lvl5pPr marL="1324966" indent="0" algn="ctr">
+            <a:lvl5pPr marL="1371600" indent="0" algn="ctr">
               <a:buNone/>
-              <a:defRPr sz="1159"/>
+              <a:defRPr sz="1200"/>
             </a:lvl5pPr>
-            <a:lvl6pPr marL="1656207" indent="0" algn="ctr">
+            <a:lvl6pPr marL="1714500" indent="0" algn="ctr">
               <a:buNone/>
-              <a:defRPr sz="1159"/>
+              <a:defRPr sz="1200"/>
             </a:lvl6pPr>
-            <a:lvl7pPr marL="1987448" indent="0" algn="ctr">
+            <a:lvl7pPr marL="2057400" indent="0" algn="ctr">
               <a:buNone/>
-              <a:defRPr sz="1159"/>
+              <a:defRPr sz="1200"/>
             </a:lvl7pPr>
-            <a:lvl8pPr marL="2318690" indent="0" algn="ctr">
+            <a:lvl8pPr marL="2400300" indent="0" algn="ctr">
               <a:buNone/>
-              <a:defRPr sz="1159"/>
+              <a:defRPr sz="1200"/>
             </a:lvl8pPr>
-            <a:lvl9pPr marL="2649931" indent="0" algn="ctr">
+            <a:lvl9pPr marL="2743200" indent="0" algn="ctr">
               <a:buNone/>
-              <a:defRPr sz="1159"/>
+              <a:defRPr sz="1200"/>
             </a:lvl9pPr>
           </a:lstStyle>
           <a:p>
@@ -1888,7 +3328,7 @@
           <a:p>
             <a:fld id="{5FE35E60-0A81-43DB-92FE-330499CB0B1C}" type="datetimeFigureOut">
               <a:rPr lang="en-GB" smtClean="0"/>
-              <a:t>21/12/2023</a:t>
+              <a:t>05/01/2024</a:t>
             </a:fld>
             <a:endParaRPr lang="en-GB"/>
           </a:p>
@@ -1939,7 +3379,7 @@
     </p:spTree>
     <p:extLst>
       <p:ext uri="{BB962C8B-B14F-4D97-AF65-F5344CB8AC3E}">
-        <p14:creationId xmlns:p14="http://schemas.microsoft.com/office/powerpoint/2010/main" val="702746575"/>
+        <p14:creationId xmlns:p14="http://schemas.microsoft.com/office/powerpoint/2010/main" val="291748030"/>
       </p:ext>
     </p:extLst>
   </p:cSld>
@@ -2058,7 +3498,7 @@
           <a:p>
             <a:fld id="{5FE35E60-0A81-43DB-92FE-330499CB0B1C}" type="datetimeFigureOut">
               <a:rPr lang="en-GB" smtClean="0"/>
-              <a:t>21/12/2023</a:t>
+              <a:t>05/01/2024</a:t>
             </a:fld>
             <a:endParaRPr lang="en-GB"/>
           </a:p>
@@ -2109,7 +3549,7 @@
     </p:spTree>
     <p:extLst>
       <p:ext uri="{BB962C8B-B14F-4D97-AF65-F5344CB8AC3E}">
-        <p14:creationId xmlns:p14="http://schemas.microsoft.com/office/powerpoint/2010/main" val="2450627981"/>
+        <p14:creationId xmlns:p14="http://schemas.microsoft.com/office/powerpoint/2010/main" val="2031494670"/>
       </p:ext>
     </p:extLst>
   </p:cSld>
@@ -2148,8 +3588,8 @@
         </p:nvSpPr>
         <p:spPr>
           <a:xfrm>
-            <a:off x="4740757" y="452349"/>
-            <a:ext cx="1428438" cy="7200222"/>
+            <a:off x="4907757" y="460041"/>
+            <a:ext cx="1478756" cy="7322647"/>
           </a:xfrm>
         </p:spPr>
         <p:txBody>
@@ -2176,8 +3616,8 @@
         </p:nvSpPr>
         <p:spPr>
           <a:xfrm>
-            <a:off x="455444" y="452349"/>
-            <a:ext cx="4202505" cy="7200222"/>
+            <a:off x="471488" y="460041"/>
+            <a:ext cx="4350544" cy="7322647"/>
           </a:xfrm>
         </p:spPr>
         <p:txBody>
@@ -2238,7 +3678,7 @@
           <a:p>
             <a:fld id="{5FE35E60-0A81-43DB-92FE-330499CB0B1C}" type="datetimeFigureOut">
               <a:rPr lang="en-GB" smtClean="0"/>
-              <a:t>21/12/2023</a:t>
+              <a:t>05/01/2024</a:t>
             </a:fld>
             <a:endParaRPr lang="en-GB"/>
           </a:p>
@@ -2289,7 +3729,7 @@
     </p:spTree>
     <p:extLst>
       <p:ext uri="{BB962C8B-B14F-4D97-AF65-F5344CB8AC3E}">
-        <p14:creationId xmlns:p14="http://schemas.microsoft.com/office/powerpoint/2010/main" val="3067498958"/>
+        <p14:creationId xmlns:p14="http://schemas.microsoft.com/office/powerpoint/2010/main" val="3159138174"/>
       </p:ext>
     </p:extLst>
   </p:cSld>
@@ -2408,7 +3848,7 @@
           <a:p>
             <a:fld id="{5FE35E60-0A81-43DB-92FE-330499CB0B1C}" type="datetimeFigureOut">
               <a:rPr lang="en-GB" smtClean="0"/>
-              <a:t>21/12/2023</a:t>
+              <a:t>05/01/2024</a:t>
             </a:fld>
             <a:endParaRPr lang="en-GB"/>
           </a:p>
@@ -2459,7 +3899,7 @@
     </p:spTree>
     <p:extLst>
       <p:ext uri="{BB962C8B-B14F-4D97-AF65-F5344CB8AC3E}">
-        <p14:creationId xmlns:p14="http://schemas.microsoft.com/office/powerpoint/2010/main" val="3661009380"/>
+        <p14:creationId xmlns:p14="http://schemas.microsoft.com/office/powerpoint/2010/main" val="2602574418"/>
       </p:ext>
     </p:extLst>
   </p:cSld>
@@ -2498,15 +3938,15 @@
         </p:nvSpPr>
         <p:spPr>
           <a:xfrm>
-            <a:off x="451994" y="2118177"/>
-            <a:ext cx="5713750" cy="3534224"/>
+            <a:off x="467916" y="2154193"/>
+            <a:ext cx="5915025" cy="3594317"/>
           </a:xfrm>
         </p:spPr>
         <p:txBody>
           <a:bodyPr anchor="b"/>
           <a:lstStyle>
             <a:lvl1pPr>
-              <a:defRPr sz="4347"/>
+              <a:defRPr sz="4500"/>
             </a:lvl1pPr>
           </a:lstStyle>
           <a:p>
@@ -2530,8 +3970,8 @@
         </p:nvSpPr>
         <p:spPr>
           <a:xfrm>
-            <a:off x="451994" y="5685837"/>
-            <a:ext cx="5713750" cy="1858565"/>
+            <a:off x="467916" y="5782513"/>
+            <a:ext cx="5915025" cy="1890166"/>
           </a:xfrm>
         </p:spPr>
         <p:txBody>
@@ -2539,15 +3979,15 @@
           <a:lstStyle>
             <a:lvl1pPr marL="0" indent="0">
               <a:buNone/>
-              <a:defRPr sz="1739">
+              <a:defRPr sz="1800">
                 <a:solidFill>
                   <a:schemeClr val="tx1"/>
                 </a:solidFill>
               </a:defRPr>
             </a:lvl1pPr>
-            <a:lvl2pPr marL="331241" indent="0">
+            <a:lvl2pPr marL="342900" indent="0">
               <a:buNone/>
-              <a:defRPr sz="1449">
+              <a:defRPr sz="1500">
                 <a:solidFill>
                   <a:schemeClr val="tx1">
                     <a:tint val="75000"/>
@@ -2555,9 +3995,9 @@
                 </a:solidFill>
               </a:defRPr>
             </a:lvl2pPr>
-            <a:lvl3pPr marL="662483" indent="0">
+            <a:lvl3pPr marL="685800" indent="0">
               <a:buNone/>
-              <a:defRPr sz="1304">
+              <a:defRPr sz="1350">
                 <a:solidFill>
                   <a:schemeClr val="tx1">
                     <a:tint val="75000"/>
@@ -2565,9 +4005,9 @@
                 </a:solidFill>
               </a:defRPr>
             </a:lvl3pPr>
-            <a:lvl4pPr marL="993724" indent="0">
+            <a:lvl4pPr marL="1028700" indent="0">
               <a:buNone/>
-              <a:defRPr sz="1159">
+              <a:defRPr sz="1200">
                 <a:solidFill>
                   <a:schemeClr val="tx1">
                     <a:tint val="75000"/>
@@ -2575,9 +4015,9 @@
                 </a:solidFill>
               </a:defRPr>
             </a:lvl4pPr>
-            <a:lvl5pPr marL="1324966" indent="0">
+            <a:lvl5pPr marL="1371600" indent="0">
               <a:buNone/>
-              <a:defRPr sz="1159">
+              <a:defRPr sz="1200">
                 <a:solidFill>
                   <a:schemeClr val="tx1">
                     <a:tint val="75000"/>
@@ -2585,9 +4025,9 @@
                 </a:solidFill>
               </a:defRPr>
             </a:lvl5pPr>
-            <a:lvl6pPr marL="1656207" indent="0">
+            <a:lvl6pPr marL="1714500" indent="0">
               <a:buNone/>
-              <a:defRPr sz="1159">
+              <a:defRPr sz="1200">
                 <a:solidFill>
                   <a:schemeClr val="tx1">
                     <a:tint val="75000"/>
@@ -2595,9 +4035,9 @@
                 </a:solidFill>
               </a:defRPr>
             </a:lvl6pPr>
-            <a:lvl7pPr marL="1987448" indent="0">
+            <a:lvl7pPr marL="2057400" indent="0">
               <a:buNone/>
-              <a:defRPr sz="1159">
+              <a:defRPr sz="1200">
                 <a:solidFill>
                   <a:schemeClr val="tx1">
                     <a:tint val="75000"/>
@@ -2605,9 +4045,9 @@
                 </a:solidFill>
               </a:defRPr>
             </a:lvl7pPr>
-            <a:lvl8pPr marL="2318690" indent="0">
+            <a:lvl8pPr marL="2400300" indent="0">
               <a:buNone/>
-              <a:defRPr sz="1159">
+              <a:defRPr sz="1200">
                 <a:solidFill>
                   <a:schemeClr val="tx1">
                     <a:tint val="75000"/>
@@ -2615,9 +4055,9 @@
                 </a:solidFill>
               </a:defRPr>
             </a:lvl8pPr>
-            <a:lvl9pPr marL="2649931" indent="0">
+            <a:lvl9pPr marL="2743200" indent="0">
               <a:buNone/>
-              <a:defRPr sz="1159">
+              <a:defRPr sz="1200">
                 <a:solidFill>
                   <a:schemeClr val="tx1">
                     <a:tint val="75000"/>
@@ -2652,7 +4092,7 @@
           <a:p>
             <a:fld id="{5FE35E60-0A81-43DB-92FE-330499CB0B1C}" type="datetimeFigureOut">
               <a:rPr lang="en-GB" smtClean="0"/>
-              <a:t>21/12/2023</a:t>
+              <a:t>05/01/2024</a:t>
             </a:fld>
             <a:endParaRPr lang="en-GB"/>
           </a:p>
@@ -2703,7 +4143,7 @@
     </p:spTree>
     <p:extLst>
       <p:ext uri="{BB962C8B-B14F-4D97-AF65-F5344CB8AC3E}">
-        <p14:creationId xmlns:p14="http://schemas.microsoft.com/office/powerpoint/2010/main" val="3836697785"/>
+        <p14:creationId xmlns:p14="http://schemas.microsoft.com/office/powerpoint/2010/main" val="3821018448"/>
       </p:ext>
     </p:extLst>
   </p:cSld>
@@ -2765,8 +4205,8 @@
         </p:nvSpPr>
         <p:spPr>
           <a:xfrm>
-            <a:off x="455444" y="2261747"/>
-            <a:ext cx="2815471" cy="5390824"/>
+            <a:off x="471488" y="2300203"/>
+            <a:ext cx="2914650" cy="5482485"/>
           </a:xfrm>
         </p:spPr>
         <p:txBody>
@@ -2822,8 +4262,8 @@
         </p:nvSpPr>
         <p:spPr>
           <a:xfrm>
-            <a:off x="3353723" y="2261747"/>
-            <a:ext cx="2815471" cy="5390824"/>
+            <a:off x="3471863" y="2300203"/>
+            <a:ext cx="2914650" cy="5482485"/>
           </a:xfrm>
         </p:spPr>
         <p:txBody>
@@ -2884,7 +4324,7 @@
           <a:p>
             <a:fld id="{5FE35E60-0A81-43DB-92FE-330499CB0B1C}" type="datetimeFigureOut">
               <a:rPr lang="en-GB" smtClean="0"/>
-              <a:t>21/12/2023</a:t>
+              <a:t>05/01/2024</a:t>
             </a:fld>
             <a:endParaRPr lang="en-GB"/>
           </a:p>
@@ -2935,7 +4375,7 @@
     </p:spTree>
     <p:extLst>
       <p:ext uri="{BB962C8B-B14F-4D97-AF65-F5344CB8AC3E}">
-        <p14:creationId xmlns:p14="http://schemas.microsoft.com/office/powerpoint/2010/main" val="243927017"/>
+        <p14:creationId xmlns:p14="http://schemas.microsoft.com/office/powerpoint/2010/main" val="2709376906"/>
       </p:ext>
     </p:extLst>
   </p:cSld>
@@ -2974,8 +4414,8 @@
         </p:nvSpPr>
         <p:spPr>
           <a:xfrm>
-            <a:off x="456307" y="452351"/>
-            <a:ext cx="5713750" cy="1642225"/>
+            <a:off x="472381" y="460043"/>
+            <a:ext cx="5915025" cy="1670148"/>
           </a:xfrm>
         </p:spPr>
         <p:txBody>
@@ -3002,8 +4442,8 @@
         </p:nvSpPr>
         <p:spPr>
           <a:xfrm>
-            <a:off x="456307" y="2082774"/>
-            <a:ext cx="2802532" cy="1020735"/>
+            <a:off x="472381" y="2118188"/>
+            <a:ext cx="2901255" cy="1038091"/>
           </a:xfrm>
         </p:spPr>
         <p:txBody>
@@ -3011,39 +4451,39 @@
           <a:lstStyle>
             <a:lvl1pPr marL="0" indent="0">
               <a:buNone/>
-              <a:defRPr sz="1739" b="1"/>
+              <a:defRPr sz="1800" b="1"/>
             </a:lvl1pPr>
-            <a:lvl2pPr marL="331241" indent="0">
+            <a:lvl2pPr marL="342900" indent="0">
               <a:buNone/>
-              <a:defRPr sz="1449" b="1"/>
+              <a:defRPr sz="1500" b="1"/>
             </a:lvl2pPr>
-            <a:lvl3pPr marL="662483" indent="0">
+            <a:lvl3pPr marL="685800" indent="0">
               <a:buNone/>
-              <a:defRPr sz="1304" b="1"/>
+              <a:defRPr sz="1350" b="1"/>
             </a:lvl3pPr>
-            <a:lvl4pPr marL="993724" indent="0">
+            <a:lvl4pPr marL="1028700" indent="0">
               <a:buNone/>
-              <a:defRPr sz="1159" b="1"/>
+              <a:defRPr sz="1200" b="1"/>
             </a:lvl4pPr>
-            <a:lvl5pPr marL="1324966" indent="0">
+            <a:lvl5pPr marL="1371600" indent="0">
               <a:buNone/>
-              <a:defRPr sz="1159" b="1"/>
+              <a:defRPr sz="1200" b="1"/>
             </a:lvl5pPr>
-            <a:lvl6pPr marL="1656207" indent="0">
+            <a:lvl6pPr marL="1714500" indent="0">
               <a:buNone/>
-              <a:defRPr sz="1159" b="1"/>
+              <a:defRPr sz="1200" b="1"/>
             </a:lvl6pPr>
-            <a:lvl7pPr marL="1987448" indent="0">
+            <a:lvl7pPr marL="2057400" indent="0">
               <a:buNone/>
-              <a:defRPr sz="1159" b="1"/>
+              <a:defRPr sz="1200" b="1"/>
             </a:lvl7pPr>
-            <a:lvl8pPr marL="2318690" indent="0">
+            <a:lvl8pPr marL="2400300" indent="0">
               <a:buNone/>
-              <a:defRPr sz="1159" b="1"/>
+              <a:defRPr sz="1200" b="1"/>
             </a:lvl8pPr>
-            <a:lvl9pPr marL="2649931" indent="0">
+            <a:lvl9pPr marL="2743200" indent="0">
               <a:buNone/>
-              <a:defRPr sz="1159" b="1"/>
+              <a:defRPr sz="1200" b="1"/>
             </a:lvl9pPr>
           </a:lstStyle>
           <a:p>
@@ -3067,8 +4507,8 @@
         </p:nvSpPr>
         <p:spPr>
           <a:xfrm>
-            <a:off x="456307" y="3103510"/>
-            <a:ext cx="2802532" cy="4564795"/>
+            <a:off x="472381" y="3156278"/>
+            <a:ext cx="2901255" cy="4642411"/>
           </a:xfrm>
         </p:spPr>
         <p:txBody>
@@ -3124,8 +4564,8 @@
         </p:nvSpPr>
         <p:spPr>
           <a:xfrm>
-            <a:off x="3353723" y="2082774"/>
-            <a:ext cx="2816334" cy="1020735"/>
+            <a:off x="3471863" y="2118188"/>
+            <a:ext cx="2915543" cy="1038091"/>
           </a:xfrm>
         </p:spPr>
         <p:txBody>
@@ -3133,39 +4573,39 @@
           <a:lstStyle>
             <a:lvl1pPr marL="0" indent="0">
               <a:buNone/>
-              <a:defRPr sz="1739" b="1"/>
+              <a:defRPr sz="1800" b="1"/>
             </a:lvl1pPr>
-            <a:lvl2pPr marL="331241" indent="0">
+            <a:lvl2pPr marL="342900" indent="0">
               <a:buNone/>
-              <a:defRPr sz="1449" b="1"/>
+              <a:defRPr sz="1500" b="1"/>
             </a:lvl2pPr>
-            <a:lvl3pPr marL="662483" indent="0">
+            <a:lvl3pPr marL="685800" indent="0">
               <a:buNone/>
-              <a:defRPr sz="1304" b="1"/>
+              <a:defRPr sz="1350" b="1"/>
             </a:lvl3pPr>
-            <a:lvl4pPr marL="993724" indent="0">
+            <a:lvl4pPr marL="1028700" indent="0">
               <a:buNone/>
-              <a:defRPr sz="1159" b="1"/>
+              <a:defRPr sz="1200" b="1"/>
             </a:lvl4pPr>
-            <a:lvl5pPr marL="1324966" indent="0">
+            <a:lvl5pPr marL="1371600" indent="0">
               <a:buNone/>
-              <a:defRPr sz="1159" b="1"/>
+              <a:defRPr sz="1200" b="1"/>
             </a:lvl5pPr>
-            <a:lvl6pPr marL="1656207" indent="0">
+            <a:lvl6pPr marL="1714500" indent="0">
               <a:buNone/>
-              <a:defRPr sz="1159" b="1"/>
+              <a:defRPr sz="1200" b="1"/>
             </a:lvl6pPr>
-            <a:lvl7pPr marL="1987448" indent="0">
+            <a:lvl7pPr marL="2057400" indent="0">
               <a:buNone/>
-              <a:defRPr sz="1159" b="1"/>
+              <a:defRPr sz="1200" b="1"/>
             </a:lvl7pPr>
-            <a:lvl8pPr marL="2318690" indent="0">
+            <a:lvl8pPr marL="2400300" indent="0">
               <a:buNone/>
-              <a:defRPr sz="1159" b="1"/>
+              <a:defRPr sz="1200" b="1"/>
             </a:lvl8pPr>
-            <a:lvl9pPr marL="2649931" indent="0">
+            <a:lvl9pPr marL="2743200" indent="0">
               <a:buNone/>
-              <a:defRPr sz="1159" b="1"/>
+              <a:defRPr sz="1200" b="1"/>
             </a:lvl9pPr>
           </a:lstStyle>
           <a:p>
@@ -3189,8 +4629,8 @@
         </p:nvSpPr>
         <p:spPr>
           <a:xfrm>
-            <a:off x="3353723" y="3103510"/>
-            <a:ext cx="2816334" cy="4564795"/>
+            <a:off x="3471863" y="3156278"/>
+            <a:ext cx="2915543" cy="4642411"/>
           </a:xfrm>
         </p:spPr>
         <p:txBody>
@@ -3251,7 +4691,7 @@
           <a:p>
             <a:fld id="{5FE35E60-0A81-43DB-92FE-330499CB0B1C}" type="datetimeFigureOut">
               <a:rPr lang="en-GB" smtClean="0"/>
-              <a:t>21/12/2023</a:t>
+              <a:t>05/01/2024</a:t>
             </a:fld>
             <a:endParaRPr lang="en-GB"/>
           </a:p>
@@ -3302,7 +4742,7 @@
     </p:spTree>
     <p:extLst>
       <p:ext uri="{BB962C8B-B14F-4D97-AF65-F5344CB8AC3E}">
-        <p14:creationId xmlns:p14="http://schemas.microsoft.com/office/powerpoint/2010/main" val="1148910704"/>
+        <p14:creationId xmlns:p14="http://schemas.microsoft.com/office/powerpoint/2010/main" val="2991151127"/>
       </p:ext>
     </p:extLst>
   </p:cSld>
@@ -3369,7 +4809,7 @@
           <a:p>
             <a:fld id="{5FE35E60-0A81-43DB-92FE-330499CB0B1C}" type="datetimeFigureOut">
               <a:rPr lang="en-GB" smtClean="0"/>
-              <a:t>21/12/2023</a:t>
+              <a:t>05/01/2024</a:t>
             </a:fld>
             <a:endParaRPr lang="en-GB"/>
           </a:p>
@@ -3420,7 +4860,7 @@
     </p:spTree>
     <p:extLst>
       <p:ext uri="{BB962C8B-B14F-4D97-AF65-F5344CB8AC3E}">
-        <p14:creationId xmlns:p14="http://schemas.microsoft.com/office/powerpoint/2010/main" val="3876883820"/>
+        <p14:creationId xmlns:p14="http://schemas.microsoft.com/office/powerpoint/2010/main" val="4242690505"/>
       </p:ext>
     </p:extLst>
   </p:cSld>
@@ -3464,7 +4904,7 @@
           <a:p>
             <a:fld id="{5FE35E60-0A81-43DB-92FE-330499CB0B1C}" type="datetimeFigureOut">
               <a:rPr lang="en-GB" smtClean="0"/>
-              <a:t>21/12/2023</a:t>
+              <a:t>05/01/2024</a:t>
             </a:fld>
             <a:endParaRPr lang="en-GB"/>
           </a:p>
@@ -3515,7 +4955,7 @@
     </p:spTree>
     <p:extLst>
       <p:ext uri="{BB962C8B-B14F-4D97-AF65-F5344CB8AC3E}">
-        <p14:creationId xmlns:p14="http://schemas.microsoft.com/office/powerpoint/2010/main" val="2380268110"/>
+        <p14:creationId xmlns:p14="http://schemas.microsoft.com/office/powerpoint/2010/main" val="3131834047"/>
       </p:ext>
     </p:extLst>
   </p:cSld>
@@ -3554,15 +4994,15 @@
         </p:nvSpPr>
         <p:spPr>
           <a:xfrm>
-            <a:off x="456307" y="566420"/>
-            <a:ext cx="2136618" cy="1982470"/>
+            <a:off x="472381" y="576051"/>
+            <a:ext cx="2211884" cy="2016178"/>
           </a:xfrm>
         </p:spPr>
         <p:txBody>
           <a:bodyPr anchor="b"/>
           <a:lstStyle>
             <a:lvl1pPr>
-              <a:defRPr sz="2318"/>
+              <a:defRPr sz="2400"/>
             </a:lvl1pPr>
           </a:lstStyle>
           <a:p>
@@ -3586,39 +5026,39 @@
         </p:nvSpPr>
         <p:spPr>
           <a:xfrm>
-            <a:off x="2816334" y="1223312"/>
-            <a:ext cx="3353723" cy="6037880"/>
+            <a:off x="2915543" y="1244112"/>
+            <a:ext cx="3471863" cy="6140542"/>
           </a:xfrm>
         </p:spPr>
         <p:txBody>
           <a:bodyPr/>
           <a:lstStyle>
             <a:lvl1pPr>
-              <a:defRPr sz="2318"/>
+              <a:defRPr sz="2400"/>
             </a:lvl1pPr>
             <a:lvl2pPr>
-              <a:defRPr sz="2029"/>
+              <a:defRPr sz="2100"/>
             </a:lvl2pPr>
             <a:lvl3pPr>
-              <a:defRPr sz="1739"/>
+              <a:defRPr sz="1800"/>
             </a:lvl3pPr>
             <a:lvl4pPr>
-              <a:defRPr sz="1449"/>
+              <a:defRPr sz="1500"/>
             </a:lvl4pPr>
             <a:lvl5pPr>
-              <a:defRPr sz="1449"/>
+              <a:defRPr sz="1500"/>
             </a:lvl5pPr>
             <a:lvl6pPr>
-              <a:defRPr sz="1449"/>
+              <a:defRPr sz="1500"/>
             </a:lvl6pPr>
             <a:lvl7pPr>
-              <a:defRPr sz="1449"/>
+              <a:defRPr sz="1500"/>
             </a:lvl7pPr>
             <a:lvl8pPr>
-              <a:defRPr sz="1449"/>
+              <a:defRPr sz="1500"/>
             </a:lvl8pPr>
             <a:lvl9pPr>
-              <a:defRPr sz="1449"/>
+              <a:defRPr sz="1500"/>
             </a:lvl9pPr>
           </a:lstStyle>
           <a:p>
@@ -3671,8 +5111,8 @@
         </p:nvSpPr>
         <p:spPr>
           <a:xfrm>
-            <a:off x="456307" y="2548890"/>
-            <a:ext cx="2136618" cy="4722134"/>
+            <a:off x="472381" y="2592229"/>
+            <a:ext cx="2211884" cy="4802425"/>
           </a:xfrm>
         </p:spPr>
         <p:txBody>
@@ -3680,39 +5120,39 @@
           <a:lstStyle>
             <a:lvl1pPr marL="0" indent="0">
               <a:buNone/>
-              <a:defRPr sz="1159"/>
+              <a:defRPr sz="1200"/>
             </a:lvl1pPr>
-            <a:lvl2pPr marL="331241" indent="0">
+            <a:lvl2pPr marL="342900" indent="0">
               <a:buNone/>
-              <a:defRPr sz="1014"/>
+              <a:defRPr sz="1050"/>
             </a:lvl2pPr>
-            <a:lvl3pPr marL="662483" indent="0">
+            <a:lvl3pPr marL="685800" indent="0">
               <a:buNone/>
-              <a:defRPr sz="869"/>
+              <a:defRPr sz="900"/>
             </a:lvl3pPr>
-            <a:lvl4pPr marL="993724" indent="0">
+            <a:lvl4pPr marL="1028700" indent="0">
               <a:buNone/>
-              <a:defRPr sz="725"/>
+              <a:defRPr sz="750"/>
             </a:lvl4pPr>
-            <a:lvl5pPr marL="1324966" indent="0">
+            <a:lvl5pPr marL="1371600" indent="0">
               <a:buNone/>
-              <a:defRPr sz="725"/>
+              <a:defRPr sz="750"/>
             </a:lvl5pPr>
-            <a:lvl6pPr marL="1656207" indent="0">
+            <a:lvl6pPr marL="1714500" indent="0">
               <a:buNone/>
-              <a:defRPr sz="725"/>
+              <a:defRPr sz="750"/>
             </a:lvl6pPr>
-            <a:lvl7pPr marL="1987448" indent="0">
+            <a:lvl7pPr marL="2057400" indent="0">
               <a:buNone/>
-              <a:defRPr sz="725"/>
+              <a:defRPr sz="750"/>
             </a:lvl7pPr>
-            <a:lvl8pPr marL="2318690" indent="0">
+            <a:lvl8pPr marL="2400300" indent="0">
               <a:buNone/>
-              <a:defRPr sz="725"/>
+              <a:defRPr sz="750"/>
             </a:lvl8pPr>
-            <a:lvl9pPr marL="2649931" indent="0">
+            <a:lvl9pPr marL="2743200" indent="0">
               <a:buNone/>
-              <a:defRPr sz="725"/>
+              <a:defRPr sz="750"/>
             </a:lvl9pPr>
           </a:lstStyle>
           <a:p>
@@ -3741,7 +5181,7 @@
           <a:p>
             <a:fld id="{5FE35E60-0A81-43DB-92FE-330499CB0B1C}" type="datetimeFigureOut">
               <a:rPr lang="en-GB" smtClean="0"/>
-              <a:t>21/12/2023</a:t>
+              <a:t>05/01/2024</a:t>
             </a:fld>
             <a:endParaRPr lang="en-GB"/>
           </a:p>
@@ -3792,7 +5232,7 @@
     </p:spTree>
     <p:extLst>
       <p:ext uri="{BB962C8B-B14F-4D97-AF65-F5344CB8AC3E}">
-        <p14:creationId xmlns:p14="http://schemas.microsoft.com/office/powerpoint/2010/main" val="2445297344"/>
+        <p14:creationId xmlns:p14="http://schemas.microsoft.com/office/powerpoint/2010/main" val="3328909831"/>
       </p:ext>
     </p:extLst>
   </p:cSld>
@@ -3831,15 +5271,15 @@
         </p:nvSpPr>
         <p:spPr>
           <a:xfrm>
-            <a:off x="456307" y="566420"/>
-            <a:ext cx="2136618" cy="1982470"/>
+            <a:off x="472381" y="576051"/>
+            <a:ext cx="2211884" cy="2016178"/>
           </a:xfrm>
         </p:spPr>
         <p:txBody>
           <a:bodyPr anchor="b"/>
           <a:lstStyle>
             <a:lvl1pPr>
-              <a:defRPr sz="2318"/>
+              <a:defRPr sz="2400"/>
             </a:lvl1pPr>
           </a:lstStyle>
           <a:p>
@@ -3863,8 +5303,8 @@
         </p:nvSpPr>
         <p:spPr>
           <a:xfrm>
-            <a:off x="2816334" y="1223312"/>
-            <a:ext cx="3353723" cy="6037880"/>
+            <a:off x="2915543" y="1244112"/>
+            <a:ext cx="3471863" cy="6140542"/>
           </a:xfrm>
         </p:spPr>
         <p:txBody>
@@ -3872,39 +5312,39 @@
           <a:lstStyle>
             <a:lvl1pPr marL="0" indent="0">
               <a:buNone/>
-              <a:defRPr sz="2318"/>
+              <a:defRPr sz="2400"/>
             </a:lvl1pPr>
-            <a:lvl2pPr marL="331241" indent="0">
+            <a:lvl2pPr marL="342900" indent="0">
               <a:buNone/>
-              <a:defRPr sz="2029"/>
+              <a:defRPr sz="2100"/>
             </a:lvl2pPr>
-            <a:lvl3pPr marL="662483" indent="0">
+            <a:lvl3pPr marL="685800" indent="0">
               <a:buNone/>
-              <a:defRPr sz="1739"/>
+              <a:defRPr sz="1800"/>
             </a:lvl3pPr>
-            <a:lvl4pPr marL="993724" indent="0">
+            <a:lvl4pPr marL="1028700" indent="0">
               <a:buNone/>
-              <a:defRPr sz="1449"/>
+              <a:defRPr sz="1500"/>
             </a:lvl4pPr>
-            <a:lvl5pPr marL="1324966" indent="0">
+            <a:lvl5pPr marL="1371600" indent="0">
               <a:buNone/>
-              <a:defRPr sz="1449"/>
+              <a:defRPr sz="1500"/>
             </a:lvl5pPr>
-            <a:lvl6pPr marL="1656207" indent="0">
+            <a:lvl6pPr marL="1714500" indent="0">
               <a:buNone/>
-              <a:defRPr sz="1449"/>
+              <a:defRPr sz="1500"/>
             </a:lvl6pPr>
-            <a:lvl7pPr marL="1987448" indent="0">
+            <a:lvl7pPr marL="2057400" indent="0">
               <a:buNone/>
-              <a:defRPr sz="1449"/>
+              <a:defRPr sz="1500"/>
             </a:lvl7pPr>
-            <a:lvl8pPr marL="2318690" indent="0">
+            <a:lvl8pPr marL="2400300" indent="0">
               <a:buNone/>
-              <a:defRPr sz="1449"/>
+              <a:defRPr sz="1500"/>
             </a:lvl8pPr>
-            <a:lvl9pPr marL="2649931" indent="0">
+            <a:lvl9pPr marL="2743200" indent="0">
               <a:buNone/>
-              <a:defRPr sz="1449"/>
+              <a:defRPr sz="1500"/>
             </a:lvl9pPr>
           </a:lstStyle>
           <a:p>
@@ -3928,8 +5368,8 @@
         </p:nvSpPr>
         <p:spPr>
           <a:xfrm>
-            <a:off x="456307" y="2548890"/>
-            <a:ext cx="2136618" cy="4722134"/>
+            <a:off x="472381" y="2592229"/>
+            <a:ext cx="2211884" cy="4802425"/>
           </a:xfrm>
         </p:spPr>
         <p:txBody>
@@ -3937,39 +5377,39 @@
           <a:lstStyle>
             <a:lvl1pPr marL="0" indent="0">
               <a:buNone/>
-              <a:defRPr sz="1159"/>
+              <a:defRPr sz="1200"/>
             </a:lvl1pPr>
-            <a:lvl2pPr marL="331241" indent="0">
+            <a:lvl2pPr marL="342900" indent="0">
               <a:buNone/>
-              <a:defRPr sz="1014"/>
+              <a:defRPr sz="1050"/>
             </a:lvl2pPr>
-            <a:lvl3pPr marL="662483" indent="0">
+            <a:lvl3pPr marL="685800" indent="0">
               <a:buNone/>
-              <a:defRPr sz="869"/>
+              <a:defRPr sz="900"/>
             </a:lvl3pPr>
-            <a:lvl4pPr marL="993724" indent="0">
+            <a:lvl4pPr marL="1028700" indent="0">
               <a:buNone/>
-              <a:defRPr sz="725"/>
+              <a:defRPr sz="750"/>
             </a:lvl4pPr>
-            <a:lvl5pPr marL="1324966" indent="0">
+            <a:lvl5pPr marL="1371600" indent="0">
               <a:buNone/>
-              <a:defRPr sz="725"/>
+              <a:defRPr sz="750"/>
             </a:lvl5pPr>
-            <a:lvl6pPr marL="1656207" indent="0">
+            <a:lvl6pPr marL="1714500" indent="0">
               <a:buNone/>
-              <a:defRPr sz="725"/>
+              <a:defRPr sz="750"/>
             </a:lvl6pPr>
-            <a:lvl7pPr marL="1987448" indent="0">
+            <a:lvl7pPr marL="2057400" indent="0">
               <a:buNone/>
-              <a:defRPr sz="725"/>
+              <a:defRPr sz="750"/>
             </a:lvl7pPr>
-            <a:lvl8pPr marL="2318690" indent="0">
+            <a:lvl8pPr marL="2400300" indent="0">
               <a:buNone/>
-              <a:defRPr sz="725"/>
+              <a:defRPr sz="750"/>
             </a:lvl8pPr>
-            <a:lvl9pPr marL="2649931" indent="0">
+            <a:lvl9pPr marL="2743200" indent="0">
               <a:buNone/>
-              <a:defRPr sz="725"/>
+              <a:defRPr sz="750"/>
             </a:lvl9pPr>
           </a:lstStyle>
           <a:p>
@@ -3998,7 +5438,7 @@
           <a:p>
             <a:fld id="{5FE35E60-0A81-43DB-92FE-330499CB0B1C}" type="datetimeFigureOut">
               <a:rPr lang="en-GB" smtClean="0"/>
-              <a:t>21/12/2023</a:t>
+              <a:t>05/01/2024</a:t>
             </a:fld>
             <a:endParaRPr lang="en-GB"/>
           </a:p>
@@ -4049,7 +5489,7 @@
     </p:spTree>
     <p:extLst>
       <p:ext uri="{BB962C8B-B14F-4D97-AF65-F5344CB8AC3E}">
-        <p14:creationId xmlns:p14="http://schemas.microsoft.com/office/powerpoint/2010/main" val="1847029979"/>
+        <p14:creationId xmlns:p14="http://schemas.microsoft.com/office/powerpoint/2010/main" val="1253126729"/>
       </p:ext>
     </p:extLst>
   </p:cSld>
@@ -4093,8 +5533,8 @@
         </p:nvSpPr>
         <p:spPr>
           <a:xfrm>
-            <a:off x="455444" y="452351"/>
-            <a:ext cx="5713750" cy="1642225"/>
+            <a:off x="471488" y="460043"/>
+            <a:ext cx="5915025" cy="1670148"/>
           </a:xfrm>
           <a:prstGeom prst="rect">
             <a:avLst/>
@@ -4126,8 +5566,8 @@
         </p:nvSpPr>
         <p:spPr>
           <a:xfrm>
-            <a:off x="455444" y="2261747"/>
-            <a:ext cx="5713750" cy="5390824"/>
+            <a:off x="471488" y="2300203"/>
+            <a:ext cx="5915025" cy="5482485"/>
           </a:xfrm>
           <a:prstGeom prst="rect">
             <a:avLst/>
@@ -4188,8 +5628,8 @@
         </p:nvSpPr>
         <p:spPr>
           <a:xfrm>
-            <a:off x="455444" y="7874813"/>
-            <a:ext cx="1490544" cy="452349"/>
+            <a:off x="471488" y="8008709"/>
+            <a:ext cx="1543050" cy="460041"/>
           </a:xfrm>
           <a:prstGeom prst="rect">
             <a:avLst/>
@@ -4199,7 +5639,7 @@
           <a:bodyPr vert="horz" lIns="91440" tIns="45720" rIns="91440" bIns="45720" rtlCol="0" anchor="ctr"/>
           <a:lstStyle>
             <a:lvl1pPr algn="l">
-              <a:defRPr sz="869">
+              <a:defRPr sz="900">
                 <a:solidFill>
                   <a:schemeClr val="tx1">
                     <a:tint val="75000"/>
@@ -4211,7 +5651,7 @@
           <a:p>
             <a:fld id="{5FE35E60-0A81-43DB-92FE-330499CB0B1C}" type="datetimeFigureOut">
               <a:rPr lang="en-GB" smtClean="0"/>
-              <a:t>21/12/2023</a:t>
+              <a:t>05/01/2024</a:t>
             </a:fld>
             <a:endParaRPr lang="en-GB"/>
           </a:p>
@@ -4229,8 +5669,8 @@
         </p:nvSpPr>
         <p:spPr>
           <a:xfrm>
-            <a:off x="2194412" y="7874813"/>
-            <a:ext cx="2235815" cy="452349"/>
+            <a:off x="2271713" y="8008709"/>
+            <a:ext cx="2314575" cy="460041"/>
           </a:xfrm>
           <a:prstGeom prst="rect">
             <a:avLst/>
@@ -4240,7 +5680,7 @@
           <a:bodyPr vert="horz" lIns="91440" tIns="45720" rIns="91440" bIns="45720" rtlCol="0" anchor="ctr"/>
           <a:lstStyle>
             <a:lvl1pPr algn="ctr">
-              <a:defRPr sz="869">
+              <a:defRPr sz="900">
                 <a:solidFill>
                   <a:schemeClr val="tx1">
                     <a:tint val="75000"/>
@@ -4266,8 +5706,8 @@
         </p:nvSpPr>
         <p:spPr>
           <a:xfrm>
-            <a:off x="4678650" y="7874813"/>
-            <a:ext cx="1490544" cy="452349"/>
+            <a:off x="4843463" y="8008709"/>
+            <a:ext cx="1543050" cy="460041"/>
           </a:xfrm>
           <a:prstGeom prst="rect">
             <a:avLst/>
@@ -4277,7 +5717,7 @@
           <a:bodyPr vert="horz" lIns="91440" tIns="45720" rIns="91440" bIns="45720" rtlCol="0" anchor="ctr"/>
           <a:lstStyle>
             <a:lvl1pPr algn="r">
-              <a:defRPr sz="869">
+              <a:defRPr sz="900">
                 <a:solidFill>
                   <a:schemeClr val="tx1">
                     <a:tint val="75000"/>
@@ -4298,27 +5738,27 @@
     </p:spTree>
     <p:extLst>
       <p:ext uri="{BB962C8B-B14F-4D97-AF65-F5344CB8AC3E}">
-        <p14:creationId xmlns:p14="http://schemas.microsoft.com/office/powerpoint/2010/main" val="3248829212"/>
+        <p14:creationId xmlns:p14="http://schemas.microsoft.com/office/powerpoint/2010/main" val="622705926"/>
       </p:ext>
     </p:extLst>
   </p:cSld>
   <p:clrMap bg1="lt1" tx1="dk1" bg2="lt2" tx2="dk2" accent1="accent1" accent2="accent2" accent3="accent3" accent4="accent4" accent5="accent5" accent6="accent6" hlink="hlink" folHlink="folHlink"/>
   <p:sldLayoutIdLst>
-    <p:sldLayoutId id="2147483685" r:id="rId1"/>
-    <p:sldLayoutId id="2147483686" r:id="rId2"/>
-    <p:sldLayoutId id="2147483687" r:id="rId3"/>
-    <p:sldLayoutId id="2147483688" r:id="rId4"/>
-    <p:sldLayoutId id="2147483689" r:id="rId5"/>
-    <p:sldLayoutId id="2147483690" r:id="rId6"/>
-    <p:sldLayoutId id="2147483691" r:id="rId7"/>
-    <p:sldLayoutId id="2147483692" r:id="rId8"/>
-    <p:sldLayoutId id="2147483693" r:id="rId9"/>
-    <p:sldLayoutId id="2147483694" r:id="rId10"/>
-    <p:sldLayoutId id="2147483695" r:id="rId11"/>
+    <p:sldLayoutId id="2147483709" r:id="rId1"/>
+    <p:sldLayoutId id="2147483710" r:id="rId2"/>
+    <p:sldLayoutId id="2147483711" r:id="rId3"/>
+    <p:sldLayoutId id="2147483712" r:id="rId4"/>
+    <p:sldLayoutId id="2147483713" r:id="rId5"/>
+    <p:sldLayoutId id="2147483714" r:id="rId6"/>
+    <p:sldLayoutId id="2147483715" r:id="rId7"/>
+    <p:sldLayoutId id="2147483716" r:id="rId8"/>
+    <p:sldLayoutId id="2147483717" r:id="rId9"/>
+    <p:sldLayoutId id="2147483718" r:id="rId10"/>
+    <p:sldLayoutId id="2147483719" r:id="rId11"/>
   </p:sldLayoutIdLst>
   <p:txStyles>
     <p:titleStyle>
-      <a:lvl1pPr algn="l" defTabSz="662483" rtl="0" eaLnBrk="1" latinLnBrk="0" hangingPunct="1">
+      <a:lvl1pPr algn="l" defTabSz="685800" rtl="0" eaLnBrk="1" latinLnBrk="0" hangingPunct="1">
         <a:lnSpc>
           <a:spcPct val="90000"/>
         </a:lnSpc>
@@ -4326,7 +5766,7 @@
           <a:spcPct val="0"/>
         </a:spcBef>
         <a:buNone/>
-        <a:defRPr sz="3188" kern="1200">
+        <a:defRPr sz="3300" kern="1200">
           <a:solidFill>
             <a:schemeClr val="tx1"/>
           </a:solidFill>
@@ -4337,16 +5777,16 @@
       </a:lvl1pPr>
     </p:titleStyle>
     <p:bodyStyle>
-      <a:lvl1pPr marL="165621" indent="-165621" algn="l" defTabSz="662483" rtl="0" eaLnBrk="1" latinLnBrk="0" hangingPunct="1">
+      <a:lvl1pPr marL="171450" indent="-171450" algn="l" defTabSz="685800" rtl="0" eaLnBrk="1" latinLnBrk="0" hangingPunct="1">
         <a:lnSpc>
           <a:spcPct val="90000"/>
         </a:lnSpc>
         <a:spcBef>
-          <a:spcPts val="725"/>
+          <a:spcPts val="750"/>
         </a:spcBef>
         <a:buFont typeface="Arial" panose="020B0604020202020204" pitchFamily="34" charset="0"/>
         <a:buChar char="•"/>
-        <a:defRPr sz="2029" kern="1200">
+        <a:defRPr sz="2100" kern="1200">
           <a:solidFill>
             <a:schemeClr val="tx1"/>
           </a:solidFill>
@@ -4355,16 +5795,16 @@
           <a:cs typeface="+mn-cs"/>
         </a:defRPr>
       </a:lvl1pPr>
-      <a:lvl2pPr marL="496862" indent="-165621" algn="l" defTabSz="662483" rtl="0" eaLnBrk="1" latinLnBrk="0" hangingPunct="1">
+      <a:lvl2pPr marL="514350" indent="-171450" algn="l" defTabSz="685800" rtl="0" eaLnBrk="1" latinLnBrk="0" hangingPunct="1">
         <a:lnSpc>
           <a:spcPct val="90000"/>
         </a:lnSpc>
         <a:spcBef>
-          <a:spcPts val="362"/>
+          <a:spcPts val="375"/>
         </a:spcBef>
         <a:buFont typeface="Arial" panose="020B0604020202020204" pitchFamily="34" charset="0"/>
         <a:buChar char="•"/>
-        <a:defRPr sz="1739" kern="1200">
+        <a:defRPr sz="1800" kern="1200">
           <a:solidFill>
             <a:schemeClr val="tx1"/>
           </a:solidFill>
@@ -4373,16 +5813,16 @@
           <a:cs typeface="+mn-cs"/>
         </a:defRPr>
       </a:lvl2pPr>
-      <a:lvl3pPr marL="828104" indent="-165621" algn="l" defTabSz="662483" rtl="0" eaLnBrk="1" latinLnBrk="0" hangingPunct="1">
+      <a:lvl3pPr marL="857250" indent="-171450" algn="l" defTabSz="685800" rtl="0" eaLnBrk="1" latinLnBrk="0" hangingPunct="1">
         <a:lnSpc>
           <a:spcPct val="90000"/>
         </a:lnSpc>
         <a:spcBef>
-          <a:spcPts val="362"/>
+          <a:spcPts val="375"/>
         </a:spcBef>
         <a:buFont typeface="Arial" panose="020B0604020202020204" pitchFamily="34" charset="0"/>
         <a:buChar char="•"/>
-        <a:defRPr sz="1449" kern="1200">
+        <a:defRPr sz="1500" kern="1200">
           <a:solidFill>
             <a:schemeClr val="tx1"/>
           </a:solidFill>
@@ -4391,16 +5831,16 @@
           <a:cs typeface="+mn-cs"/>
         </a:defRPr>
       </a:lvl3pPr>
-      <a:lvl4pPr marL="1159345" indent="-165621" algn="l" defTabSz="662483" rtl="0" eaLnBrk="1" latinLnBrk="0" hangingPunct="1">
+      <a:lvl4pPr marL="1200150" indent="-171450" algn="l" defTabSz="685800" rtl="0" eaLnBrk="1" latinLnBrk="0" hangingPunct="1">
         <a:lnSpc>
           <a:spcPct val="90000"/>
         </a:lnSpc>
         <a:spcBef>
-          <a:spcPts val="362"/>
+          <a:spcPts val="375"/>
         </a:spcBef>
         <a:buFont typeface="Arial" panose="020B0604020202020204" pitchFamily="34" charset="0"/>
         <a:buChar char="•"/>
-        <a:defRPr sz="1304" kern="1200">
+        <a:defRPr sz="1350" kern="1200">
           <a:solidFill>
             <a:schemeClr val="tx1"/>
           </a:solidFill>
@@ -4409,16 +5849,16 @@
           <a:cs typeface="+mn-cs"/>
         </a:defRPr>
       </a:lvl4pPr>
-      <a:lvl5pPr marL="1490586" indent="-165621" algn="l" defTabSz="662483" rtl="0" eaLnBrk="1" latinLnBrk="0" hangingPunct="1">
+      <a:lvl5pPr marL="1543050" indent="-171450" algn="l" defTabSz="685800" rtl="0" eaLnBrk="1" latinLnBrk="0" hangingPunct="1">
         <a:lnSpc>
           <a:spcPct val="90000"/>
         </a:lnSpc>
         <a:spcBef>
-          <a:spcPts val="362"/>
+          <a:spcPts val="375"/>
         </a:spcBef>
         <a:buFont typeface="Arial" panose="020B0604020202020204" pitchFamily="34" charset="0"/>
         <a:buChar char="•"/>
-        <a:defRPr sz="1304" kern="1200">
+        <a:defRPr sz="1350" kern="1200">
           <a:solidFill>
             <a:schemeClr val="tx1"/>
           </a:solidFill>
@@ -4427,16 +5867,16 @@
           <a:cs typeface="+mn-cs"/>
         </a:defRPr>
       </a:lvl5pPr>
-      <a:lvl6pPr marL="1821828" indent="-165621" algn="l" defTabSz="662483" rtl="0" eaLnBrk="1" latinLnBrk="0" hangingPunct="1">
+      <a:lvl6pPr marL="1885950" indent="-171450" algn="l" defTabSz="685800" rtl="0" eaLnBrk="1" latinLnBrk="0" hangingPunct="1">
         <a:lnSpc>
           <a:spcPct val="90000"/>
         </a:lnSpc>
         <a:spcBef>
-          <a:spcPts val="362"/>
+          <a:spcPts val="375"/>
         </a:spcBef>
         <a:buFont typeface="Arial" panose="020B0604020202020204" pitchFamily="34" charset="0"/>
         <a:buChar char="•"/>
-        <a:defRPr sz="1304" kern="1200">
+        <a:defRPr sz="1350" kern="1200">
           <a:solidFill>
             <a:schemeClr val="tx1"/>
           </a:solidFill>
@@ -4445,16 +5885,16 @@
           <a:cs typeface="+mn-cs"/>
         </a:defRPr>
       </a:lvl6pPr>
-      <a:lvl7pPr marL="2153069" indent="-165621" algn="l" defTabSz="662483" rtl="0" eaLnBrk="1" latinLnBrk="0" hangingPunct="1">
+      <a:lvl7pPr marL="2228850" indent="-171450" algn="l" defTabSz="685800" rtl="0" eaLnBrk="1" latinLnBrk="0" hangingPunct="1">
         <a:lnSpc>
           <a:spcPct val="90000"/>
         </a:lnSpc>
         <a:spcBef>
-          <a:spcPts val="362"/>
+          <a:spcPts val="375"/>
         </a:spcBef>
         <a:buFont typeface="Arial" panose="020B0604020202020204" pitchFamily="34" charset="0"/>
         <a:buChar char="•"/>
-        <a:defRPr sz="1304" kern="1200">
+        <a:defRPr sz="1350" kern="1200">
           <a:solidFill>
             <a:schemeClr val="tx1"/>
           </a:solidFill>
@@ -4463,16 +5903,16 @@
           <a:cs typeface="+mn-cs"/>
         </a:defRPr>
       </a:lvl7pPr>
-      <a:lvl8pPr marL="2484311" indent="-165621" algn="l" defTabSz="662483" rtl="0" eaLnBrk="1" latinLnBrk="0" hangingPunct="1">
+      <a:lvl8pPr marL="2571750" indent="-171450" algn="l" defTabSz="685800" rtl="0" eaLnBrk="1" latinLnBrk="0" hangingPunct="1">
         <a:lnSpc>
           <a:spcPct val="90000"/>
         </a:lnSpc>
         <a:spcBef>
-          <a:spcPts val="362"/>
+          <a:spcPts val="375"/>
         </a:spcBef>
         <a:buFont typeface="Arial" panose="020B0604020202020204" pitchFamily="34" charset="0"/>
         <a:buChar char="•"/>
-        <a:defRPr sz="1304" kern="1200">
+        <a:defRPr sz="1350" kern="1200">
           <a:solidFill>
             <a:schemeClr val="tx1"/>
           </a:solidFill>
@@ -4481,16 +5921,16 @@
           <a:cs typeface="+mn-cs"/>
         </a:defRPr>
       </a:lvl8pPr>
-      <a:lvl9pPr marL="2815552" indent="-165621" algn="l" defTabSz="662483" rtl="0" eaLnBrk="1" latinLnBrk="0" hangingPunct="1">
+      <a:lvl9pPr marL="2914650" indent="-171450" algn="l" defTabSz="685800" rtl="0" eaLnBrk="1" latinLnBrk="0" hangingPunct="1">
         <a:lnSpc>
           <a:spcPct val="90000"/>
         </a:lnSpc>
         <a:spcBef>
-          <a:spcPts val="362"/>
+          <a:spcPts val="375"/>
         </a:spcBef>
         <a:buFont typeface="Arial" panose="020B0604020202020204" pitchFamily="34" charset="0"/>
         <a:buChar char="•"/>
-        <a:defRPr sz="1304" kern="1200">
+        <a:defRPr sz="1350" kern="1200">
           <a:solidFill>
             <a:schemeClr val="tx1"/>
           </a:solidFill>
@@ -4504,8 +5944,8 @@
       <a:defPPr>
         <a:defRPr lang="en-US"/>
       </a:defPPr>
-      <a:lvl1pPr marL="0" algn="l" defTabSz="662483" rtl="0" eaLnBrk="1" latinLnBrk="0" hangingPunct="1">
-        <a:defRPr sz="1304" kern="1200">
+      <a:lvl1pPr marL="0" algn="l" defTabSz="685800" rtl="0" eaLnBrk="1" latinLnBrk="0" hangingPunct="1">
+        <a:defRPr sz="1350" kern="1200">
           <a:solidFill>
             <a:schemeClr val="tx1"/>
           </a:solidFill>
@@ -4514,8 +5954,8 @@
           <a:cs typeface="+mn-cs"/>
         </a:defRPr>
       </a:lvl1pPr>
-      <a:lvl2pPr marL="331241" algn="l" defTabSz="662483" rtl="0" eaLnBrk="1" latinLnBrk="0" hangingPunct="1">
-        <a:defRPr sz="1304" kern="1200">
+      <a:lvl2pPr marL="342900" algn="l" defTabSz="685800" rtl="0" eaLnBrk="1" latinLnBrk="0" hangingPunct="1">
+        <a:defRPr sz="1350" kern="1200">
           <a:solidFill>
             <a:schemeClr val="tx1"/>
           </a:solidFill>
@@ -4524,8 +5964,8 @@
           <a:cs typeface="+mn-cs"/>
         </a:defRPr>
       </a:lvl2pPr>
-      <a:lvl3pPr marL="662483" algn="l" defTabSz="662483" rtl="0" eaLnBrk="1" latinLnBrk="0" hangingPunct="1">
-        <a:defRPr sz="1304" kern="1200">
+      <a:lvl3pPr marL="685800" algn="l" defTabSz="685800" rtl="0" eaLnBrk="1" latinLnBrk="0" hangingPunct="1">
+        <a:defRPr sz="1350" kern="1200">
           <a:solidFill>
             <a:schemeClr val="tx1"/>
           </a:solidFill>
@@ -4534,8 +5974,8 @@
           <a:cs typeface="+mn-cs"/>
         </a:defRPr>
       </a:lvl3pPr>
-      <a:lvl4pPr marL="993724" algn="l" defTabSz="662483" rtl="0" eaLnBrk="1" latinLnBrk="0" hangingPunct="1">
-        <a:defRPr sz="1304" kern="1200">
+      <a:lvl4pPr marL="1028700" algn="l" defTabSz="685800" rtl="0" eaLnBrk="1" latinLnBrk="0" hangingPunct="1">
+        <a:defRPr sz="1350" kern="1200">
           <a:solidFill>
             <a:schemeClr val="tx1"/>
           </a:solidFill>
@@ -4544,8 +5984,8 @@
           <a:cs typeface="+mn-cs"/>
         </a:defRPr>
       </a:lvl4pPr>
-      <a:lvl5pPr marL="1324966" algn="l" defTabSz="662483" rtl="0" eaLnBrk="1" latinLnBrk="0" hangingPunct="1">
-        <a:defRPr sz="1304" kern="1200">
+      <a:lvl5pPr marL="1371600" algn="l" defTabSz="685800" rtl="0" eaLnBrk="1" latinLnBrk="0" hangingPunct="1">
+        <a:defRPr sz="1350" kern="1200">
           <a:solidFill>
             <a:schemeClr val="tx1"/>
           </a:solidFill>
@@ -4554,8 +5994,8 @@
           <a:cs typeface="+mn-cs"/>
         </a:defRPr>
       </a:lvl5pPr>
-      <a:lvl6pPr marL="1656207" algn="l" defTabSz="662483" rtl="0" eaLnBrk="1" latinLnBrk="0" hangingPunct="1">
-        <a:defRPr sz="1304" kern="1200">
+      <a:lvl6pPr marL="1714500" algn="l" defTabSz="685800" rtl="0" eaLnBrk="1" latinLnBrk="0" hangingPunct="1">
+        <a:defRPr sz="1350" kern="1200">
           <a:solidFill>
             <a:schemeClr val="tx1"/>
           </a:solidFill>
@@ -4564,8 +6004,8 @@
           <a:cs typeface="+mn-cs"/>
         </a:defRPr>
       </a:lvl6pPr>
-      <a:lvl7pPr marL="1987448" algn="l" defTabSz="662483" rtl="0" eaLnBrk="1" latinLnBrk="0" hangingPunct="1">
-        <a:defRPr sz="1304" kern="1200">
+      <a:lvl7pPr marL="2057400" algn="l" defTabSz="685800" rtl="0" eaLnBrk="1" latinLnBrk="0" hangingPunct="1">
+        <a:defRPr sz="1350" kern="1200">
           <a:solidFill>
             <a:schemeClr val="tx1"/>
           </a:solidFill>
@@ -4574,8 +6014,8 @@
           <a:cs typeface="+mn-cs"/>
         </a:defRPr>
       </a:lvl7pPr>
-      <a:lvl8pPr marL="2318690" algn="l" defTabSz="662483" rtl="0" eaLnBrk="1" latinLnBrk="0" hangingPunct="1">
-        <a:defRPr sz="1304" kern="1200">
+      <a:lvl8pPr marL="2400300" algn="l" defTabSz="685800" rtl="0" eaLnBrk="1" latinLnBrk="0" hangingPunct="1">
+        <a:defRPr sz="1350" kern="1200">
           <a:solidFill>
             <a:schemeClr val="tx1"/>
           </a:solidFill>
@@ -4584,8 +6024,8 @@
           <a:cs typeface="+mn-cs"/>
         </a:defRPr>
       </a:lvl8pPr>
-      <a:lvl9pPr marL="2649931" algn="l" defTabSz="662483" rtl="0" eaLnBrk="1" latinLnBrk="0" hangingPunct="1">
-        <a:defRPr sz="1304" kern="1200">
+      <a:lvl9pPr marL="2743200" algn="l" defTabSz="685800" rtl="0" eaLnBrk="1" latinLnBrk="0" hangingPunct="1">
+        <a:defRPr sz="1350" kern="1200">
           <a:solidFill>
             <a:schemeClr val="tx1"/>
           </a:solidFill>
@@ -4618,10 +6058,10 @@
       </p:grpSpPr>
       <p:pic>
         <p:nvPicPr>
-          <p:cNvPr id="86" name="Immagine 56" descr="Immagine che contiene testo, Diagramma, linea, Carattere&#10;&#10;Descrizione generata automaticamente">
+          <p:cNvPr id="62" name="Immagine 56" descr="Immagine che contiene testo, Diagramma, linea, Carattere&#10;&#10;Descrizione generata automaticamente">
             <a:extLst>
               <a:ext uri="{FF2B5EF4-FFF2-40B4-BE49-F238E27FC236}">
-                <a16:creationId xmlns:a16="http://schemas.microsoft.com/office/drawing/2014/main" id="{D28444E0-E1B1-E2AC-B8DC-AEDF7214D34A}"/>
+                <a16:creationId xmlns:a16="http://schemas.microsoft.com/office/drawing/2014/main" id="{671CFB7D-37D4-A879-6FEC-27ACEC12C55E}"/>
               </a:ext>
             </a:extLst>
           </p:cNvPr>
@@ -4643,7 +6083,7 @@
         </p:blipFill>
         <p:spPr>
           <a:xfrm>
-            <a:off x="243282" y="881444"/>
+            <a:off x="485328" y="1015914"/>
             <a:ext cx="3219693" cy="2413434"/>
           </a:xfrm>
           <a:prstGeom prst="rect">
@@ -4653,10 +6093,10 @@
       </p:pic>
       <p:pic>
         <p:nvPicPr>
-          <p:cNvPr id="87" name="Immagine 57" descr="Immagine che contiene testo, schermata, Diagramma, diagramma&#10;&#10;Descrizione generata automaticamente">
+          <p:cNvPr id="63" name="Immagine 57" descr="Immagine che contiene testo, schermata, Diagramma, diagramma&#10;&#10;Descrizione generata automaticamente">
             <a:extLst>
               <a:ext uri="{FF2B5EF4-FFF2-40B4-BE49-F238E27FC236}">
-                <a16:creationId xmlns:a16="http://schemas.microsoft.com/office/drawing/2014/main" id="{D427A26E-C4A6-D838-F011-D34CF751693F}"/>
+                <a16:creationId xmlns:a16="http://schemas.microsoft.com/office/drawing/2014/main" id="{BA440470-A820-47D6-7BA0-692371C05AD4}"/>
               </a:ext>
             </a:extLst>
           </p:cNvPr>
@@ -4678,7 +6118,7 @@
         </p:blipFill>
         <p:spPr>
           <a:xfrm>
-            <a:off x="241300" y="3390538"/>
+            <a:off x="483346" y="3525008"/>
             <a:ext cx="3219693" cy="2413434"/>
           </a:xfrm>
           <a:prstGeom prst="rect">
@@ -4688,10 +6128,10 @@
       </p:pic>
       <p:pic>
         <p:nvPicPr>
-          <p:cNvPr id="88" name="Immagine 58" descr="Immagine che contiene testo, schermata, Diagramma, diagramma&#10;&#10;Descrizione generata automaticamente">
+          <p:cNvPr id="64" name="Immagine 58" descr="Immagine che contiene testo, schermata, Diagramma, diagramma&#10;&#10;Descrizione generata automaticamente">
             <a:extLst>
               <a:ext uri="{FF2B5EF4-FFF2-40B4-BE49-F238E27FC236}">
-                <a16:creationId xmlns:a16="http://schemas.microsoft.com/office/drawing/2014/main" id="{9796B452-6C50-2D81-C8C4-0222BF449DFF}"/>
+                <a16:creationId xmlns:a16="http://schemas.microsoft.com/office/drawing/2014/main" id="{CEE78A39-9662-1569-4AC9-4E55CE158FC5}"/>
               </a:ext>
             </a:extLst>
           </p:cNvPr>
@@ -4713,7 +6153,7 @@
         </p:blipFill>
         <p:spPr>
           <a:xfrm>
-            <a:off x="241299" y="5906030"/>
+            <a:off x="483345" y="6040500"/>
             <a:ext cx="3219693" cy="2413435"/>
           </a:xfrm>
           <a:prstGeom prst="rect">
@@ -4723,10 +6163,10 @@
       </p:pic>
       <p:pic>
         <p:nvPicPr>
-          <p:cNvPr id="89" name="Immagine 59" descr="Immagine che contiene testo, Diagramma, schermata, diagramma&#10;&#10;Descrizione generata automaticamente">
+          <p:cNvPr id="65" name="Immagine 59" descr="Immagine che contiene testo, Diagramma, schermata, diagramma&#10;&#10;Descrizione generata automaticamente">
             <a:extLst>
               <a:ext uri="{FF2B5EF4-FFF2-40B4-BE49-F238E27FC236}">
-                <a16:creationId xmlns:a16="http://schemas.microsoft.com/office/drawing/2014/main" id="{8134CF30-2186-05AF-710D-88F198B4BA44}"/>
+                <a16:creationId xmlns:a16="http://schemas.microsoft.com/office/drawing/2014/main" id="{6E87DBCA-9303-3110-3470-FB6EB5341174}"/>
               </a:ext>
             </a:extLst>
           </p:cNvPr>
@@ -4748,7 +6188,7 @@
         </p:blipFill>
         <p:spPr>
           <a:xfrm>
-            <a:off x="3514558" y="843175"/>
+            <a:off x="3756604" y="977645"/>
             <a:ext cx="3054684" cy="2451703"/>
           </a:xfrm>
           <a:prstGeom prst="rect">
@@ -4758,10 +6198,10 @@
       </p:pic>
       <p:pic>
         <p:nvPicPr>
-          <p:cNvPr id="90" name="Immagine 60" descr="Immagine che contiene testo, Diagramma, diagramma, schermata&#10;&#10;Descrizione generata automaticamente">
+          <p:cNvPr id="66" name="Immagine 60" descr="Immagine che contiene testo, Diagramma, diagramma, schermata&#10;&#10;Descrizione generata automaticamente">
             <a:extLst>
               <a:ext uri="{FF2B5EF4-FFF2-40B4-BE49-F238E27FC236}">
-                <a16:creationId xmlns:a16="http://schemas.microsoft.com/office/drawing/2014/main" id="{2A46CFD0-FE04-3C0B-E669-E65740CC73D8}"/>
+                <a16:creationId xmlns:a16="http://schemas.microsoft.com/office/drawing/2014/main" id="{CD45B633-5B34-9DBD-038E-03229179611C}"/>
               </a:ext>
             </a:extLst>
           </p:cNvPr>
@@ -4783,7 +6223,7 @@
         </p:blipFill>
         <p:spPr>
           <a:xfrm>
-            <a:off x="3514558" y="3356877"/>
+            <a:off x="3756604" y="3491347"/>
             <a:ext cx="3054684" cy="2447095"/>
           </a:xfrm>
           <a:prstGeom prst="rect">
@@ -4793,10 +6233,10 @@
       </p:pic>
       <p:pic>
         <p:nvPicPr>
-          <p:cNvPr id="91" name="Immagine 61" descr="Immagine che contiene testo, Diagramma, schermata, linea&#10;&#10;Descrizione generata automaticamente">
+          <p:cNvPr id="67" name="Immagine 61" descr="Immagine che contiene testo, Diagramma, schermata, linea&#10;&#10;Descrizione generata automaticamente">
             <a:extLst>
               <a:ext uri="{FF2B5EF4-FFF2-40B4-BE49-F238E27FC236}">
-                <a16:creationId xmlns:a16="http://schemas.microsoft.com/office/drawing/2014/main" id="{CB209281-E0F2-9A06-B033-69A44A3B332A}"/>
+                <a16:creationId xmlns:a16="http://schemas.microsoft.com/office/drawing/2014/main" id="{5841BF11-A974-963B-E723-55E23E1B8922}"/>
               </a:ext>
             </a:extLst>
           </p:cNvPr>
@@ -4818,7 +6258,7 @@
         </p:blipFill>
         <p:spPr>
           <a:xfrm>
-            <a:off x="3514558" y="5862496"/>
+            <a:off x="3756604" y="5996966"/>
             <a:ext cx="3054684" cy="2456969"/>
           </a:xfrm>
           <a:prstGeom prst="rect">
@@ -4828,10 +6268,10 @@
       </p:pic>
       <p:sp>
         <p:nvSpPr>
-          <p:cNvPr id="92" name="CasellaDiTesto 62">
+          <p:cNvPr id="68" name="CasellaDiTesto 62">
             <a:extLst>
               <a:ext uri="{FF2B5EF4-FFF2-40B4-BE49-F238E27FC236}">
-                <a16:creationId xmlns:a16="http://schemas.microsoft.com/office/drawing/2014/main" id="{4084D1D4-F376-F4D6-D6D0-3B21381A3337}"/>
+                <a16:creationId xmlns:a16="http://schemas.microsoft.com/office/drawing/2014/main" id="{BA0326E3-AA5D-6AC2-FA7C-701EE19BA54C}"/>
               </a:ext>
             </a:extLst>
           </p:cNvPr>
@@ -4840,13 +6280,21 @@
         </p:nvSpPr>
         <p:spPr>
           <a:xfrm>
-            <a:off x="514838" y="-37259"/>
+            <a:off x="756884" y="29976"/>
             <a:ext cx="2891693" cy="338554"/>
           </a:xfrm>
           <a:prstGeom prst="rect">
             <a:avLst/>
           </a:prstGeom>
           <a:noFill/>
+          <a:ln w="3175">
+            <a:solidFill>
+              <a:schemeClr val="tx1">
+                <a:lumMod val="65000"/>
+                <a:lumOff val="35000"/>
+              </a:schemeClr>
+            </a:solidFill>
+          </a:ln>
         </p:spPr>
         <p:txBody>
           <a:bodyPr wrap="square" rtlCol="0">
@@ -4856,7 +6304,7 @@
           <a:p>
             <a:pPr algn="ctr"/>
             <a:r>
-              <a:rPr lang="it-IT" sz="800" b="1" dirty="0">
+              <a:rPr lang="it-IT" sz="800" dirty="0">
                 <a:solidFill>
                   <a:schemeClr val="tx1">
                     <a:lumMod val="65000"/>
@@ -4864,13 +6312,13 @@
                   </a:schemeClr>
                 </a:solidFill>
               </a:rPr>
-              <a:t>Brier Score – Reliability Component</a:t>
+              <a:t>Brier Score -</a:t>
             </a:r>
           </a:p>
           <a:p>
             <a:pPr algn="ctr"/>
             <a:r>
-              <a:rPr lang="it-IT" sz="800" b="1" dirty="0">
+              <a:rPr lang="it-IT" sz="800" dirty="0">
                 <a:solidFill>
                   <a:schemeClr val="tx1">
                     <a:lumMod val="65000"/>
@@ -4878,9 +6326,9 @@
                   </a:schemeClr>
                 </a:solidFill>
               </a:rPr>
-              <a:t>(BSrel)</a:t>
-            </a:r>
-            <a:endParaRPr lang="en-GB" sz="800" b="1" dirty="0">
+              <a:t>Reliability Component (BSrel)</a:t>
+            </a:r>
+            <a:endParaRPr lang="en-GB" sz="800" dirty="0">
               <a:solidFill>
                 <a:schemeClr val="tx1">
                   <a:lumMod val="65000"/>
@@ -4893,10 +6341,10 @@
       </p:sp>
       <p:sp>
         <p:nvSpPr>
-          <p:cNvPr id="93" name="CasellaDiTesto 64">
+          <p:cNvPr id="69" name="CasellaDiTesto 64">
             <a:extLst>
               <a:ext uri="{FF2B5EF4-FFF2-40B4-BE49-F238E27FC236}">
-                <a16:creationId xmlns:a16="http://schemas.microsoft.com/office/drawing/2014/main" id="{5588A021-FBC3-EEB0-CDA7-01351CE0425B}"/>
+                <a16:creationId xmlns:a16="http://schemas.microsoft.com/office/drawing/2014/main" id="{758CB339-A825-86A3-CFF1-965BA06E2619}"/>
               </a:ext>
             </a:extLst>
           </p:cNvPr>
@@ -4905,7 +6353,7 @@
         </p:nvSpPr>
         <p:spPr>
           <a:xfrm>
-            <a:off x="3152427" y="942703"/>
+            <a:off x="3394473" y="1077173"/>
             <a:ext cx="216000" cy="215444"/>
           </a:xfrm>
           <a:prstGeom prst="rect">
@@ -4914,7 +6362,7 @@
           <a:solidFill>
             <a:schemeClr val="bg1"/>
           </a:solidFill>
-          <a:ln>
+          <a:ln w="3175">
             <a:solidFill>
               <a:schemeClr val="tx1">
                 <a:lumMod val="75000"/>
@@ -4946,10 +6394,10 @@
       </p:sp>
       <p:sp>
         <p:nvSpPr>
-          <p:cNvPr id="94" name="CasellaDiTesto 65">
+          <p:cNvPr id="70" name="CasellaDiTesto 65">
             <a:extLst>
               <a:ext uri="{FF2B5EF4-FFF2-40B4-BE49-F238E27FC236}">
-                <a16:creationId xmlns:a16="http://schemas.microsoft.com/office/drawing/2014/main" id="{57D6D734-FCF2-7A34-B24D-75C6CA2C789E}"/>
+                <a16:creationId xmlns:a16="http://schemas.microsoft.com/office/drawing/2014/main" id="{B43C2D32-24C9-616D-2A49-631314155580}"/>
               </a:ext>
             </a:extLst>
           </p:cNvPr>
@@ -4958,13 +6406,21 @@
         </p:nvSpPr>
         <p:spPr>
           <a:xfrm>
-            <a:off x="3784262" y="-37259"/>
+            <a:off x="4026308" y="29976"/>
             <a:ext cx="2784980" cy="338554"/>
           </a:xfrm>
           <a:prstGeom prst="rect">
             <a:avLst/>
           </a:prstGeom>
           <a:noFill/>
+          <a:ln w="3175">
+            <a:solidFill>
+              <a:schemeClr val="tx1">
+                <a:lumMod val="65000"/>
+                <a:lumOff val="35000"/>
+              </a:schemeClr>
+            </a:solidFill>
+          </a:ln>
         </p:spPr>
         <p:txBody>
           <a:bodyPr wrap="square" rtlCol="0">
@@ -4974,7 +6430,7 @@
           <a:p>
             <a:pPr algn="ctr"/>
             <a:r>
-              <a:rPr lang="it-IT" sz="800" b="1" dirty="0">
+              <a:rPr lang="it-IT" sz="800" dirty="0">
                 <a:solidFill>
                   <a:schemeClr val="tx1">
                     <a:lumMod val="65000"/>
@@ -4982,10 +6438,43 @@
                   </a:schemeClr>
                 </a:solidFill>
               </a:rPr>
-              <a:t>Area Under the ROC curve - Trapezoidal (AROC</a:t>
-            </a:r>
-            <a:r>
-              <a:rPr lang="it-IT" sz="800" b="1" baseline="-25000" dirty="0">
+              <a:t>Area Under the ROC </a:t>
+            </a:r>
+            <a:r>
+              <a:rPr lang="it-IT" sz="800">
+                <a:solidFill>
+                  <a:schemeClr val="tx1">
+                    <a:lumMod val="65000"/>
+                    <a:lumOff val="35000"/>
+                  </a:schemeClr>
+                </a:solidFill>
+              </a:rPr>
+              <a:t>curve -</a:t>
+            </a:r>
+            <a:endParaRPr lang="it-IT" sz="800" dirty="0">
+              <a:solidFill>
+                <a:schemeClr val="tx1">
+                  <a:lumMod val="65000"/>
+                  <a:lumOff val="35000"/>
+                </a:schemeClr>
+              </a:solidFill>
+            </a:endParaRPr>
+          </a:p>
+          <a:p>
+            <a:pPr algn="ctr"/>
+            <a:r>
+              <a:rPr lang="it-IT" sz="800" dirty="0">
+                <a:solidFill>
+                  <a:schemeClr val="tx1">
+                    <a:lumMod val="65000"/>
+                    <a:lumOff val="35000"/>
+                  </a:schemeClr>
+                </a:solidFill>
+              </a:rPr>
+              <a:t>Trapezoidal (AROC</a:t>
+            </a:r>
+            <a:r>
+              <a:rPr lang="it-IT" sz="800" baseline="-25000" dirty="0">
                 <a:solidFill>
                   <a:schemeClr val="tx1">
                     <a:lumMod val="65000"/>
@@ -4996,7 +6485,7 @@
               <a:t>t</a:t>
             </a:r>
             <a:r>
-              <a:rPr lang="it-IT" sz="800" b="1" dirty="0">
+              <a:rPr lang="it-IT" sz="800" dirty="0">
                 <a:solidFill>
                   <a:schemeClr val="tx1">
                     <a:lumMod val="65000"/>
@@ -5007,7 +6496,7 @@
               <a:t>) and Binormal (AROC</a:t>
             </a:r>
             <a:r>
-              <a:rPr lang="it-IT" sz="800" b="1" baseline="-25000" dirty="0">
+              <a:rPr lang="it-IT" sz="800" baseline="-25000" dirty="0">
                 <a:solidFill>
                   <a:schemeClr val="tx1">
                     <a:lumMod val="65000"/>
@@ -5018,7 +6507,7 @@
               <a:t>z</a:t>
             </a:r>
             <a:r>
-              <a:rPr lang="it-IT" sz="800" b="1" dirty="0">
+              <a:rPr lang="it-IT" sz="800" dirty="0">
                 <a:solidFill>
                   <a:schemeClr val="tx1">
                     <a:lumMod val="65000"/>
@@ -5028,7 +6517,7 @@
               </a:rPr>
               <a:t>)</a:t>
             </a:r>
-            <a:endParaRPr lang="en-GB" sz="800" b="1" dirty="0">
+            <a:endParaRPr lang="en-GB" sz="800" dirty="0">
               <a:solidFill>
                 <a:schemeClr val="tx1">
                   <a:lumMod val="65000"/>
@@ -5041,10 +6530,10 @@
       </p:sp>
       <p:sp>
         <p:nvSpPr>
-          <p:cNvPr id="95" name="Rettangolo 66">
+          <p:cNvPr id="71" name="Rettangolo 66">
             <a:extLst>
               <a:ext uri="{FF2B5EF4-FFF2-40B4-BE49-F238E27FC236}">
-                <a16:creationId xmlns:a16="http://schemas.microsoft.com/office/drawing/2014/main" id="{692BCDB1-60EE-E116-BCA4-09CB1CD5F557}"/>
+                <a16:creationId xmlns:a16="http://schemas.microsoft.com/office/drawing/2014/main" id="{2E639CFB-1E54-385A-D157-CE0F1F19E96C}"/>
               </a:ext>
             </a:extLst>
           </p:cNvPr>
@@ -5053,7 +6542,7 @@
         </p:nvSpPr>
         <p:spPr>
           <a:xfrm>
-            <a:off x="3802492" y="769652"/>
+            <a:off x="4044538" y="904122"/>
             <a:ext cx="2708700" cy="107611"/>
           </a:xfrm>
           <a:prstGeom prst="rect">
@@ -5093,10 +6582,10 @@
       </p:sp>
       <p:sp>
         <p:nvSpPr>
-          <p:cNvPr id="96" name="Rettangolo 67">
+          <p:cNvPr id="72" name="Rettangolo 67">
             <a:extLst>
               <a:ext uri="{FF2B5EF4-FFF2-40B4-BE49-F238E27FC236}">
-                <a16:creationId xmlns:a16="http://schemas.microsoft.com/office/drawing/2014/main" id="{E0B8AD14-F085-C504-08B1-413340688363}"/>
+                <a16:creationId xmlns:a16="http://schemas.microsoft.com/office/drawing/2014/main" id="{7EBA4B2D-A8F1-EB94-111D-7B5E3927A9CE}"/>
               </a:ext>
             </a:extLst>
           </p:cNvPr>
@@ -5105,7 +6594,7 @@
         </p:nvSpPr>
         <p:spPr>
           <a:xfrm>
-            <a:off x="3784262" y="3299113"/>
+            <a:off x="4026308" y="3433583"/>
             <a:ext cx="2708700" cy="107611"/>
           </a:xfrm>
           <a:prstGeom prst="rect">
@@ -5145,10 +6634,10 @@
       </p:sp>
       <p:sp>
         <p:nvSpPr>
-          <p:cNvPr id="97" name="Rettangolo 68">
+          <p:cNvPr id="73" name="Rettangolo 68">
             <a:extLst>
               <a:ext uri="{FF2B5EF4-FFF2-40B4-BE49-F238E27FC236}">
-                <a16:creationId xmlns:a16="http://schemas.microsoft.com/office/drawing/2014/main" id="{655156F8-5CB3-5B3A-9F74-CB7E390687BC}"/>
+                <a16:creationId xmlns:a16="http://schemas.microsoft.com/office/drawing/2014/main" id="{41499677-3EFD-250C-6691-7AF6CE2DE172}"/>
               </a:ext>
             </a:extLst>
           </p:cNvPr>
@@ -5157,7 +6646,7 @@
         </p:nvSpPr>
         <p:spPr>
           <a:xfrm>
-            <a:off x="3788634" y="5797587"/>
+            <a:off x="4030680" y="5932057"/>
             <a:ext cx="2708700" cy="107611"/>
           </a:xfrm>
           <a:prstGeom prst="rect">
@@ -5197,10 +6686,10 @@
       </p:sp>
       <p:sp>
         <p:nvSpPr>
-          <p:cNvPr id="98" name="CasellaDiTesto 70">
+          <p:cNvPr id="74" name="CasellaDiTesto 70">
             <a:extLst>
               <a:ext uri="{FF2B5EF4-FFF2-40B4-BE49-F238E27FC236}">
-                <a16:creationId xmlns:a16="http://schemas.microsoft.com/office/drawing/2014/main" id="{0AA891D2-865D-E30A-BEB3-53BC8158060C}"/>
+                <a16:creationId xmlns:a16="http://schemas.microsoft.com/office/drawing/2014/main" id="{E3A84D6C-CE0B-A10F-1FF5-CEA2CE94CBD5}"/>
               </a:ext>
             </a:extLst>
           </p:cNvPr>
@@ -5209,7 +6698,7 @@
         </p:nvSpPr>
         <p:spPr>
           <a:xfrm>
-            <a:off x="241300" y="737608"/>
+            <a:off x="483346" y="872078"/>
             <a:ext cx="504659" cy="200055"/>
           </a:xfrm>
           <a:prstGeom prst="rect">
@@ -5243,10 +6732,10 @@
       </p:sp>
       <p:sp>
         <p:nvSpPr>
-          <p:cNvPr id="99" name="CasellaDiTesto 71">
+          <p:cNvPr id="75" name="CasellaDiTesto 71">
             <a:extLst>
               <a:ext uri="{FF2B5EF4-FFF2-40B4-BE49-F238E27FC236}">
-                <a16:creationId xmlns:a16="http://schemas.microsoft.com/office/drawing/2014/main" id="{F7AB3E19-5F64-EAA4-EFB0-4DACF078F081}"/>
+                <a16:creationId xmlns:a16="http://schemas.microsoft.com/office/drawing/2014/main" id="{5BCE1B93-5611-0828-8476-420D2BD45C99}"/>
               </a:ext>
             </a:extLst>
           </p:cNvPr>
@@ -5255,7 +6744,7 @@
         </p:nvSpPr>
         <p:spPr>
           <a:xfrm>
-            <a:off x="241299" y="3232201"/>
+            <a:off x="483345" y="3366671"/>
             <a:ext cx="504659" cy="200055"/>
           </a:xfrm>
           <a:prstGeom prst="rect">
@@ -5289,10 +6778,10 @@
       </p:sp>
       <p:sp>
         <p:nvSpPr>
-          <p:cNvPr id="100" name="CasellaDiTesto 72">
+          <p:cNvPr id="76" name="CasellaDiTesto 72">
             <a:extLst>
               <a:ext uri="{FF2B5EF4-FFF2-40B4-BE49-F238E27FC236}">
-                <a16:creationId xmlns:a16="http://schemas.microsoft.com/office/drawing/2014/main" id="{FA1348B1-C2C0-0E34-E0C5-E14941F06721}"/>
+                <a16:creationId xmlns:a16="http://schemas.microsoft.com/office/drawing/2014/main" id="{263490DF-0083-FC58-AE7C-53B92CEF61C5}"/>
               </a:ext>
             </a:extLst>
           </p:cNvPr>
@@ -5301,7 +6790,7 @@
         </p:nvSpPr>
         <p:spPr>
           <a:xfrm>
-            <a:off x="241298" y="5763075"/>
+            <a:off x="483344" y="5897545"/>
             <a:ext cx="504659" cy="200055"/>
           </a:xfrm>
           <a:prstGeom prst="rect">
@@ -5335,10 +6824,10 @@
       </p:sp>
       <p:sp>
         <p:nvSpPr>
-          <p:cNvPr id="101" name="CasellaDiTesto 73">
+          <p:cNvPr id="77" name="CasellaDiTesto 73">
             <a:extLst>
               <a:ext uri="{FF2B5EF4-FFF2-40B4-BE49-F238E27FC236}">
-                <a16:creationId xmlns:a16="http://schemas.microsoft.com/office/drawing/2014/main" id="{A1F1E018-A0F3-AF3F-F4E0-06CB42DCB202}"/>
+                <a16:creationId xmlns:a16="http://schemas.microsoft.com/office/drawing/2014/main" id="{B0A47CEE-87F7-FEBC-F085-3AEFA051686E}"/>
               </a:ext>
             </a:extLst>
           </p:cNvPr>
@@ -5347,13 +6836,21 @@
         </p:nvSpPr>
         <p:spPr>
           <a:xfrm>
-            <a:off x="-77011" y="881443"/>
-            <a:ext cx="338554" cy="2258417"/>
+            <a:off x="30565" y="1015913"/>
+            <a:ext cx="307777" cy="2258417"/>
           </a:xfrm>
           <a:prstGeom prst="rect">
             <a:avLst/>
           </a:prstGeom>
           <a:noFill/>
+          <a:ln w="3175">
+            <a:solidFill>
+              <a:schemeClr val="tx1">
+                <a:lumMod val="65000"/>
+                <a:lumOff val="35000"/>
+              </a:schemeClr>
+            </a:solidFill>
+          </a:ln>
         </p:spPr>
         <p:txBody>
           <a:bodyPr vert="vert270" wrap="square" rtlCol="0">
@@ -5363,7 +6860,7 @@
           <a:p>
             <a:pPr algn="ctr"/>
             <a:r>
-              <a:rPr lang="it-IT" sz="1000" b="1" dirty="0">
+              <a:rPr lang="it-IT" sz="800" dirty="0">
                 <a:solidFill>
                   <a:schemeClr val="tx1">
                     <a:lumMod val="65000"/>
@@ -5373,7 +6870,7 @@
               </a:rPr>
               <a:t>VRT &gt;= 0.2 mm/12h</a:t>
             </a:r>
-            <a:endParaRPr lang="en-GB" sz="1000" b="1" dirty="0">
+            <a:endParaRPr lang="en-GB" sz="800" dirty="0">
               <a:solidFill>
                 <a:schemeClr val="tx1">
                   <a:lumMod val="65000"/>
@@ -5386,10 +6883,10 @@
       </p:sp>
       <p:sp>
         <p:nvSpPr>
-          <p:cNvPr id="102" name="CasellaDiTesto 74">
+          <p:cNvPr id="78" name="CasellaDiTesto 74">
             <a:extLst>
               <a:ext uri="{FF2B5EF4-FFF2-40B4-BE49-F238E27FC236}">
-                <a16:creationId xmlns:a16="http://schemas.microsoft.com/office/drawing/2014/main" id="{D6BF75CD-570F-67D5-FB80-ED85D4FEF953}"/>
+                <a16:creationId xmlns:a16="http://schemas.microsoft.com/office/drawing/2014/main" id="{E7CBFDA0-0B36-A6B5-DC11-256CB2626E84}"/>
               </a:ext>
             </a:extLst>
           </p:cNvPr>
@@ -5398,13 +6895,21 @@
         </p:nvSpPr>
         <p:spPr>
           <a:xfrm>
-            <a:off x="-77011" y="3387374"/>
-            <a:ext cx="338554" cy="2258417"/>
+            <a:off x="30565" y="3521844"/>
+            <a:ext cx="307777" cy="2258417"/>
           </a:xfrm>
           <a:prstGeom prst="rect">
             <a:avLst/>
           </a:prstGeom>
           <a:noFill/>
+          <a:ln w="3175">
+            <a:solidFill>
+              <a:schemeClr val="tx1">
+                <a:lumMod val="65000"/>
+                <a:lumOff val="35000"/>
+              </a:schemeClr>
+            </a:solidFill>
+          </a:ln>
         </p:spPr>
         <p:txBody>
           <a:bodyPr vert="vert270" wrap="square" rtlCol="0">
@@ -5414,7 +6919,7 @@
           <a:p>
             <a:pPr algn="ctr"/>
             <a:r>
-              <a:rPr lang="it-IT" sz="1000" b="1" dirty="0">
+              <a:rPr lang="it-IT" sz="800" dirty="0">
                 <a:solidFill>
                   <a:schemeClr val="tx1">
                     <a:lumMod val="65000"/>
@@ -5424,7 +6929,7 @@
               </a:rPr>
               <a:t>VRT &gt;= 10 mm/12h</a:t>
             </a:r>
-            <a:endParaRPr lang="en-GB" sz="1000" b="1" dirty="0">
+            <a:endParaRPr lang="en-GB" sz="800" dirty="0">
               <a:solidFill>
                 <a:schemeClr val="tx1">
                   <a:lumMod val="65000"/>
@@ -5437,10 +6942,10 @@
       </p:sp>
       <p:sp>
         <p:nvSpPr>
-          <p:cNvPr id="103" name="CasellaDiTesto 75">
+          <p:cNvPr id="79" name="CasellaDiTesto 75">
             <a:extLst>
               <a:ext uri="{FF2B5EF4-FFF2-40B4-BE49-F238E27FC236}">
-                <a16:creationId xmlns:a16="http://schemas.microsoft.com/office/drawing/2014/main" id="{137C97B5-9EE2-0DA1-05DD-1DA9665F996C}"/>
+                <a16:creationId xmlns:a16="http://schemas.microsoft.com/office/drawing/2014/main" id="{78CC7ABD-3FF1-D43B-9CE1-9F395251B26C}"/>
               </a:ext>
             </a:extLst>
           </p:cNvPr>
@@ -5449,13 +6954,21 @@
         </p:nvSpPr>
         <p:spPr>
           <a:xfrm>
-            <a:off x="-77011" y="5906030"/>
-            <a:ext cx="338554" cy="2258417"/>
+            <a:off x="30565" y="6040500"/>
+            <a:ext cx="307777" cy="2258417"/>
           </a:xfrm>
           <a:prstGeom prst="rect">
             <a:avLst/>
           </a:prstGeom>
           <a:noFill/>
+          <a:ln w="3175">
+            <a:solidFill>
+              <a:schemeClr val="tx1">
+                <a:lumMod val="65000"/>
+                <a:lumOff val="35000"/>
+              </a:schemeClr>
+            </a:solidFill>
+          </a:ln>
         </p:spPr>
         <p:txBody>
           <a:bodyPr vert="vert270" wrap="square" rtlCol="0">
@@ -5465,7 +6978,7 @@
           <a:p>
             <a:pPr algn="ctr"/>
             <a:r>
-              <a:rPr lang="it-IT" sz="1000" b="1" dirty="0">
+              <a:rPr lang="it-IT" sz="800" dirty="0">
                 <a:solidFill>
                   <a:schemeClr val="tx1">
                     <a:lumMod val="65000"/>
@@ -5475,7 +6988,7 @@
               </a:rPr>
               <a:t>VRT &gt;= 50 mm/12h</a:t>
             </a:r>
-            <a:endParaRPr lang="en-GB" sz="1000" b="1" dirty="0">
+            <a:endParaRPr lang="en-GB" sz="800" dirty="0">
               <a:solidFill>
                 <a:schemeClr val="tx1">
                   <a:lumMod val="65000"/>
@@ -5488,10 +7001,10 @@
       </p:sp>
       <p:sp>
         <p:nvSpPr>
-          <p:cNvPr id="104" name="CasellaDiTesto 76">
+          <p:cNvPr id="80" name="CasellaDiTesto 76">
             <a:extLst>
               <a:ext uri="{FF2B5EF4-FFF2-40B4-BE49-F238E27FC236}">
-                <a16:creationId xmlns:a16="http://schemas.microsoft.com/office/drawing/2014/main" id="{61E29648-9F60-58FB-6A44-2FDB52895FA5}"/>
+                <a16:creationId xmlns:a16="http://schemas.microsoft.com/office/drawing/2014/main" id="{541F1DDE-36AF-DA0E-E419-8DDC596F623D}"/>
               </a:ext>
             </a:extLst>
           </p:cNvPr>
@@ -5500,7 +7013,7 @@
         </p:nvSpPr>
         <p:spPr>
           <a:xfrm>
-            <a:off x="3152427" y="3441740"/>
+            <a:off x="3394473" y="3576210"/>
             <a:ext cx="216000" cy="215444"/>
           </a:xfrm>
           <a:prstGeom prst="rect">
@@ -5509,7 +7022,7 @@
           <a:solidFill>
             <a:schemeClr val="bg1"/>
           </a:solidFill>
-          <a:ln>
+          <a:ln w="3175">
             <a:solidFill>
               <a:schemeClr val="tx1">
                 <a:lumMod val="75000"/>
@@ -5541,10 +7054,10 @@
       </p:sp>
       <p:sp>
         <p:nvSpPr>
-          <p:cNvPr id="105" name="CasellaDiTesto 77">
+          <p:cNvPr id="81" name="CasellaDiTesto 77">
             <a:extLst>
               <a:ext uri="{FF2B5EF4-FFF2-40B4-BE49-F238E27FC236}">
-                <a16:creationId xmlns:a16="http://schemas.microsoft.com/office/drawing/2014/main" id="{92EE2AAB-C98C-4CC6-B773-9094112E294D}"/>
+                <a16:creationId xmlns:a16="http://schemas.microsoft.com/office/drawing/2014/main" id="{55C81B5E-4DB9-8D22-3C6A-092AE16CE069}"/>
               </a:ext>
             </a:extLst>
           </p:cNvPr>
@@ -5553,7 +7066,7 @@
         </p:nvSpPr>
         <p:spPr>
           <a:xfrm>
-            <a:off x="3152427" y="5970409"/>
+            <a:off x="3394473" y="6104879"/>
             <a:ext cx="216000" cy="215444"/>
           </a:xfrm>
           <a:prstGeom prst="rect">
@@ -5562,7 +7075,7 @@
           <a:solidFill>
             <a:schemeClr val="bg1"/>
           </a:solidFill>
-          <a:ln>
+          <a:ln w="3175">
             <a:solidFill>
               <a:schemeClr val="tx1">
                 <a:lumMod val="75000"/>
@@ -5594,10 +7107,10 @@
       </p:sp>
       <p:sp>
         <p:nvSpPr>
-          <p:cNvPr id="106" name="CasellaDiTesto 78">
+          <p:cNvPr id="82" name="CasellaDiTesto 78">
             <a:extLst>
               <a:ext uri="{FF2B5EF4-FFF2-40B4-BE49-F238E27FC236}">
-                <a16:creationId xmlns:a16="http://schemas.microsoft.com/office/drawing/2014/main" id="{B6C5505C-CA78-3A24-6410-BDBA1F40E218}"/>
+                <a16:creationId xmlns:a16="http://schemas.microsoft.com/office/drawing/2014/main" id="{878B79EA-5490-BE6C-3521-ABCB2966F043}"/>
               </a:ext>
             </a:extLst>
           </p:cNvPr>
@@ -5606,7 +7119,7 @@
         </p:nvSpPr>
         <p:spPr>
           <a:xfrm>
-            <a:off x="6254517" y="942703"/>
+            <a:off x="6496563" y="1077173"/>
             <a:ext cx="216000" cy="215444"/>
           </a:xfrm>
           <a:prstGeom prst="rect">
@@ -5615,7 +7128,7 @@
           <a:solidFill>
             <a:schemeClr val="bg1"/>
           </a:solidFill>
-          <a:ln>
+          <a:ln w="3175">
             <a:solidFill>
               <a:schemeClr val="tx1">
                 <a:lumMod val="75000"/>
@@ -5647,10 +7160,10 @@
       </p:sp>
       <p:sp>
         <p:nvSpPr>
-          <p:cNvPr id="107" name="CasellaDiTesto 79">
+          <p:cNvPr id="83" name="CasellaDiTesto 79">
             <a:extLst>
               <a:ext uri="{FF2B5EF4-FFF2-40B4-BE49-F238E27FC236}">
-                <a16:creationId xmlns:a16="http://schemas.microsoft.com/office/drawing/2014/main" id="{82903592-BC08-AD77-5F46-81B852752CDB}"/>
+                <a16:creationId xmlns:a16="http://schemas.microsoft.com/office/drawing/2014/main" id="{7965BBD7-0A89-EC01-43A7-342F7208B5CA}"/>
               </a:ext>
             </a:extLst>
           </p:cNvPr>
@@ -5659,7 +7172,7 @@
         </p:nvSpPr>
         <p:spPr>
           <a:xfrm>
-            <a:off x="6254517" y="3441740"/>
+            <a:off x="6496563" y="3576210"/>
             <a:ext cx="216000" cy="215444"/>
           </a:xfrm>
           <a:prstGeom prst="rect">
@@ -5668,7 +7181,7 @@
           <a:solidFill>
             <a:schemeClr val="bg1"/>
           </a:solidFill>
-          <a:ln>
+          <a:ln w="3175">
             <a:solidFill>
               <a:schemeClr val="tx1">
                 <a:lumMod val="75000"/>
@@ -5700,10 +7213,10 @@
       </p:sp>
       <p:sp>
         <p:nvSpPr>
-          <p:cNvPr id="108" name="CasellaDiTesto 80">
+          <p:cNvPr id="84" name="CasellaDiTesto 80">
             <a:extLst>
               <a:ext uri="{FF2B5EF4-FFF2-40B4-BE49-F238E27FC236}">
-                <a16:creationId xmlns:a16="http://schemas.microsoft.com/office/drawing/2014/main" id="{96A5833D-4D45-E762-EB3C-389EA17B6114}"/>
+                <a16:creationId xmlns:a16="http://schemas.microsoft.com/office/drawing/2014/main" id="{4C60D601-2C0E-C51D-3D5A-16601FDABA44}"/>
               </a:ext>
             </a:extLst>
           </p:cNvPr>
@@ -5712,7 +7225,7 @@
         </p:nvSpPr>
         <p:spPr>
           <a:xfrm>
-            <a:off x="6254517" y="5970409"/>
+            <a:off x="6496563" y="6104879"/>
             <a:ext cx="216000" cy="215444"/>
           </a:xfrm>
           <a:prstGeom prst="rect">
@@ -5721,7 +7234,7 @@
           <a:solidFill>
             <a:schemeClr val="bg1"/>
           </a:solidFill>
-          <a:ln>
+          <a:ln w="3175">
             <a:solidFill>
               <a:schemeClr val="tx1">
                 <a:lumMod val="75000"/>
@@ -5753,10 +7266,10 @@
       </p:sp>
       <p:pic>
         <p:nvPicPr>
-          <p:cNvPr id="109" name="Immagine 58" descr="Immagine che contiene testo, schermata, Diagramma, diagramma&#10;&#10;Descrizione generata automaticamente">
+          <p:cNvPr id="85" name="Immagine 58" descr="Immagine che contiene testo, schermata, Diagramma, diagramma&#10;&#10;Descrizione generata automaticamente">
             <a:extLst>
               <a:ext uri="{FF2B5EF4-FFF2-40B4-BE49-F238E27FC236}">
-                <a16:creationId xmlns:a16="http://schemas.microsoft.com/office/drawing/2014/main" id="{1055C349-FD7C-6B53-4BF3-4F00AA8A2FDE}"/>
+                <a16:creationId xmlns:a16="http://schemas.microsoft.com/office/drawing/2014/main" id="{4965CBCC-F924-A247-EDE2-1B53E462AD4E}"/>
               </a:ext>
             </a:extLst>
           </p:cNvPr>
@@ -5778,7 +7291,7 @@
         </p:blipFill>
         <p:spPr>
           <a:xfrm>
-            <a:off x="1734277" y="8391520"/>
+            <a:off x="1976323" y="8525990"/>
             <a:ext cx="3219693" cy="107722"/>
           </a:xfrm>
           <a:prstGeom prst="rect">
@@ -5788,10 +7301,10 @@
       </p:pic>
       <p:cxnSp>
         <p:nvCxnSpPr>
-          <p:cNvPr id="110" name="Straight Connector 109">
+          <p:cNvPr id="145" name="Straight Connector 144">
             <a:extLst>
               <a:ext uri="{FF2B5EF4-FFF2-40B4-BE49-F238E27FC236}">
-                <a16:creationId xmlns:a16="http://schemas.microsoft.com/office/drawing/2014/main" id="{AE600532-A239-DDA3-6B0A-E9EC8A3F94B2}"/>
+                <a16:creationId xmlns:a16="http://schemas.microsoft.com/office/drawing/2014/main" id="{E25D16EC-1D54-3C09-DDD7-9822A637BC3E}"/>
               </a:ext>
             </a:extLst>
           </p:cNvPr>
@@ -5802,7 +7315,50 @@
         </p:nvCxnSpPr>
         <p:spPr>
           <a:xfrm>
-            <a:off x="1046318" y="641510"/>
+            <a:off x="1288364" y="746796"/>
+            <a:ext cx="360000" cy="0"/>
+          </a:xfrm>
+          <a:prstGeom prst="line">
+            <a:avLst/>
+          </a:prstGeom>
+          <a:ln w="12700">
+            <a:solidFill>
+              <a:srgbClr val="028D89"/>
+            </a:solidFill>
+          </a:ln>
+        </p:spPr>
+        <p:style>
+          <a:lnRef idx="1">
+            <a:schemeClr val="accent1"/>
+          </a:lnRef>
+          <a:fillRef idx="0">
+            <a:schemeClr val="accent1"/>
+          </a:fillRef>
+          <a:effectRef idx="0">
+            <a:schemeClr val="accent1"/>
+          </a:effectRef>
+          <a:fontRef idx="minor">
+            <a:schemeClr val="tx1"/>
+          </a:fontRef>
+        </p:style>
+      </p:cxnSp>
+      <p:cxnSp>
+        <p:nvCxnSpPr>
+          <p:cNvPr id="146" name="Straight Connector 145">
+            <a:extLst>
+              <a:ext uri="{FF2B5EF4-FFF2-40B4-BE49-F238E27FC236}">
+                <a16:creationId xmlns:a16="http://schemas.microsoft.com/office/drawing/2014/main" id="{237EE274-F24C-97DC-D9BB-B0613641B8CC}"/>
+              </a:ext>
+            </a:extLst>
+          </p:cNvPr>
+          <p:cNvCxnSpPr>
+            <a:cxnSpLocks/>
+          </p:cNvCxnSpPr>
+          <p:nvPr/>
+        </p:nvCxnSpPr>
+        <p:spPr>
+          <a:xfrm>
+            <a:off x="1829126" y="746997"/>
             <a:ext cx="360000" cy="0"/>
           </a:xfrm>
           <a:prstGeom prst="line">
@@ -5831,10 +7387,10 @@
       </p:cxnSp>
       <p:cxnSp>
         <p:nvCxnSpPr>
-          <p:cNvPr id="111" name="Straight Connector 110">
+          <p:cNvPr id="147" name="Straight Connector 146">
             <a:extLst>
               <a:ext uri="{FF2B5EF4-FFF2-40B4-BE49-F238E27FC236}">
-                <a16:creationId xmlns:a16="http://schemas.microsoft.com/office/drawing/2014/main" id="{9A88DE66-6815-D048-2E4B-6F69DC6A209F}"/>
+                <a16:creationId xmlns:a16="http://schemas.microsoft.com/office/drawing/2014/main" id="{DE6CC491-DB79-05FC-AACD-14821F66C034}"/>
               </a:ext>
             </a:extLst>
           </p:cNvPr>
@@ -5845,50 +7401,7 @@
         </p:nvCxnSpPr>
         <p:spPr>
           <a:xfrm>
-            <a:off x="1587080" y="641711"/>
-            <a:ext cx="360000" cy="0"/>
-          </a:xfrm>
-          <a:prstGeom prst="line">
-            <a:avLst/>
-          </a:prstGeom>
-          <a:ln w="12700">
-            <a:solidFill>
-              <a:srgbClr val="028D89"/>
-            </a:solidFill>
-          </a:ln>
-        </p:spPr>
-        <p:style>
-          <a:lnRef idx="1">
-            <a:schemeClr val="accent1"/>
-          </a:lnRef>
-          <a:fillRef idx="0">
-            <a:schemeClr val="accent1"/>
-          </a:fillRef>
-          <a:effectRef idx="0">
-            <a:schemeClr val="accent1"/>
-          </a:effectRef>
-          <a:fontRef idx="minor">
-            <a:schemeClr val="tx1"/>
-          </a:fontRef>
-        </p:style>
-      </p:cxnSp>
-      <p:cxnSp>
-        <p:nvCxnSpPr>
-          <p:cNvPr id="112" name="Straight Connector 111">
-            <a:extLst>
-              <a:ext uri="{FF2B5EF4-FFF2-40B4-BE49-F238E27FC236}">
-                <a16:creationId xmlns:a16="http://schemas.microsoft.com/office/drawing/2014/main" id="{1586A7B4-B222-AF74-5C07-0601035389F1}"/>
-              </a:ext>
-            </a:extLst>
-          </p:cNvPr>
-          <p:cNvCxnSpPr>
-            <a:cxnSpLocks/>
-          </p:cNvCxnSpPr>
-          <p:nvPr/>
-        </p:nvCxnSpPr>
-        <p:spPr>
-          <a:xfrm>
-            <a:off x="2127842" y="641711"/>
+            <a:off x="2369888" y="746997"/>
             <a:ext cx="360000" cy="0"/>
           </a:xfrm>
           <a:prstGeom prst="line">
@@ -5917,10 +7430,10 @@
       </p:cxnSp>
       <p:sp>
         <p:nvSpPr>
-          <p:cNvPr id="113" name="CasellaDiTesto 70">
+          <p:cNvPr id="148" name="CasellaDiTesto 70">
             <a:extLst>
               <a:ext uri="{FF2B5EF4-FFF2-40B4-BE49-F238E27FC236}">
-                <a16:creationId xmlns:a16="http://schemas.microsoft.com/office/drawing/2014/main" id="{739D5441-6FF3-0FD7-466E-CD9BF4D58562}"/>
+                <a16:creationId xmlns:a16="http://schemas.microsoft.com/office/drawing/2014/main" id="{7B04B848-6594-DBA6-3067-472B0F9A4E4C}"/>
               </a:ext>
             </a:extLst>
           </p:cNvPr>
@@ -5929,7 +7442,7 @@
         </p:nvSpPr>
         <p:spPr>
           <a:xfrm>
-            <a:off x="973988" y="405042"/>
+            <a:off x="1216034" y="510328"/>
             <a:ext cx="504659" cy="200055"/>
           </a:xfrm>
           <a:prstGeom prst="rect">
@@ -5963,10 +7476,10 @@
       </p:sp>
       <p:sp>
         <p:nvSpPr>
-          <p:cNvPr id="114" name="CasellaDiTesto 70">
+          <p:cNvPr id="149" name="CasellaDiTesto 70">
             <a:extLst>
               <a:ext uri="{FF2B5EF4-FFF2-40B4-BE49-F238E27FC236}">
-                <a16:creationId xmlns:a16="http://schemas.microsoft.com/office/drawing/2014/main" id="{4412EB2F-44D4-3FB6-56D5-6CBB75C0E9FE}"/>
+                <a16:creationId xmlns:a16="http://schemas.microsoft.com/office/drawing/2014/main" id="{8EF4E64A-7B5C-9AEB-D3CA-BAD231CC9D1B}"/>
               </a:ext>
             </a:extLst>
           </p:cNvPr>
@@ -5975,7 +7488,7 @@
         </p:nvSpPr>
         <p:spPr>
           <a:xfrm>
-            <a:off x="1442895" y="351181"/>
+            <a:off x="1684941" y="456467"/>
             <a:ext cx="641883" cy="307777"/>
           </a:xfrm>
           <a:prstGeom prst="rect">
@@ -6023,10 +7536,10 @@
       </p:sp>
       <p:sp>
         <p:nvSpPr>
-          <p:cNvPr id="115" name="CasellaDiTesto 70">
+          <p:cNvPr id="150" name="CasellaDiTesto 70">
             <a:extLst>
               <a:ext uri="{FF2B5EF4-FFF2-40B4-BE49-F238E27FC236}">
-                <a16:creationId xmlns:a16="http://schemas.microsoft.com/office/drawing/2014/main" id="{458C6057-9C1D-5669-4423-539A1692E5F7}"/>
+                <a16:creationId xmlns:a16="http://schemas.microsoft.com/office/drawing/2014/main" id="{66EBF06A-CA92-F248-0700-62683B545A76}"/>
               </a:ext>
             </a:extLst>
           </p:cNvPr>
@@ -6035,7 +7548,7 @@
         </p:nvSpPr>
         <p:spPr>
           <a:xfrm>
-            <a:off x="1986899" y="351181"/>
+            <a:off x="2228945" y="456467"/>
             <a:ext cx="641883" cy="307777"/>
           </a:xfrm>
           <a:prstGeom prst="rect">
@@ -6083,10 +7596,10 @@
       </p:sp>
       <p:sp>
         <p:nvSpPr>
-          <p:cNvPr id="116" name="Rectangle 115">
+          <p:cNvPr id="151" name="Rectangle 150">
             <a:extLst>
               <a:ext uri="{FF2B5EF4-FFF2-40B4-BE49-F238E27FC236}">
-                <a16:creationId xmlns:a16="http://schemas.microsoft.com/office/drawing/2014/main" id="{B24082CD-6673-B296-DDCC-AD9DAAA9350B}"/>
+                <a16:creationId xmlns:a16="http://schemas.microsoft.com/office/drawing/2014/main" id="{EE82B0B0-B60A-EFE2-A094-24B7DA87A071}"/>
               </a:ext>
             </a:extLst>
           </p:cNvPr>
@@ -6095,7 +7608,61 @@
         </p:nvSpPr>
         <p:spPr>
           <a:xfrm>
-            <a:off x="1046318" y="690646"/>
+            <a:off x="1288364" y="795932"/>
+            <a:ext cx="360000" cy="90000"/>
+          </a:xfrm>
+          <a:prstGeom prst="rect">
+            <a:avLst/>
+          </a:prstGeom>
+          <a:solidFill>
+            <a:srgbClr val="028D89">
+              <a:alpha val="20000"/>
+            </a:srgbClr>
+          </a:solidFill>
+          <a:ln>
+            <a:noFill/>
+          </a:ln>
+        </p:spPr>
+        <p:style>
+          <a:lnRef idx="2">
+            <a:schemeClr val="accent1">
+              <a:shade val="50000"/>
+            </a:schemeClr>
+          </a:lnRef>
+          <a:fillRef idx="1">
+            <a:schemeClr val="accent1"/>
+          </a:fillRef>
+          <a:effectRef idx="0">
+            <a:schemeClr val="accent1"/>
+          </a:effectRef>
+          <a:fontRef idx="minor">
+            <a:schemeClr val="lt1"/>
+          </a:fontRef>
+        </p:style>
+        <p:txBody>
+          <a:bodyPr rtlCol="0" anchor="ctr"/>
+          <a:lstStyle/>
+          <a:p>
+            <a:pPr algn="ctr"/>
+            <a:endParaRPr lang="en-GB"/>
+          </a:p>
+        </p:txBody>
+      </p:sp>
+      <p:sp>
+        <p:nvSpPr>
+          <p:cNvPr id="152" name="Rectangle 151">
+            <a:extLst>
+              <a:ext uri="{FF2B5EF4-FFF2-40B4-BE49-F238E27FC236}">
+                <a16:creationId xmlns:a16="http://schemas.microsoft.com/office/drawing/2014/main" id="{B39EF48E-213D-6D90-30A4-1075D1860499}"/>
+              </a:ext>
+            </a:extLst>
+          </p:cNvPr>
+          <p:cNvSpPr/>
+          <p:nvPr/>
+        </p:nvSpPr>
+        <p:spPr>
+          <a:xfrm>
+            <a:off x="1829126" y="795932"/>
             <a:ext cx="360000" cy="90000"/>
           </a:xfrm>
           <a:prstGeom prst="rect">
@@ -6137,10 +7704,10 @@
       </p:sp>
       <p:sp>
         <p:nvSpPr>
-          <p:cNvPr id="117" name="Rectangle 116">
+          <p:cNvPr id="153" name="Rectangle 152">
             <a:extLst>
               <a:ext uri="{FF2B5EF4-FFF2-40B4-BE49-F238E27FC236}">
-                <a16:creationId xmlns:a16="http://schemas.microsoft.com/office/drawing/2014/main" id="{AFBB2001-20CB-BAC6-7CAD-59D04C37C2D9}"/>
+                <a16:creationId xmlns:a16="http://schemas.microsoft.com/office/drawing/2014/main" id="{AE164B38-3E62-B3CA-2B86-F4CDA7FEEADB}"/>
               </a:ext>
             </a:extLst>
           </p:cNvPr>
@@ -6149,7 +7716,961 @@
         </p:nvSpPr>
         <p:spPr>
           <a:xfrm>
-            <a:off x="1587080" y="690646"/>
+            <a:off x="2369887" y="795932"/>
+            <a:ext cx="360000" cy="90000"/>
+          </a:xfrm>
+          <a:prstGeom prst="rect">
+            <a:avLst/>
+          </a:prstGeom>
+          <a:solidFill>
+            <a:srgbClr val="686868">
+              <a:alpha val="20000"/>
+            </a:srgbClr>
+          </a:solidFill>
+          <a:ln>
+            <a:noFill/>
+          </a:ln>
+        </p:spPr>
+        <p:style>
+          <a:lnRef idx="2">
+            <a:schemeClr val="accent1">
+              <a:shade val="50000"/>
+            </a:schemeClr>
+          </a:lnRef>
+          <a:fillRef idx="1">
+            <a:schemeClr val="accent1"/>
+          </a:fillRef>
+          <a:effectRef idx="0">
+            <a:schemeClr val="accent1"/>
+          </a:effectRef>
+          <a:fontRef idx="minor">
+            <a:schemeClr val="lt1"/>
+          </a:fontRef>
+        </p:style>
+        <p:txBody>
+          <a:bodyPr rtlCol="0" anchor="ctr"/>
+          <a:lstStyle/>
+          <a:p>
+            <a:pPr algn="ctr"/>
+            <a:endParaRPr lang="en-GB"/>
+          </a:p>
+        </p:txBody>
+      </p:sp>
+      <p:sp>
+        <p:nvSpPr>
+          <p:cNvPr id="154" name="CasellaDiTesto 70">
+            <a:extLst>
+              <a:ext uri="{FF2B5EF4-FFF2-40B4-BE49-F238E27FC236}">
+                <a16:creationId xmlns:a16="http://schemas.microsoft.com/office/drawing/2014/main" id="{13B64DD0-6E19-697D-1ADC-C1C0BD74C2D0}"/>
+              </a:ext>
+            </a:extLst>
+          </p:cNvPr>
+          <p:cNvSpPr txBox="1"/>
+          <p:nvPr/>
+        </p:nvSpPr>
+        <p:spPr>
+          <a:xfrm>
+            <a:off x="2730175" y="635577"/>
+            <a:ext cx="504659" cy="200055"/>
+          </a:xfrm>
+          <a:prstGeom prst="rect">
+            <a:avLst/>
+          </a:prstGeom>
+          <a:noFill/>
+          <a:ln>
+            <a:noFill/>
+          </a:ln>
+        </p:spPr>
+        <p:txBody>
+          <a:bodyPr wrap="square" rtlCol="0">
+            <a:spAutoFit/>
+          </a:bodyPr>
+          <a:lstStyle/>
+          <a:p>
+            <a:pPr algn="ctr"/>
+            <a:r>
+              <a:rPr lang="it-IT" sz="700" dirty="0">
+                <a:solidFill>
+                  <a:schemeClr val="tx1">
+                    <a:lumMod val="75000"/>
+                    <a:lumOff val="25000"/>
+                  </a:schemeClr>
+                </a:solidFill>
+              </a:rPr>
+              <a:t>BSrel</a:t>
+            </a:r>
+          </a:p>
+        </p:txBody>
+      </p:sp>
+      <p:sp>
+        <p:nvSpPr>
+          <p:cNvPr id="155" name="CasellaDiTesto 70">
+            <a:extLst>
+              <a:ext uri="{FF2B5EF4-FFF2-40B4-BE49-F238E27FC236}">
+                <a16:creationId xmlns:a16="http://schemas.microsoft.com/office/drawing/2014/main" id="{32F5EFE2-E5B7-8171-A23B-27ACC323095E}"/>
+              </a:ext>
+            </a:extLst>
+          </p:cNvPr>
+          <p:cNvSpPr txBox="1"/>
+          <p:nvPr/>
+        </p:nvSpPr>
+        <p:spPr>
+          <a:xfrm>
+            <a:off x="2743622" y="741250"/>
+            <a:ext cx="504659" cy="200055"/>
+          </a:xfrm>
+          <a:prstGeom prst="rect">
+            <a:avLst/>
+          </a:prstGeom>
+          <a:noFill/>
+          <a:ln>
+            <a:noFill/>
+          </a:ln>
+        </p:spPr>
+        <p:txBody>
+          <a:bodyPr wrap="square" rtlCol="0">
+            <a:spAutoFit/>
+          </a:bodyPr>
+          <a:lstStyle/>
+          <a:p>
+            <a:pPr algn="ctr"/>
+            <a:r>
+              <a:rPr lang="it-IT" sz="700" dirty="0">
+                <a:solidFill>
+                  <a:schemeClr val="tx1">
+                    <a:lumMod val="75000"/>
+                    <a:lumOff val="25000"/>
+                  </a:schemeClr>
+                </a:solidFill>
+              </a:rPr>
+              <a:t>99% CI</a:t>
+            </a:r>
+          </a:p>
+        </p:txBody>
+      </p:sp>
+      <p:sp>
+        <p:nvSpPr>
+          <p:cNvPr id="156" name="Oval 155">
+            <a:extLst>
+              <a:ext uri="{FF2B5EF4-FFF2-40B4-BE49-F238E27FC236}">
+                <a16:creationId xmlns:a16="http://schemas.microsoft.com/office/drawing/2014/main" id="{A028BBE7-E8CC-0A2E-FC9D-D2899B5EFE35}"/>
+              </a:ext>
+            </a:extLst>
+          </p:cNvPr>
+          <p:cNvSpPr/>
+          <p:nvPr/>
+        </p:nvSpPr>
+        <p:spPr>
+          <a:xfrm>
+            <a:off x="1447120" y="729375"/>
+            <a:ext cx="36000" cy="36000"/>
+          </a:xfrm>
+          <a:prstGeom prst="ellipse">
+            <a:avLst/>
+          </a:prstGeom>
+          <a:solidFill>
+            <a:srgbClr val="028D89"/>
+          </a:solidFill>
+          <a:ln>
+            <a:solidFill>
+              <a:srgbClr val="028D89"/>
+            </a:solidFill>
+          </a:ln>
+        </p:spPr>
+        <p:style>
+          <a:lnRef idx="2">
+            <a:schemeClr val="accent1">
+              <a:shade val="50000"/>
+            </a:schemeClr>
+          </a:lnRef>
+          <a:fillRef idx="1">
+            <a:schemeClr val="accent1"/>
+          </a:fillRef>
+          <a:effectRef idx="0">
+            <a:schemeClr val="accent1"/>
+          </a:effectRef>
+          <a:fontRef idx="minor">
+            <a:schemeClr val="lt1"/>
+          </a:fontRef>
+        </p:style>
+        <p:txBody>
+          <a:bodyPr rtlCol="0" anchor="ctr"/>
+          <a:lstStyle/>
+          <a:p>
+            <a:pPr algn="ctr"/>
+            <a:endParaRPr lang="en-GB"/>
+          </a:p>
+        </p:txBody>
+      </p:sp>
+      <p:sp>
+        <p:nvSpPr>
+          <p:cNvPr id="157" name="Oval 156">
+            <a:extLst>
+              <a:ext uri="{FF2B5EF4-FFF2-40B4-BE49-F238E27FC236}">
+                <a16:creationId xmlns:a16="http://schemas.microsoft.com/office/drawing/2014/main" id="{907A1B53-1747-D7E5-74BD-C50FF6DCA4F8}"/>
+              </a:ext>
+            </a:extLst>
+          </p:cNvPr>
+          <p:cNvSpPr/>
+          <p:nvPr/>
+        </p:nvSpPr>
+        <p:spPr>
+          <a:xfrm>
+            <a:off x="1991372" y="729375"/>
+            <a:ext cx="36000" cy="36000"/>
+          </a:xfrm>
+          <a:prstGeom prst="ellipse">
+            <a:avLst/>
+          </a:prstGeom>
+          <a:solidFill>
+            <a:srgbClr val="FF4005"/>
+          </a:solidFill>
+          <a:ln>
+            <a:solidFill>
+              <a:srgbClr val="FF4005"/>
+            </a:solidFill>
+          </a:ln>
+        </p:spPr>
+        <p:style>
+          <a:lnRef idx="2">
+            <a:schemeClr val="accent1">
+              <a:shade val="50000"/>
+            </a:schemeClr>
+          </a:lnRef>
+          <a:fillRef idx="1">
+            <a:schemeClr val="accent1"/>
+          </a:fillRef>
+          <a:effectRef idx="0">
+            <a:schemeClr val="accent1"/>
+          </a:effectRef>
+          <a:fontRef idx="minor">
+            <a:schemeClr val="lt1"/>
+          </a:fontRef>
+        </p:style>
+        <p:txBody>
+          <a:bodyPr rtlCol="0" anchor="ctr"/>
+          <a:lstStyle/>
+          <a:p>
+            <a:pPr algn="ctr"/>
+            <a:endParaRPr lang="en-GB"/>
+          </a:p>
+        </p:txBody>
+      </p:sp>
+      <p:sp>
+        <p:nvSpPr>
+          <p:cNvPr id="158" name="Oval 157">
+            <a:extLst>
+              <a:ext uri="{FF2B5EF4-FFF2-40B4-BE49-F238E27FC236}">
+                <a16:creationId xmlns:a16="http://schemas.microsoft.com/office/drawing/2014/main" id="{CA1EB181-8ACA-6A76-2AF1-24E3204B3D01}"/>
+              </a:ext>
+            </a:extLst>
+          </p:cNvPr>
+          <p:cNvSpPr/>
+          <p:nvPr/>
+        </p:nvSpPr>
+        <p:spPr>
+          <a:xfrm>
+            <a:off x="2535624" y="729375"/>
+            <a:ext cx="36000" cy="36000"/>
+          </a:xfrm>
+          <a:prstGeom prst="ellipse">
+            <a:avLst/>
+          </a:prstGeom>
+          <a:solidFill>
+            <a:srgbClr val="686868"/>
+          </a:solidFill>
+          <a:ln>
+            <a:solidFill>
+              <a:srgbClr val="686868"/>
+            </a:solidFill>
+          </a:ln>
+        </p:spPr>
+        <p:style>
+          <a:lnRef idx="2">
+            <a:schemeClr val="accent1">
+              <a:shade val="50000"/>
+            </a:schemeClr>
+          </a:lnRef>
+          <a:fillRef idx="1">
+            <a:schemeClr val="accent1"/>
+          </a:fillRef>
+          <a:effectRef idx="0">
+            <a:schemeClr val="accent1"/>
+          </a:effectRef>
+          <a:fontRef idx="minor">
+            <a:schemeClr val="lt1"/>
+          </a:fontRef>
+        </p:style>
+        <p:txBody>
+          <a:bodyPr rtlCol="0" anchor="ctr"/>
+          <a:lstStyle/>
+          <a:p>
+            <a:pPr algn="ctr"/>
+            <a:endParaRPr lang="en-GB"/>
+          </a:p>
+        </p:txBody>
+      </p:sp>
+      <p:cxnSp>
+        <p:nvCxnSpPr>
+          <p:cNvPr id="159" name="Straight Connector 158">
+            <a:extLst>
+              <a:ext uri="{FF2B5EF4-FFF2-40B4-BE49-F238E27FC236}">
+                <a16:creationId xmlns:a16="http://schemas.microsoft.com/office/drawing/2014/main" id="{B49AE7AB-C560-AFA8-8CD0-24DD0EFBAFD1}"/>
+              </a:ext>
+            </a:extLst>
+          </p:cNvPr>
+          <p:cNvCxnSpPr>
+            <a:cxnSpLocks/>
+          </p:cNvCxnSpPr>
+          <p:nvPr/>
+        </p:nvCxnSpPr>
+        <p:spPr>
+          <a:xfrm>
+            <a:off x="4498934" y="695181"/>
+            <a:ext cx="360000" cy="0"/>
+          </a:xfrm>
+          <a:prstGeom prst="line">
+            <a:avLst/>
+          </a:prstGeom>
+          <a:ln w="12700">
+            <a:solidFill>
+              <a:srgbClr val="028D89"/>
+            </a:solidFill>
+          </a:ln>
+        </p:spPr>
+        <p:style>
+          <a:lnRef idx="1">
+            <a:schemeClr val="accent1"/>
+          </a:lnRef>
+          <a:fillRef idx="0">
+            <a:schemeClr val="accent1"/>
+          </a:fillRef>
+          <a:effectRef idx="0">
+            <a:schemeClr val="accent1"/>
+          </a:effectRef>
+          <a:fontRef idx="minor">
+            <a:schemeClr val="tx1"/>
+          </a:fontRef>
+        </p:style>
+      </p:cxnSp>
+      <p:cxnSp>
+        <p:nvCxnSpPr>
+          <p:cNvPr id="160" name="Straight Connector 159">
+            <a:extLst>
+              <a:ext uri="{FF2B5EF4-FFF2-40B4-BE49-F238E27FC236}">
+                <a16:creationId xmlns:a16="http://schemas.microsoft.com/office/drawing/2014/main" id="{0CF1927D-8551-FD1C-CACD-FD0E8281B694}"/>
+              </a:ext>
+            </a:extLst>
+          </p:cNvPr>
+          <p:cNvCxnSpPr>
+            <a:cxnSpLocks/>
+          </p:cNvCxnSpPr>
+          <p:nvPr/>
+        </p:nvCxnSpPr>
+        <p:spPr>
+          <a:xfrm>
+            <a:off x="5039696" y="695382"/>
+            <a:ext cx="360000" cy="0"/>
+          </a:xfrm>
+          <a:prstGeom prst="line">
+            <a:avLst/>
+          </a:prstGeom>
+          <a:ln w="12700">
+            <a:solidFill>
+              <a:srgbClr val="FF4005"/>
+            </a:solidFill>
+          </a:ln>
+        </p:spPr>
+        <p:style>
+          <a:lnRef idx="1">
+            <a:schemeClr val="accent1"/>
+          </a:lnRef>
+          <a:fillRef idx="0">
+            <a:schemeClr val="accent1"/>
+          </a:fillRef>
+          <a:effectRef idx="0">
+            <a:schemeClr val="accent1"/>
+          </a:effectRef>
+          <a:fontRef idx="minor">
+            <a:schemeClr val="tx1"/>
+          </a:fontRef>
+        </p:style>
+      </p:cxnSp>
+      <p:cxnSp>
+        <p:nvCxnSpPr>
+          <p:cNvPr id="161" name="Straight Connector 160">
+            <a:extLst>
+              <a:ext uri="{FF2B5EF4-FFF2-40B4-BE49-F238E27FC236}">
+                <a16:creationId xmlns:a16="http://schemas.microsoft.com/office/drawing/2014/main" id="{0E9563E0-080B-2FE9-5900-EE68E44D7FA8}"/>
+              </a:ext>
+            </a:extLst>
+          </p:cNvPr>
+          <p:cNvCxnSpPr>
+            <a:cxnSpLocks/>
+          </p:cNvCxnSpPr>
+          <p:nvPr/>
+        </p:nvCxnSpPr>
+        <p:spPr>
+          <a:xfrm>
+            <a:off x="5580458" y="695382"/>
+            <a:ext cx="360000" cy="0"/>
+          </a:xfrm>
+          <a:prstGeom prst="line">
+            <a:avLst/>
+          </a:prstGeom>
+          <a:ln w="12700">
+            <a:solidFill>
+              <a:srgbClr val="686868"/>
+            </a:solidFill>
+          </a:ln>
+        </p:spPr>
+        <p:style>
+          <a:lnRef idx="1">
+            <a:schemeClr val="accent1"/>
+          </a:lnRef>
+          <a:fillRef idx="0">
+            <a:schemeClr val="accent1"/>
+          </a:fillRef>
+          <a:effectRef idx="0">
+            <a:schemeClr val="accent1"/>
+          </a:effectRef>
+          <a:fontRef idx="minor">
+            <a:schemeClr val="tx1"/>
+          </a:fontRef>
+        </p:style>
+      </p:cxnSp>
+      <p:sp>
+        <p:nvSpPr>
+          <p:cNvPr id="162" name="CasellaDiTesto 70">
+            <a:extLst>
+              <a:ext uri="{FF2B5EF4-FFF2-40B4-BE49-F238E27FC236}">
+                <a16:creationId xmlns:a16="http://schemas.microsoft.com/office/drawing/2014/main" id="{2D8A34A8-91C6-D3D0-98F0-FBDE4CCCD8C9}"/>
+              </a:ext>
+            </a:extLst>
+          </p:cNvPr>
+          <p:cNvSpPr txBox="1"/>
+          <p:nvPr/>
+        </p:nvSpPr>
+        <p:spPr>
+          <a:xfrm>
+            <a:off x="4426604" y="458713"/>
+            <a:ext cx="504659" cy="200055"/>
+          </a:xfrm>
+          <a:prstGeom prst="rect">
+            <a:avLst/>
+          </a:prstGeom>
+          <a:noFill/>
+          <a:ln>
+            <a:noFill/>
+          </a:ln>
+        </p:spPr>
+        <p:txBody>
+          <a:bodyPr wrap="square" rtlCol="0">
+            <a:spAutoFit/>
+          </a:bodyPr>
+          <a:lstStyle/>
+          <a:p>
+            <a:pPr algn="ctr"/>
+            <a:r>
+              <a:rPr lang="it-IT" sz="700" dirty="0">
+                <a:solidFill>
+                  <a:schemeClr val="tx1">
+                    <a:lumMod val="75000"/>
+                    <a:lumOff val="25000"/>
+                  </a:schemeClr>
+                </a:solidFill>
+              </a:rPr>
+              <a:t>ENS</a:t>
+            </a:r>
+          </a:p>
+        </p:txBody>
+      </p:sp>
+      <p:sp>
+        <p:nvSpPr>
+          <p:cNvPr id="163" name="CasellaDiTesto 70">
+            <a:extLst>
+              <a:ext uri="{FF2B5EF4-FFF2-40B4-BE49-F238E27FC236}">
+                <a16:creationId xmlns:a16="http://schemas.microsoft.com/office/drawing/2014/main" id="{DF11D764-D8C6-6AB3-3556-B8EE14638B60}"/>
+              </a:ext>
+            </a:extLst>
+          </p:cNvPr>
+          <p:cNvSpPr txBox="1"/>
+          <p:nvPr/>
+        </p:nvSpPr>
+        <p:spPr>
+          <a:xfrm>
+            <a:off x="4895511" y="404852"/>
+            <a:ext cx="641883" cy="307777"/>
+          </a:xfrm>
+          <a:prstGeom prst="rect">
+            <a:avLst/>
+          </a:prstGeom>
+          <a:noFill/>
+          <a:ln>
+            <a:noFill/>
+          </a:ln>
+        </p:spPr>
+        <p:txBody>
+          <a:bodyPr wrap="square" rtlCol="0">
+            <a:spAutoFit/>
+          </a:bodyPr>
+          <a:lstStyle/>
+          <a:p>
+            <a:pPr algn="ctr"/>
+            <a:r>
+              <a:rPr lang="it-IT" sz="700" dirty="0">
+                <a:solidFill>
+                  <a:schemeClr val="tx1">
+                    <a:lumMod val="75000"/>
+                    <a:lumOff val="25000"/>
+                  </a:schemeClr>
+                </a:solidFill>
+              </a:rPr>
+              <a:t>Multiple-WT</a:t>
+            </a:r>
+          </a:p>
+          <a:p>
+            <a:pPr algn="ctr"/>
+            <a:r>
+              <a:rPr lang="it-IT" sz="700" dirty="0">
+                <a:solidFill>
+                  <a:schemeClr val="tx1">
+                    <a:lumMod val="75000"/>
+                    <a:lumOff val="25000"/>
+                  </a:schemeClr>
+                </a:solidFill>
+              </a:rPr>
+              <a:t>ecPoint</a:t>
+            </a:r>
+          </a:p>
+        </p:txBody>
+      </p:sp>
+      <p:sp>
+        <p:nvSpPr>
+          <p:cNvPr id="164" name="CasellaDiTesto 70">
+            <a:extLst>
+              <a:ext uri="{FF2B5EF4-FFF2-40B4-BE49-F238E27FC236}">
+                <a16:creationId xmlns:a16="http://schemas.microsoft.com/office/drawing/2014/main" id="{631ED02D-7856-7765-515C-67811A6BD676}"/>
+              </a:ext>
+            </a:extLst>
+          </p:cNvPr>
+          <p:cNvSpPr txBox="1"/>
+          <p:nvPr/>
+        </p:nvSpPr>
+        <p:spPr>
+          <a:xfrm>
+            <a:off x="5439515" y="404852"/>
+            <a:ext cx="641883" cy="307777"/>
+          </a:xfrm>
+          <a:prstGeom prst="rect">
+            <a:avLst/>
+          </a:prstGeom>
+          <a:noFill/>
+          <a:ln>
+            <a:noFill/>
+          </a:ln>
+        </p:spPr>
+        <p:txBody>
+          <a:bodyPr wrap="square" rtlCol="0">
+            <a:spAutoFit/>
+          </a:bodyPr>
+          <a:lstStyle/>
+          <a:p>
+            <a:pPr algn="ctr"/>
+            <a:r>
+              <a:rPr lang="it-IT" sz="700" dirty="0">
+                <a:solidFill>
+                  <a:schemeClr val="tx1">
+                    <a:lumMod val="75000"/>
+                    <a:lumOff val="25000"/>
+                  </a:schemeClr>
+                </a:solidFill>
+              </a:rPr>
+              <a:t>Single-WT</a:t>
+            </a:r>
+          </a:p>
+          <a:p>
+            <a:pPr algn="ctr"/>
+            <a:r>
+              <a:rPr lang="it-IT" sz="700" dirty="0">
+                <a:solidFill>
+                  <a:schemeClr val="tx1">
+                    <a:lumMod val="75000"/>
+                    <a:lumOff val="25000"/>
+                  </a:schemeClr>
+                </a:solidFill>
+              </a:rPr>
+              <a:t>ecPoint</a:t>
+            </a:r>
+          </a:p>
+        </p:txBody>
+      </p:sp>
+      <p:sp>
+        <p:nvSpPr>
+          <p:cNvPr id="165" name="CasellaDiTesto 70">
+            <a:extLst>
+              <a:ext uri="{FF2B5EF4-FFF2-40B4-BE49-F238E27FC236}">
+                <a16:creationId xmlns:a16="http://schemas.microsoft.com/office/drawing/2014/main" id="{341573CD-360A-E395-26E0-9DB18326D99E}"/>
+              </a:ext>
+            </a:extLst>
+          </p:cNvPr>
+          <p:cNvSpPr txBox="1"/>
+          <p:nvPr/>
+        </p:nvSpPr>
+        <p:spPr>
+          <a:xfrm>
+            <a:off x="5950474" y="583962"/>
+            <a:ext cx="504659" cy="200055"/>
+          </a:xfrm>
+          <a:prstGeom prst="rect">
+            <a:avLst/>
+          </a:prstGeom>
+          <a:noFill/>
+          <a:ln>
+            <a:noFill/>
+          </a:ln>
+        </p:spPr>
+        <p:txBody>
+          <a:bodyPr wrap="square" rtlCol="0">
+            <a:spAutoFit/>
+          </a:bodyPr>
+          <a:lstStyle/>
+          <a:p>
+            <a:pPr algn="ctr"/>
+            <a:r>
+              <a:rPr lang="it-IT" sz="700" dirty="0">
+                <a:solidFill>
+                  <a:schemeClr val="tx1">
+                    <a:lumMod val="75000"/>
+                    <a:lumOff val="25000"/>
+                  </a:schemeClr>
+                </a:solidFill>
+              </a:rPr>
+              <a:t>AROC</a:t>
+            </a:r>
+            <a:r>
+              <a:rPr lang="it-IT" sz="700" baseline="-25000" dirty="0">
+                <a:solidFill>
+                  <a:schemeClr val="tx1">
+                    <a:lumMod val="75000"/>
+                    <a:lumOff val="25000"/>
+                  </a:schemeClr>
+                </a:solidFill>
+              </a:rPr>
+              <a:t>t</a:t>
+            </a:r>
+          </a:p>
+        </p:txBody>
+      </p:sp>
+      <p:sp>
+        <p:nvSpPr>
+          <p:cNvPr id="166" name="Oval 165">
+            <a:extLst>
+              <a:ext uri="{FF2B5EF4-FFF2-40B4-BE49-F238E27FC236}">
+                <a16:creationId xmlns:a16="http://schemas.microsoft.com/office/drawing/2014/main" id="{936DB0E1-2124-33B7-41CD-85B65F9C1584}"/>
+              </a:ext>
+            </a:extLst>
+          </p:cNvPr>
+          <p:cNvSpPr/>
+          <p:nvPr/>
+        </p:nvSpPr>
+        <p:spPr>
+          <a:xfrm>
+            <a:off x="4657690" y="680739"/>
+            <a:ext cx="36000" cy="36000"/>
+          </a:xfrm>
+          <a:prstGeom prst="ellipse">
+            <a:avLst/>
+          </a:prstGeom>
+          <a:solidFill>
+            <a:srgbClr val="028D89"/>
+          </a:solidFill>
+          <a:ln>
+            <a:solidFill>
+              <a:srgbClr val="028D89"/>
+            </a:solidFill>
+          </a:ln>
+        </p:spPr>
+        <p:style>
+          <a:lnRef idx="2">
+            <a:schemeClr val="accent1">
+              <a:shade val="50000"/>
+            </a:schemeClr>
+          </a:lnRef>
+          <a:fillRef idx="1">
+            <a:schemeClr val="accent1"/>
+          </a:fillRef>
+          <a:effectRef idx="0">
+            <a:schemeClr val="accent1"/>
+          </a:effectRef>
+          <a:fontRef idx="minor">
+            <a:schemeClr val="lt1"/>
+          </a:fontRef>
+        </p:style>
+        <p:txBody>
+          <a:bodyPr rtlCol="0" anchor="ctr"/>
+          <a:lstStyle/>
+          <a:p>
+            <a:pPr algn="ctr"/>
+            <a:endParaRPr lang="en-GB"/>
+          </a:p>
+        </p:txBody>
+      </p:sp>
+      <p:sp>
+        <p:nvSpPr>
+          <p:cNvPr id="167" name="Oval 166">
+            <a:extLst>
+              <a:ext uri="{FF2B5EF4-FFF2-40B4-BE49-F238E27FC236}">
+                <a16:creationId xmlns:a16="http://schemas.microsoft.com/office/drawing/2014/main" id="{E515A56B-779E-67F0-93FC-37BD7FCA8E9F}"/>
+              </a:ext>
+            </a:extLst>
+          </p:cNvPr>
+          <p:cNvSpPr/>
+          <p:nvPr/>
+        </p:nvSpPr>
+        <p:spPr>
+          <a:xfrm>
+            <a:off x="5201942" y="680739"/>
+            <a:ext cx="36000" cy="36000"/>
+          </a:xfrm>
+          <a:prstGeom prst="ellipse">
+            <a:avLst/>
+          </a:prstGeom>
+          <a:solidFill>
+            <a:srgbClr val="FF4005"/>
+          </a:solidFill>
+          <a:ln>
+            <a:solidFill>
+              <a:srgbClr val="FF4005"/>
+            </a:solidFill>
+          </a:ln>
+        </p:spPr>
+        <p:style>
+          <a:lnRef idx="2">
+            <a:schemeClr val="accent1">
+              <a:shade val="50000"/>
+            </a:schemeClr>
+          </a:lnRef>
+          <a:fillRef idx="1">
+            <a:schemeClr val="accent1"/>
+          </a:fillRef>
+          <a:effectRef idx="0">
+            <a:schemeClr val="accent1"/>
+          </a:effectRef>
+          <a:fontRef idx="minor">
+            <a:schemeClr val="lt1"/>
+          </a:fontRef>
+        </p:style>
+        <p:txBody>
+          <a:bodyPr rtlCol="0" anchor="ctr"/>
+          <a:lstStyle/>
+          <a:p>
+            <a:pPr algn="ctr"/>
+            <a:endParaRPr lang="en-GB"/>
+          </a:p>
+        </p:txBody>
+      </p:sp>
+      <p:sp>
+        <p:nvSpPr>
+          <p:cNvPr id="168" name="Oval 167">
+            <a:extLst>
+              <a:ext uri="{FF2B5EF4-FFF2-40B4-BE49-F238E27FC236}">
+                <a16:creationId xmlns:a16="http://schemas.microsoft.com/office/drawing/2014/main" id="{F825167D-4123-0C8F-F08A-CD490804A8E0}"/>
+              </a:ext>
+            </a:extLst>
+          </p:cNvPr>
+          <p:cNvSpPr/>
+          <p:nvPr/>
+        </p:nvSpPr>
+        <p:spPr>
+          <a:xfrm>
+            <a:off x="5746194" y="680739"/>
+            <a:ext cx="36000" cy="36000"/>
+          </a:xfrm>
+          <a:prstGeom prst="ellipse">
+            <a:avLst/>
+          </a:prstGeom>
+          <a:solidFill>
+            <a:srgbClr val="686868"/>
+          </a:solidFill>
+          <a:ln>
+            <a:solidFill>
+              <a:srgbClr val="686868"/>
+            </a:solidFill>
+          </a:ln>
+        </p:spPr>
+        <p:style>
+          <a:lnRef idx="2">
+            <a:schemeClr val="accent1">
+              <a:shade val="50000"/>
+            </a:schemeClr>
+          </a:lnRef>
+          <a:fillRef idx="1">
+            <a:schemeClr val="accent1"/>
+          </a:fillRef>
+          <a:effectRef idx="0">
+            <a:schemeClr val="accent1"/>
+          </a:effectRef>
+          <a:fontRef idx="minor">
+            <a:schemeClr val="lt1"/>
+          </a:fontRef>
+        </p:style>
+        <p:txBody>
+          <a:bodyPr rtlCol="0" anchor="ctr"/>
+          <a:lstStyle/>
+          <a:p>
+            <a:pPr algn="ctr"/>
+            <a:endParaRPr lang="en-GB"/>
+          </a:p>
+        </p:txBody>
+      </p:sp>
+      <p:cxnSp>
+        <p:nvCxnSpPr>
+          <p:cNvPr id="169" name="Straight Connector 168">
+            <a:extLst>
+              <a:ext uri="{FF2B5EF4-FFF2-40B4-BE49-F238E27FC236}">
+                <a16:creationId xmlns:a16="http://schemas.microsoft.com/office/drawing/2014/main" id="{B4975CEA-6CFB-FE8B-19C8-EA81872B0919}"/>
+              </a:ext>
+            </a:extLst>
+          </p:cNvPr>
+          <p:cNvCxnSpPr>
+            <a:cxnSpLocks/>
+          </p:cNvCxnSpPr>
+          <p:nvPr/>
+        </p:nvCxnSpPr>
+        <p:spPr>
+          <a:xfrm>
+            <a:off x="4498934" y="795134"/>
+            <a:ext cx="360000" cy="0"/>
+          </a:xfrm>
+          <a:prstGeom prst="line">
+            <a:avLst/>
+          </a:prstGeom>
+          <a:ln w="12700">
+            <a:solidFill>
+              <a:srgbClr val="028D89"/>
+            </a:solidFill>
+            <a:prstDash val="sysDash"/>
+          </a:ln>
+        </p:spPr>
+        <p:style>
+          <a:lnRef idx="1">
+            <a:schemeClr val="accent1"/>
+          </a:lnRef>
+          <a:fillRef idx="0">
+            <a:schemeClr val="accent1"/>
+          </a:fillRef>
+          <a:effectRef idx="0">
+            <a:schemeClr val="accent1"/>
+          </a:effectRef>
+          <a:fontRef idx="minor">
+            <a:schemeClr val="tx1"/>
+          </a:fontRef>
+        </p:style>
+      </p:cxnSp>
+      <p:cxnSp>
+        <p:nvCxnSpPr>
+          <p:cNvPr id="170" name="Straight Connector 169">
+            <a:extLst>
+              <a:ext uri="{FF2B5EF4-FFF2-40B4-BE49-F238E27FC236}">
+                <a16:creationId xmlns:a16="http://schemas.microsoft.com/office/drawing/2014/main" id="{E3330AC2-88CF-7EFC-5F9F-D17FAC17B176}"/>
+              </a:ext>
+            </a:extLst>
+          </p:cNvPr>
+          <p:cNvCxnSpPr>
+            <a:cxnSpLocks/>
+          </p:cNvCxnSpPr>
+          <p:nvPr/>
+        </p:nvCxnSpPr>
+        <p:spPr>
+          <a:xfrm>
+            <a:off x="5039696" y="795335"/>
+            <a:ext cx="360000" cy="0"/>
+          </a:xfrm>
+          <a:prstGeom prst="line">
+            <a:avLst/>
+          </a:prstGeom>
+          <a:ln w="12700">
+            <a:solidFill>
+              <a:srgbClr val="FF4005"/>
+            </a:solidFill>
+            <a:prstDash val="sysDash"/>
+          </a:ln>
+        </p:spPr>
+        <p:style>
+          <a:lnRef idx="1">
+            <a:schemeClr val="accent1"/>
+          </a:lnRef>
+          <a:fillRef idx="0">
+            <a:schemeClr val="accent1"/>
+          </a:fillRef>
+          <a:effectRef idx="0">
+            <a:schemeClr val="accent1"/>
+          </a:effectRef>
+          <a:fontRef idx="minor">
+            <a:schemeClr val="tx1"/>
+          </a:fontRef>
+        </p:style>
+      </p:cxnSp>
+      <p:cxnSp>
+        <p:nvCxnSpPr>
+          <p:cNvPr id="171" name="Straight Connector 170">
+            <a:extLst>
+              <a:ext uri="{FF2B5EF4-FFF2-40B4-BE49-F238E27FC236}">
+                <a16:creationId xmlns:a16="http://schemas.microsoft.com/office/drawing/2014/main" id="{83AA52D8-7B37-0E46-7F02-48DB9BED5B21}"/>
+              </a:ext>
+            </a:extLst>
+          </p:cNvPr>
+          <p:cNvCxnSpPr>
+            <a:cxnSpLocks/>
+          </p:cNvCxnSpPr>
+          <p:nvPr/>
+        </p:nvCxnSpPr>
+        <p:spPr>
+          <a:xfrm>
+            <a:off x="5580458" y="795335"/>
+            <a:ext cx="360000" cy="0"/>
+          </a:xfrm>
+          <a:prstGeom prst="line">
+            <a:avLst/>
+          </a:prstGeom>
+          <a:ln w="12700">
+            <a:solidFill>
+              <a:srgbClr val="686868"/>
+            </a:solidFill>
+            <a:prstDash val="sysDash"/>
+          </a:ln>
+        </p:spPr>
+        <p:style>
+          <a:lnRef idx="1">
+            <a:schemeClr val="accent1"/>
+          </a:lnRef>
+          <a:fillRef idx="0">
+            <a:schemeClr val="accent1"/>
+          </a:fillRef>
+          <a:effectRef idx="0">
+            <a:schemeClr val="accent1"/>
+          </a:effectRef>
+          <a:fontRef idx="minor">
+            <a:schemeClr val="tx1"/>
+          </a:fontRef>
+        </p:style>
+      </p:cxnSp>
+      <p:sp>
+        <p:nvSpPr>
+          <p:cNvPr id="172" name="Rectangle 171">
+            <a:extLst>
+              <a:ext uri="{FF2B5EF4-FFF2-40B4-BE49-F238E27FC236}">
+                <a16:creationId xmlns:a16="http://schemas.microsoft.com/office/drawing/2014/main" id="{917CB604-7AB2-6283-569D-987B7E2510EB}"/>
+              </a:ext>
+            </a:extLst>
+          </p:cNvPr>
+          <p:cNvSpPr/>
+          <p:nvPr/>
+        </p:nvSpPr>
+        <p:spPr>
+          <a:xfrm>
+            <a:off x="4498934" y="869176"/>
             <a:ext cx="360000" cy="90000"/>
           </a:xfrm>
           <a:prstGeom prst="rect">
@@ -6191,10 +8712,10 @@
       </p:sp>
       <p:sp>
         <p:nvSpPr>
-          <p:cNvPr id="118" name="Rectangle 117">
+          <p:cNvPr id="173" name="Rectangle 172">
             <a:extLst>
               <a:ext uri="{FF2B5EF4-FFF2-40B4-BE49-F238E27FC236}">
-                <a16:creationId xmlns:a16="http://schemas.microsoft.com/office/drawing/2014/main" id="{7F6A57D5-E816-EFCE-89B9-1A155092813D}"/>
+                <a16:creationId xmlns:a16="http://schemas.microsoft.com/office/drawing/2014/main" id="{74E98767-0F38-21AE-AE30-C082A5A58AD1}"/>
               </a:ext>
             </a:extLst>
           </p:cNvPr>
@@ -6203,7 +8724,61 @@
         </p:nvSpPr>
         <p:spPr>
           <a:xfrm>
-            <a:off x="2127841" y="690646"/>
+            <a:off x="5039696" y="869176"/>
+            <a:ext cx="360000" cy="90000"/>
+          </a:xfrm>
+          <a:prstGeom prst="rect">
+            <a:avLst/>
+          </a:prstGeom>
+          <a:solidFill>
+            <a:srgbClr val="FF4005">
+              <a:alpha val="20000"/>
+            </a:srgbClr>
+          </a:solidFill>
+          <a:ln>
+            <a:noFill/>
+          </a:ln>
+        </p:spPr>
+        <p:style>
+          <a:lnRef idx="2">
+            <a:schemeClr val="accent1">
+              <a:shade val="50000"/>
+            </a:schemeClr>
+          </a:lnRef>
+          <a:fillRef idx="1">
+            <a:schemeClr val="accent1"/>
+          </a:fillRef>
+          <a:effectRef idx="0">
+            <a:schemeClr val="accent1"/>
+          </a:effectRef>
+          <a:fontRef idx="minor">
+            <a:schemeClr val="lt1"/>
+          </a:fontRef>
+        </p:style>
+        <p:txBody>
+          <a:bodyPr rtlCol="0" anchor="ctr"/>
+          <a:lstStyle/>
+          <a:p>
+            <a:pPr algn="ctr"/>
+            <a:endParaRPr lang="en-GB"/>
+          </a:p>
+        </p:txBody>
+      </p:sp>
+      <p:sp>
+        <p:nvSpPr>
+          <p:cNvPr id="174" name="Rectangle 173">
+            <a:extLst>
+              <a:ext uri="{FF2B5EF4-FFF2-40B4-BE49-F238E27FC236}">
+                <a16:creationId xmlns:a16="http://schemas.microsoft.com/office/drawing/2014/main" id="{F81D388C-82BC-9DB7-402C-AD038B324200}"/>
+              </a:ext>
+            </a:extLst>
+          </p:cNvPr>
+          <p:cNvSpPr/>
+          <p:nvPr/>
+        </p:nvSpPr>
+        <p:spPr>
+          <a:xfrm>
+            <a:off x="5580457" y="869176"/>
             <a:ext cx="360000" cy="90000"/>
           </a:xfrm>
           <a:prstGeom prst="rect">
@@ -6245,10 +8820,10 @@
       </p:sp>
       <p:sp>
         <p:nvSpPr>
-          <p:cNvPr id="119" name="CasellaDiTesto 70">
+          <p:cNvPr id="175" name="CasellaDiTesto 70">
             <a:extLst>
               <a:ext uri="{FF2B5EF4-FFF2-40B4-BE49-F238E27FC236}">
-                <a16:creationId xmlns:a16="http://schemas.microsoft.com/office/drawing/2014/main" id="{061F1BE1-0274-6663-1B42-B542D6A9C526}"/>
+                <a16:creationId xmlns:a16="http://schemas.microsoft.com/office/drawing/2014/main" id="{452867B3-CEA2-379E-F7B9-4E41FFB81A3A}"/>
               </a:ext>
             </a:extLst>
           </p:cNvPr>
@@ -6257,7 +8832,7 @@
         </p:nvSpPr>
         <p:spPr>
           <a:xfrm>
-            <a:off x="2488129" y="530291"/>
+            <a:off x="5950474" y="811678"/>
             <a:ext cx="504659" cy="200055"/>
           </a:xfrm>
           <a:prstGeom prst="rect">
@@ -6284,63 +8859,17 @@
                   </a:schemeClr>
                 </a:solidFill>
               </a:rPr>
-              <a:t>BSrel</a:t>
-            </a:r>
-          </a:p>
-        </p:txBody>
-      </p:sp>
-      <p:sp>
-        <p:nvSpPr>
-          <p:cNvPr id="120" name="CasellaDiTesto 70">
+              <a:t>99% CI</a:t>
+            </a:r>
+          </a:p>
+        </p:txBody>
+      </p:sp>
+      <p:sp>
+        <p:nvSpPr>
+          <p:cNvPr id="176" name="Oval 175">
             <a:extLst>
               <a:ext uri="{FF2B5EF4-FFF2-40B4-BE49-F238E27FC236}">
-                <a16:creationId xmlns:a16="http://schemas.microsoft.com/office/drawing/2014/main" id="{C5E2D4C9-072F-CB49-30EC-B4B4CE79C9C3}"/>
-              </a:ext>
-            </a:extLst>
-          </p:cNvPr>
-          <p:cNvSpPr txBox="1"/>
-          <p:nvPr/>
-        </p:nvSpPr>
-        <p:spPr>
-          <a:xfrm>
-            <a:off x="2501576" y="635964"/>
-            <a:ext cx="504659" cy="200055"/>
-          </a:xfrm>
-          <a:prstGeom prst="rect">
-            <a:avLst/>
-          </a:prstGeom>
-          <a:noFill/>
-          <a:ln>
-            <a:noFill/>
-          </a:ln>
-        </p:spPr>
-        <p:txBody>
-          <a:bodyPr wrap="square" rtlCol="0">
-            <a:spAutoFit/>
-          </a:bodyPr>
-          <a:lstStyle/>
-          <a:p>
-            <a:pPr algn="ctr"/>
-            <a:r>
-              <a:rPr lang="it-IT" sz="700" dirty="0">
-                <a:solidFill>
-                  <a:schemeClr val="tx1">
-                    <a:lumMod val="75000"/>
-                    <a:lumOff val="25000"/>
-                  </a:schemeClr>
-                </a:solidFill>
-              </a:rPr>
-              <a:t>99% CI</a:t>
-            </a:r>
-          </a:p>
-        </p:txBody>
-      </p:sp>
-      <p:sp>
-        <p:nvSpPr>
-          <p:cNvPr id="121" name="Oval 120">
-            <a:extLst>
-              <a:ext uri="{FF2B5EF4-FFF2-40B4-BE49-F238E27FC236}">
-                <a16:creationId xmlns:a16="http://schemas.microsoft.com/office/drawing/2014/main" id="{DEA389F3-A03A-56EA-9549-1596E4EA6CCE}"/>
+                <a16:creationId xmlns:a16="http://schemas.microsoft.com/office/drawing/2014/main" id="{000ADBDA-35F7-D6A6-B54A-DA4C2E635821}"/>
               </a:ext>
             </a:extLst>
           </p:cNvPr>
@@ -6349,17 +8878,19 @@
         </p:nvSpPr>
         <p:spPr>
           <a:xfrm>
-            <a:off x="1205074" y="627068"/>
+            <a:off x="4657690" y="780692"/>
             <a:ext cx="36000" cy="36000"/>
           </a:xfrm>
           <a:prstGeom prst="ellipse">
             <a:avLst/>
           </a:prstGeom>
           <a:solidFill>
-            <a:srgbClr val="FF4005"/>
+            <a:srgbClr val="028D89"/>
           </a:solidFill>
           <a:ln>
-            <a:noFill/>
+            <a:solidFill>
+              <a:srgbClr val="028D89"/>
+            </a:solidFill>
           </a:ln>
         </p:spPr>
         <p:style>
@@ -6389,10 +8920,10 @@
       </p:sp>
       <p:sp>
         <p:nvSpPr>
-          <p:cNvPr id="122" name="Oval 121">
+          <p:cNvPr id="177" name="Oval 176">
             <a:extLst>
               <a:ext uri="{FF2B5EF4-FFF2-40B4-BE49-F238E27FC236}">
-                <a16:creationId xmlns:a16="http://schemas.microsoft.com/office/drawing/2014/main" id="{4078C05C-252D-0CD4-76D1-527A2C7B2E56}"/>
+                <a16:creationId xmlns:a16="http://schemas.microsoft.com/office/drawing/2014/main" id="{190001C4-5242-8854-5038-39D326129331}"/>
               </a:ext>
             </a:extLst>
           </p:cNvPr>
@@ -6401,17 +8932,19 @@
         </p:nvSpPr>
         <p:spPr>
           <a:xfrm>
-            <a:off x="1749326" y="627068"/>
+            <a:off x="5201942" y="780692"/>
             <a:ext cx="36000" cy="36000"/>
           </a:xfrm>
           <a:prstGeom prst="ellipse">
             <a:avLst/>
           </a:prstGeom>
           <a:solidFill>
-            <a:srgbClr val="028D89"/>
+            <a:srgbClr val="FF4005"/>
           </a:solidFill>
           <a:ln>
-            <a:noFill/>
+            <a:solidFill>
+              <a:srgbClr val="FF4005"/>
+            </a:solidFill>
           </a:ln>
         </p:spPr>
         <p:style>
@@ -6441,10 +8974,10 @@
       </p:sp>
       <p:sp>
         <p:nvSpPr>
-          <p:cNvPr id="123" name="Oval 122">
+          <p:cNvPr id="178" name="Oval 177">
             <a:extLst>
               <a:ext uri="{FF2B5EF4-FFF2-40B4-BE49-F238E27FC236}">
-                <a16:creationId xmlns:a16="http://schemas.microsoft.com/office/drawing/2014/main" id="{CD75E6C3-2598-5280-69D9-E512907B4D57}"/>
+                <a16:creationId xmlns:a16="http://schemas.microsoft.com/office/drawing/2014/main" id="{9F577F40-D33F-8FD7-D2F0-515E612B7D5F}"/>
               </a:ext>
             </a:extLst>
           </p:cNvPr>
@@ -6453,7 +8986,7 @@
         </p:nvSpPr>
         <p:spPr>
           <a:xfrm>
-            <a:off x="2293578" y="627068"/>
+            <a:off x="5746194" y="780692"/>
             <a:ext cx="36000" cy="36000"/>
           </a:xfrm>
           <a:prstGeom prst="ellipse">
@@ -6463,7 +8996,9 @@
             <a:srgbClr val="686868"/>
           </a:solidFill>
           <a:ln>
-            <a:noFill/>
+            <a:solidFill>
+              <a:srgbClr val="686868"/>
+            </a:solidFill>
           </a:ln>
         </p:spPr>
         <p:style>
@@ -6491,141 +9026,12 @@
           </a:p>
         </p:txBody>
       </p:sp>
-      <p:cxnSp>
-        <p:nvCxnSpPr>
-          <p:cNvPr id="124" name="Straight Connector 123">
+      <p:sp>
+        <p:nvSpPr>
+          <p:cNvPr id="179" name="CasellaDiTesto 70">
             <a:extLst>
               <a:ext uri="{FF2B5EF4-FFF2-40B4-BE49-F238E27FC236}">
-                <a16:creationId xmlns:a16="http://schemas.microsoft.com/office/drawing/2014/main" id="{D620FB7F-C1AF-61F2-7A08-87602B7C187F}"/>
-              </a:ext>
-            </a:extLst>
-          </p:cNvPr>
-          <p:cNvCxnSpPr>
-            <a:cxnSpLocks/>
-          </p:cNvCxnSpPr>
-          <p:nvPr/>
-        </p:nvCxnSpPr>
-        <p:spPr>
-          <a:xfrm>
-            <a:off x="4256888" y="560711"/>
-            <a:ext cx="360000" cy="0"/>
-          </a:xfrm>
-          <a:prstGeom prst="line">
-            <a:avLst/>
-          </a:prstGeom>
-          <a:ln w="12700">
-            <a:solidFill>
-              <a:srgbClr val="FF4005"/>
-            </a:solidFill>
-          </a:ln>
-        </p:spPr>
-        <p:style>
-          <a:lnRef idx="1">
-            <a:schemeClr val="accent1"/>
-          </a:lnRef>
-          <a:fillRef idx="0">
-            <a:schemeClr val="accent1"/>
-          </a:fillRef>
-          <a:effectRef idx="0">
-            <a:schemeClr val="accent1"/>
-          </a:effectRef>
-          <a:fontRef idx="minor">
-            <a:schemeClr val="tx1"/>
-          </a:fontRef>
-        </p:style>
-      </p:cxnSp>
-      <p:cxnSp>
-        <p:nvCxnSpPr>
-          <p:cNvPr id="125" name="Straight Connector 124">
-            <a:extLst>
-              <a:ext uri="{FF2B5EF4-FFF2-40B4-BE49-F238E27FC236}">
-                <a16:creationId xmlns:a16="http://schemas.microsoft.com/office/drawing/2014/main" id="{CD097379-C0CF-AE93-E05E-13028A66A728}"/>
-              </a:ext>
-            </a:extLst>
-          </p:cNvPr>
-          <p:cNvCxnSpPr>
-            <a:cxnSpLocks/>
-          </p:cNvCxnSpPr>
-          <p:nvPr/>
-        </p:nvCxnSpPr>
-        <p:spPr>
-          <a:xfrm>
-            <a:off x="4797650" y="560912"/>
-            <a:ext cx="360000" cy="0"/>
-          </a:xfrm>
-          <a:prstGeom prst="line">
-            <a:avLst/>
-          </a:prstGeom>
-          <a:ln w="12700">
-            <a:solidFill>
-              <a:srgbClr val="028D89"/>
-            </a:solidFill>
-          </a:ln>
-        </p:spPr>
-        <p:style>
-          <a:lnRef idx="1">
-            <a:schemeClr val="accent1"/>
-          </a:lnRef>
-          <a:fillRef idx="0">
-            <a:schemeClr val="accent1"/>
-          </a:fillRef>
-          <a:effectRef idx="0">
-            <a:schemeClr val="accent1"/>
-          </a:effectRef>
-          <a:fontRef idx="minor">
-            <a:schemeClr val="tx1"/>
-          </a:fontRef>
-        </p:style>
-      </p:cxnSp>
-      <p:cxnSp>
-        <p:nvCxnSpPr>
-          <p:cNvPr id="126" name="Straight Connector 125">
-            <a:extLst>
-              <a:ext uri="{FF2B5EF4-FFF2-40B4-BE49-F238E27FC236}">
-                <a16:creationId xmlns:a16="http://schemas.microsoft.com/office/drawing/2014/main" id="{74066D80-9684-6D12-CF34-3BEE71407C74}"/>
-              </a:ext>
-            </a:extLst>
-          </p:cNvPr>
-          <p:cNvCxnSpPr>
-            <a:cxnSpLocks/>
-          </p:cNvCxnSpPr>
-          <p:nvPr/>
-        </p:nvCxnSpPr>
-        <p:spPr>
-          <a:xfrm>
-            <a:off x="5338412" y="560912"/>
-            <a:ext cx="360000" cy="0"/>
-          </a:xfrm>
-          <a:prstGeom prst="line">
-            <a:avLst/>
-          </a:prstGeom>
-          <a:ln w="12700">
-            <a:solidFill>
-              <a:srgbClr val="686868"/>
-            </a:solidFill>
-          </a:ln>
-        </p:spPr>
-        <p:style>
-          <a:lnRef idx="1">
-            <a:schemeClr val="accent1"/>
-          </a:lnRef>
-          <a:fillRef idx="0">
-            <a:schemeClr val="accent1"/>
-          </a:fillRef>
-          <a:effectRef idx="0">
-            <a:schemeClr val="accent1"/>
-          </a:effectRef>
-          <a:fontRef idx="minor">
-            <a:schemeClr val="tx1"/>
-          </a:fontRef>
-        </p:style>
-      </p:cxnSp>
-      <p:sp>
-        <p:nvSpPr>
-          <p:cNvPr id="127" name="CasellaDiTesto 70">
-            <a:extLst>
-              <a:ext uri="{FF2B5EF4-FFF2-40B4-BE49-F238E27FC236}">
-                <a16:creationId xmlns:a16="http://schemas.microsoft.com/office/drawing/2014/main" id="{0039658E-6943-9CD4-6B5D-F174F32FCCEE}"/>
+                <a16:creationId xmlns:a16="http://schemas.microsoft.com/office/drawing/2014/main" id="{DBB2981E-6D7A-2DB8-6F80-93ED76D95AFE}"/>
               </a:ext>
             </a:extLst>
           </p:cNvPr>
@@ -6634,882 +9040,7 @@
         </p:nvSpPr>
         <p:spPr>
           <a:xfrm>
-            <a:off x="4184558" y="324243"/>
-            <a:ext cx="504659" cy="200055"/>
-          </a:xfrm>
-          <a:prstGeom prst="rect">
-            <a:avLst/>
-          </a:prstGeom>
-          <a:noFill/>
-          <a:ln>
-            <a:noFill/>
-          </a:ln>
-        </p:spPr>
-        <p:txBody>
-          <a:bodyPr wrap="square" rtlCol="0">
-            <a:spAutoFit/>
-          </a:bodyPr>
-          <a:lstStyle/>
-          <a:p>
-            <a:pPr algn="ctr"/>
-            <a:r>
-              <a:rPr lang="it-IT" sz="700" dirty="0">
-                <a:solidFill>
-                  <a:schemeClr val="tx1">
-                    <a:lumMod val="75000"/>
-                    <a:lumOff val="25000"/>
-                  </a:schemeClr>
-                </a:solidFill>
-              </a:rPr>
-              <a:t>ENS</a:t>
-            </a:r>
-          </a:p>
-        </p:txBody>
-      </p:sp>
-      <p:sp>
-        <p:nvSpPr>
-          <p:cNvPr id="128" name="CasellaDiTesto 70">
-            <a:extLst>
-              <a:ext uri="{FF2B5EF4-FFF2-40B4-BE49-F238E27FC236}">
-                <a16:creationId xmlns:a16="http://schemas.microsoft.com/office/drawing/2014/main" id="{5066DA33-5E2C-4B7F-E182-C85F4ABCF628}"/>
-              </a:ext>
-            </a:extLst>
-          </p:cNvPr>
-          <p:cNvSpPr txBox="1"/>
-          <p:nvPr/>
-        </p:nvSpPr>
-        <p:spPr>
-          <a:xfrm>
-            <a:off x="4653465" y="270382"/>
-            <a:ext cx="641883" cy="307777"/>
-          </a:xfrm>
-          <a:prstGeom prst="rect">
-            <a:avLst/>
-          </a:prstGeom>
-          <a:noFill/>
-          <a:ln>
-            <a:noFill/>
-          </a:ln>
-        </p:spPr>
-        <p:txBody>
-          <a:bodyPr wrap="square" rtlCol="0">
-            <a:spAutoFit/>
-          </a:bodyPr>
-          <a:lstStyle/>
-          <a:p>
-            <a:pPr algn="ctr"/>
-            <a:r>
-              <a:rPr lang="it-IT" sz="700" dirty="0">
-                <a:solidFill>
-                  <a:schemeClr val="tx1">
-                    <a:lumMod val="75000"/>
-                    <a:lumOff val="25000"/>
-                  </a:schemeClr>
-                </a:solidFill>
-              </a:rPr>
-              <a:t>Multiple-WT</a:t>
-            </a:r>
-          </a:p>
-          <a:p>
-            <a:pPr algn="ctr"/>
-            <a:r>
-              <a:rPr lang="it-IT" sz="700" dirty="0">
-                <a:solidFill>
-                  <a:schemeClr val="tx1">
-                    <a:lumMod val="75000"/>
-                    <a:lumOff val="25000"/>
-                  </a:schemeClr>
-                </a:solidFill>
-              </a:rPr>
-              <a:t>ecPoint</a:t>
-            </a:r>
-          </a:p>
-        </p:txBody>
-      </p:sp>
-      <p:sp>
-        <p:nvSpPr>
-          <p:cNvPr id="129" name="CasellaDiTesto 70">
-            <a:extLst>
-              <a:ext uri="{FF2B5EF4-FFF2-40B4-BE49-F238E27FC236}">
-                <a16:creationId xmlns:a16="http://schemas.microsoft.com/office/drawing/2014/main" id="{723C6A6C-D416-1FFD-6971-61481695F9A0}"/>
-              </a:ext>
-            </a:extLst>
-          </p:cNvPr>
-          <p:cNvSpPr txBox="1"/>
-          <p:nvPr/>
-        </p:nvSpPr>
-        <p:spPr>
-          <a:xfrm>
-            <a:off x="5197469" y="270382"/>
-            <a:ext cx="641883" cy="307777"/>
-          </a:xfrm>
-          <a:prstGeom prst="rect">
-            <a:avLst/>
-          </a:prstGeom>
-          <a:noFill/>
-          <a:ln>
-            <a:noFill/>
-          </a:ln>
-        </p:spPr>
-        <p:txBody>
-          <a:bodyPr wrap="square" rtlCol="0">
-            <a:spAutoFit/>
-          </a:bodyPr>
-          <a:lstStyle/>
-          <a:p>
-            <a:pPr algn="ctr"/>
-            <a:r>
-              <a:rPr lang="it-IT" sz="700" dirty="0">
-                <a:solidFill>
-                  <a:schemeClr val="tx1">
-                    <a:lumMod val="75000"/>
-                    <a:lumOff val="25000"/>
-                  </a:schemeClr>
-                </a:solidFill>
-              </a:rPr>
-              <a:t>Single-WT</a:t>
-            </a:r>
-          </a:p>
-          <a:p>
-            <a:pPr algn="ctr"/>
-            <a:r>
-              <a:rPr lang="it-IT" sz="700" dirty="0">
-                <a:solidFill>
-                  <a:schemeClr val="tx1">
-                    <a:lumMod val="75000"/>
-                    <a:lumOff val="25000"/>
-                  </a:schemeClr>
-                </a:solidFill>
-              </a:rPr>
-              <a:t>ecPoint</a:t>
-            </a:r>
-          </a:p>
-        </p:txBody>
-      </p:sp>
-      <p:sp>
-        <p:nvSpPr>
-          <p:cNvPr id="130" name="CasellaDiTesto 70">
-            <a:extLst>
-              <a:ext uri="{FF2B5EF4-FFF2-40B4-BE49-F238E27FC236}">
-                <a16:creationId xmlns:a16="http://schemas.microsoft.com/office/drawing/2014/main" id="{DCD162B3-DC7C-A615-EE50-87E591C8BC07}"/>
-              </a:ext>
-            </a:extLst>
-          </p:cNvPr>
-          <p:cNvSpPr txBox="1"/>
-          <p:nvPr/>
-        </p:nvSpPr>
-        <p:spPr>
-          <a:xfrm>
-            <a:off x="5708428" y="449492"/>
-            <a:ext cx="504659" cy="200055"/>
-          </a:xfrm>
-          <a:prstGeom prst="rect">
-            <a:avLst/>
-          </a:prstGeom>
-          <a:noFill/>
-          <a:ln>
-            <a:noFill/>
-          </a:ln>
-        </p:spPr>
-        <p:txBody>
-          <a:bodyPr wrap="square" rtlCol="0">
-            <a:spAutoFit/>
-          </a:bodyPr>
-          <a:lstStyle/>
-          <a:p>
-            <a:pPr algn="ctr"/>
-            <a:r>
-              <a:rPr lang="it-IT" sz="700" dirty="0">
-                <a:solidFill>
-                  <a:schemeClr val="tx1">
-                    <a:lumMod val="75000"/>
-                    <a:lumOff val="25000"/>
-                  </a:schemeClr>
-                </a:solidFill>
-              </a:rPr>
-              <a:t>AROC</a:t>
-            </a:r>
-            <a:r>
-              <a:rPr lang="it-IT" sz="700" baseline="-25000" dirty="0">
-                <a:solidFill>
-                  <a:schemeClr val="tx1">
-                    <a:lumMod val="75000"/>
-                    <a:lumOff val="25000"/>
-                  </a:schemeClr>
-                </a:solidFill>
-              </a:rPr>
-              <a:t>t</a:t>
-            </a:r>
-          </a:p>
-        </p:txBody>
-      </p:sp>
-      <p:sp>
-        <p:nvSpPr>
-          <p:cNvPr id="131" name="Oval 130">
-            <a:extLst>
-              <a:ext uri="{FF2B5EF4-FFF2-40B4-BE49-F238E27FC236}">
-                <a16:creationId xmlns:a16="http://schemas.microsoft.com/office/drawing/2014/main" id="{69BA39E5-0041-8DC1-61DA-E6F8498299AE}"/>
-              </a:ext>
-            </a:extLst>
-          </p:cNvPr>
-          <p:cNvSpPr/>
-          <p:nvPr/>
-        </p:nvSpPr>
-        <p:spPr>
-          <a:xfrm>
-            <a:off x="4415644" y="546269"/>
-            <a:ext cx="36000" cy="36000"/>
-          </a:xfrm>
-          <a:prstGeom prst="ellipse">
-            <a:avLst/>
-          </a:prstGeom>
-          <a:solidFill>
-            <a:srgbClr val="FF4005"/>
-          </a:solidFill>
-          <a:ln>
-            <a:noFill/>
-          </a:ln>
-        </p:spPr>
-        <p:style>
-          <a:lnRef idx="2">
-            <a:schemeClr val="accent1">
-              <a:shade val="50000"/>
-            </a:schemeClr>
-          </a:lnRef>
-          <a:fillRef idx="1">
-            <a:schemeClr val="accent1"/>
-          </a:fillRef>
-          <a:effectRef idx="0">
-            <a:schemeClr val="accent1"/>
-          </a:effectRef>
-          <a:fontRef idx="minor">
-            <a:schemeClr val="lt1"/>
-          </a:fontRef>
-        </p:style>
-        <p:txBody>
-          <a:bodyPr rtlCol="0" anchor="ctr"/>
-          <a:lstStyle/>
-          <a:p>
-            <a:pPr algn="ctr"/>
-            <a:endParaRPr lang="en-GB"/>
-          </a:p>
-        </p:txBody>
-      </p:sp>
-      <p:sp>
-        <p:nvSpPr>
-          <p:cNvPr id="132" name="Oval 131">
-            <a:extLst>
-              <a:ext uri="{FF2B5EF4-FFF2-40B4-BE49-F238E27FC236}">
-                <a16:creationId xmlns:a16="http://schemas.microsoft.com/office/drawing/2014/main" id="{7916CEFF-ACEC-EAD2-B661-E8B69DC47007}"/>
-              </a:ext>
-            </a:extLst>
-          </p:cNvPr>
-          <p:cNvSpPr/>
-          <p:nvPr/>
-        </p:nvSpPr>
-        <p:spPr>
-          <a:xfrm>
-            <a:off x="4959896" y="546269"/>
-            <a:ext cx="36000" cy="36000"/>
-          </a:xfrm>
-          <a:prstGeom prst="ellipse">
-            <a:avLst/>
-          </a:prstGeom>
-          <a:solidFill>
-            <a:srgbClr val="028D89"/>
-          </a:solidFill>
-          <a:ln>
-            <a:noFill/>
-          </a:ln>
-        </p:spPr>
-        <p:style>
-          <a:lnRef idx="2">
-            <a:schemeClr val="accent1">
-              <a:shade val="50000"/>
-            </a:schemeClr>
-          </a:lnRef>
-          <a:fillRef idx="1">
-            <a:schemeClr val="accent1"/>
-          </a:fillRef>
-          <a:effectRef idx="0">
-            <a:schemeClr val="accent1"/>
-          </a:effectRef>
-          <a:fontRef idx="minor">
-            <a:schemeClr val="lt1"/>
-          </a:fontRef>
-        </p:style>
-        <p:txBody>
-          <a:bodyPr rtlCol="0" anchor="ctr"/>
-          <a:lstStyle/>
-          <a:p>
-            <a:pPr algn="ctr"/>
-            <a:endParaRPr lang="en-GB"/>
-          </a:p>
-        </p:txBody>
-      </p:sp>
-      <p:sp>
-        <p:nvSpPr>
-          <p:cNvPr id="133" name="Oval 132">
-            <a:extLst>
-              <a:ext uri="{FF2B5EF4-FFF2-40B4-BE49-F238E27FC236}">
-                <a16:creationId xmlns:a16="http://schemas.microsoft.com/office/drawing/2014/main" id="{2D08B5C4-2E33-843E-9617-E5CCC960371A}"/>
-              </a:ext>
-            </a:extLst>
-          </p:cNvPr>
-          <p:cNvSpPr/>
-          <p:nvPr/>
-        </p:nvSpPr>
-        <p:spPr>
-          <a:xfrm>
-            <a:off x="5504148" y="546269"/>
-            <a:ext cx="36000" cy="36000"/>
-          </a:xfrm>
-          <a:prstGeom prst="ellipse">
-            <a:avLst/>
-          </a:prstGeom>
-          <a:solidFill>
-            <a:srgbClr val="686868"/>
-          </a:solidFill>
-          <a:ln>
-            <a:noFill/>
-          </a:ln>
-        </p:spPr>
-        <p:style>
-          <a:lnRef idx="2">
-            <a:schemeClr val="accent1">
-              <a:shade val="50000"/>
-            </a:schemeClr>
-          </a:lnRef>
-          <a:fillRef idx="1">
-            <a:schemeClr val="accent1"/>
-          </a:fillRef>
-          <a:effectRef idx="0">
-            <a:schemeClr val="accent1"/>
-          </a:effectRef>
-          <a:fontRef idx="minor">
-            <a:schemeClr val="lt1"/>
-          </a:fontRef>
-        </p:style>
-        <p:txBody>
-          <a:bodyPr rtlCol="0" anchor="ctr"/>
-          <a:lstStyle/>
-          <a:p>
-            <a:pPr algn="ctr"/>
-            <a:endParaRPr lang="en-GB"/>
-          </a:p>
-        </p:txBody>
-      </p:sp>
-      <p:cxnSp>
-        <p:nvCxnSpPr>
-          <p:cNvPr id="134" name="Straight Connector 133">
-            <a:extLst>
-              <a:ext uri="{FF2B5EF4-FFF2-40B4-BE49-F238E27FC236}">
-                <a16:creationId xmlns:a16="http://schemas.microsoft.com/office/drawing/2014/main" id="{F1466FC3-1648-F093-2A66-F623CAC31513}"/>
-              </a:ext>
-            </a:extLst>
-          </p:cNvPr>
-          <p:cNvCxnSpPr>
-            <a:cxnSpLocks/>
-          </p:cNvCxnSpPr>
-          <p:nvPr/>
-        </p:nvCxnSpPr>
-        <p:spPr>
-          <a:xfrm>
-            <a:off x="4256888" y="660664"/>
-            <a:ext cx="360000" cy="0"/>
-          </a:xfrm>
-          <a:prstGeom prst="line">
-            <a:avLst/>
-          </a:prstGeom>
-          <a:ln w="12700">
-            <a:solidFill>
-              <a:srgbClr val="FF4005"/>
-            </a:solidFill>
-            <a:prstDash val="sysDash"/>
-          </a:ln>
-        </p:spPr>
-        <p:style>
-          <a:lnRef idx="1">
-            <a:schemeClr val="accent1"/>
-          </a:lnRef>
-          <a:fillRef idx="0">
-            <a:schemeClr val="accent1"/>
-          </a:fillRef>
-          <a:effectRef idx="0">
-            <a:schemeClr val="accent1"/>
-          </a:effectRef>
-          <a:fontRef idx="minor">
-            <a:schemeClr val="tx1"/>
-          </a:fontRef>
-        </p:style>
-      </p:cxnSp>
-      <p:cxnSp>
-        <p:nvCxnSpPr>
-          <p:cNvPr id="135" name="Straight Connector 134">
-            <a:extLst>
-              <a:ext uri="{FF2B5EF4-FFF2-40B4-BE49-F238E27FC236}">
-                <a16:creationId xmlns:a16="http://schemas.microsoft.com/office/drawing/2014/main" id="{1C4D16C3-5E0C-2F52-2BD9-5D3A7D87A5D1}"/>
-              </a:ext>
-            </a:extLst>
-          </p:cNvPr>
-          <p:cNvCxnSpPr>
-            <a:cxnSpLocks/>
-          </p:cNvCxnSpPr>
-          <p:nvPr/>
-        </p:nvCxnSpPr>
-        <p:spPr>
-          <a:xfrm>
-            <a:off x="4797650" y="660865"/>
-            <a:ext cx="360000" cy="0"/>
-          </a:xfrm>
-          <a:prstGeom prst="line">
-            <a:avLst/>
-          </a:prstGeom>
-          <a:ln w="12700">
-            <a:solidFill>
-              <a:srgbClr val="028D89"/>
-            </a:solidFill>
-            <a:prstDash val="sysDash"/>
-          </a:ln>
-        </p:spPr>
-        <p:style>
-          <a:lnRef idx="1">
-            <a:schemeClr val="accent1"/>
-          </a:lnRef>
-          <a:fillRef idx="0">
-            <a:schemeClr val="accent1"/>
-          </a:fillRef>
-          <a:effectRef idx="0">
-            <a:schemeClr val="accent1"/>
-          </a:effectRef>
-          <a:fontRef idx="minor">
-            <a:schemeClr val="tx1"/>
-          </a:fontRef>
-        </p:style>
-      </p:cxnSp>
-      <p:cxnSp>
-        <p:nvCxnSpPr>
-          <p:cNvPr id="136" name="Straight Connector 135">
-            <a:extLst>
-              <a:ext uri="{FF2B5EF4-FFF2-40B4-BE49-F238E27FC236}">
-                <a16:creationId xmlns:a16="http://schemas.microsoft.com/office/drawing/2014/main" id="{723583CE-46CA-C882-A292-7041545B4C25}"/>
-              </a:ext>
-            </a:extLst>
-          </p:cNvPr>
-          <p:cNvCxnSpPr>
-            <a:cxnSpLocks/>
-          </p:cNvCxnSpPr>
-          <p:nvPr/>
-        </p:nvCxnSpPr>
-        <p:spPr>
-          <a:xfrm>
-            <a:off x="5338412" y="660865"/>
-            <a:ext cx="360000" cy="0"/>
-          </a:xfrm>
-          <a:prstGeom prst="line">
-            <a:avLst/>
-          </a:prstGeom>
-          <a:ln w="12700">
-            <a:solidFill>
-              <a:srgbClr val="686868"/>
-            </a:solidFill>
-            <a:prstDash val="sysDash"/>
-          </a:ln>
-        </p:spPr>
-        <p:style>
-          <a:lnRef idx="1">
-            <a:schemeClr val="accent1"/>
-          </a:lnRef>
-          <a:fillRef idx="0">
-            <a:schemeClr val="accent1"/>
-          </a:fillRef>
-          <a:effectRef idx="0">
-            <a:schemeClr val="accent1"/>
-          </a:effectRef>
-          <a:fontRef idx="minor">
-            <a:schemeClr val="tx1"/>
-          </a:fontRef>
-        </p:style>
-      </p:cxnSp>
-      <p:sp>
-        <p:nvSpPr>
-          <p:cNvPr id="137" name="Rectangle 136">
-            <a:extLst>
-              <a:ext uri="{FF2B5EF4-FFF2-40B4-BE49-F238E27FC236}">
-                <a16:creationId xmlns:a16="http://schemas.microsoft.com/office/drawing/2014/main" id="{3D7E5A1B-B583-2E36-A03F-CDEFFD8DA85B}"/>
-              </a:ext>
-            </a:extLst>
-          </p:cNvPr>
-          <p:cNvSpPr/>
-          <p:nvPr/>
-        </p:nvSpPr>
-        <p:spPr>
-          <a:xfrm>
-            <a:off x="4256888" y="734706"/>
-            <a:ext cx="360000" cy="90000"/>
-          </a:xfrm>
-          <a:prstGeom prst="rect">
-            <a:avLst/>
-          </a:prstGeom>
-          <a:solidFill>
-            <a:srgbClr val="FF4005">
-              <a:alpha val="20000"/>
-            </a:srgbClr>
-          </a:solidFill>
-          <a:ln>
-            <a:noFill/>
-          </a:ln>
-        </p:spPr>
-        <p:style>
-          <a:lnRef idx="2">
-            <a:schemeClr val="accent1">
-              <a:shade val="50000"/>
-            </a:schemeClr>
-          </a:lnRef>
-          <a:fillRef idx="1">
-            <a:schemeClr val="accent1"/>
-          </a:fillRef>
-          <a:effectRef idx="0">
-            <a:schemeClr val="accent1"/>
-          </a:effectRef>
-          <a:fontRef idx="minor">
-            <a:schemeClr val="lt1"/>
-          </a:fontRef>
-        </p:style>
-        <p:txBody>
-          <a:bodyPr rtlCol="0" anchor="ctr"/>
-          <a:lstStyle/>
-          <a:p>
-            <a:pPr algn="ctr"/>
-            <a:endParaRPr lang="en-GB"/>
-          </a:p>
-        </p:txBody>
-      </p:sp>
-      <p:sp>
-        <p:nvSpPr>
-          <p:cNvPr id="138" name="Rectangle 137">
-            <a:extLst>
-              <a:ext uri="{FF2B5EF4-FFF2-40B4-BE49-F238E27FC236}">
-                <a16:creationId xmlns:a16="http://schemas.microsoft.com/office/drawing/2014/main" id="{43977596-82D2-C768-0655-A78DC7751307}"/>
-              </a:ext>
-            </a:extLst>
-          </p:cNvPr>
-          <p:cNvSpPr/>
-          <p:nvPr/>
-        </p:nvSpPr>
-        <p:spPr>
-          <a:xfrm>
-            <a:off x="4797650" y="734706"/>
-            <a:ext cx="360000" cy="90000"/>
-          </a:xfrm>
-          <a:prstGeom prst="rect">
-            <a:avLst/>
-          </a:prstGeom>
-          <a:solidFill>
-            <a:srgbClr val="028D89">
-              <a:alpha val="20000"/>
-            </a:srgbClr>
-          </a:solidFill>
-          <a:ln>
-            <a:noFill/>
-          </a:ln>
-        </p:spPr>
-        <p:style>
-          <a:lnRef idx="2">
-            <a:schemeClr val="accent1">
-              <a:shade val="50000"/>
-            </a:schemeClr>
-          </a:lnRef>
-          <a:fillRef idx="1">
-            <a:schemeClr val="accent1"/>
-          </a:fillRef>
-          <a:effectRef idx="0">
-            <a:schemeClr val="accent1"/>
-          </a:effectRef>
-          <a:fontRef idx="minor">
-            <a:schemeClr val="lt1"/>
-          </a:fontRef>
-        </p:style>
-        <p:txBody>
-          <a:bodyPr rtlCol="0" anchor="ctr"/>
-          <a:lstStyle/>
-          <a:p>
-            <a:pPr algn="ctr"/>
-            <a:endParaRPr lang="en-GB"/>
-          </a:p>
-        </p:txBody>
-      </p:sp>
-      <p:sp>
-        <p:nvSpPr>
-          <p:cNvPr id="139" name="Rectangle 138">
-            <a:extLst>
-              <a:ext uri="{FF2B5EF4-FFF2-40B4-BE49-F238E27FC236}">
-                <a16:creationId xmlns:a16="http://schemas.microsoft.com/office/drawing/2014/main" id="{BDE08F5E-999C-86E7-3554-2B30AD3A1DAA}"/>
-              </a:ext>
-            </a:extLst>
-          </p:cNvPr>
-          <p:cNvSpPr/>
-          <p:nvPr/>
-        </p:nvSpPr>
-        <p:spPr>
-          <a:xfrm>
-            <a:off x="5338411" y="734706"/>
-            <a:ext cx="360000" cy="90000"/>
-          </a:xfrm>
-          <a:prstGeom prst="rect">
-            <a:avLst/>
-          </a:prstGeom>
-          <a:solidFill>
-            <a:srgbClr val="686868">
-              <a:alpha val="20000"/>
-            </a:srgbClr>
-          </a:solidFill>
-          <a:ln>
-            <a:noFill/>
-          </a:ln>
-        </p:spPr>
-        <p:style>
-          <a:lnRef idx="2">
-            <a:schemeClr val="accent1">
-              <a:shade val="50000"/>
-            </a:schemeClr>
-          </a:lnRef>
-          <a:fillRef idx="1">
-            <a:schemeClr val="accent1"/>
-          </a:fillRef>
-          <a:effectRef idx="0">
-            <a:schemeClr val="accent1"/>
-          </a:effectRef>
-          <a:fontRef idx="minor">
-            <a:schemeClr val="lt1"/>
-          </a:fontRef>
-        </p:style>
-        <p:txBody>
-          <a:bodyPr rtlCol="0" anchor="ctr"/>
-          <a:lstStyle/>
-          <a:p>
-            <a:pPr algn="ctr"/>
-            <a:endParaRPr lang="en-GB"/>
-          </a:p>
-        </p:txBody>
-      </p:sp>
-      <p:sp>
-        <p:nvSpPr>
-          <p:cNvPr id="140" name="CasellaDiTesto 70">
-            <a:extLst>
-              <a:ext uri="{FF2B5EF4-FFF2-40B4-BE49-F238E27FC236}">
-                <a16:creationId xmlns:a16="http://schemas.microsoft.com/office/drawing/2014/main" id="{98FC5024-FAA5-13C3-F808-52CD00569318}"/>
-              </a:ext>
-            </a:extLst>
-          </p:cNvPr>
-          <p:cNvSpPr txBox="1"/>
-          <p:nvPr/>
-        </p:nvSpPr>
-        <p:spPr>
-          <a:xfrm>
-            <a:off x="5708428" y="677208"/>
-            <a:ext cx="504659" cy="200055"/>
-          </a:xfrm>
-          <a:prstGeom prst="rect">
-            <a:avLst/>
-          </a:prstGeom>
-          <a:noFill/>
-          <a:ln>
-            <a:noFill/>
-          </a:ln>
-        </p:spPr>
-        <p:txBody>
-          <a:bodyPr wrap="square" rtlCol="0">
-            <a:spAutoFit/>
-          </a:bodyPr>
-          <a:lstStyle/>
-          <a:p>
-            <a:pPr algn="ctr"/>
-            <a:r>
-              <a:rPr lang="it-IT" sz="700" dirty="0">
-                <a:solidFill>
-                  <a:schemeClr val="tx1">
-                    <a:lumMod val="75000"/>
-                    <a:lumOff val="25000"/>
-                  </a:schemeClr>
-                </a:solidFill>
-              </a:rPr>
-              <a:t>99% CI</a:t>
-            </a:r>
-          </a:p>
-        </p:txBody>
-      </p:sp>
-      <p:sp>
-        <p:nvSpPr>
-          <p:cNvPr id="141" name="Oval 140">
-            <a:extLst>
-              <a:ext uri="{FF2B5EF4-FFF2-40B4-BE49-F238E27FC236}">
-                <a16:creationId xmlns:a16="http://schemas.microsoft.com/office/drawing/2014/main" id="{55B8B5CA-97B0-2064-91E5-7DF7DCD3781D}"/>
-              </a:ext>
-            </a:extLst>
-          </p:cNvPr>
-          <p:cNvSpPr/>
-          <p:nvPr/>
-        </p:nvSpPr>
-        <p:spPr>
-          <a:xfrm>
-            <a:off x="4415644" y="646222"/>
-            <a:ext cx="36000" cy="36000"/>
-          </a:xfrm>
-          <a:prstGeom prst="ellipse">
-            <a:avLst/>
-          </a:prstGeom>
-          <a:solidFill>
-            <a:srgbClr val="FF4005"/>
-          </a:solidFill>
-          <a:ln>
-            <a:noFill/>
-          </a:ln>
-        </p:spPr>
-        <p:style>
-          <a:lnRef idx="2">
-            <a:schemeClr val="accent1">
-              <a:shade val="50000"/>
-            </a:schemeClr>
-          </a:lnRef>
-          <a:fillRef idx="1">
-            <a:schemeClr val="accent1"/>
-          </a:fillRef>
-          <a:effectRef idx="0">
-            <a:schemeClr val="accent1"/>
-          </a:effectRef>
-          <a:fontRef idx="minor">
-            <a:schemeClr val="lt1"/>
-          </a:fontRef>
-        </p:style>
-        <p:txBody>
-          <a:bodyPr rtlCol="0" anchor="ctr"/>
-          <a:lstStyle/>
-          <a:p>
-            <a:pPr algn="ctr"/>
-            <a:endParaRPr lang="en-GB"/>
-          </a:p>
-        </p:txBody>
-      </p:sp>
-      <p:sp>
-        <p:nvSpPr>
-          <p:cNvPr id="142" name="Oval 141">
-            <a:extLst>
-              <a:ext uri="{FF2B5EF4-FFF2-40B4-BE49-F238E27FC236}">
-                <a16:creationId xmlns:a16="http://schemas.microsoft.com/office/drawing/2014/main" id="{AA913FD2-BD8A-F483-2879-F665C994B8E1}"/>
-              </a:ext>
-            </a:extLst>
-          </p:cNvPr>
-          <p:cNvSpPr/>
-          <p:nvPr/>
-        </p:nvSpPr>
-        <p:spPr>
-          <a:xfrm>
-            <a:off x="4959896" y="646222"/>
-            <a:ext cx="36000" cy="36000"/>
-          </a:xfrm>
-          <a:prstGeom prst="ellipse">
-            <a:avLst/>
-          </a:prstGeom>
-          <a:solidFill>
-            <a:srgbClr val="028D89"/>
-          </a:solidFill>
-          <a:ln>
-            <a:noFill/>
-          </a:ln>
-        </p:spPr>
-        <p:style>
-          <a:lnRef idx="2">
-            <a:schemeClr val="accent1">
-              <a:shade val="50000"/>
-            </a:schemeClr>
-          </a:lnRef>
-          <a:fillRef idx="1">
-            <a:schemeClr val="accent1"/>
-          </a:fillRef>
-          <a:effectRef idx="0">
-            <a:schemeClr val="accent1"/>
-          </a:effectRef>
-          <a:fontRef idx="minor">
-            <a:schemeClr val="lt1"/>
-          </a:fontRef>
-        </p:style>
-        <p:txBody>
-          <a:bodyPr rtlCol="0" anchor="ctr"/>
-          <a:lstStyle/>
-          <a:p>
-            <a:pPr algn="ctr"/>
-            <a:endParaRPr lang="en-GB"/>
-          </a:p>
-        </p:txBody>
-      </p:sp>
-      <p:sp>
-        <p:nvSpPr>
-          <p:cNvPr id="143" name="Oval 142">
-            <a:extLst>
-              <a:ext uri="{FF2B5EF4-FFF2-40B4-BE49-F238E27FC236}">
-                <a16:creationId xmlns:a16="http://schemas.microsoft.com/office/drawing/2014/main" id="{F1295A71-7119-A3D6-FA50-129DFD222859}"/>
-              </a:ext>
-            </a:extLst>
-          </p:cNvPr>
-          <p:cNvSpPr/>
-          <p:nvPr/>
-        </p:nvSpPr>
-        <p:spPr>
-          <a:xfrm>
-            <a:off x="5504148" y="646222"/>
-            <a:ext cx="36000" cy="36000"/>
-          </a:xfrm>
-          <a:prstGeom prst="ellipse">
-            <a:avLst/>
-          </a:prstGeom>
-          <a:solidFill>
-            <a:srgbClr val="686868"/>
-          </a:solidFill>
-          <a:ln>
-            <a:noFill/>
-          </a:ln>
-        </p:spPr>
-        <p:style>
-          <a:lnRef idx="2">
-            <a:schemeClr val="accent1">
-              <a:shade val="50000"/>
-            </a:schemeClr>
-          </a:lnRef>
-          <a:fillRef idx="1">
-            <a:schemeClr val="accent1"/>
-          </a:fillRef>
-          <a:effectRef idx="0">
-            <a:schemeClr val="accent1"/>
-          </a:effectRef>
-          <a:fontRef idx="minor">
-            <a:schemeClr val="lt1"/>
-          </a:fontRef>
-        </p:style>
-        <p:txBody>
-          <a:bodyPr rtlCol="0" anchor="ctr"/>
-          <a:lstStyle/>
-          <a:p>
-            <a:pPr algn="ctr"/>
-            <a:endParaRPr lang="en-GB"/>
-          </a:p>
-        </p:txBody>
-      </p:sp>
-      <p:sp>
-        <p:nvSpPr>
-          <p:cNvPr id="144" name="CasellaDiTesto 70">
-            <a:extLst>
-              <a:ext uri="{FF2B5EF4-FFF2-40B4-BE49-F238E27FC236}">
-                <a16:creationId xmlns:a16="http://schemas.microsoft.com/office/drawing/2014/main" id="{21AA4A53-822F-1591-78A3-B762FDFD14EB}"/>
-              </a:ext>
-            </a:extLst>
-          </p:cNvPr>
-          <p:cNvSpPr txBox="1"/>
-          <p:nvPr/>
-        </p:nvSpPr>
-        <p:spPr>
-          <a:xfrm>
-            <a:off x="5708428" y="567894"/>
+            <a:off x="5950474" y="702364"/>
             <a:ext cx="504659" cy="200055"/>
           </a:xfrm>
           <a:prstGeom prst="rect">
@@ -7820,7 +9351,7 @@
   <a:extraClrSchemeLst/>
   <a:extLst>
     <a:ext uri="{05A4C25C-085E-4340-85A3-A5531E510DB2}">
-      <thm15:themeFamily xmlns:thm15="http://schemas.microsoft.com/office/thememl/2012/main" name="Office Theme 2013 - 2022" id="{62F939B6-93AF-4DB8-9C6B-D6C7DFDC589F}" vid="{4A3C46E8-61CC-4603-A589-7422A47A8E4A}"/>
+      <thm15:themeFamily xmlns:thm15="http://schemas.microsoft.com/office/thememl/2012/main" name="Office 2013 - 2022 Theme" id="{62F939B6-93AF-4DB8-9C6B-D6C7DFDC589F}" vid="{4A3C46E8-61CC-4603-A589-7422A47A8E4A}"/>
     </a:ext>
   </a:extLst>
 </a:theme>
